--- a/borderland/2-urea/presentation/urea.pptx
+++ b/borderland/2-urea/presentation/urea.pptx
@@ -5,30 +5,39 @@
     <p:sldMasterId id="2147483648" r:id="rId1"/>
   </p:sldMasterIdLst>
   <p:notesMasterIdLst>
-    <p:notesMasterId r:id="rId23"/>
+    <p:notesMasterId r:id="rId32"/>
   </p:notesMasterIdLst>
   <p:sldIdLst>
     <p:sldId id="256" r:id="rId2"/>
-    <p:sldId id="257" r:id="rId3"/>
-    <p:sldId id="259" r:id="rId4"/>
-    <p:sldId id="260" r:id="rId5"/>
-    <p:sldId id="261" r:id="rId6"/>
-    <p:sldId id="262" r:id="rId7"/>
-    <p:sldId id="269" r:id="rId8"/>
-    <p:sldId id="275" r:id="rId9"/>
-    <p:sldId id="277" r:id="rId10"/>
-    <p:sldId id="276" r:id="rId11"/>
-    <p:sldId id="274" r:id="rId12"/>
-    <p:sldId id="263" r:id="rId13"/>
-    <p:sldId id="272" r:id="rId14"/>
-    <p:sldId id="267" r:id="rId15"/>
-    <p:sldId id="265" r:id="rId16"/>
-    <p:sldId id="273" r:id="rId17"/>
-    <p:sldId id="271" r:id="rId18"/>
-    <p:sldId id="264" r:id="rId19"/>
-    <p:sldId id="266" r:id="rId20"/>
-    <p:sldId id="268" r:id="rId21"/>
-    <p:sldId id="278" r:id="rId22"/>
+    <p:sldId id="280" r:id="rId3"/>
+    <p:sldId id="281" r:id="rId4"/>
+    <p:sldId id="257" r:id="rId5"/>
+    <p:sldId id="259" r:id="rId6"/>
+    <p:sldId id="260" r:id="rId7"/>
+    <p:sldId id="261" r:id="rId8"/>
+    <p:sldId id="262" r:id="rId9"/>
+    <p:sldId id="269" r:id="rId10"/>
+    <p:sldId id="282" r:id="rId11"/>
+    <p:sldId id="275" r:id="rId12"/>
+    <p:sldId id="277" r:id="rId13"/>
+    <p:sldId id="276" r:id="rId14"/>
+    <p:sldId id="274" r:id="rId15"/>
+    <p:sldId id="284" r:id="rId16"/>
+    <p:sldId id="267" r:id="rId17"/>
+    <p:sldId id="279" r:id="rId18"/>
+    <p:sldId id="283" r:id="rId19"/>
+    <p:sldId id="263" r:id="rId20"/>
+    <p:sldId id="265" r:id="rId21"/>
+    <p:sldId id="291" r:id="rId22"/>
+    <p:sldId id="292" r:id="rId23"/>
+    <p:sldId id="286" r:id="rId24"/>
+    <p:sldId id="273" r:id="rId25"/>
+    <p:sldId id="271" r:id="rId26"/>
+    <p:sldId id="264" r:id="rId27"/>
+    <p:sldId id="287" r:id="rId28"/>
+    <p:sldId id="266" r:id="rId29"/>
+    <p:sldId id="268" r:id="rId30"/>
+    <p:sldId id="278" r:id="rId31"/>
   </p:sldIdLst>
   <p:sldSz cx="12192000" cy="6858000"/>
   <p:notesSz cx="6858000" cy="9144000"/>
@@ -133,23 +142,32 @@
         <p14:section name="Default Section" id="{A084858A-5FC9-4FB8-9A70-32078733FC8E}">
           <p14:sldIdLst>
             <p14:sldId id="256"/>
+            <p14:sldId id="280"/>
+            <p14:sldId id="281"/>
             <p14:sldId id="257"/>
             <p14:sldId id="259"/>
             <p14:sldId id="260"/>
             <p14:sldId id="261"/>
             <p14:sldId id="262"/>
             <p14:sldId id="269"/>
+            <p14:sldId id="282"/>
             <p14:sldId id="275"/>
             <p14:sldId id="277"/>
             <p14:sldId id="276"/>
             <p14:sldId id="274"/>
+            <p14:sldId id="284"/>
+            <p14:sldId id="267"/>
+            <p14:sldId id="279"/>
+            <p14:sldId id="283"/>
             <p14:sldId id="263"/>
-            <p14:sldId id="272"/>
-            <p14:sldId id="267"/>
             <p14:sldId id="265"/>
+            <p14:sldId id="291"/>
+            <p14:sldId id="292"/>
+            <p14:sldId id="286"/>
             <p14:sldId id="273"/>
             <p14:sldId id="271"/>
             <p14:sldId id="264"/>
+            <p14:sldId id="287"/>
             <p14:sldId id="266"/>
             <p14:sldId id="268"/>
             <p14:sldId id="278"/>
@@ -246,7 +264,7 @@
           <a:p>
             <a:fld id="{E7E16278-58A7-493D-BC41-ED0D01DC0F3D}" type="datetimeFigureOut">
               <a:rPr lang="en-US" smtClean="0"/>
-              <a:t>9/26/2025</a:t>
+              <a:t>2025-09-26</a:t>
             </a:fld>
             <a:endParaRPr lang="en-US"/>
           </a:p>
@@ -578,7 +596,7 @@
           <a:p>
             <a:fld id="{39B0D423-1062-4D44-828B-BFEF85F303DF}" type="slidenum">
               <a:rPr lang="en-US" smtClean="0"/>
-              <a:t>14</a:t>
+              <a:t>16</a:t>
             </a:fld>
             <a:endParaRPr lang="en-US"/>
           </a:p>
@@ -588,6 +606,559 @@
     <p:extLst>
       <p:ext uri="{BB962C8B-B14F-4D97-AF65-F5344CB8AC3E}">
         <p14:creationId xmlns:p14="http://schemas.microsoft.com/office/powerpoint/2010/main" val="1598009394"/>
+      </p:ext>
+    </p:extLst>
+  </p:cSld>
+  <p:clrMapOvr>
+    <a:masterClrMapping/>
+  </p:clrMapOvr>
+</p:notes>
+</file>
+
+<file path=ppt/notesSlides/notesSlide2.xml><?xml version="1.0" encoding="utf-8"?>
+<p:notes xmlns:a="http://schemas.openxmlformats.org/drawingml/2006/main" xmlns:r="http://schemas.openxmlformats.org/officeDocument/2006/relationships" xmlns:p="http://schemas.openxmlformats.org/presentationml/2006/main">
+  <p:cSld>
+    <p:spTree>
+      <p:nvGrpSpPr>
+        <p:cNvPr id="1" name=""/>
+        <p:cNvGrpSpPr/>
+        <p:nvPr/>
+      </p:nvGrpSpPr>
+      <p:grpSpPr>
+        <a:xfrm>
+          <a:off x="0" y="0"/>
+          <a:ext cx="0" cy="0"/>
+          <a:chOff x="0" y="0"/>
+          <a:chExt cx="0" cy="0"/>
+        </a:xfrm>
+      </p:grpSpPr>
+      <p:sp>
+        <p:nvSpPr>
+          <p:cNvPr id="2" name="Slide Image Placeholder 1"/>
+          <p:cNvSpPr>
+            <a:spLocks noGrp="1" noRot="1" noChangeAspect="1"/>
+          </p:cNvSpPr>
+          <p:nvPr>
+            <p:ph type="sldImg"/>
+          </p:nvPr>
+        </p:nvSpPr>
+        <p:spPr/>
+      </p:sp>
+      <p:sp>
+        <p:nvSpPr>
+          <p:cNvPr id="3" name="Notes Placeholder 2"/>
+          <p:cNvSpPr>
+            <a:spLocks noGrp="1"/>
+          </p:cNvSpPr>
+          <p:nvPr>
+            <p:ph type="body" idx="1"/>
+          </p:nvPr>
+        </p:nvSpPr>
+        <p:spPr/>
+        <p:txBody>
+          <a:bodyPr/>
+          <a:lstStyle/>
+          <a:p>
+            <a:r>
+              <a:rPr lang="en-US" dirty="0"/>
+              <a:t>IPPI, CAGR = 2.2%</a:t>
+            </a:r>
+          </a:p>
+          <a:p>
+            <a:r>
+              <a:rPr lang="en-US" dirty="0"/>
+              <a:t>Urea Price Index, CAGR = 6.0%</a:t>
+            </a:r>
+          </a:p>
+        </p:txBody>
+      </p:sp>
+      <p:sp>
+        <p:nvSpPr>
+          <p:cNvPr id="4" name="Slide Number Placeholder 3"/>
+          <p:cNvSpPr>
+            <a:spLocks noGrp="1"/>
+          </p:cNvSpPr>
+          <p:nvPr>
+            <p:ph type="sldNum" sz="quarter" idx="5"/>
+          </p:nvPr>
+        </p:nvSpPr>
+        <p:spPr/>
+        <p:txBody>
+          <a:bodyPr/>
+          <a:lstStyle/>
+          <a:p>
+            <a:fld id="{39B0D423-1062-4D44-828B-BFEF85F303DF}" type="slidenum">
+              <a:rPr lang="en-US" smtClean="0"/>
+              <a:t>17</a:t>
+            </a:fld>
+            <a:endParaRPr lang="en-US"/>
+          </a:p>
+        </p:txBody>
+      </p:sp>
+    </p:spTree>
+    <p:extLst>
+      <p:ext uri="{BB962C8B-B14F-4D97-AF65-F5344CB8AC3E}">
+        <p14:creationId xmlns:p14="http://schemas.microsoft.com/office/powerpoint/2010/main" val="2591732345"/>
+      </p:ext>
+    </p:extLst>
+  </p:cSld>
+  <p:clrMapOvr>
+    <a:masterClrMapping/>
+  </p:clrMapOvr>
+</p:notes>
+</file>
+
+<file path=ppt/notesSlides/notesSlide3.xml><?xml version="1.0" encoding="utf-8"?>
+<p:notes xmlns:a="http://schemas.openxmlformats.org/drawingml/2006/main" xmlns:r="http://schemas.openxmlformats.org/officeDocument/2006/relationships" xmlns:p="http://schemas.openxmlformats.org/presentationml/2006/main">
+  <p:cSld>
+    <p:spTree>
+      <p:nvGrpSpPr>
+        <p:cNvPr id="1" name=""/>
+        <p:cNvGrpSpPr/>
+        <p:nvPr/>
+      </p:nvGrpSpPr>
+      <p:grpSpPr>
+        <a:xfrm>
+          <a:off x="0" y="0"/>
+          <a:ext cx="0" cy="0"/>
+          <a:chOff x="0" y="0"/>
+          <a:chExt cx="0" cy="0"/>
+        </a:xfrm>
+      </p:grpSpPr>
+      <p:sp>
+        <p:nvSpPr>
+          <p:cNvPr id="2" name="Slide Image Placeholder 1"/>
+          <p:cNvSpPr>
+            <a:spLocks noGrp="1" noRot="1" noChangeAspect="1"/>
+          </p:cNvSpPr>
+          <p:nvPr>
+            <p:ph type="sldImg"/>
+          </p:nvPr>
+        </p:nvSpPr>
+        <p:spPr/>
+      </p:sp>
+      <p:sp>
+        <p:nvSpPr>
+          <p:cNvPr id="3" name="Notes Placeholder 2"/>
+          <p:cNvSpPr>
+            <a:spLocks noGrp="1"/>
+          </p:cNvSpPr>
+          <p:nvPr>
+            <p:ph type="body" idx="1"/>
+          </p:nvPr>
+        </p:nvSpPr>
+        <p:spPr/>
+        <p:txBody>
+          <a:bodyPr/>
+          <a:lstStyle/>
+          <a:p>
+            <a:pPr marL="0" marR="0" lvl="0" indent="0" algn="l" defTabSz="914400" rtl="0" eaLnBrk="1" fontAlgn="auto" latinLnBrk="0" hangingPunct="1">
+              <a:lnSpc>
+                <a:spcPct val="100000"/>
+              </a:lnSpc>
+              <a:spcBef>
+                <a:spcPts val="0"/>
+              </a:spcBef>
+              <a:spcAft>
+                <a:spcPts val="0"/>
+              </a:spcAft>
+              <a:buClrTx/>
+              <a:buSzTx/>
+              <a:buFontTx/>
+              <a:buNone/>
+              <a:tabLst/>
+              <a:defRPr/>
+            </a:pPr>
+            <a:r>
+              <a:rPr lang="en-US" dirty="0"/>
+              <a:t>Sample: 2016-Present</a:t>
+            </a:r>
+          </a:p>
+          <a:p>
+            <a:pPr marL="0" marR="0" lvl="0" indent="0" algn="l" defTabSz="914400" rtl="0" eaLnBrk="1" fontAlgn="auto" latinLnBrk="0" hangingPunct="1">
+              <a:lnSpc>
+                <a:spcPct val="100000"/>
+              </a:lnSpc>
+              <a:spcBef>
+                <a:spcPts val="0"/>
+              </a:spcBef>
+              <a:spcAft>
+                <a:spcPts val="0"/>
+              </a:spcAft>
+              <a:buClrTx/>
+              <a:buSzTx/>
+              <a:buFontTx/>
+              <a:buNone/>
+              <a:tabLst/>
+              <a:defRPr/>
+            </a:pPr>
+            <a:endParaRPr lang="en-US" dirty="0"/>
+          </a:p>
+          <a:p>
+            <a:pPr marL="0" marR="0" lvl="0" indent="0" algn="l" defTabSz="914400" rtl="0" eaLnBrk="1" fontAlgn="auto" latinLnBrk="0" hangingPunct="1">
+              <a:lnSpc>
+                <a:spcPct val="100000"/>
+              </a:lnSpc>
+              <a:spcBef>
+                <a:spcPts val="0"/>
+              </a:spcBef>
+              <a:spcAft>
+                <a:spcPts val="0"/>
+              </a:spcAft>
+              <a:buClrTx/>
+              <a:buSzTx/>
+              <a:buFontTx/>
+              <a:buNone/>
+              <a:tabLst/>
+              <a:defRPr/>
+            </a:pPr>
+            <a:r>
+              <a:rPr lang="en-US" dirty="0"/>
+              <a:t>Last Price (2025-06): $1038</a:t>
+            </a:r>
+          </a:p>
+          <a:p>
+            <a:pPr marL="0" marR="0" lvl="0" indent="0" algn="l" defTabSz="914400" rtl="0" eaLnBrk="1" fontAlgn="auto" latinLnBrk="0" hangingPunct="1">
+              <a:lnSpc>
+                <a:spcPct val="100000"/>
+              </a:lnSpc>
+              <a:spcBef>
+                <a:spcPts val="0"/>
+              </a:spcBef>
+              <a:spcAft>
+                <a:spcPts val="0"/>
+              </a:spcAft>
+              <a:buClrTx/>
+              <a:buSzTx/>
+              <a:buFontTx/>
+              <a:buNone/>
+              <a:tabLst/>
+              <a:defRPr/>
+            </a:pPr>
+            <a:endParaRPr lang="en-US" dirty="0"/>
+          </a:p>
+          <a:p>
+            <a:pPr marL="0" marR="0" lvl="0" indent="0" algn="l" defTabSz="914400" rtl="0" eaLnBrk="1" fontAlgn="auto" latinLnBrk="0" hangingPunct="1">
+              <a:lnSpc>
+                <a:spcPct val="100000"/>
+              </a:lnSpc>
+              <a:spcBef>
+                <a:spcPts val="0"/>
+              </a:spcBef>
+              <a:spcAft>
+                <a:spcPts val="0"/>
+              </a:spcAft>
+              <a:buClrTx/>
+              <a:buSzTx/>
+              <a:buFontTx/>
+              <a:buNone/>
+              <a:tabLst/>
+              <a:defRPr/>
+            </a:pPr>
+            <a:r>
+              <a:rPr lang="en-US" dirty="0"/>
+              <a:t>2026:09                   1102.20      207.196       761.39 -  1443.01</a:t>
+            </a:r>
+          </a:p>
+          <a:p>
+            <a:endParaRPr lang="en-US" dirty="0"/>
+          </a:p>
+        </p:txBody>
+      </p:sp>
+      <p:sp>
+        <p:nvSpPr>
+          <p:cNvPr id="4" name="Slide Number Placeholder 3"/>
+          <p:cNvSpPr>
+            <a:spLocks noGrp="1"/>
+          </p:cNvSpPr>
+          <p:nvPr>
+            <p:ph type="sldNum" sz="quarter" idx="5"/>
+          </p:nvPr>
+        </p:nvSpPr>
+        <p:spPr/>
+        <p:txBody>
+          <a:bodyPr/>
+          <a:lstStyle/>
+          <a:p>
+            <a:fld id="{39B0D423-1062-4D44-828B-BFEF85F303DF}" type="slidenum">
+              <a:rPr lang="en-US" smtClean="0"/>
+              <a:t>19</a:t>
+            </a:fld>
+            <a:endParaRPr lang="en-US"/>
+          </a:p>
+        </p:txBody>
+      </p:sp>
+    </p:spTree>
+    <p:extLst>
+      <p:ext uri="{BB962C8B-B14F-4D97-AF65-F5344CB8AC3E}">
+        <p14:creationId xmlns:p14="http://schemas.microsoft.com/office/powerpoint/2010/main" val="2027378675"/>
+      </p:ext>
+    </p:extLst>
+  </p:cSld>
+  <p:clrMapOvr>
+    <a:masterClrMapping/>
+  </p:clrMapOvr>
+</p:notes>
+</file>
+
+<file path=ppt/notesSlides/notesSlide4.xml><?xml version="1.0" encoding="utf-8"?>
+<p:notes xmlns:a="http://schemas.openxmlformats.org/drawingml/2006/main" xmlns:r="http://schemas.openxmlformats.org/officeDocument/2006/relationships" xmlns:p="http://schemas.openxmlformats.org/presentationml/2006/main">
+  <p:cSld>
+    <p:spTree>
+      <p:nvGrpSpPr>
+        <p:cNvPr id="1" name="">
+          <a:extLst>
+            <a:ext uri="{FF2B5EF4-FFF2-40B4-BE49-F238E27FC236}">
+              <a16:creationId xmlns:a16="http://schemas.microsoft.com/office/drawing/2014/main" id="{E32E676C-5C04-DFA4-BE7A-D31DAE0EF427}"/>
+            </a:ext>
+          </a:extLst>
+        </p:cNvPr>
+        <p:cNvGrpSpPr/>
+        <p:nvPr/>
+      </p:nvGrpSpPr>
+      <p:grpSpPr>
+        <a:xfrm>
+          <a:off x="0" y="0"/>
+          <a:ext cx="0" cy="0"/>
+          <a:chOff x="0" y="0"/>
+          <a:chExt cx="0" cy="0"/>
+        </a:xfrm>
+      </p:grpSpPr>
+      <p:sp>
+        <p:nvSpPr>
+          <p:cNvPr id="2" name="Slide Image Placeholder 1">
+            <a:extLst>
+              <a:ext uri="{FF2B5EF4-FFF2-40B4-BE49-F238E27FC236}">
+                <a16:creationId xmlns:a16="http://schemas.microsoft.com/office/drawing/2014/main" id="{C96F7025-9571-C126-8599-027630045EE5}"/>
+              </a:ext>
+            </a:extLst>
+          </p:cNvPr>
+          <p:cNvSpPr>
+            <a:spLocks noGrp="1" noRot="1" noChangeAspect="1"/>
+          </p:cNvSpPr>
+          <p:nvPr>
+            <p:ph type="sldImg"/>
+          </p:nvPr>
+        </p:nvSpPr>
+        <p:spPr/>
+      </p:sp>
+      <p:sp>
+        <p:nvSpPr>
+          <p:cNvPr id="3" name="Notes Placeholder 2">
+            <a:extLst>
+              <a:ext uri="{FF2B5EF4-FFF2-40B4-BE49-F238E27FC236}">
+                <a16:creationId xmlns:a16="http://schemas.microsoft.com/office/drawing/2014/main" id="{99C59A14-5D8B-44FF-F9E0-DA80AA107A8D}"/>
+              </a:ext>
+            </a:extLst>
+          </p:cNvPr>
+          <p:cNvSpPr>
+            <a:spLocks noGrp="1"/>
+          </p:cNvSpPr>
+          <p:nvPr>
+            <p:ph type="body" idx="1"/>
+          </p:nvPr>
+        </p:nvSpPr>
+        <p:spPr/>
+        <p:txBody>
+          <a:bodyPr/>
+          <a:lstStyle/>
+          <a:p>
+            <a:r>
+              <a:rPr lang="en-US" dirty="0"/>
+              <a:t>Sample: 2016-PRESENT</a:t>
+            </a:r>
+          </a:p>
+          <a:p>
+            <a:r>
+              <a:rPr lang="en-US" dirty="0"/>
+              <a:t>Quantile Regression</a:t>
+            </a:r>
+          </a:p>
+          <a:p>
+            <a:r>
+              <a:rPr lang="en-US" dirty="0"/>
+              <a:t>Last Price (2025-06): 575 CAD</a:t>
+            </a:r>
+          </a:p>
+          <a:p>
+            <a:endParaRPr lang="en-US" dirty="0"/>
+          </a:p>
+          <a:p>
+            <a:r>
+              <a:rPr lang="en-US" dirty="0"/>
+              <a:t>2026:09                586.791829   101.607085   418.269100 - 755.314559</a:t>
+            </a:r>
+          </a:p>
+          <a:p>
+            <a:endParaRPr lang="en-US" dirty="0"/>
+          </a:p>
+        </p:txBody>
+      </p:sp>
+      <p:sp>
+        <p:nvSpPr>
+          <p:cNvPr id="4" name="Slide Number Placeholder 3">
+            <a:extLst>
+              <a:ext uri="{FF2B5EF4-FFF2-40B4-BE49-F238E27FC236}">
+                <a16:creationId xmlns:a16="http://schemas.microsoft.com/office/drawing/2014/main" id="{86AFB4AA-65EA-59E9-BE51-F445471E23A4}"/>
+              </a:ext>
+            </a:extLst>
+          </p:cNvPr>
+          <p:cNvSpPr>
+            <a:spLocks noGrp="1"/>
+          </p:cNvSpPr>
+          <p:nvPr>
+            <p:ph type="sldNum" sz="quarter" idx="5"/>
+          </p:nvPr>
+        </p:nvSpPr>
+        <p:spPr/>
+        <p:txBody>
+          <a:bodyPr/>
+          <a:lstStyle/>
+          <a:p>
+            <a:fld id="{39B0D423-1062-4D44-828B-BFEF85F303DF}" type="slidenum">
+              <a:rPr lang="en-US" smtClean="0"/>
+              <a:t>21</a:t>
+            </a:fld>
+            <a:endParaRPr lang="en-US"/>
+          </a:p>
+        </p:txBody>
+      </p:sp>
+    </p:spTree>
+    <p:extLst>
+      <p:ext uri="{BB962C8B-B14F-4D97-AF65-F5344CB8AC3E}">
+        <p14:creationId xmlns:p14="http://schemas.microsoft.com/office/powerpoint/2010/main" val="1755985022"/>
+      </p:ext>
+    </p:extLst>
+  </p:cSld>
+  <p:clrMapOvr>
+    <a:masterClrMapping/>
+  </p:clrMapOvr>
+</p:notes>
+</file>
+
+<file path=ppt/notesSlides/notesSlide5.xml><?xml version="1.0" encoding="utf-8"?>
+<p:notes xmlns:a="http://schemas.openxmlformats.org/drawingml/2006/main" xmlns:r="http://schemas.openxmlformats.org/officeDocument/2006/relationships" xmlns:p="http://schemas.openxmlformats.org/presentationml/2006/main">
+  <p:cSld>
+    <p:spTree>
+      <p:nvGrpSpPr>
+        <p:cNvPr id="1" name="">
+          <a:extLst>
+            <a:ext uri="{FF2B5EF4-FFF2-40B4-BE49-F238E27FC236}">
+              <a16:creationId xmlns:a16="http://schemas.microsoft.com/office/drawing/2014/main" id="{CC5D0A33-A3D6-29D0-57C7-48D1304E36A3}"/>
+            </a:ext>
+          </a:extLst>
+        </p:cNvPr>
+        <p:cNvGrpSpPr/>
+        <p:nvPr/>
+      </p:nvGrpSpPr>
+      <p:grpSpPr>
+        <a:xfrm>
+          <a:off x="0" y="0"/>
+          <a:ext cx="0" cy="0"/>
+          <a:chOff x="0" y="0"/>
+          <a:chExt cx="0" cy="0"/>
+        </a:xfrm>
+      </p:grpSpPr>
+      <p:sp>
+        <p:nvSpPr>
+          <p:cNvPr id="2" name="Slide Image Placeholder 1">
+            <a:extLst>
+              <a:ext uri="{FF2B5EF4-FFF2-40B4-BE49-F238E27FC236}">
+                <a16:creationId xmlns:a16="http://schemas.microsoft.com/office/drawing/2014/main" id="{54B3EEF3-9784-8DB1-90A6-8E8E3362A768}"/>
+              </a:ext>
+            </a:extLst>
+          </p:cNvPr>
+          <p:cNvSpPr>
+            <a:spLocks noGrp="1" noRot="1" noChangeAspect="1"/>
+          </p:cNvSpPr>
+          <p:nvPr>
+            <p:ph type="sldImg"/>
+          </p:nvPr>
+        </p:nvSpPr>
+        <p:spPr/>
+      </p:sp>
+      <p:sp>
+        <p:nvSpPr>
+          <p:cNvPr id="3" name="Notes Placeholder 2">
+            <a:extLst>
+              <a:ext uri="{FF2B5EF4-FFF2-40B4-BE49-F238E27FC236}">
+                <a16:creationId xmlns:a16="http://schemas.microsoft.com/office/drawing/2014/main" id="{6A1C94B4-CD7F-A406-5256-E2FB60700ADE}"/>
+              </a:ext>
+            </a:extLst>
+          </p:cNvPr>
+          <p:cNvSpPr>
+            <a:spLocks noGrp="1"/>
+          </p:cNvSpPr>
+          <p:nvPr>
+            <p:ph type="body" idx="1"/>
+          </p:nvPr>
+        </p:nvSpPr>
+        <p:spPr/>
+        <p:txBody>
+          <a:bodyPr/>
+          <a:lstStyle/>
+          <a:p>
+            <a:r>
+              <a:rPr lang="en-US" dirty="0"/>
+              <a:t>Sample: 2016-PRESENT</a:t>
+            </a:r>
+          </a:p>
+          <a:p>
+            <a:r>
+              <a:rPr lang="en-US" dirty="0"/>
+              <a:t>Quantile Regression</a:t>
+            </a:r>
+          </a:p>
+          <a:p>
+            <a:r>
+              <a:rPr lang="en-US" dirty="0"/>
+              <a:t>Last Price (2025-06): $1038</a:t>
+            </a:r>
+          </a:p>
+          <a:p>
+            <a:endParaRPr lang="en-US" dirty="0"/>
+          </a:p>
+          <a:p>
+            <a:r>
+              <a:rPr lang="en-US" dirty="0"/>
+              <a:t>2026:09                    872.70      109.441       691.19 -  1054.22</a:t>
+            </a:r>
+          </a:p>
+        </p:txBody>
+      </p:sp>
+      <p:sp>
+        <p:nvSpPr>
+          <p:cNvPr id="4" name="Slide Number Placeholder 3">
+            <a:extLst>
+              <a:ext uri="{FF2B5EF4-FFF2-40B4-BE49-F238E27FC236}">
+                <a16:creationId xmlns:a16="http://schemas.microsoft.com/office/drawing/2014/main" id="{DAF49B3D-BF48-E72B-B100-35ADD1BE0A4F}"/>
+              </a:ext>
+            </a:extLst>
+          </p:cNvPr>
+          <p:cNvSpPr>
+            <a:spLocks noGrp="1"/>
+          </p:cNvSpPr>
+          <p:nvPr>
+            <p:ph type="sldNum" sz="quarter" idx="5"/>
+          </p:nvPr>
+        </p:nvSpPr>
+        <p:spPr/>
+        <p:txBody>
+          <a:bodyPr/>
+          <a:lstStyle/>
+          <a:p>
+            <a:fld id="{39B0D423-1062-4D44-828B-BFEF85F303DF}" type="slidenum">
+              <a:rPr lang="en-US" smtClean="0"/>
+              <a:t>22</a:t>
+            </a:fld>
+            <a:endParaRPr lang="en-US"/>
+          </a:p>
+        </p:txBody>
+      </p:sp>
+    </p:spTree>
+    <p:extLst>
+      <p:ext uri="{BB962C8B-B14F-4D97-AF65-F5344CB8AC3E}">
+        <p14:creationId xmlns:p14="http://schemas.microsoft.com/office/powerpoint/2010/main" val="808214789"/>
       </p:ext>
     </p:extLst>
   </p:cSld>
@@ -744,7 +1315,7 @@
           <a:p>
             <a:fld id="{DAC4A3B0-DC28-4825-85A8-86BBA3F63BF6}" type="datetimeFigureOut">
               <a:rPr lang="en-US" smtClean="0"/>
-              <a:t>9/26/2025</a:t>
+              <a:t>2025-09-26</a:t>
             </a:fld>
             <a:endParaRPr lang="en-US"/>
           </a:p>
@@ -942,7 +1513,7 @@
           <a:p>
             <a:fld id="{DAC4A3B0-DC28-4825-85A8-86BBA3F63BF6}" type="datetimeFigureOut">
               <a:rPr lang="en-US" smtClean="0"/>
-              <a:t>9/26/2025</a:t>
+              <a:t>2025-09-26</a:t>
             </a:fld>
             <a:endParaRPr lang="en-US"/>
           </a:p>
@@ -1150,7 +1721,7 @@
           <a:p>
             <a:fld id="{DAC4A3B0-DC28-4825-85A8-86BBA3F63BF6}" type="datetimeFigureOut">
               <a:rPr lang="en-US" smtClean="0"/>
-              <a:t>9/26/2025</a:t>
+              <a:t>2025-09-26</a:t>
             </a:fld>
             <a:endParaRPr lang="en-US"/>
           </a:p>
@@ -1348,7 +1919,7 @@
           <a:p>
             <a:fld id="{DAC4A3B0-DC28-4825-85A8-86BBA3F63BF6}" type="datetimeFigureOut">
               <a:rPr lang="en-US" smtClean="0"/>
-              <a:t>9/26/2025</a:t>
+              <a:t>2025-09-26</a:t>
             </a:fld>
             <a:endParaRPr lang="en-US"/>
           </a:p>
@@ -1623,7 +2194,7 @@
           <a:p>
             <a:fld id="{DAC4A3B0-DC28-4825-85A8-86BBA3F63BF6}" type="datetimeFigureOut">
               <a:rPr lang="en-US" smtClean="0"/>
-              <a:t>9/26/2025</a:t>
+              <a:t>2025-09-26</a:t>
             </a:fld>
             <a:endParaRPr lang="en-US"/>
           </a:p>
@@ -1888,7 +2459,7 @@
           <a:p>
             <a:fld id="{DAC4A3B0-DC28-4825-85A8-86BBA3F63BF6}" type="datetimeFigureOut">
               <a:rPr lang="en-US" smtClean="0"/>
-              <a:t>9/26/2025</a:t>
+              <a:t>2025-09-26</a:t>
             </a:fld>
             <a:endParaRPr lang="en-US"/>
           </a:p>
@@ -2300,7 +2871,7 @@
           <a:p>
             <a:fld id="{DAC4A3B0-DC28-4825-85A8-86BBA3F63BF6}" type="datetimeFigureOut">
               <a:rPr lang="en-US" smtClean="0"/>
-              <a:t>9/26/2025</a:t>
+              <a:t>2025-09-26</a:t>
             </a:fld>
             <a:endParaRPr lang="en-US"/>
           </a:p>
@@ -2441,7 +3012,7 @@
           <a:p>
             <a:fld id="{DAC4A3B0-DC28-4825-85A8-86BBA3F63BF6}" type="datetimeFigureOut">
               <a:rPr lang="en-US" smtClean="0"/>
-              <a:t>9/26/2025</a:t>
+              <a:t>2025-09-26</a:t>
             </a:fld>
             <a:endParaRPr lang="en-US"/>
           </a:p>
@@ -2554,7 +3125,7 @@
           <a:p>
             <a:fld id="{DAC4A3B0-DC28-4825-85A8-86BBA3F63BF6}" type="datetimeFigureOut">
               <a:rPr lang="en-US" smtClean="0"/>
-              <a:t>9/26/2025</a:t>
+              <a:t>2025-09-26</a:t>
             </a:fld>
             <a:endParaRPr lang="en-US"/>
           </a:p>
@@ -2865,7 +3436,7 @@
           <a:p>
             <a:fld id="{DAC4A3B0-DC28-4825-85A8-86BBA3F63BF6}" type="datetimeFigureOut">
               <a:rPr lang="en-US" smtClean="0"/>
-              <a:t>9/26/2025</a:t>
+              <a:t>2025-09-26</a:t>
             </a:fld>
             <a:endParaRPr lang="en-US"/>
           </a:p>
@@ -3153,7 +3724,7 @@
           <a:p>
             <a:fld id="{DAC4A3B0-DC28-4825-85A8-86BBA3F63BF6}" type="datetimeFigureOut">
               <a:rPr lang="en-US" smtClean="0"/>
-              <a:t>9/26/2025</a:t>
+              <a:t>2025-09-26</a:t>
             </a:fld>
             <a:endParaRPr lang="en-US"/>
           </a:p>
@@ -3394,7 +3965,7 @@
           <a:p>
             <a:fld id="{DAC4A3B0-DC28-4825-85A8-86BBA3F63BF6}" type="datetimeFigureOut">
               <a:rPr lang="en-US" smtClean="0"/>
-              <a:t>9/26/2025</a:t>
+              <a:t>2025-09-26</a:t>
             </a:fld>
             <a:endParaRPr lang="en-US"/>
           </a:p>
@@ -3868,13 +4439,8 @@
           <a:p>
             <a:r>
               <a:rPr lang="en-US" dirty="0"/>
-              <a:t>Mahdi </a:t>
-            </a:r>
-            <a:r>
-              <a:rPr lang="en-US" dirty="0" err="1"/>
-              <a:t>Ghafarian</a:t>
-            </a:r>
-            <a:endParaRPr lang="en-US" dirty="0"/>
+              <a:t>Mahdi Ghafarian</a:t>
+            </a:r>
           </a:p>
           <a:p>
             <a:r>
@@ -3919,6 +4485,269 @@
       </p:grpSpPr>
       <p:sp>
         <p:nvSpPr>
+          <p:cNvPr id="5" name="Title 4">
+            <a:extLst>
+              <a:ext uri="{FF2B5EF4-FFF2-40B4-BE49-F238E27FC236}">
+                <a16:creationId xmlns:a16="http://schemas.microsoft.com/office/drawing/2014/main" id="{5FEBF6CD-FF15-BA13-A5BA-A017711B474E}"/>
+              </a:ext>
+            </a:extLst>
+          </p:cNvPr>
+          <p:cNvSpPr>
+            <a:spLocks noGrp="1"/>
+          </p:cNvSpPr>
+          <p:nvPr>
+            <p:ph type="title"/>
+          </p:nvPr>
+        </p:nvSpPr>
+        <p:spPr/>
+        <p:txBody>
+          <a:bodyPr/>
+          <a:lstStyle/>
+          <a:p>
+            <a:r>
+              <a:rPr lang="en-US" dirty="0"/>
+              <a:t>2. Urea Price Drivers</a:t>
+            </a:r>
+          </a:p>
+        </p:txBody>
+      </p:sp>
+      <p:sp>
+        <p:nvSpPr>
+          <p:cNvPr id="6" name="Text Placeholder 5">
+            <a:extLst>
+              <a:ext uri="{FF2B5EF4-FFF2-40B4-BE49-F238E27FC236}">
+                <a16:creationId xmlns:a16="http://schemas.microsoft.com/office/drawing/2014/main" id="{3050C602-1300-82A2-0907-9DD310A77494}"/>
+              </a:ext>
+            </a:extLst>
+          </p:cNvPr>
+          <p:cNvSpPr>
+            <a:spLocks noGrp="1"/>
+          </p:cNvSpPr>
+          <p:nvPr>
+            <p:ph type="body" idx="1"/>
+          </p:nvPr>
+        </p:nvSpPr>
+        <p:spPr/>
+        <p:txBody>
+          <a:bodyPr/>
+          <a:lstStyle/>
+          <a:p>
+            <a:endParaRPr lang="en-US"/>
+          </a:p>
+        </p:txBody>
+      </p:sp>
+    </p:spTree>
+    <p:extLst>
+      <p:ext uri="{BB962C8B-B14F-4D97-AF65-F5344CB8AC3E}">
+        <p14:creationId xmlns:p14="http://schemas.microsoft.com/office/powerpoint/2010/main" val="428157702"/>
+      </p:ext>
+    </p:extLst>
+  </p:cSld>
+  <p:clrMapOvr>
+    <a:masterClrMapping/>
+  </p:clrMapOvr>
+</p:sld>
+</file>
+
+<file path=ppt/slides/slide11.xml><?xml version="1.0" encoding="utf-8"?>
+<p:sld xmlns:a="http://schemas.openxmlformats.org/drawingml/2006/main" xmlns:r="http://schemas.openxmlformats.org/officeDocument/2006/relationships" xmlns:p="http://schemas.openxmlformats.org/presentationml/2006/main">
+  <p:cSld>
+    <p:spTree>
+      <p:nvGrpSpPr>
+        <p:cNvPr id="1" name=""/>
+        <p:cNvGrpSpPr/>
+        <p:nvPr/>
+      </p:nvGrpSpPr>
+      <p:grpSpPr>
+        <a:xfrm>
+          <a:off x="0" y="0"/>
+          <a:ext cx="0" cy="0"/>
+          <a:chOff x="0" y="0"/>
+          <a:chExt cx="0" cy="0"/>
+        </a:xfrm>
+      </p:grpSpPr>
+      <p:sp>
+        <p:nvSpPr>
+          <p:cNvPr id="2" name="Title 1">
+            <a:extLst>
+              <a:ext uri="{FF2B5EF4-FFF2-40B4-BE49-F238E27FC236}">
+                <a16:creationId xmlns:a16="http://schemas.microsoft.com/office/drawing/2014/main" id="{B2E830F0-B6D0-2FF7-78B7-50BF75D1D3ED}"/>
+              </a:ext>
+            </a:extLst>
+          </p:cNvPr>
+          <p:cNvSpPr>
+            <a:spLocks noGrp="1"/>
+          </p:cNvSpPr>
+          <p:nvPr>
+            <p:ph type="title"/>
+          </p:nvPr>
+        </p:nvSpPr>
+        <p:spPr/>
+        <p:txBody>
+          <a:bodyPr/>
+          <a:lstStyle/>
+          <a:p>
+            <a:r>
+              <a:rPr lang="en-US" dirty="0"/>
+              <a:t>Corn is trading at 2010 levels ($400) and is undervalued</a:t>
+            </a:r>
+          </a:p>
+        </p:txBody>
+      </p:sp>
+      <p:pic>
+        <p:nvPicPr>
+          <p:cNvPr id="5" name="Content Placeholder 4">
+            <a:extLst>
+              <a:ext uri="{FF2B5EF4-FFF2-40B4-BE49-F238E27FC236}">
+                <a16:creationId xmlns:a16="http://schemas.microsoft.com/office/drawing/2014/main" id="{AEA6959C-C966-946D-31B9-5DC6E74DB857}"/>
+              </a:ext>
+            </a:extLst>
+          </p:cNvPr>
+          <p:cNvPicPr>
+            <a:picLocks noGrp="1" noChangeAspect="1"/>
+          </p:cNvPicPr>
+          <p:nvPr>
+            <p:ph idx="1"/>
+          </p:nvPr>
+        </p:nvPicPr>
+        <p:blipFill>
+          <a:blip r:embed="rId2"/>
+          <a:stretch>
+            <a:fillRect/>
+          </a:stretch>
+        </p:blipFill>
+        <p:spPr>
+          <a:xfrm>
+            <a:off x="2384333" y="1825625"/>
+            <a:ext cx="7423334" cy="4351338"/>
+          </a:xfrm>
+          <a:prstGeom prst="rect">
+            <a:avLst/>
+          </a:prstGeom>
+        </p:spPr>
+      </p:pic>
+    </p:spTree>
+    <p:extLst>
+      <p:ext uri="{BB962C8B-B14F-4D97-AF65-F5344CB8AC3E}">
+        <p14:creationId xmlns:p14="http://schemas.microsoft.com/office/powerpoint/2010/main" val="2820620688"/>
+      </p:ext>
+    </p:extLst>
+  </p:cSld>
+  <p:clrMapOvr>
+    <a:masterClrMapping/>
+  </p:clrMapOvr>
+</p:sld>
+</file>
+
+<file path=ppt/slides/slide12.xml><?xml version="1.0" encoding="utf-8"?>
+<p:sld xmlns:a="http://schemas.openxmlformats.org/drawingml/2006/main" xmlns:r="http://schemas.openxmlformats.org/officeDocument/2006/relationships" xmlns:p="http://schemas.openxmlformats.org/presentationml/2006/main">
+  <p:cSld>
+    <p:spTree>
+      <p:nvGrpSpPr>
+        <p:cNvPr id="1" name=""/>
+        <p:cNvGrpSpPr/>
+        <p:nvPr/>
+      </p:nvGrpSpPr>
+      <p:grpSpPr>
+        <a:xfrm>
+          <a:off x="0" y="0"/>
+          <a:ext cx="0" cy="0"/>
+          <a:chOff x="0" y="0"/>
+          <a:chExt cx="0" cy="0"/>
+        </a:xfrm>
+      </p:grpSpPr>
+      <p:sp>
+        <p:nvSpPr>
+          <p:cNvPr id="2" name="Title 1">
+            <a:extLst>
+              <a:ext uri="{FF2B5EF4-FFF2-40B4-BE49-F238E27FC236}">
+                <a16:creationId xmlns:a16="http://schemas.microsoft.com/office/drawing/2014/main" id="{AF98EA6E-BA16-09A3-7211-A03632216E8C}"/>
+              </a:ext>
+            </a:extLst>
+          </p:cNvPr>
+          <p:cNvSpPr>
+            <a:spLocks noGrp="1"/>
+          </p:cNvSpPr>
+          <p:nvPr>
+            <p:ph type="title"/>
+          </p:nvPr>
+        </p:nvSpPr>
+        <p:spPr/>
+        <p:txBody>
+          <a:bodyPr/>
+          <a:lstStyle/>
+          <a:p>
+            <a:r>
+              <a:rPr lang="en-US" dirty="0"/>
+              <a:t>Corn price is below CPI Food Index (Annual Growth Rate = 3%)</a:t>
+            </a:r>
+          </a:p>
+        </p:txBody>
+      </p:sp>
+      <p:pic>
+        <p:nvPicPr>
+          <p:cNvPr id="5" name="Content Placeholder 4">
+            <a:extLst>
+              <a:ext uri="{FF2B5EF4-FFF2-40B4-BE49-F238E27FC236}">
+                <a16:creationId xmlns:a16="http://schemas.microsoft.com/office/drawing/2014/main" id="{1D91138E-829A-BF2B-E202-36CFB18A9973}"/>
+              </a:ext>
+            </a:extLst>
+          </p:cNvPr>
+          <p:cNvPicPr>
+            <a:picLocks noGrp="1" noChangeAspect="1"/>
+          </p:cNvPicPr>
+          <p:nvPr>
+            <p:ph idx="1"/>
+          </p:nvPr>
+        </p:nvPicPr>
+        <p:blipFill>
+          <a:blip r:embed="rId2"/>
+          <a:stretch>
+            <a:fillRect/>
+          </a:stretch>
+        </p:blipFill>
+        <p:spPr>
+          <a:xfrm>
+            <a:off x="2398939" y="1825625"/>
+            <a:ext cx="7394121" cy="4351338"/>
+          </a:xfrm>
+          <a:prstGeom prst="rect">
+            <a:avLst/>
+          </a:prstGeom>
+        </p:spPr>
+      </p:pic>
+    </p:spTree>
+    <p:extLst>
+      <p:ext uri="{BB962C8B-B14F-4D97-AF65-F5344CB8AC3E}">
+        <p14:creationId xmlns:p14="http://schemas.microsoft.com/office/powerpoint/2010/main" val="221586455"/>
+      </p:ext>
+    </p:extLst>
+  </p:cSld>
+  <p:clrMapOvr>
+    <a:masterClrMapping/>
+  </p:clrMapOvr>
+</p:sld>
+</file>
+
+<file path=ppt/slides/slide13.xml><?xml version="1.0" encoding="utf-8"?>
+<p:sld xmlns:a="http://schemas.openxmlformats.org/drawingml/2006/main" xmlns:r="http://schemas.openxmlformats.org/officeDocument/2006/relationships" xmlns:p="http://schemas.openxmlformats.org/presentationml/2006/main">
+  <p:cSld>
+    <p:spTree>
+      <p:nvGrpSpPr>
+        <p:cNvPr id="1" name=""/>
+        <p:cNvGrpSpPr/>
+        <p:nvPr/>
+      </p:nvGrpSpPr>
+      <p:grpSpPr>
+        <a:xfrm>
+          <a:off x="0" y="0"/>
+          <a:ext cx="0" cy="0"/>
+          <a:chOff x="0" y="0"/>
+          <a:chExt cx="0" cy="0"/>
+        </a:xfrm>
+      </p:grpSpPr>
+      <p:sp>
+        <p:nvSpPr>
           <p:cNvPr id="2" name="Title 1">
             <a:extLst>
               <a:ext uri="{FF2B5EF4-FFF2-40B4-BE49-F238E27FC236}">
@@ -3990,7 +4819,7 @@
 </p:sld>
 </file>
 
-<file path=ppt/slides/slide11.xml><?xml version="1.0" encoding="utf-8"?>
+<file path=ppt/slides/slide14.xml><?xml version="1.0" encoding="utf-8"?>
 <p:sld xmlns:a="http://schemas.openxmlformats.org/drawingml/2006/main" xmlns:r="http://schemas.openxmlformats.org/officeDocument/2006/relationships" xmlns:p="http://schemas.openxmlformats.org/presentationml/2006/main">
   <p:cSld>
     <p:spTree>
@@ -4080,7 +4909,7 @@
 </p:sld>
 </file>
 
-<file path=ppt/slides/slide12.xml><?xml version="1.0" encoding="utf-8"?>
+<file path=ppt/slides/slide15.xml><?xml version="1.0" encoding="utf-8"?>
 <p:sld xmlns:a="http://schemas.openxmlformats.org/drawingml/2006/main" xmlns:r="http://schemas.openxmlformats.org/officeDocument/2006/relationships" xmlns:p="http://schemas.openxmlformats.org/presentationml/2006/main">
   <p:cSld>
     <p:spTree>
@@ -4102,7 +4931,7 @@
           <p:cNvPr id="2" name="Title 1">
             <a:extLst>
               <a:ext uri="{FF2B5EF4-FFF2-40B4-BE49-F238E27FC236}">
-                <a16:creationId xmlns:a16="http://schemas.microsoft.com/office/drawing/2014/main" id="{1E5A455A-9346-5413-C4F1-93270BDC5DE6}"/>
+                <a16:creationId xmlns:a16="http://schemas.microsoft.com/office/drawing/2014/main" id="{21A91A73-49DD-B2F6-14FD-AE65C59C6943}"/>
               </a:ext>
             </a:extLst>
           </p:cNvPr>
@@ -4120,47 +4949,40 @@
           <a:p>
             <a:r>
               <a:rPr lang="en-US" dirty="0"/>
-              <a:t>Random Walk Model – Scenario Panning</a:t>
-            </a:r>
-          </a:p>
-        </p:txBody>
-      </p:sp>
-      <p:pic>
-        <p:nvPicPr>
-          <p:cNvPr id="9" name="Content Placeholder 8">
-            <a:extLst>
-              <a:ext uri="{FF2B5EF4-FFF2-40B4-BE49-F238E27FC236}">
-                <a16:creationId xmlns:a16="http://schemas.microsoft.com/office/drawing/2014/main" id="{8E974E19-ED14-F1DB-4861-0EF3F2820605}"/>
-              </a:ext>
-            </a:extLst>
-          </p:cNvPr>
-          <p:cNvPicPr>
-            <a:picLocks noGrp="1" noChangeAspect="1"/>
-          </p:cNvPicPr>
-          <p:nvPr>
-            <p:ph idx="1"/>
-          </p:nvPr>
-        </p:nvPicPr>
-        <p:blipFill>
-          <a:blip r:embed="rId2"/>
-          <a:stretch>
-            <a:fillRect/>
-          </a:stretch>
-        </p:blipFill>
-        <p:spPr>
-          <a:xfrm>
-            <a:off x="2438693" y="1825625"/>
-            <a:ext cx="7314614" cy="4351338"/>
-          </a:xfrm>
-          <a:prstGeom prst="rect">
-            <a:avLst/>
-          </a:prstGeom>
-        </p:spPr>
-      </p:pic>
+              <a:t>3. Urea Long-Term Trend</a:t>
+            </a:r>
+          </a:p>
+        </p:txBody>
+      </p:sp>
+      <p:sp>
+        <p:nvSpPr>
+          <p:cNvPr id="4" name="Text Placeholder 3">
+            <a:extLst>
+              <a:ext uri="{FF2B5EF4-FFF2-40B4-BE49-F238E27FC236}">
+                <a16:creationId xmlns:a16="http://schemas.microsoft.com/office/drawing/2014/main" id="{ADF9A087-060A-6918-0E96-3656E6E38267}"/>
+              </a:ext>
+            </a:extLst>
+          </p:cNvPr>
+          <p:cNvSpPr>
+            <a:spLocks noGrp="1"/>
+          </p:cNvSpPr>
+          <p:nvPr>
+            <p:ph type="body" idx="1"/>
+          </p:nvPr>
+        </p:nvSpPr>
+        <p:spPr/>
+        <p:txBody>
+          <a:bodyPr/>
+          <a:lstStyle/>
+          <a:p>
+            <a:endParaRPr lang="en-US" dirty="0"/>
+          </a:p>
+        </p:txBody>
+      </p:sp>
     </p:spTree>
     <p:extLst>
       <p:ext uri="{BB962C8B-B14F-4D97-AF65-F5344CB8AC3E}">
-        <p14:creationId xmlns:p14="http://schemas.microsoft.com/office/powerpoint/2010/main" val="999642252"/>
+        <p14:creationId xmlns:p14="http://schemas.microsoft.com/office/powerpoint/2010/main" val="3087458595"/>
       </p:ext>
     </p:extLst>
   </p:cSld>
@@ -4170,364 +4992,7 @@
 </p:sld>
 </file>
 
-<file path=ppt/slides/slide13.xml><?xml version="1.0" encoding="utf-8"?>
-<p:sld xmlns:a="http://schemas.openxmlformats.org/drawingml/2006/main" xmlns:r="http://schemas.openxmlformats.org/officeDocument/2006/relationships" xmlns:p="http://schemas.openxmlformats.org/presentationml/2006/main">
-  <p:cSld>
-    <p:spTree>
-      <p:nvGrpSpPr>
-        <p:cNvPr id="1" name="">
-          <a:extLst>
-            <a:ext uri="{FF2B5EF4-FFF2-40B4-BE49-F238E27FC236}">
-              <a16:creationId xmlns:a16="http://schemas.microsoft.com/office/drawing/2014/main" id="{B61A4BFE-C263-EFC8-1EB3-5516BD6EDAB4}"/>
-            </a:ext>
-          </a:extLst>
-        </p:cNvPr>
-        <p:cNvGrpSpPr/>
-        <p:nvPr/>
-      </p:nvGrpSpPr>
-      <p:grpSpPr>
-        <a:xfrm>
-          <a:off x="0" y="0"/>
-          <a:ext cx="0" cy="0"/>
-          <a:chOff x="0" y="0"/>
-          <a:chExt cx="0" cy="0"/>
-        </a:xfrm>
-      </p:grpSpPr>
-      <p:sp>
-        <p:nvSpPr>
-          <p:cNvPr id="2" name="Title 1">
-            <a:extLst>
-              <a:ext uri="{FF2B5EF4-FFF2-40B4-BE49-F238E27FC236}">
-                <a16:creationId xmlns:a16="http://schemas.microsoft.com/office/drawing/2014/main" id="{BDEB4D8B-6FE6-B82D-0469-B1EB1A08E872}"/>
-              </a:ext>
-            </a:extLst>
-          </p:cNvPr>
-          <p:cNvSpPr>
-            <a:spLocks noGrp="1"/>
-          </p:cNvSpPr>
-          <p:nvPr>
-            <p:ph type="title"/>
-          </p:nvPr>
-        </p:nvSpPr>
-        <p:spPr/>
-        <p:txBody>
-          <a:bodyPr/>
-          <a:lstStyle/>
-          <a:p>
-            <a:r>
-              <a:rPr lang="en-US" dirty="0"/>
-              <a:t>Random Walk Model – Scenario Panning</a:t>
-            </a:r>
-          </a:p>
-        </p:txBody>
-      </p:sp>
-      <p:sp>
-        <p:nvSpPr>
-          <p:cNvPr id="4" name="Content Placeholder 3">
-            <a:extLst>
-              <a:ext uri="{FF2B5EF4-FFF2-40B4-BE49-F238E27FC236}">
-                <a16:creationId xmlns:a16="http://schemas.microsoft.com/office/drawing/2014/main" id="{D57CA234-A565-53B9-042B-F4A3A92F0089}"/>
-              </a:ext>
-            </a:extLst>
-          </p:cNvPr>
-          <p:cNvSpPr>
-            <a:spLocks noGrp="1"/>
-          </p:cNvSpPr>
-          <p:nvPr>
-            <p:ph idx="1"/>
-          </p:nvPr>
-        </p:nvSpPr>
-        <p:spPr>
-          <a:xfrm>
-            <a:off x="838200" y="1825625"/>
-            <a:ext cx="10515600" cy="741680"/>
-          </a:xfrm>
-        </p:spPr>
-        <p:txBody>
-          <a:bodyPr/>
-          <a:lstStyle/>
-          <a:p>
-            <a:pPr marL="0" indent="0">
-              <a:buNone/>
-            </a:pPr>
-            <a:r>
-              <a:rPr lang="en-US" dirty="0"/>
-              <a:t>Forecast for Sep 2025, 90% Prediction Interval</a:t>
-            </a:r>
-          </a:p>
-          <a:p>
-            <a:endParaRPr lang="en-US" dirty="0"/>
-          </a:p>
-          <a:p>
-            <a:endParaRPr lang="en-US" dirty="0"/>
-          </a:p>
-          <a:p>
-            <a:endParaRPr lang="en-US" dirty="0"/>
-          </a:p>
-        </p:txBody>
-      </p:sp>
-      <p:graphicFrame>
-        <p:nvGraphicFramePr>
-          <p:cNvPr id="7" name="Table 6">
-            <a:extLst>
-              <a:ext uri="{FF2B5EF4-FFF2-40B4-BE49-F238E27FC236}">
-                <a16:creationId xmlns:a16="http://schemas.microsoft.com/office/drawing/2014/main" id="{ED53EAA4-13F5-81D1-9159-79EEE15190D1}"/>
-              </a:ext>
-            </a:extLst>
-          </p:cNvPr>
-          <p:cNvGraphicFramePr>
-            <a:graphicFrameLocks noGrp="1"/>
-          </p:cNvGraphicFramePr>
-          <p:nvPr>
-            <p:extLst>
-              <p:ext uri="{D42A27DB-BD31-4B8C-83A1-F6EECF244321}">
-                <p14:modId xmlns:p14="http://schemas.microsoft.com/office/powerpoint/2010/main" val="2020132177"/>
-              </p:ext>
-            </p:extLst>
-          </p:nvPr>
-        </p:nvGraphicFramePr>
-        <p:xfrm>
-          <a:off x="1825049" y="2923540"/>
-          <a:ext cx="8541901" cy="1010920"/>
-        </p:xfrm>
-        <a:graphic>
-          <a:graphicData uri="http://schemas.openxmlformats.org/drawingml/2006/table">
-            <a:tbl>
-              <a:tblPr firstRow="1" bandRow="1">
-                <a:tableStyleId>{5C22544A-7EE6-4342-B048-85BDC9FD1C3A}</a:tableStyleId>
-              </a:tblPr>
-              <a:tblGrid>
-                <a:gridCol w="1423650">
-                  <a:extLst>
-                    <a:ext uri="{9D8B030D-6E8A-4147-A177-3AD203B41FA5}">
-                      <a16:colId xmlns:a16="http://schemas.microsoft.com/office/drawing/2014/main" val="4155257274"/>
-                    </a:ext>
-                  </a:extLst>
-                </a:gridCol>
-                <a:gridCol w="1423650">
-                  <a:extLst>
-                    <a:ext uri="{9D8B030D-6E8A-4147-A177-3AD203B41FA5}">
-                      <a16:colId xmlns:a16="http://schemas.microsoft.com/office/drawing/2014/main" val="1784173928"/>
-                    </a:ext>
-                  </a:extLst>
-                </a:gridCol>
-                <a:gridCol w="1423650">
-                  <a:extLst>
-                    <a:ext uri="{9D8B030D-6E8A-4147-A177-3AD203B41FA5}">
-                      <a16:colId xmlns:a16="http://schemas.microsoft.com/office/drawing/2014/main" val="1622761043"/>
-                    </a:ext>
-                  </a:extLst>
-                </a:gridCol>
-                <a:gridCol w="1423650">
-                  <a:extLst>
-                    <a:ext uri="{9D8B030D-6E8A-4147-A177-3AD203B41FA5}">
-                      <a16:colId xmlns:a16="http://schemas.microsoft.com/office/drawing/2014/main" val="990677731"/>
-                    </a:ext>
-                  </a:extLst>
-                </a:gridCol>
-                <a:gridCol w="1406142">
-                  <a:extLst>
-                    <a:ext uri="{9D8B030D-6E8A-4147-A177-3AD203B41FA5}">
-                      <a16:colId xmlns:a16="http://schemas.microsoft.com/office/drawing/2014/main" val="2366238779"/>
-                    </a:ext>
-                  </a:extLst>
-                </a:gridCol>
-                <a:gridCol w="1441159">
-                  <a:extLst>
-                    <a:ext uri="{9D8B030D-6E8A-4147-A177-3AD203B41FA5}">
-                      <a16:colId xmlns:a16="http://schemas.microsoft.com/office/drawing/2014/main" val="1588838347"/>
-                    </a:ext>
-                  </a:extLst>
-                </a:gridCol>
-              </a:tblGrid>
-              <a:tr h="370840">
-                <a:tc>
-                  <a:txBody>
-                    <a:bodyPr/>
-                    <a:lstStyle/>
-                    <a:p>
-                      <a:r>
-                        <a:rPr lang="en-US" dirty="0"/>
-                        <a:t>Price</a:t>
-                      </a:r>
-                    </a:p>
-                  </a:txBody>
-                  <a:tcPr/>
-                </a:tc>
-                <a:tc>
-                  <a:txBody>
-                    <a:bodyPr/>
-                    <a:lstStyle/>
-                    <a:p>
-                      <a:r>
-                        <a:rPr lang="en-US" dirty="0"/>
-                        <a:t>Std Error</a:t>
-                      </a:r>
-                    </a:p>
-                  </a:txBody>
-                  <a:tcPr/>
-                </a:tc>
-                <a:tc>
-                  <a:txBody>
-                    <a:bodyPr/>
-                    <a:lstStyle/>
-                    <a:p>
-                      <a:r>
-                        <a:rPr lang="en-US" dirty="0"/>
-                        <a:t>Upper Band (95%)</a:t>
-                      </a:r>
-                    </a:p>
-                  </a:txBody>
-                  <a:tcPr/>
-                </a:tc>
-                <a:tc>
-                  <a:txBody>
-                    <a:bodyPr/>
-                    <a:lstStyle/>
-                    <a:p>
-                      <a:r>
-                        <a:rPr lang="en-US" dirty="0"/>
-                        <a:t>Lower Band (5%)</a:t>
-                      </a:r>
-                    </a:p>
-                  </a:txBody>
-                  <a:tcPr/>
-                </a:tc>
-                <a:tc>
-                  <a:txBody>
-                    <a:bodyPr/>
-                    <a:lstStyle/>
-                    <a:p>
-                      <a:r>
-                        <a:rPr lang="en-US" dirty="0"/>
-                        <a:t>Upper Band (% chg.)</a:t>
-                      </a:r>
-                    </a:p>
-                  </a:txBody>
-                  <a:tcPr/>
-                </a:tc>
-                <a:tc>
-                  <a:txBody>
-                    <a:bodyPr/>
-                    <a:lstStyle/>
-                    <a:p>
-                      <a:r>
-                        <a:rPr lang="en-US" dirty="0"/>
-                        <a:t>Lower Band (% chg.)</a:t>
-                      </a:r>
-                    </a:p>
-                  </a:txBody>
-                  <a:tcPr/>
-                </a:tc>
-                <a:extLst>
-                  <a:ext uri="{0D108BD9-81ED-4DB2-BD59-A6C34878D82A}">
-                    <a16:rowId xmlns:a16="http://schemas.microsoft.com/office/drawing/2014/main" val="1050015936"/>
-                  </a:ext>
-                </a:extLst>
-              </a:tr>
-              <a:tr h="370840">
-                <a:tc>
-                  <a:txBody>
-                    <a:bodyPr/>
-                    <a:lstStyle/>
-                    <a:p>
-                      <a:r>
-                        <a:rPr lang="en-US" dirty="0"/>
-                        <a:t>$1,079</a:t>
-                      </a:r>
-                    </a:p>
-                  </a:txBody>
-                  <a:tcPr/>
-                </a:tc>
-                <a:tc>
-                  <a:txBody>
-                    <a:bodyPr/>
-                    <a:lstStyle/>
-                    <a:p>
-                      <a:r>
-                        <a:rPr lang="en-US" dirty="0"/>
-                        <a:t>$192</a:t>
-                      </a:r>
-                    </a:p>
-                  </a:txBody>
-                  <a:tcPr/>
-                </a:tc>
-                <a:tc>
-                  <a:txBody>
-                    <a:bodyPr/>
-                    <a:lstStyle/>
-                    <a:p>
-                      <a:r>
-                        <a:rPr lang="en-US" dirty="0"/>
-                        <a:t>$1396</a:t>
-                      </a:r>
-                    </a:p>
-                  </a:txBody>
-                  <a:tcPr/>
-                </a:tc>
-                <a:tc>
-                  <a:txBody>
-                    <a:bodyPr/>
-                    <a:lstStyle/>
-                    <a:p>
-                      <a:r>
-                        <a:rPr lang="en-US" dirty="0"/>
-                        <a:t>$764</a:t>
-                      </a:r>
-                    </a:p>
-                  </a:txBody>
-                  <a:tcPr/>
-                </a:tc>
-                <a:tc>
-                  <a:txBody>
-                    <a:bodyPr/>
-                    <a:lstStyle/>
-                    <a:p>
-                      <a:r>
-                        <a:rPr lang="en-US" dirty="0"/>
-                        <a:t>+29%</a:t>
-                      </a:r>
-                    </a:p>
-                  </a:txBody>
-                  <a:tcPr/>
-                </a:tc>
-                <a:tc>
-                  <a:txBody>
-                    <a:bodyPr/>
-                    <a:lstStyle/>
-                    <a:p>
-                      <a:r>
-                        <a:rPr lang="en-US" dirty="0"/>
-                        <a:t>-26%</a:t>
-                      </a:r>
-                    </a:p>
-                  </a:txBody>
-                  <a:tcPr/>
-                </a:tc>
-                <a:extLst>
-                  <a:ext uri="{0D108BD9-81ED-4DB2-BD59-A6C34878D82A}">
-                    <a16:rowId xmlns:a16="http://schemas.microsoft.com/office/drawing/2014/main" val="150066975"/>
-                  </a:ext>
-                </a:extLst>
-              </a:tr>
-            </a:tbl>
-          </a:graphicData>
-        </a:graphic>
-      </p:graphicFrame>
-    </p:spTree>
-    <p:extLst>
-      <p:ext uri="{BB962C8B-B14F-4D97-AF65-F5344CB8AC3E}">
-        <p14:creationId xmlns:p14="http://schemas.microsoft.com/office/powerpoint/2010/main" val="2474224703"/>
-      </p:ext>
-    </p:extLst>
-  </p:cSld>
-  <p:clrMapOvr>
-    <a:masterClrMapping/>
-  </p:clrMapOvr>
-</p:sld>
-</file>
-
-<file path=ppt/slides/slide14.xml><?xml version="1.0" encoding="utf-8"?>
+<file path=ppt/slides/slide16.xml><?xml version="1.0" encoding="utf-8"?>
 <p:sld xmlns:a="http://schemas.openxmlformats.org/drawingml/2006/main" xmlns:r="http://schemas.openxmlformats.org/officeDocument/2006/relationships" xmlns:p="http://schemas.openxmlformats.org/presentationml/2006/main">
   <p:cSld>
     <p:spTree>
@@ -4621,7 +5086,7 @@
 </p:sld>
 </file>
 
-<file path=ppt/slides/slide15.xml><?xml version="1.0" encoding="utf-8"?>
+<file path=ppt/slides/slide17.xml><?xml version="1.0" encoding="utf-8"?>
 <p:sld xmlns:a="http://schemas.openxmlformats.org/drawingml/2006/main" xmlns:r="http://schemas.openxmlformats.org/officeDocument/2006/relationships" xmlns:p="http://schemas.openxmlformats.org/presentationml/2006/main">
   <p:cSld>
     <p:spTree>
@@ -4643,6 +5108,554 @@
           <p:cNvPr id="2" name="Title 1">
             <a:extLst>
               <a:ext uri="{FF2B5EF4-FFF2-40B4-BE49-F238E27FC236}">
+                <a16:creationId xmlns:a16="http://schemas.microsoft.com/office/drawing/2014/main" id="{FF02B413-E962-A7F2-3E59-2DABAD396F66}"/>
+              </a:ext>
+            </a:extLst>
+          </p:cNvPr>
+          <p:cNvSpPr>
+            <a:spLocks noGrp="1"/>
+          </p:cNvSpPr>
+          <p:nvPr>
+            <p:ph type="title"/>
+          </p:nvPr>
+        </p:nvSpPr>
+        <p:spPr/>
+        <p:txBody>
+          <a:bodyPr/>
+          <a:lstStyle/>
+          <a:p>
+            <a:r>
+              <a:rPr lang="en-US" dirty="0"/>
+              <a:t>Urea Price Index vs. Industrial Product Price Index (IPPI)</a:t>
+            </a:r>
+          </a:p>
+        </p:txBody>
+      </p:sp>
+      <p:pic>
+        <p:nvPicPr>
+          <p:cNvPr id="11" name="Content Placeholder 10">
+            <a:extLst>
+              <a:ext uri="{FF2B5EF4-FFF2-40B4-BE49-F238E27FC236}">
+                <a16:creationId xmlns:a16="http://schemas.microsoft.com/office/drawing/2014/main" id="{3D0EF10D-F092-E55B-5EE0-3EF71A1EED68}"/>
+              </a:ext>
+            </a:extLst>
+          </p:cNvPr>
+          <p:cNvPicPr>
+            <a:picLocks noGrp="1" noChangeAspect="1"/>
+          </p:cNvPicPr>
+          <p:nvPr>
+            <p:ph idx="1"/>
+          </p:nvPr>
+        </p:nvPicPr>
+        <p:blipFill>
+          <a:blip r:embed="rId3"/>
+          <a:stretch>
+            <a:fillRect/>
+          </a:stretch>
+        </p:blipFill>
+        <p:spPr>
+          <a:xfrm>
+            <a:off x="2452928" y="1825625"/>
+            <a:ext cx="7286143" cy="4351338"/>
+          </a:xfrm>
+          <a:prstGeom prst="rect">
+            <a:avLst/>
+          </a:prstGeom>
+        </p:spPr>
+      </p:pic>
+    </p:spTree>
+    <p:extLst>
+      <p:ext uri="{BB962C8B-B14F-4D97-AF65-F5344CB8AC3E}">
+        <p14:creationId xmlns:p14="http://schemas.microsoft.com/office/powerpoint/2010/main" val="674905813"/>
+      </p:ext>
+    </p:extLst>
+  </p:cSld>
+  <p:clrMapOvr>
+    <a:masterClrMapping/>
+  </p:clrMapOvr>
+</p:sld>
+</file>
+
+<file path=ppt/slides/slide18.xml><?xml version="1.0" encoding="utf-8"?>
+<p:sld xmlns:a="http://schemas.openxmlformats.org/drawingml/2006/main" xmlns:r="http://schemas.openxmlformats.org/officeDocument/2006/relationships" xmlns:p="http://schemas.openxmlformats.org/presentationml/2006/main">
+  <p:cSld>
+    <p:spTree>
+      <p:nvGrpSpPr>
+        <p:cNvPr id="1" name=""/>
+        <p:cNvGrpSpPr/>
+        <p:nvPr/>
+      </p:nvGrpSpPr>
+      <p:grpSpPr>
+        <a:xfrm>
+          <a:off x="0" y="0"/>
+          <a:ext cx="0" cy="0"/>
+          <a:chOff x="0" y="0"/>
+          <a:chExt cx="0" cy="0"/>
+        </a:xfrm>
+      </p:grpSpPr>
+      <p:sp>
+        <p:nvSpPr>
+          <p:cNvPr id="4" name="Title 3">
+            <a:extLst>
+              <a:ext uri="{FF2B5EF4-FFF2-40B4-BE49-F238E27FC236}">
+                <a16:creationId xmlns:a16="http://schemas.microsoft.com/office/drawing/2014/main" id="{FA71F9E7-E98A-136E-F5E5-BB9DEF3ADFFB}"/>
+              </a:ext>
+            </a:extLst>
+          </p:cNvPr>
+          <p:cNvSpPr>
+            <a:spLocks noGrp="1"/>
+          </p:cNvSpPr>
+          <p:nvPr>
+            <p:ph type="title"/>
+          </p:nvPr>
+        </p:nvSpPr>
+        <p:spPr/>
+        <p:txBody>
+          <a:bodyPr/>
+          <a:lstStyle/>
+          <a:p>
+            <a:r>
+              <a:rPr lang="en-US" dirty="0"/>
+              <a:t>4. Forecast</a:t>
+            </a:r>
+          </a:p>
+        </p:txBody>
+      </p:sp>
+      <p:sp>
+        <p:nvSpPr>
+          <p:cNvPr id="5" name="Text Placeholder 4">
+            <a:extLst>
+              <a:ext uri="{FF2B5EF4-FFF2-40B4-BE49-F238E27FC236}">
+                <a16:creationId xmlns:a16="http://schemas.microsoft.com/office/drawing/2014/main" id="{CB2BCCBF-7F96-2DD5-20D5-A9F3EB30BE0C}"/>
+              </a:ext>
+            </a:extLst>
+          </p:cNvPr>
+          <p:cNvSpPr>
+            <a:spLocks noGrp="1"/>
+          </p:cNvSpPr>
+          <p:nvPr>
+            <p:ph type="body" idx="1"/>
+          </p:nvPr>
+        </p:nvSpPr>
+        <p:spPr/>
+        <p:txBody>
+          <a:bodyPr/>
+          <a:lstStyle/>
+          <a:p>
+            <a:r>
+              <a:rPr lang="en-US" dirty="0"/>
+              <a:t>12-month ahead</a:t>
+            </a:r>
+          </a:p>
+        </p:txBody>
+      </p:sp>
+    </p:spTree>
+    <p:extLst>
+      <p:ext uri="{BB962C8B-B14F-4D97-AF65-F5344CB8AC3E}">
+        <p14:creationId xmlns:p14="http://schemas.microsoft.com/office/powerpoint/2010/main" val="3452668944"/>
+      </p:ext>
+    </p:extLst>
+  </p:cSld>
+  <p:clrMapOvr>
+    <a:masterClrMapping/>
+  </p:clrMapOvr>
+</p:sld>
+</file>
+
+<file path=ppt/slides/slide19.xml><?xml version="1.0" encoding="utf-8"?>
+<p:sld xmlns:a="http://schemas.openxmlformats.org/drawingml/2006/main" xmlns:r="http://schemas.openxmlformats.org/officeDocument/2006/relationships" xmlns:p="http://schemas.openxmlformats.org/presentationml/2006/main">
+  <p:cSld>
+    <p:spTree>
+      <p:nvGrpSpPr>
+        <p:cNvPr id="1" name=""/>
+        <p:cNvGrpSpPr/>
+        <p:nvPr/>
+      </p:nvGrpSpPr>
+      <p:grpSpPr>
+        <a:xfrm>
+          <a:off x="0" y="0"/>
+          <a:ext cx="0" cy="0"/>
+          <a:chOff x="0" y="0"/>
+          <a:chExt cx="0" cy="0"/>
+        </a:xfrm>
+      </p:grpSpPr>
+      <p:sp>
+        <p:nvSpPr>
+          <p:cNvPr id="2" name="Title 1">
+            <a:extLst>
+              <a:ext uri="{FF2B5EF4-FFF2-40B4-BE49-F238E27FC236}">
+                <a16:creationId xmlns:a16="http://schemas.microsoft.com/office/drawing/2014/main" id="{1E5A455A-9346-5413-C4F1-93270BDC5DE6}"/>
+              </a:ext>
+            </a:extLst>
+          </p:cNvPr>
+          <p:cNvSpPr>
+            <a:spLocks noGrp="1"/>
+          </p:cNvSpPr>
+          <p:nvPr>
+            <p:ph type="title"/>
+          </p:nvPr>
+        </p:nvSpPr>
+        <p:spPr/>
+        <p:txBody>
+          <a:bodyPr/>
+          <a:lstStyle/>
+          <a:p>
+            <a:r>
+              <a:rPr lang="en-US" dirty="0"/>
+              <a:t>Random Walk Model – Scenario Panning</a:t>
+            </a:r>
+          </a:p>
+        </p:txBody>
+      </p:sp>
+      <p:pic>
+        <p:nvPicPr>
+          <p:cNvPr id="6" name="Content Placeholder 5">
+            <a:extLst>
+              <a:ext uri="{FF2B5EF4-FFF2-40B4-BE49-F238E27FC236}">
+                <a16:creationId xmlns:a16="http://schemas.microsoft.com/office/drawing/2014/main" id="{7AB245AD-560F-3646-9A30-64D334EB6165}"/>
+              </a:ext>
+            </a:extLst>
+          </p:cNvPr>
+          <p:cNvPicPr>
+            <a:picLocks noGrp="1" noChangeAspect="1"/>
+          </p:cNvPicPr>
+          <p:nvPr>
+            <p:ph idx="1"/>
+          </p:nvPr>
+        </p:nvPicPr>
+        <p:blipFill>
+          <a:blip r:embed="rId3"/>
+          <a:stretch>
+            <a:fillRect/>
+          </a:stretch>
+        </p:blipFill>
+        <p:spPr>
+          <a:xfrm>
+            <a:off x="2438400" y="1573858"/>
+            <a:ext cx="7315200" cy="4356331"/>
+          </a:xfrm>
+          <a:prstGeom prst="rect">
+            <a:avLst/>
+          </a:prstGeom>
+        </p:spPr>
+      </p:pic>
+      <p:graphicFrame>
+        <p:nvGraphicFramePr>
+          <p:cNvPr id="7" name="Table 6">
+            <a:extLst>
+              <a:ext uri="{FF2B5EF4-FFF2-40B4-BE49-F238E27FC236}">
+                <a16:creationId xmlns:a16="http://schemas.microsoft.com/office/drawing/2014/main" id="{BE9337E4-8E26-F76B-036C-F98DD0126C67}"/>
+              </a:ext>
+            </a:extLst>
+          </p:cNvPr>
+          <p:cNvGraphicFramePr>
+            <a:graphicFrameLocks noGrp="1"/>
+          </p:cNvGraphicFramePr>
+          <p:nvPr>
+            <p:extLst>
+              <p:ext uri="{D42A27DB-BD31-4B8C-83A1-F6EECF244321}">
+                <p14:modId xmlns:p14="http://schemas.microsoft.com/office/powerpoint/2010/main" val="483479673"/>
+              </p:ext>
+            </p:extLst>
+          </p:nvPr>
+        </p:nvGraphicFramePr>
+        <p:xfrm>
+          <a:off x="2438400" y="5930189"/>
+          <a:ext cx="7315200" cy="914400"/>
+        </p:xfrm>
+        <a:graphic>
+          <a:graphicData uri="http://schemas.openxmlformats.org/drawingml/2006/table">
+            <a:tbl>
+              <a:tblPr firstRow="1" bandRow="1">
+                <a:tableStyleId>{5C22544A-7EE6-4342-B048-85BDC9FD1C3A}</a:tableStyleId>
+              </a:tblPr>
+              <a:tblGrid>
+                <a:gridCol w="1828800">
+                  <a:extLst>
+                    <a:ext uri="{9D8B030D-6E8A-4147-A177-3AD203B41FA5}">
+                      <a16:colId xmlns:a16="http://schemas.microsoft.com/office/drawing/2014/main" val="4155257274"/>
+                    </a:ext>
+                  </a:extLst>
+                </a:gridCol>
+                <a:gridCol w="1828800">
+                  <a:extLst>
+                    <a:ext uri="{9D8B030D-6E8A-4147-A177-3AD203B41FA5}">
+                      <a16:colId xmlns:a16="http://schemas.microsoft.com/office/drawing/2014/main" val="1784173928"/>
+                    </a:ext>
+                  </a:extLst>
+                </a:gridCol>
+                <a:gridCol w="1828800">
+                  <a:extLst>
+                    <a:ext uri="{9D8B030D-6E8A-4147-A177-3AD203B41FA5}">
+                      <a16:colId xmlns:a16="http://schemas.microsoft.com/office/drawing/2014/main" val="1622761043"/>
+                    </a:ext>
+                  </a:extLst>
+                </a:gridCol>
+                <a:gridCol w="1828800">
+                  <a:extLst>
+                    <a:ext uri="{9D8B030D-6E8A-4147-A177-3AD203B41FA5}">
+                      <a16:colId xmlns:a16="http://schemas.microsoft.com/office/drawing/2014/main" val="990677731"/>
+                    </a:ext>
+                  </a:extLst>
+                </a:gridCol>
+              </a:tblGrid>
+              <a:tr h="565709">
+                <a:tc>
+                  <a:txBody>
+                    <a:bodyPr/>
+                    <a:lstStyle/>
+                    <a:p>
+                      <a:r>
+                        <a:rPr lang="en-US" sz="1600" dirty="0"/>
+                        <a:t>Price (Sep 2026)</a:t>
+                      </a:r>
+                    </a:p>
+                  </a:txBody>
+                  <a:tcPr/>
+                </a:tc>
+                <a:tc>
+                  <a:txBody>
+                    <a:bodyPr/>
+                    <a:lstStyle/>
+                    <a:p>
+                      <a:r>
+                        <a:rPr lang="en-US" sz="1600" dirty="0"/>
+                        <a:t>Std Error</a:t>
+                      </a:r>
+                    </a:p>
+                  </a:txBody>
+                  <a:tcPr/>
+                </a:tc>
+                <a:tc>
+                  <a:txBody>
+                    <a:bodyPr/>
+                    <a:lstStyle/>
+                    <a:p>
+                      <a:r>
+                        <a:rPr lang="en-US" sz="1600" dirty="0"/>
+                        <a:t>Lower Band (5%)</a:t>
+                      </a:r>
+                    </a:p>
+                  </a:txBody>
+                  <a:tcPr/>
+                </a:tc>
+                <a:tc>
+                  <a:txBody>
+                    <a:bodyPr/>
+                    <a:lstStyle/>
+                    <a:p>
+                      <a:r>
+                        <a:rPr lang="en-US" sz="1600" dirty="0"/>
+                        <a:t>Upper Band (95%)</a:t>
+                      </a:r>
+                    </a:p>
+                  </a:txBody>
+                  <a:tcPr/>
+                </a:tc>
+                <a:extLst>
+                  <a:ext uri="{0D108BD9-81ED-4DB2-BD59-A6C34878D82A}">
+                    <a16:rowId xmlns:a16="http://schemas.microsoft.com/office/drawing/2014/main" val="1050015936"/>
+                  </a:ext>
+                </a:extLst>
+              </a:tr>
+              <a:tr h="348691">
+                <a:tc>
+                  <a:txBody>
+                    <a:bodyPr/>
+                    <a:lstStyle/>
+                    <a:p>
+                      <a:r>
+                        <a:rPr lang="en-US" sz="1600" dirty="0"/>
+                        <a:t>$1,102 (+3.9%)</a:t>
+                      </a:r>
+                    </a:p>
+                  </a:txBody>
+                  <a:tcPr/>
+                </a:tc>
+                <a:tc>
+                  <a:txBody>
+                    <a:bodyPr/>
+                    <a:lstStyle/>
+                    <a:p>
+                      <a:r>
+                        <a:rPr lang="en-US" sz="1600" dirty="0"/>
+                        <a:t>$207</a:t>
+                      </a:r>
+                    </a:p>
+                  </a:txBody>
+                  <a:tcPr/>
+                </a:tc>
+                <a:tc>
+                  <a:txBody>
+                    <a:bodyPr/>
+                    <a:lstStyle/>
+                    <a:p>
+                      <a:r>
+                        <a:rPr lang="en-US" sz="1600" dirty="0"/>
+                        <a:t>$761 (-27%)</a:t>
+                      </a:r>
+                    </a:p>
+                  </a:txBody>
+                  <a:tcPr/>
+                </a:tc>
+                <a:tc>
+                  <a:txBody>
+                    <a:bodyPr/>
+                    <a:lstStyle/>
+                    <a:p>
+                      <a:r>
+                        <a:rPr lang="en-US" sz="1600" dirty="0"/>
+                        <a:t>$1443 (+39%)</a:t>
+                      </a:r>
+                    </a:p>
+                  </a:txBody>
+                  <a:tcPr/>
+                </a:tc>
+                <a:extLst>
+                  <a:ext uri="{0D108BD9-81ED-4DB2-BD59-A6C34878D82A}">
+                    <a16:rowId xmlns:a16="http://schemas.microsoft.com/office/drawing/2014/main" val="150066975"/>
+                  </a:ext>
+                </a:extLst>
+              </a:tr>
+            </a:tbl>
+          </a:graphicData>
+        </a:graphic>
+      </p:graphicFrame>
+    </p:spTree>
+    <p:extLst>
+      <p:ext uri="{BB962C8B-B14F-4D97-AF65-F5344CB8AC3E}">
+        <p14:creationId xmlns:p14="http://schemas.microsoft.com/office/powerpoint/2010/main" val="499456963"/>
+      </p:ext>
+    </p:extLst>
+  </p:cSld>
+  <p:clrMapOvr>
+    <a:masterClrMapping/>
+  </p:clrMapOvr>
+</p:sld>
+</file>
+
+<file path=ppt/slides/slide2.xml><?xml version="1.0" encoding="utf-8"?>
+<p:sld xmlns:a="http://schemas.openxmlformats.org/drawingml/2006/main" xmlns:r="http://schemas.openxmlformats.org/officeDocument/2006/relationships" xmlns:p="http://schemas.openxmlformats.org/presentationml/2006/main">
+  <p:cSld>
+    <p:spTree>
+      <p:nvGrpSpPr>
+        <p:cNvPr id="1" name=""/>
+        <p:cNvGrpSpPr/>
+        <p:nvPr/>
+      </p:nvGrpSpPr>
+      <p:grpSpPr>
+        <a:xfrm>
+          <a:off x="0" y="0"/>
+          <a:ext cx="0" cy="0"/>
+          <a:chOff x="0" y="0"/>
+          <a:chExt cx="0" cy="0"/>
+        </a:xfrm>
+      </p:grpSpPr>
+      <p:sp>
+        <p:nvSpPr>
+          <p:cNvPr id="2" name="Title 1">
+            <a:extLst>
+              <a:ext uri="{FF2B5EF4-FFF2-40B4-BE49-F238E27FC236}">
+                <a16:creationId xmlns:a16="http://schemas.microsoft.com/office/drawing/2014/main" id="{637BCFEF-9BD5-38F8-8E11-288C5917736B}"/>
+              </a:ext>
+            </a:extLst>
+          </p:cNvPr>
+          <p:cNvSpPr>
+            <a:spLocks noGrp="1"/>
+          </p:cNvSpPr>
+          <p:nvPr>
+            <p:ph type="title"/>
+          </p:nvPr>
+        </p:nvSpPr>
+        <p:spPr/>
+        <p:txBody>
+          <a:bodyPr/>
+          <a:lstStyle/>
+          <a:p>
+            <a:r>
+              <a:rPr lang="en-US" dirty="0"/>
+              <a:t>Process</a:t>
+            </a:r>
+          </a:p>
+        </p:txBody>
+      </p:sp>
+      <p:sp>
+        <p:nvSpPr>
+          <p:cNvPr id="3" name="Content Placeholder 2">
+            <a:extLst>
+              <a:ext uri="{FF2B5EF4-FFF2-40B4-BE49-F238E27FC236}">
+                <a16:creationId xmlns:a16="http://schemas.microsoft.com/office/drawing/2014/main" id="{C8E02D71-7A25-D82F-F437-4FB1DE9B68BE}"/>
+              </a:ext>
+            </a:extLst>
+          </p:cNvPr>
+          <p:cNvSpPr>
+            <a:spLocks noGrp="1"/>
+          </p:cNvSpPr>
+          <p:nvPr>
+            <p:ph idx="1"/>
+          </p:nvPr>
+        </p:nvSpPr>
+        <p:spPr/>
+        <p:txBody>
+          <a:bodyPr/>
+          <a:lstStyle/>
+          <a:p>
+            <a:pPr marL="514350" indent="-514350">
+              <a:buFont typeface="+mj-lt"/>
+              <a:buAutoNum type="arabicPeriod"/>
+            </a:pPr>
+            <a:r>
+              <a:rPr lang="en-US" dirty="0"/>
+              <a:t>Forecast FOB prices for general direction and possible range of moves</a:t>
+            </a:r>
+          </a:p>
+          <a:p>
+            <a:pPr marL="514350" indent="-514350">
+              <a:buFont typeface="+mj-lt"/>
+              <a:buAutoNum type="arabicPeriod"/>
+            </a:pPr>
+            <a:r>
+              <a:rPr lang="en-US" dirty="0"/>
+              <a:t>Use the difference between Alberta and FOB prices for timing the purchase.</a:t>
+            </a:r>
+          </a:p>
+        </p:txBody>
+      </p:sp>
+    </p:spTree>
+    <p:extLst>
+      <p:ext uri="{BB962C8B-B14F-4D97-AF65-F5344CB8AC3E}">
+        <p14:creationId xmlns:p14="http://schemas.microsoft.com/office/powerpoint/2010/main" val="3455321472"/>
+      </p:ext>
+    </p:extLst>
+  </p:cSld>
+  <p:clrMapOvr>
+    <a:masterClrMapping/>
+  </p:clrMapOvr>
+</p:sld>
+</file>
+
+<file path=ppt/slides/slide20.xml><?xml version="1.0" encoding="utf-8"?>
+<p:sld xmlns:a="http://schemas.openxmlformats.org/drawingml/2006/main" xmlns:r="http://schemas.openxmlformats.org/officeDocument/2006/relationships" xmlns:p="http://schemas.openxmlformats.org/presentationml/2006/main">
+  <p:cSld>
+    <p:spTree>
+      <p:nvGrpSpPr>
+        <p:cNvPr id="1" name=""/>
+        <p:cNvGrpSpPr/>
+        <p:nvPr/>
+      </p:nvGrpSpPr>
+      <p:grpSpPr>
+        <a:xfrm>
+          <a:off x="0" y="0"/>
+          <a:ext cx="0" cy="0"/>
+          <a:chOff x="0" y="0"/>
+          <a:chExt cx="0" cy="0"/>
+        </a:xfrm>
+      </p:grpSpPr>
+      <p:sp>
+        <p:nvSpPr>
+          <p:cNvPr id="2" name="Title 1">
+            <a:extLst>
+              <a:ext uri="{FF2B5EF4-FFF2-40B4-BE49-F238E27FC236}">
                 <a16:creationId xmlns:a16="http://schemas.microsoft.com/office/drawing/2014/main" id="{2E00A1BE-9319-DD0E-F720-08CD26376CAE}"/>
               </a:ext>
             </a:extLst>
@@ -4656,41 +5669,50 @@
         </p:nvSpPr>
         <p:spPr/>
         <p:txBody>
-          <a:bodyPr/>
+          <a:bodyPr>
+            <a:normAutofit/>
+          </a:bodyPr>
           <a:lstStyle/>
           <a:p>
             <a:r>
               <a:rPr lang="en-US" dirty="0"/>
-              <a:t>FOB Black Sea – Regression Model</a:t>
-            </a:r>
-          </a:p>
-        </p:txBody>
-      </p:sp>
-      <p:sp>
-        <p:nvSpPr>
-          <p:cNvPr id="7" name="Content Placeholder 6">
-            <a:extLst>
-              <a:ext uri="{FF2B5EF4-FFF2-40B4-BE49-F238E27FC236}">
-                <a16:creationId xmlns:a16="http://schemas.microsoft.com/office/drawing/2014/main" id="{5F51C12C-A88B-DD85-6662-1A1E5625471C}"/>
-              </a:ext>
-            </a:extLst>
-          </p:cNvPr>
-          <p:cNvSpPr>
-            <a:spLocks noGrp="1"/>
-          </p:cNvSpPr>
+              <a:t>Regression Model – Price reverts to the mean after shocks</a:t>
+            </a:r>
+          </a:p>
+        </p:txBody>
+      </p:sp>
+      <p:pic>
+        <p:nvPicPr>
+          <p:cNvPr id="4" name="Content Placeholder 3">
+            <a:extLst>
+              <a:ext uri="{FF2B5EF4-FFF2-40B4-BE49-F238E27FC236}">
+                <a16:creationId xmlns:a16="http://schemas.microsoft.com/office/drawing/2014/main" id="{18B988CC-750C-6DB4-8CF6-6FB441A0E26A}"/>
+              </a:ext>
+            </a:extLst>
+          </p:cNvPr>
+          <p:cNvPicPr>
+            <a:picLocks noGrp="1" noChangeAspect="1"/>
+          </p:cNvPicPr>
           <p:nvPr>
             <p:ph idx="1"/>
           </p:nvPr>
-        </p:nvSpPr>
-        <p:spPr/>
-        <p:txBody>
-          <a:bodyPr/>
-          <a:lstStyle/>
-          <a:p>
-            <a:endParaRPr lang="en-US"/>
-          </a:p>
-        </p:txBody>
-      </p:sp>
+        </p:nvPicPr>
+        <p:blipFill>
+          <a:blip r:embed="rId2"/>
+          <a:stretch>
+            <a:fillRect/>
+          </a:stretch>
+        </p:blipFill>
+        <p:spPr>
+          <a:xfrm>
+            <a:off x="2408024" y="1825625"/>
+            <a:ext cx="7375951" cy="4351338"/>
+          </a:xfrm>
+          <a:prstGeom prst="rect">
+            <a:avLst/>
+          </a:prstGeom>
+        </p:spPr>
+      </p:pic>
     </p:spTree>
     <p:extLst>
       <p:ext uri="{BB962C8B-B14F-4D97-AF65-F5344CB8AC3E}">
@@ -4704,7 +5726,646 @@
 </p:sld>
 </file>
 
-<file path=ppt/slides/slide16.xml><?xml version="1.0" encoding="utf-8"?>
+<file path=ppt/slides/slide21.xml><?xml version="1.0" encoding="utf-8"?>
+<p:sld xmlns:a="http://schemas.openxmlformats.org/drawingml/2006/main" xmlns:r="http://schemas.openxmlformats.org/officeDocument/2006/relationships" xmlns:p="http://schemas.openxmlformats.org/presentationml/2006/main">
+  <p:cSld>
+    <p:spTree>
+      <p:nvGrpSpPr>
+        <p:cNvPr id="1" name="">
+          <a:extLst>
+            <a:ext uri="{FF2B5EF4-FFF2-40B4-BE49-F238E27FC236}">
+              <a16:creationId xmlns:a16="http://schemas.microsoft.com/office/drawing/2014/main" id="{F8FC5E6E-9B24-DA3B-2D6D-D14623F41083}"/>
+            </a:ext>
+          </a:extLst>
+        </p:cNvPr>
+        <p:cNvGrpSpPr/>
+        <p:nvPr/>
+      </p:nvGrpSpPr>
+      <p:grpSpPr>
+        <a:xfrm>
+          <a:off x="0" y="0"/>
+          <a:ext cx="0" cy="0"/>
+          <a:chOff x="0" y="0"/>
+          <a:chExt cx="0" cy="0"/>
+        </a:xfrm>
+      </p:grpSpPr>
+      <p:sp>
+        <p:nvSpPr>
+          <p:cNvPr id="2" name="Title 1">
+            <a:extLst>
+              <a:ext uri="{FF2B5EF4-FFF2-40B4-BE49-F238E27FC236}">
+                <a16:creationId xmlns:a16="http://schemas.microsoft.com/office/drawing/2014/main" id="{28203030-2E92-9701-05AA-B3BE90551456}"/>
+              </a:ext>
+            </a:extLst>
+          </p:cNvPr>
+          <p:cNvSpPr>
+            <a:spLocks noGrp="1"/>
+          </p:cNvSpPr>
+          <p:nvPr>
+            <p:ph type="title"/>
+          </p:nvPr>
+        </p:nvSpPr>
+        <p:spPr/>
+        <p:txBody>
+          <a:bodyPr/>
+          <a:lstStyle/>
+          <a:p>
+            <a:r>
+              <a:rPr lang="en-US" dirty="0"/>
+              <a:t>Urea, FOB Black Sea – Forecast</a:t>
+            </a:r>
+          </a:p>
+        </p:txBody>
+      </p:sp>
+      <p:graphicFrame>
+        <p:nvGraphicFramePr>
+          <p:cNvPr id="7" name="Table 6">
+            <a:extLst>
+              <a:ext uri="{FF2B5EF4-FFF2-40B4-BE49-F238E27FC236}">
+                <a16:creationId xmlns:a16="http://schemas.microsoft.com/office/drawing/2014/main" id="{F7AAC692-73EF-B535-3B55-0571BA6254FE}"/>
+              </a:ext>
+            </a:extLst>
+          </p:cNvPr>
+          <p:cNvGraphicFramePr>
+            <a:graphicFrameLocks noGrp="1"/>
+          </p:cNvGraphicFramePr>
+          <p:nvPr>
+            <p:extLst>
+              <p:ext uri="{D42A27DB-BD31-4B8C-83A1-F6EECF244321}">
+                <p14:modId xmlns:p14="http://schemas.microsoft.com/office/powerpoint/2010/main" val="2826217474"/>
+              </p:ext>
+            </p:extLst>
+          </p:nvPr>
+        </p:nvGraphicFramePr>
+        <p:xfrm>
+          <a:off x="2438399" y="5931747"/>
+          <a:ext cx="7315200" cy="914400"/>
+        </p:xfrm>
+        <a:graphic>
+          <a:graphicData uri="http://schemas.openxmlformats.org/drawingml/2006/table">
+            <a:tbl>
+              <a:tblPr firstRow="1" bandRow="1">
+                <a:tableStyleId>{5C22544A-7EE6-4342-B048-85BDC9FD1C3A}</a:tableStyleId>
+              </a:tblPr>
+              <a:tblGrid>
+                <a:gridCol w="1828800">
+                  <a:extLst>
+                    <a:ext uri="{9D8B030D-6E8A-4147-A177-3AD203B41FA5}">
+                      <a16:colId xmlns:a16="http://schemas.microsoft.com/office/drawing/2014/main" val="4155257274"/>
+                    </a:ext>
+                  </a:extLst>
+                </a:gridCol>
+                <a:gridCol w="1828800">
+                  <a:extLst>
+                    <a:ext uri="{9D8B030D-6E8A-4147-A177-3AD203B41FA5}">
+                      <a16:colId xmlns:a16="http://schemas.microsoft.com/office/drawing/2014/main" val="1784173928"/>
+                    </a:ext>
+                  </a:extLst>
+                </a:gridCol>
+                <a:gridCol w="1828800">
+                  <a:extLst>
+                    <a:ext uri="{9D8B030D-6E8A-4147-A177-3AD203B41FA5}">
+                      <a16:colId xmlns:a16="http://schemas.microsoft.com/office/drawing/2014/main" val="1622761043"/>
+                    </a:ext>
+                  </a:extLst>
+                </a:gridCol>
+                <a:gridCol w="1828800">
+                  <a:extLst>
+                    <a:ext uri="{9D8B030D-6E8A-4147-A177-3AD203B41FA5}">
+                      <a16:colId xmlns:a16="http://schemas.microsoft.com/office/drawing/2014/main" val="990677731"/>
+                    </a:ext>
+                  </a:extLst>
+                </a:gridCol>
+              </a:tblGrid>
+              <a:tr h="565709">
+                <a:tc>
+                  <a:txBody>
+                    <a:bodyPr/>
+                    <a:lstStyle/>
+                    <a:p>
+                      <a:r>
+                        <a:rPr lang="en-US" sz="1600" dirty="0"/>
+                        <a:t>Price (Sep 2026)</a:t>
+                      </a:r>
+                    </a:p>
+                  </a:txBody>
+                  <a:tcPr/>
+                </a:tc>
+                <a:tc>
+                  <a:txBody>
+                    <a:bodyPr/>
+                    <a:lstStyle/>
+                    <a:p>
+                      <a:r>
+                        <a:rPr lang="en-US" sz="1600" dirty="0"/>
+                        <a:t>Std Error</a:t>
+                      </a:r>
+                    </a:p>
+                  </a:txBody>
+                  <a:tcPr/>
+                </a:tc>
+                <a:tc>
+                  <a:txBody>
+                    <a:bodyPr/>
+                    <a:lstStyle/>
+                    <a:p>
+                      <a:r>
+                        <a:rPr lang="en-US" sz="1600" dirty="0"/>
+                        <a:t>Lower Band (5%)</a:t>
+                      </a:r>
+                    </a:p>
+                  </a:txBody>
+                  <a:tcPr/>
+                </a:tc>
+                <a:tc>
+                  <a:txBody>
+                    <a:bodyPr/>
+                    <a:lstStyle/>
+                    <a:p>
+                      <a:r>
+                        <a:rPr lang="en-US" sz="1600" dirty="0"/>
+                        <a:t>Upper Band (95%)</a:t>
+                      </a:r>
+                    </a:p>
+                  </a:txBody>
+                  <a:tcPr/>
+                </a:tc>
+                <a:extLst>
+                  <a:ext uri="{0D108BD9-81ED-4DB2-BD59-A6C34878D82A}">
+                    <a16:rowId xmlns:a16="http://schemas.microsoft.com/office/drawing/2014/main" val="1050015936"/>
+                  </a:ext>
+                </a:extLst>
+              </a:tr>
+              <a:tr h="348691">
+                <a:tc>
+                  <a:txBody>
+                    <a:bodyPr/>
+                    <a:lstStyle/>
+                    <a:p>
+                      <a:r>
+                        <a:rPr lang="en-US" sz="1600" dirty="0"/>
+                        <a:t>$587 (+2%)</a:t>
+                      </a:r>
+                    </a:p>
+                  </a:txBody>
+                  <a:tcPr/>
+                </a:tc>
+                <a:tc>
+                  <a:txBody>
+                    <a:bodyPr/>
+                    <a:lstStyle/>
+                    <a:p>
+                      <a:r>
+                        <a:rPr lang="en-US" sz="1600" dirty="0"/>
+                        <a:t>$102</a:t>
+                      </a:r>
+                    </a:p>
+                  </a:txBody>
+                  <a:tcPr/>
+                </a:tc>
+                <a:tc>
+                  <a:txBody>
+                    <a:bodyPr/>
+                    <a:lstStyle/>
+                    <a:p>
+                      <a:r>
+                        <a:rPr lang="en-US" sz="1600" dirty="0"/>
+                        <a:t>418 (-27%)</a:t>
+                      </a:r>
+                    </a:p>
+                  </a:txBody>
+                  <a:tcPr/>
+                </a:tc>
+                <a:tc>
+                  <a:txBody>
+                    <a:bodyPr/>
+                    <a:lstStyle/>
+                    <a:p>
+                      <a:r>
+                        <a:rPr lang="en-US" sz="1600" dirty="0"/>
+                        <a:t>755 (+31%)</a:t>
+                      </a:r>
+                    </a:p>
+                  </a:txBody>
+                  <a:tcPr/>
+                </a:tc>
+                <a:extLst>
+                  <a:ext uri="{0D108BD9-81ED-4DB2-BD59-A6C34878D82A}">
+                    <a16:rowId xmlns:a16="http://schemas.microsoft.com/office/drawing/2014/main" val="150066975"/>
+                  </a:ext>
+                </a:extLst>
+              </a:tr>
+            </a:tbl>
+          </a:graphicData>
+        </a:graphic>
+      </p:graphicFrame>
+      <p:pic>
+        <p:nvPicPr>
+          <p:cNvPr id="14" name="Content Placeholder 13">
+            <a:extLst>
+              <a:ext uri="{FF2B5EF4-FFF2-40B4-BE49-F238E27FC236}">
+                <a16:creationId xmlns:a16="http://schemas.microsoft.com/office/drawing/2014/main" id="{20E1FD88-1C0A-46E8-596F-B63736BC5FAA}"/>
+              </a:ext>
+            </a:extLst>
+          </p:cNvPr>
+          <p:cNvPicPr>
+            <a:picLocks noGrp="1" noChangeAspect="1"/>
+          </p:cNvPicPr>
+          <p:nvPr>
+            <p:ph idx="1"/>
+          </p:nvPr>
+        </p:nvPicPr>
+        <p:blipFill>
+          <a:blip r:embed="rId3"/>
+          <a:stretch>
+            <a:fillRect/>
+          </a:stretch>
+        </p:blipFill>
+        <p:spPr>
+          <a:xfrm>
+            <a:off x="2438399" y="1478669"/>
+            <a:ext cx="7315200" cy="4453078"/>
+          </a:xfrm>
+          <a:prstGeom prst="rect">
+            <a:avLst/>
+          </a:prstGeom>
+        </p:spPr>
+      </p:pic>
+    </p:spTree>
+    <p:extLst>
+      <p:ext uri="{BB962C8B-B14F-4D97-AF65-F5344CB8AC3E}">
+        <p14:creationId xmlns:p14="http://schemas.microsoft.com/office/powerpoint/2010/main" val="1375931470"/>
+      </p:ext>
+    </p:extLst>
+  </p:cSld>
+  <p:clrMapOvr>
+    <a:masterClrMapping/>
+  </p:clrMapOvr>
+</p:sld>
+</file>
+
+<file path=ppt/slides/slide22.xml><?xml version="1.0" encoding="utf-8"?>
+<p:sld xmlns:a="http://schemas.openxmlformats.org/drawingml/2006/main" xmlns:r="http://schemas.openxmlformats.org/officeDocument/2006/relationships" xmlns:p="http://schemas.openxmlformats.org/presentationml/2006/main">
+  <p:cSld>
+    <p:spTree>
+      <p:nvGrpSpPr>
+        <p:cNvPr id="1" name="">
+          <a:extLst>
+            <a:ext uri="{FF2B5EF4-FFF2-40B4-BE49-F238E27FC236}">
+              <a16:creationId xmlns:a16="http://schemas.microsoft.com/office/drawing/2014/main" id="{3AF31484-817D-E8AC-FA19-06B654516840}"/>
+            </a:ext>
+          </a:extLst>
+        </p:cNvPr>
+        <p:cNvGrpSpPr/>
+        <p:nvPr/>
+      </p:nvGrpSpPr>
+      <p:grpSpPr>
+        <a:xfrm>
+          <a:off x="0" y="0"/>
+          <a:ext cx="0" cy="0"/>
+          <a:chOff x="0" y="0"/>
+          <a:chExt cx="0" cy="0"/>
+        </a:xfrm>
+      </p:grpSpPr>
+      <p:sp>
+        <p:nvSpPr>
+          <p:cNvPr id="2" name="Title 1">
+            <a:extLst>
+              <a:ext uri="{FF2B5EF4-FFF2-40B4-BE49-F238E27FC236}">
+                <a16:creationId xmlns:a16="http://schemas.microsoft.com/office/drawing/2014/main" id="{252E5A9A-0E5D-572B-3E1C-7F7163093951}"/>
+              </a:ext>
+            </a:extLst>
+          </p:cNvPr>
+          <p:cNvSpPr>
+            <a:spLocks noGrp="1"/>
+          </p:cNvSpPr>
+          <p:nvPr>
+            <p:ph type="title"/>
+          </p:nvPr>
+        </p:nvSpPr>
+        <p:spPr/>
+        <p:txBody>
+          <a:bodyPr/>
+          <a:lstStyle/>
+          <a:p>
+            <a:r>
+              <a:rPr lang="en-US" dirty="0"/>
+              <a:t>Urea, Alberta – Forecast </a:t>
+            </a:r>
+          </a:p>
+        </p:txBody>
+      </p:sp>
+      <p:graphicFrame>
+        <p:nvGraphicFramePr>
+          <p:cNvPr id="7" name="Table 6">
+            <a:extLst>
+              <a:ext uri="{FF2B5EF4-FFF2-40B4-BE49-F238E27FC236}">
+                <a16:creationId xmlns:a16="http://schemas.microsoft.com/office/drawing/2014/main" id="{1762F6F8-323A-D4DD-1577-BB0FA81E464F}"/>
+              </a:ext>
+            </a:extLst>
+          </p:cNvPr>
+          <p:cNvGraphicFramePr>
+            <a:graphicFrameLocks noGrp="1"/>
+          </p:cNvGraphicFramePr>
+          <p:nvPr>
+            <p:extLst>
+              <p:ext uri="{D42A27DB-BD31-4B8C-83A1-F6EECF244321}">
+                <p14:modId xmlns:p14="http://schemas.microsoft.com/office/powerpoint/2010/main" val="789714018"/>
+              </p:ext>
+            </p:extLst>
+          </p:nvPr>
+        </p:nvGraphicFramePr>
+        <p:xfrm>
+          <a:off x="2438400" y="5943600"/>
+          <a:ext cx="7315200" cy="900989"/>
+        </p:xfrm>
+        <a:graphic>
+          <a:graphicData uri="http://schemas.openxmlformats.org/drawingml/2006/table">
+            <a:tbl>
+              <a:tblPr firstRow="1" bandRow="1">
+                <a:tableStyleId>{5C22544A-7EE6-4342-B048-85BDC9FD1C3A}</a:tableStyleId>
+              </a:tblPr>
+              <a:tblGrid>
+                <a:gridCol w="1828800">
+                  <a:extLst>
+                    <a:ext uri="{9D8B030D-6E8A-4147-A177-3AD203B41FA5}">
+                      <a16:colId xmlns:a16="http://schemas.microsoft.com/office/drawing/2014/main" val="4155257274"/>
+                    </a:ext>
+                  </a:extLst>
+                </a:gridCol>
+                <a:gridCol w="1828800">
+                  <a:extLst>
+                    <a:ext uri="{9D8B030D-6E8A-4147-A177-3AD203B41FA5}">
+                      <a16:colId xmlns:a16="http://schemas.microsoft.com/office/drawing/2014/main" val="1784173928"/>
+                    </a:ext>
+                  </a:extLst>
+                </a:gridCol>
+                <a:gridCol w="1828800">
+                  <a:extLst>
+                    <a:ext uri="{9D8B030D-6E8A-4147-A177-3AD203B41FA5}">
+                      <a16:colId xmlns:a16="http://schemas.microsoft.com/office/drawing/2014/main" val="1622761043"/>
+                    </a:ext>
+                  </a:extLst>
+                </a:gridCol>
+                <a:gridCol w="1828800">
+                  <a:extLst>
+                    <a:ext uri="{9D8B030D-6E8A-4147-A177-3AD203B41FA5}">
+                      <a16:colId xmlns:a16="http://schemas.microsoft.com/office/drawing/2014/main" val="990677731"/>
+                    </a:ext>
+                  </a:extLst>
+                </a:gridCol>
+              </a:tblGrid>
+              <a:tr h="565709">
+                <a:tc>
+                  <a:txBody>
+                    <a:bodyPr/>
+                    <a:lstStyle/>
+                    <a:p>
+                      <a:r>
+                        <a:rPr lang="en-US" sz="1600" dirty="0"/>
+                        <a:t>Price (Sep 2026)</a:t>
+                      </a:r>
+                    </a:p>
+                  </a:txBody>
+                  <a:tcPr/>
+                </a:tc>
+                <a:tc>
+                  <a:txBody>
+                    <a:bodyPr/>
+                    <a:lstStyle/>
+                    <a:p>
+                      <a:r>
+                        <a:rPr lang="en-US" sz="1600" dirty="0"/>
+                        <a:t>Std Error</a:t>
+                      </a:r>
+                    </a:p>
+                  </a:txBody>
+                  <a:tcPr/>
+                </a:tc>
+                <a:tc>
+                  <a:txBody>
+                    <a:bodyPr/>
+                    <a:lstStyle/>
+                    <a:p>
+                      <a:r>
+                        <a:rPr lang="en-US" sz="1600" dirty="0"/>
+                        <a:t>Lower Band (5%)</a:t>
+                      </a:r>
+                    </a:p>
+                  </a:txBody>
+                  <a:tcPr/>
+                </a:tc>
+                <a:tc>
+                  <a:txBody>
+                    <a:bodyPr/>
+                    <a:lstStyle/>
+                    <a:p>
+                      <a:r>
+                        <a:rPr lang="en-US" sz="1600" dirty="0"/>
+                        <a:t>Upper Band (5%)</a:t>
+                      </a:r>
+                    </a:p>
+                  </a:txBody>
+                  <a:tcPr/>
+                </a:tc>
+                <a:extLst>
+                  <a:ext uri="{0D108BD9-81ED-4DB2-BD59-A6C34878D82A}">
+                    <a16:rowId xmlns:a16="http://schemas.microsoft.com/office/drawing/2014/main" val="1050015936"/>
+                  </a:ext>
+                </a:extLst>
+              </a:tr>
+              <a:tr h="0">
+                <a:tc>
+                  <a:txBody>
+                    <a:bodyPr/>
+                    <a:lstStyle/>
+                    <a:p>
+                      <a:r>
+                        <a:rPr lang="en-US" sz="1600" dirty="0"/>
+                        <a:t>$872 (-16%)</a:t>
+                      </a:r>
+                    </a:p>
+                  </a:txBody>
+                  <a:tcPr/>
+                </a:tc>
+                <a:tc>
+                  <a:txBody>
+                    <a:bodyPr/>
+                    <a:lstStyle/>
+                    <a:p>
+                      <a:r>
+                        <a:rPr lang="en-US" sz="1600" dirty="0"/>
+                        <a:t>$109</a:t>
+                      </a:r>
+                    </a:p>
+                  </a:txBody>
+                  <a:tcPr/>
+                </a:tc>
+                <a:tc>
+                  <a:txBody>
+                    <a:bodyPr/>
+                    <a:lstStyle/>
+                    <a:p>
+                      <a:r>
+                        <a:rPr lang="en-US" sz="1600" dirty="0"/>
+                        <a:t>$691 (-33%)</a:t>
+                      </a:r>
+                    </a:p>
+                  </a:txBody>
+                  <a:tcPr/>
+                </a:tc>
+                <a:tc>
+                  <a:txBody>
+                    <a:bodyPr/>
+                    <a:lstStyle/>
+                    <a:p>
+                      <a:r>
+                        <a:rPr lang="en-US" sz="1600" dirty="0"/>
+                        <a:t>$1054 (2%)</a:t>
+                      </a:r>
+                    </a:p>
+                  </a:txBody>
+                  <a:tcPr/>
+                </a:tc>
+                <a:extLst>
+                  <a:ext uri="{0D108BD9-81ED-4DB2-BD59-A6C34878D82A}">
+                    <a16:rowId xmlns:a16="http://schemas.microsoft.com/office/drawing/2014/main" val="150066975"/>
+                  </a:ext>
+                </a:extLst>
+              </a:tr>
+            </a:tbl>
+          </a:graphicData>
+        </a:graphic>
+      </p:graphicFrame>
+      <p:pic>
+        <p:nvPicPr>
+          <p:cNvPr id="6" name="Content Placeholder 5">
+            <a:extLst>
+              <a:ext uri="{FF2B5EF4-FFF2-40B4-BE49-F238E27FC236}">
+                <a16:creationId xmlns:a16="http://schemas.microsoft.com/office/drawing/2014/main" id="{2F08AA0B-A481-4A21-752D-8B5A0B7A9C8F}"/>
+              </a:ext>
+            </a:extLst>
+          </p:cNvPr>
+          <p:cNvPicPr>
+            <a:picLocks noGrp="1" noChangeAspect="1"/>
+          </p:cNvPicPr>
+          <p:nvPr>
+            <p:ph idx="1"/>
+          </p:nvPr>
+        </p:nvPicPr>
+        <p:blipFill>
+          <a:blip r:embed="rId3"/>
+          <a:stretch>
+            <a:fillRect/>
+          </a:stretch>
+        </p:blipFill>
+        <p:spPr>
+          <a:xfrm>
+            <a:off x="2438400" y="1690688"/>
+            <a:ext cx="7315200" cy="4301682"/>
+          </a:xfrm>
+          <a:prstGeom prst="rect">
+            <a:avLst/>
+          </a:prstGeom>
+        </p:spPr>
+      </p:pic>
+    </p:spTree>
+    <p:extLst>
+      <p:ext uri="{BB962C8B-B14F-4D97-AF65-F5344CB8AC3E}">
+        <p14:creationId xmlns:p14="http://schemas.microsoft.com/office/powerpoint/2010/main" val="1323473437"/>
+      </p:ext>
+    </p:extLst>
+  </p:cSld>
+  <p:clrMapOvr>
+    <a:masterClrMapping/>
+  </p:clrMapOvr>
+</p:sld>
+</file>
+
+<file path=ppt/slides/slide23.xml><?xml version="1.0" encoding="utf-8"?>
+<p:sld xmlns:a="http://schemas.openxmlformats.org/drawingml/2006/main" xmlns:r="http://schemas.openxmlformats.org/officeDocument/2006/relationships" xmlns:p="http://schemas.openxmlformats.org/presentationml/2006/main">
+  <p:cSld>
+    <p:spTree>
+      <p:nvGrpSpPr>
+        <p:cNvPr id="1" name=""/>
+        <p:cNvGrpSpPr/>
+        <p:nvPr/>
+      </p:nvGrpSpPr>
+      <p:grpSpPr>
+        <a:xfrm>
+          <a:off x="0" y="0"/>
+          <a:ext cx="0" cy="0"/>
+          <a:chOff x="0" y="0"/>
+          <a:chExt cx="0" cy="0"/>
+        </a:xfrm>
+      </p:grpSpPr>
+      <p:sp>
+        <p:nvSpPr>
+          <p:cNvPr id="4" name="Title 3">
+            <a:extLst>
+              <a:ext uri="{FF2B5EF4-FFF2-40B4-BE49-F238E27FC236}">
+                <a16:creationId xmlns:a16="http://schemas.microsoft.com/office/drawing/2014/main" id="{36563D18-B45A-5348-32B7-4E6B1DCE55E6}"/>
+              </a:ext>
+            </a:extLst>
+          </p:cNvPr>
+          <p:cNvSpPr>
+            <a:spLocks noGrp="1"/>
+          </p:cNvSpPr>
+          <p:nvPr>
+            <p:ph type="title"/>
+          </p:nvPr>
+        </p:nvSpPr>
+        <p:spPr/>
+        <p:txBody>
+          <a:bodyPr/>
+          <a:lstStyle/>
+          <a:p>
+            <a:r>
+              <a:rPr lang="en-US" dirty="0"/>
+              <a:t>6. Market Timing with Alberta / FOB Spread</a:t>
+            </a:r>
+          </a:p>
+        </p:txBody>
+      </p:sp>
+      <p:sp>
+        <p:nvSpPr>
+          <p:cNvPr id="5" name="Text Placeholder 4">
+            <a:extLst>
+              <a:ext uri="{FF2B5EF4-FFF2-40B4-BE49-F238E27FC236}">
+                <a16:creationId xmlns:a16="http://schemas.microsoft.com/office/drawing/2014/main" id="{5DA179D5-24BF-AE61-1760-B9C99A1DB01A}"/>
+              </a:ext>
+            </a:extLst>
+          </p:cNvPr>
+          <p:cNvSpPr>
+            <a:spLocks noGrp="1"/>
+          </p:cNvSpPr>
+          <p:nvPr>
+            <p:ph type="body" idx="1"/>
+          </p:nvPr>
+        </p:nvSpPr>
+        <p:spPr/>
+        <p:txBody>
+          <a:bodyPr/>
+          <a:lstStyle/>
+          <a:p>
+            <a:endParaRPr lang="en-US"/>
+          </a:p>
+        </p:txBody>
+      </p:sp>
+    </p:spTree>
+    <p:extLst>
+      <p:ext uri="{BB962C8B-B14F-4D97-AF65-F5344CB8AC3E}">
+        <p14:creationId xmlns:p14="http://schemas.microsoft.com/office/powerpoint/2010/main" val="3862971536"/>
+      </p:ext>
+    </p:extLst>
+  </p:cSld>
+  <p:clrMapOvr>
+    <a:masterClrMapping/>
+  </p:clrMapOvr>
+</p:sld>
+</file>
+
+<file path=ppt/slides/slide24.xml><?xml version="1.0" encoding="utf-8"?>
 <p:sld xmlns:a="http://schemas.openxmlformats.org/drawingml/2006/main" xmlns:r="http://schemas.openxmlformats.org/officeDocument/2006/relationships" xmlns:p="http://schemas.openxmlformats.org/presentationml/2006/main" show="0">
   <p:cSld>
     <p:spTree>
@@ -4794,7 +6455,7 @@
 </p:sld>
 </file>
 
-<file path=ppt/slides/slide17.xml><?xml version="1.0" encoding="utf-8"?>
+<file path=ppt/slides/slide25.xml><?xml version="1.0" encoding="utf-8"?>
 <p:sld xmlns:a="http://schemas.openxmlformats.org/drawingml/2006/main" xmlns:r="http://schemas.openxmlformats.org/officeDocument/2006/relationships" xmlns:p="http://schemas.openxmlformats.org/presentationml/2006/main">
   <p:cSld>
     <p:spTree>
@@ -4847,10 +6508,10 @@
       </p:sp>
       <p:pic>
         <p:nvPicPr>
-          <p:cNvPr id="9" name="Content Placeholder 8">
-            <a:extLst>
-              <a:ext uri="{FF2B5EF4-FFF2-40B4-BE49-F238E27FC236}">
-                <a16:creationId xmlns:a16="http://schemas.microsoft.com/office/drawing/2014/main" id="{DAFE664D-BA45-1329-5A5B-A5B41ADF04B9}"/>
+          <p:cNvPr id="6" name="Content Placeholder 5">
+            <a:extLst>
+              <a:ext uri="{FF2B5EF4-FFF2-40B4-BE49-F238E27FC236}">
+                <a16:creationId xmlns:a16="http://schemas.microsoft.com/office/drawing/2014/main" id="{8B04D95B-94B3-7EFE-20D6-C1D06A59691C}"/>
               </a:ext>
             </a:extLst>
           </p:cNvPr>
@@ -4869,8 +6530,8 @@
         </p:blipFill>
         <p:spPr>
           <a:xfrm>
-            <a:off x="2385953" y="1825625"/>
-            <a:ext cx="7420094" cy="4351338"/>
+            <a:off x="2391056" y="1825625"/>
+            <a:ext cx="7409887" cy="4351338"/>
           </a:xfrm>
           <a:prstGeom prst="rect">
             <a:avLst/>
@@ -4890,7 +6551,7 @@
 </p:sld>
 </file>
 
-<file path=ppt/slides/slide18.xml><?xml version="1.0" encoding="utf-8"?>
+<file path=ppt/slides/slide26.xml><?xml version="1.0" encoding="utf-8"?>
 <p:sld xmlns:a="http://schemas.openxmlformats.org/drawingml/2006/main" xmlns:r="http://schemas.openxmlformats.org/officeDocument/2006/relationships" xmlns:p="http://schemas.openxmlformats.org/presentationml/2006/main">
   <p:cSld>
     <p:spTree>
@@ -5029,7 +6690,7 @@
 </p:sld>
 </file>
 
-<file path=ppt/slides/slide19.xml><?xml version="1.0" encoding="utf-8"?>
+<file path=ppt/slides/slide27.xml><?xml version="1.0" encoding="utf-8"?>
 <p:sld xmlns:a="http://schemas.openxmlformats.org/drawingml/2006/main" xmlns:r="http://schemas.openxmlformats.org/officeDocument/2006/relationships" xmlns:p="http://schemas.openxmlformats.org/presentationml/2006/main">
   <p:cSld>
     <p:spTree>
@@ -5048,6 +6709,89 @@
       </p:grpSpPr>
       <p:sp>
         <p:nvSpPr>
+          <p:cNvPr id="5" name="Title 4">
+            <a:extLst>
+              <a:ext uri="{FF2B5EF4-FFF2-40B4-BE49-F238E27FC236}">
+                <a16:creationId xmlns:a16="http://schemas.microsoft.com/office/drawing/2014/main" id="{EFF5E8F3-093C-A82F-349A-0D8200E40A69}"/>
+              </a:ext>
+            </a:extLst>
+          </p:cNvPr>
+          <p:cNvSpPr>
+            <a:spLocks noGrp="1"/>
+          </p:cNvSpPr>
+          <p:nvPr>
+            <p:ph type="title"/>
+          </p:nvPr>
+        </p:nvSpPr>
+        <p:spPr/>
+        <p:txBody>
+          <a:bodyPr/>
+          <a:lstStyle/>
+          <a:p>
+            <a:r>
+              <a:rPr lang="en-US" dirty="0"/>
+              <a:t>7. Conclusion</a:t>
+            </a:r>
+          </a:p>
+        </p:txBody>
+      </p:sp>
+      <p:sp>
+        <p:nvSpPr>
+          <p:cNvPr id="6" name="Text Placeholder 5">
+            <a:extLst>
+              <a:ext uri="{FF2B5EF4-FFF2-40B4-BE49-F238E27FC236}">
+                <a16:creationId xmlns:a16="http://schemas.microsoft.com/office/drawing/2014/main" id="{123F174D-7DEA-E66C-40A8-8C4C9D0CCE05}"/>
+              </a:ext>
+            </a:extLst>
+          </p:cNvPr>
+          <p:cNvSpPr>
+            <a:spLocks noGrp="1"/>
+          </p:cNvSpPr>
+          <p:nvPr>
+            <p:ph type="body" idx="1"/>
+          </p:nvPr>
+        </p:nvSpPr>
+        <p:spPr/>
+        <p:txBody>
+          <a:bodyPr/>
+          <a:lstStyle/>
+          <a:p>
+            <a:endParaRPr lang="en-US"/>
+          </a:p>
+        </p:txBody>
+      </p:sp>
+    </p:spTree>
+    <p:extLst>
+      <p:ext uri="{BB962C8B-B14F-4D97-AF65-F5344CB8AC3E}">
+        <p14:creationId xmlns:p14="http://schemas.microsoft.com/office/powerpoint/2010/main" val="780710507"/>
+      </p:ext>
+    </p:extLst>
+  </p:cSld>
+  <p:clrMapOvr>
+    <a:masterClrMapping/>
+  </p:clrMapOvr>
+</p:sld>
+</file>
+
+<file path=ppt/slides/slide28.xml><?xml version="1.0" encoding="utf-8"?>
+<p:sld xmlns:a="http://schemas.openxmlformats.org/drawingml/2006/main" xmlns:r="http://schemas.openxmlformats.org/officeDocument/2006/relationships" xmlns:p="http://schemas.openxmlformats.org/presentationml/2006/main">
+  <p:cSld>
+    <p:spTree>
+      <p:nvGrpSpPr>
+        <p:cNvPr id="1" name=""/>
+        <p:cNvGrpSpPr/>
+        <p:nvPr/>
+      </p:nvGrpSpPr>
+      <p:grpSpPr>
+        <a:xfrm>
+          <a:off x="0" y="0"/>
+          <a:ext cx="0" cy="0"/>
+          <a:chOff x="0" y="0"/>
+          <a:chExt cx="0" cy="0"/>
+        </a:xfrm>
+      </p:grpSpPr>
+      <p:sp>
+        <p:nvSpPr>
           <p:cNvPr id="2" name="Title 1">
             <a:extLst>
               <a:ext uri="{FF2B5EF4-FFF2-40B4-BE49-F238E27FC236}">
@@ -5167,7 +6911,376 @@
 </p:sld>
 </file>
 
-<file path=ppt/slides/slide2.xml><?xml version="1.0" encoding="utf-8"?>
+<file path=ppt/slides/slide29.xml><?xml version="1.0" encoding="utf-8"?>
+<p:sld xmlns:a="http://schemas.openxmlformats.org/drawingml/2006/main" xmlns:r="http://schemas.openxmlformats.org/officeDocument/2006/relationships" xmlns:p="http://schemas.openxmlformats.org/presentationml/2006/main">
+  <p:cSld>
+    <p:spTree>
+      <p:nvGrpSpPr>
+        <p:cNvPr id="1" name=""/>
+        <p:cNvGrpSpPr/>
+        <p:nvPr/>
+      </p:nvGrpSpPr>
+      <p:grpSpPr>
+        <a:xfrm>
+          <a:off x="0" y="0"/>
+          <a:ext cx="0" cy="0"/>
+          <a:chOff x="0" y="0"/>
+          <a:chExt cx="0" cy="0"/>
+        </a:xfrm>
+      </p:grpSpPr>
+      <p:sp>
+        <p:nvSpPr>
+          <p:cNvPr id="2" name="Title 1">
+            <a:extLst>
+              <a:ext uri="{FF2B5EF4-FFF2-40B4-BE49-F238E27FC236}">
+                <a16:creationId xmlns:a16="http://schemas.microsoft.com/office/drawing/2014/main" id="{D2AD10FF-D898-99AA-C0C4-412754F8E392}"/>
+              </a:ext>
+            </a:extLst>
+          </p:cNvPr>
+          <p:cNvSpPr>
+            <a:spLocks noGrp="1"/>
+          </p:cNvSpPr>
+          <p:nvPr>
+            <p:ph type="title"/>
+          </p:nvPr>
+        </p:nvSpPr>
+        <p:spPr/>
+        <p:txBody>
+          <a:bodyPr/>
+          <a:lstStyle/>
+          <a:p>
+            <a:r>
+              <a:rPr lang="en-US" dirty="0"/>
+              <a:t>Risks</a:t>
+            </a:r>
+          </a:p>
+        </p:txBody>
+      </p:sp>
+      <p:sp>
+        <p:nvSpPr>
+          <p:cNvPr id="3" name="Content Placeholder 2">
+            <a:extLst>
+              <a:ext uri="{FF2B5EF4-FFF2-40B4-BE49-F238E27FC236}">
+                <a16:creationId xmlns:a16="http://schemas.microsoft.com/office/drawing/2014/main" id="{2BA2C75E-97D1-4403-7E8B-E8B90957FFFF}"/>
+              </a:ext>
+            </a:extLst>
+          </p:cNvPr>
+          <p:cNvSpPr>
+            <a:spLocks noGrp="1"/>
+          </p:cNvSpPr>
+          <p:nvPr>
+            <p:ph idx="1"/>
+          </p:nvPr>
+        </p:nvSpPr>
+        <p:spPr/>
+        <p:txBody>
+          <a:bodyPr/>
+          <a:lstStyle/>
+          <a:p>
+            <a:r>
+              <a:rPr lang="en-US" dirty="0"/>
+              <a:t>The end of the </a:t>
+            </a:r>
+            <a:r>
+              <a:rPr lang="en-US" b="1" dirty="0"/>
+              <a:t>Russia-Ukraine</a:t>
+            </a:r>
+            <a:r>
+              <a:rPr lang="en-US" dirty="0"/>
+              <a:t> conflict and the resumption of Russian exports to global markets, along with the termination of </a:t>
+            </a:r>
+            <a:r>
+              <a:rPr lang="en-US" b="1" dirty="0"/>
+              <a:t>China's zero-export policy </a:t>
+            </a:r>
+            <a:r>
+              <a:rPr lang="en-US" dirty="0"/>
+              <a:t>and the return of Chinese urea to international trade, can increase supply and cause further price declines in the short term.</a:t>
+            </a:r>
+          </a:p>
+        </p:txBody>
+      </p:sp>
+    </p:spTree>
+    <p:extLst>
+      <p:ext uri="{BB962C8B-B14F-4D97-AF65-F5344CB8AC3E}">
+        <p14:creationId xmlns:p14="http://schemas.microsoft.com/office/powerpoint/2010/main" val="3984814231"/>
+      </p:ext>
+    </p:extLst>
+  </p:cSld>
+  <p:clrMapOvr>
+    <a:masterClrMapping/>
+  </p:clrMapOvr>
+</p:sld>
+</file>
+
+<file path=ppt/slides/slide3.xml><?xml version="1.0" encoding="utf-8"?>
+<p:sld xmlns:a="http://schemas.openxmlformats.org/drawingml/2006/main" xmlns:r="http://schemas.openxmlformats.org/officeDocument/2006/relationships" xmlns:p="http://schemas.openxmlformats.org/presentationml/2006/main">
+  <p:cSld>
+    <p:spTree>
+      <p:nvGrpSpPr>
+        <p:cNvPr id="1" name=""/>
+        <p:cNvGrpSpPr/>
+        <p:nvPr/>
+      </p:nvGrpSpPr>
+      <p:grpSpPr>
+        <a:xfrm>
+          <a:off x="0" y="0"/>
+          <a:ext cx="0" cy="0"/>
+          <a:chOff x="0" y="0"/>
+          <a:chExt cx="0" cy="0"/>
+        </a:xfrm>
+      </p:grpSpPr>
+      <p:sp>
+        <p:nvSpPr>
+          <p:cNvPr id="4" name="Title 3">
+            <a:extLst>
+              <a:ext uri="{FF2B5EF4-FFF2-40B4-BE49-F238E27FC236}">
+                <a16:creationId xmlns:a16="http://schemas.microsoft.com/office/drawing/2014/main" id="{99EEFEB1-56BF-9725-3B41-1B3DB2D5FD81}"/>
+              </a:ext>
+            </a:extLst>
+          </p:cNvPr>
+          <p:cNvSpPr>
+            <a:spLocks noGrp="1"/>
+          </p:cNvSpPr>
+          <p:nvPr>
+            <p:ph type="title"/>
+          </p:nvPr>
+        </p:nvSpPr>
+        <p:spPr/>
+        <p:txBody>
+          <a:bodyPr/>
+          <a:lstStyle/>
+          <a:p>
+            <a:r>
+              <a:rPr lang="en-US" dirty="0"/>
+              <a:t>1. Conceptual Model</a:t>
+            </a:r>
+          </a:p>
+        </p:txBody>
+      </p:sp>
+      <p:sp>
+        <p:nvSpPr>
+          <p:cNvPr id="5" name="Text Placeholder 4">
+            <a:extLst>
+              <a:ext uri="{FF2B5EF4-FFF2-40B4-BE49-F238E27FC236}">
+                <a16:creationId xmlns:a16="http://schemas.microsoft.com/office/drawing/2014/main" id="{CACA28C3-30B3-5DD1-65B7-4C140453704A}"/>
+              </a:ext>
+            </a:extLst>
+          </p:cNvPr>
+          <p:cNvSpPr>
+            <a:spLocks noGrp="1"/>
+          </p:cNvSpPr>
+          <p:nvPr>
+            <p:ph type="body" idx="1"/>
+          </p:nvPr>
+        </p:nvSpPr>
+        <p:spPr/>
+        <p:txBody>
+          <a:bodyPr/>
+          <a:lstStyle/>
+          <a:p>
+            <a:endParaRPr lang="en-US"/>
+          </a:p>
+        </p:txBody>
+      </p:sp>
+    </p:spTree>
+    <p:extLst>
+      <p:ext uri="{BB962C8B-B14F-4D97-AF65-F5344CB8AC3E}">
+        <p14:creationId xmlns:p14="http://schemas.microsoft.com/office/powerpoint/2010/main" val="1216542402"/>
+      </p:ext>
+    </p:extLst>
+  </p:cSld>
+  <p:clrMapOvr>
+    <a:masterClrMapping/>
+  </p:clrMapOvr>
+</p:sld>
+</file>
+
+<file path=ppt/slides/slide30.xml><?xml version="1.0" encoding="utf-8"?>
+<p:sld xmlns:a="http://schemas.openxmlformats.org/drawingml/2006/main" xmlns:r="http://schemas.openxmlformats.org/officeDocument/2006/relationships" xmlns:p="http://schemas.openxmlformats.org/presentationml/2006/main">
+  <p:cSld>
+    <p:spTree>
+      <p:nvGrpSpPr>
+        <p:cNvPr id="1" name=""/>
+        <p:cNvGrpSpPr/>
+        <p:nvPr/>
+      </p:nvGrpSpPr>
+      <p:grpSpPr>
+        <a:xfrm>
+          <a:off x="0" y="0"/>
+          <a:ext cx="0" cy="0"/>
+          <a:chOff x="0" y="0"/>
+          <a:chExt cx="0" cy="0"/>
+        </a:xfrm>
+      </p:grpSpPr>
+      <p:sp>
+        <p:nvSpPr>
+          <p:cNvPr id="2" name="Title 1">
+            <a:extLst>
+              <a:ext uri="{FF2B5EF4-FFF2-40B4-BE49-F238E27FC236}">
+                <a16:creationId xmlns:a16="http://schemas.microsoft.com/office/drawing/2014/main" id="{FF3C50C3-9563-B44A-870F-6529095809B3}"/>
+              </a:ext>
+            </a:extLst>
+          </p:cNvPr>
+          <p:cNvSpPr>
+            <a:spLocks noGrp="1"/>
+          </p:cNvSpPr>
+          <p:nvPr>
+            <p:ph type="title"/>
+          </p:nvPr>
+        </p:nvSpPr>
+        <p:spPr/>
+        <p:txBody>
+          <a:bodyPr/>
+          <a:lstStyle/>
+          <a:p>
+            <a:r>
+              <a:rPr lang="en-US" dirty="0"/>
+              <a:t>Future Research</a:t>
+            </a:r>
+          </a:p>
+        </p:txBody>
+      </p:sp>
+      <p:sp>
+        <p:nvSpPr>
+          <p:cNvPr id="3" name="Content Placeholder 2">
+            <a:extLst>
+              <a:ext uri="{FF2B5EF4-FFF2-40B4-BE49-F238E27FC236}">
+                <a16:creationId xmlns:a16="http://schemas.microsoft.com/office/drawing/2014/main" id="{8ACA6A2F-43BA-42C8-C546-45B8E465896A}"/>
+              </a:ext>
+            </a:extLst>
+          </p:cNvPr>
+          <p:cNvSpPr>
+            <a:spLocks noGrp="1"/>
+          </p:cNvSpPr>
+          <p:nvPr>
+            <p:ph idx="1"/>
+          </p:nvPr>
+        </p:nvSpPr>
+        <p:spPr/>
+        <p:txBody>
+          <a:bodyPr>
+            <a:normAutofit fontScale="85000" lnSpcReduction="20000"/>
+          </a:bodyPr>
+          <a:lstStyle/>
+          <a:p>
+            <a:r>
+              <a:rPr lang="en-US" b="1" dirty="0"/>
+              <a:t>Interprovincial</a:t>
+            </a:r>
+            <a:r>
+              <a:rPr lang="en-US" dirty="0"/>
+              <a:t> trade dynamics and the price relationship between Eastern and Western Canada.</a:t>
+            </a:r>
+          </a:p>
+          <a:p>
+            <a:r>
+              <a:rPr lang="en-US" dirty="0"/>
+              <a:t>Analysis of </a:t>
+            </a:r>
+            <a:r>
+              <a:rPr lang="en-US" b="1" dirty="0"/>
+              <a:t>global supply and demand </a:t>
+            </a:r>
+            <a:r>
+              <a:rPr lang="en-US" dirty="0"/>
+              <a:t>of urea and crops.</a:t>
+            </a:r>
+          </a:p>
+          <a:p>
+            <a:r>
+              <a:rPr lang="en-US" dirty="0"/>
+              <a:t>Calculation of </a:t>
+            </a:r>
+            <a:r>
+              <a:rPr lang="en-US" b="1" dirty="0"/>
+              <a:t>CIF</a:t>
+            </a:r>
+            <a:r>
+              <a:rPr lang="en-US" dirty="0"/>
+              <a:t> prices to estimate wholesale price in Canada</a:t>
+            </a:r>
+          </a:p>
+          <a:p>
+            <a:r>
+              <a:rPr lang="en-US" dirty="0"/>
+              <a:t>Analysis of agriculture data from </a:t>
+            </a:r>
+            <a:r>
+              <a:rPr lang="en-US" b="1" dirty="0"/>
+              <a:t>Statistics Canada</a:t>
+            </a:r>
+            <a:r>
+              <a:rPr lang="en-US" dirty="0"/>
+              <a:t>, including:</a:t>
+            </a:r>
+            <a:endParaRPr lang="en-US" b="1" dirty="0"/>
+          </a:p>
+          <a:p>
+            <a:pPr lvl="1"/>
+            <a:r>
+              <a:rPr lang="en-US" dirty="0"/>
+              <a:t>Farm Product Price Index</a:t>
+            </a:r>
+          </a:p>
+          <a:p>
+            <a:pPr lvl="1"/>
+            <a:r>
+              <a:rPr lang="en-US" dirty="0"/>
+              <a:t>Farm Input Price Index</a:t>
+            </a:r>
+          </a:p>
+          <a:p>
+            <a:pPr lvl="1"/>
+            <a:r>
+              <a:rPr lang="en-US" dirty="0"/>
+              <a:t>Canadian Fertilizer Production</a:t>
+            </a:r>
+          </a:p>
+          <a:p>
+            <a:pPr lvl="1"/>
+            <a:r>
+              <a:rPr lang="en-US" dirty="0"/>
+              <a:t>Canadian Fertilizer Inventories</a:t>
+            </a:r>
+          </a:p>
+          <a:p>
+            <a:pPr lvl="1"/>
+            <a:r>
+              <a:rPr lang="en-US" dirty="0"/>
+              <a:t>Fertilizers Shipments</a:t>
+            </a:r>
+          </a:p>
+          <a:p>
+            <a:r>
+              <a:rPr lang="en-US" dirty="0"/>
+              <a:t>Analyzing the CFTC Commitment of Traders (</a:t>
+            </a:r>
+            <a:r>
+              <a:rPr lang="en-US" b="1" dirty="0"/>
+              <a:t>COT</a:t>
+            </a:r>
+            <a:r>
+              <a:rPr lang="en-US" dirty="0"/>
+              <a:t>) report for the futures market to gain insights into market sentiment and shifts in positions held by major hedge funds and producers.</a:t>
+            </a:r>
+          </a:p>
+        </p:txBody>
+      </p:sp>
+    </p:spTree>
+    <p:extLst>
+      <p:ext uri="{BB962C8B-B14F-4D97-AF65-F5344CB8AC3E}">
+        <p14:creationId xmlns:p14="http://schemas.microsoft.com/office/powerpoint/2010/main" val="2536895307"/>
+      </p:ext>
+    </p:extLst>
+  </p:cSld>
+  <p:clrMapOvr>
+    <a:masterClrMapping/>
+  </p:clrMapOvr>
+</p:sld>
+</file>
+
+<file path=ppt/slides/slide4.xml><?xml version="1.0" encoding="utf-8"?>
 <p:sld xmlns:a="http://schemas.openxmlformats.org/drawingml/2006/main" xmlns:r="http://schemas.openxmlformats.org/officeDocument/2006/relationships" xmlns:p="http://schemas.openxmlformats.org/presentationml/2006/main">
   <p:cSld>
     <p:spTree>
@@ -5274,7 +7387,7 @@
 </p:sld>
 </file>
 
-<file path=ppt/slides/slide20.xml><?xml version="1.0" encoding="utf-8"?>
+<file path=ppt/slides/slide5.xml><?xml version="1.0" encoding="utf-8"?>
 <p:sld xmlns:a="http://schemas.openxmlformats.org/drawingml/2006/main" xmlns:r="http://schemas.openxmlformats.org/officeDocument/2006/relationships" xmlns:p="http://schemas.openxmlformats.org/presentationml/2006/main">
   <p:cSld>
     <p:spTree>
@@ -5296,258 +7409,6 @@
           <p:cNvPr id="2" name="Title 1">
             <a:extLst>
               <a:ext uri="{FF2B5EF4-FFF2-40B4-BE49-F238E27FC236}">
-                <a16:creationId xmlns:a16="http://schemas.microsoft.com/office/drawing/2014/main" id="{D2AD10FF-D898-99AA-C0C4-412754F8E392}"/>
-              </a:ext>
-            </a:extLst>
-          </p:cNvPr>
-          <p:cNvSpPr>
-            <a:spLocks noGrp="1"/>
-          </p:cNvSpPr>
-          <p:nvPr>
-            <p:ph type="title"/>
-          </p:nvPr>
-        </p:nvSpPr>
-        <p:spPr/>
-        <p:txBody>
-          <a:bodyPr/>
-          <a:lstStyle/>
-          <a:p>
-            <a:r>
-              <a:rPr lang="en-US" dirty="0"/>
-              <a:t>Risks</a:t>
-            </a:r>
-          </a:p>
-        </p:txBody>
-      </p:sp>
-      <p:sp>
-        <p:nvSpPr>
-          <p:cNvPr id="3" name="Content Placeholder 2">
-            <a:extLst>
-              <a:ext uri="{FF2B5EF4-FFF2-40B4-BE49-F238E27FC236}">
-                <a16:creationId xmlns:a16="http://schemas.microsoft.com/office/drawing/2014/main" id="{2BA2C75E-97D1-4403-7E8B-E8B90957FFFF}"/>
-              </a:ext>
-            </a:extLst>
-          </p:cNvPr>
-          <p:cNvSpPr>
-            <a:spLocks noGrp="1"/>
-          </p:cNvSpPr>
-          <p:nvPr>
-            <p:ph idx="1"/>
-          </p:nvPr>
-        </p:nvSpPr>
-        <p:spPr/>
-        <p:txBody>
-          <a:bodyPr/>
-          <a:lstStyle/>
-          <a:p>
-            <a:r>
-              <a:rPr lang="en-US" dirty="0"/>
-              <a:t>The end of the </a:t>
-            </a:r>
-            <a:r>
-              <a:rPr lang="en-US" b="1" dirty="0"/>
-              <a:t>Russia-Ukraine</a:t>
-            </a:r>
-            <a:r>
-              <a:rPr lang="en-US" dirty="0"/>
-              <a:t> conflict and the resumption of Russian exports to global markets, along with the termination of </a:t>
-            </a:r>
-            <a:r>
-              <a:rPr lang="en-US" b="1" dirty="0"/>
-              <a:t>China's zero-export policy </a:t>
-            </a:r>
-            <a:r>
-              <a:rPr lang="en-US" dirty="0"/>
-              <a:t>and the return of Chinese urea to international trade, can increase supply and cause further price declines in the short term.</a:t>
-            </a:r>
-          </a:p>
-        </p:txBody>
-      </p:sp>
-    </p:spTree>
-    <p:extLst>
-      <p:ext uri="{BB962C8B-B14F-4D97-AF65-F5344CB8AC3E}">
-        <p14:creationId xmlns:p14="http://schemas.microsoft.com/office/powerpoint/2010/main" val="3984814231"/>
-      </p:ext>
-    </p:extLst>
-  </p:cSld>
-  <p:clrMapOvr>
-    <a:masterClrMapping/>
-  </p:clrMapOvr>
-</p:sld>
-</file>
-
-<file path=ppt/slides/slide21.xml><?xml version="1.0" encoding="utf-8"?>
-<p:sld xmlns:a="http://schemas.openxmlformats.org/drawingml/2006/main" xmlns:r="http://schemas.openxmlformats.org/officeDocument/2006/relationships" xmlns:p="http://schemas.openxmlformats.org/presentationml/2006/main">
-  <p:cSld>
-    <p:spTree>
-      <p:nvGrpSpPr>
-        <p:cNvPr id="1" name=""/>
-        <p:cNvGrpSpPr/>
-        <p:nvPr/>
-      </p:nvGrpSpPr>
-      <p:grpSpPr>
-        <a:xfrm>
-          <a:off x="0" y="0"/>
-          <a:ext cx="0" cy="0"/>
-          <a:chOff x="0" y="0"/>
-          <a:chExt cx="0" cy="0"/>
-        </a:xfrm>
-      </p:grpSpPr>
-      <p:sp>
-        <p:nvSpPr>
-          <p:cNvPr id="2" name="Title 1">
-            <a:extLst>
-              <a:ext uri="{FF2B5EF4-FFF2-40B4-BE49-F238E27FC236}">
-                <a16:creationId xmlns:a16="http://schemas.microsoft.com/office/drawing/2014/main" id="{FF3C50C3-9563-B44A-870F-6529095809B3}"/>
-              </a:ext>
-            </a:extLst>
-          </p:cNvPr>
-          <p:cNvSpPr>
-            <a:spLocks noGrp="1"/>
-          </p:cNvSpPr>
-          <p:nvPr>
-            <p:ph type="title"/>
-          </p:nvPr>
-        </p:nvSpPr>
-        <p:spPr/>
-        <p:txBody>
-          <a:bodyPr/>
-          <a:lstStyle/>
-          <a:p>
-            <a:r>
-              <a:rPr lang="en-US" dirty="0"/>
-              <a:t>Future Research</a:t>
-            </a:r>
-          </a:p>
-        </p:txBody>
-      </p:sp>
-      <p:sp>
-        <p:nvSpPr>
-          <p:cNvPr id="3" name="Content Placeholder 2">
-            <a:extLst>
-              <a:ext uri="{FF2B5EF4-FFF2-40B4-BE49-F238E27FC236}">
-                <a16:creationId xmlns:a16="http://schemas.microsoft.com/office/drawing/2014/main" id="{8ACA6A2F-43BA-42C8-C546-45B8E465896A}"/>
-              </a:ext>
-            </a:extLst>
-          </p:cNvPr>
-          <p:cNvSpPr>
-            <a:spLocks noGrp="1"/>
-          </p:cNvSpPr>
-          <p:nvPr>
-            <p:ph idx="1"/>
-          </p:nvPr>
-        </p:nvSpPr>
-        <p:spPr/>
-        <p:txBody>
-          <a:bodyPr>
-            <a:normAutofit lnSpcReduction="10000"/>
-          </a:bodyPr>
-          <a:lstStyle/>
-          <a:p>
-            <a:r>
-              <a:rPr lang="en-US" dirty="0"/>
-              <a:t>Interprovincial trade dynamics and the price relationship between Eastern and Western Canada.</a:t>
-            </a:r>
-          </a:p>
-          <a:p>
-            <a:r>
-              <a:rPr lang="en-US" dirty="0"/>
-              <a:t>Analysis of global supply and demand of urea and crops.</a:t>
-            </a:r>
-          </a:p>
-          <a:p>
-            <a:r>
-              <a:rPr lang="en-US" dirty="0"/>
-              <a:t>Calculation of CIF prices to estimate wholesale price in Canada</a:t>
-            </a:r>
-          </a:p>
-          <a:p>
-            <a:r>
-              <a:rPr lang="en-US" dirty="0"/>
-              <a:t>Analysis of agriculture data from </a:t>
-            </a:r>
-            <a:r>
-              <a:rPr lang="en-US" b="1" dirty="0"/>
-              <a:t>Statistics Canada</a:t>
-            </a:r>
-            <a:r>
-              <a:rPr lang="en-US" dirty="0"/>
-              <a:t>, including:</a:t>
-            </a:r>
-            <a:endParaRPr lang="en-US" b="1" dirty="0"/>
-          </a:p>
-          <a:p>
-            <a:pPr lvl="1"/>
-            <a:r>
-              <a:rPr lang="en-US" dirty="0"/>
-              <a:t>Farm Product Price Index</a:t>
-            </a:r>
-          </a:p>
-          <a:p>
-            <a:pPr lvl="1"/>
-            <a:r>
-              <a:rPr lang="en-US" dirty="0"/>
-              <a:t>Farm Input Price Index</a:t>
-            </a:r>
-          </a:p>
-          <a:p>
-            <a:pPr lvl="1"/>
-            <a:r>
-              <a:rPr lang="en-US" dirty="0"/>
-              <a:t>Canadian Fertilizer Production</a:t>
-            </a:r>
-          </a:p>
-          <a:p>
-            <a:pPr lvl="1"/>
-            <a:r>
-              <a:rPr lang="en-US" dirty="0"/>
-              <a:t>Canadian Fertilizer Inventories</a:t>
-            </a:r>
-          </a:p>
-          <a:p>
-            <a:pPr lvl="1"/>
-            <a:r>
-              <a:rPr lang="en-US" dirty="0"/>
-              <a:t>Fertilizers Shipments</a:t>
-            </a:r>
-          </a:p>
-        </p:txBody>
-      </p:sp>
-    </p:spTree>
-    <p:extLst>
-      <p:ext uri="{BB962C8B-B14F-4D97-AF65-F5344CB8AC3E}">
-        <p14:creationId xmlns:p14="http://schemas.microsoft.com/office/powerpoint/2010/main" val="2536895307"/>
-      </p:ext>
-    </p:extLst>
-  </p:cSld>
-  <p:clrMapOvr>
-    <a:masterClrMapping/>
-  </p:clrMapOvr>
-</p:sld>
-</file>
-
-<file path=ppt/slides/slide3.xml><?xml version="1.0" encoding="utf-8"?>
-<p:sld xmlns:a="http://schemas.openxmlformats.org/drawingml/2006/main" xmlns:r="http://schemas.openxmlformats.org/officeDocument/2006/relationships" xmlns:p="http://schemas.openxmlformats.org/presentationml/2006/main">
-  <p:cSld>
-    <p:spTree>
-      <p:nvGrpSpPr>
-        <p:cNvPr id="1" name=""/>
-        <p:cNvGrpSpPr/>
-        <p:nvPr/>
-      </p:nvGrpSpPr>
-      <p:grpSpPr>
-        <a:xfrm>
-          <a:off x="0" y="0"/>
-          <a:ext cx="0" cy="0"/>
-          <a:chOff x="0" y="0"/>
-          <a:chExt cx="0" cy="0"/>
-        </a:xfrm>
-      </p:grpSpPr>
-      <p:sp>
-        <p:nvSpPr>
-          <p:cNvPr id="2" name="Title 1">
-            <a:extLst>
-              <a:ext uri="{FF2B5EF4-FFF2-40B4-BE49-F238E27FC236}">
                 <a16:creationId xmlns:a16="http://schemas.microsoft.com/office/drawing/2014/main" id="{BFD24323-8332-2E2C-EAE3-BCF0EE7C09B3}"/>
               </a:ext>
             </a:extLst>
@@ -5567,12 +7428,8 @@
           <a:lstStyle/>
           <a:p>
             <a:r>
-              <a:rPr lang="en-US" b="1" dirty="0"/>
-              <a:t>Natural Gas </a:t>
-            </a:r>
-            <a:r>
               <a:rPr lang="en-US" dirty="0"/>
-              <a:t>accounts for 70-90% of urea variable production costs</a:t>
+              <a:t>Natural Gas accounts for 70-90% of urea variable production costs</a:t>
             </a:r>
           </a:p>
         </p:txBody>
@@ -5622,7 +7479,7 @@
 </p:sld>
 </file>
 
-<file path=ppt/slides/slide4.xml><?xml version="1.0" encoding="utf-8"?>
+<file path=ppt/slides/slide6.xml><?xml version="1.0" encoding="utf-8"?>
 <p:sld xmlns:a="http://schemas.openxmlformats.org/drawingml/2006/main" xmlns:r="http://schemas.openxmlformats.org/officeDocument/2006/relationships" xmlns:p="http://schemas.openxmlformats.org/presentationml/2006/main">
   <p:cSld>
     <p:spTree>
@@ -5661,12 +7518,8 @@
           <a:lstStyle/>
           <a:p>
             <a:r>
-              <a:rPr lang="en-US" b="1" dirty="0"/>
-              <a:t>Corn</a:t>
-            </a:r>
-            <a:r>
               <a:rPr lang="en-US" dirty="0"/>
-              <a:t> price is a proxy for agriculture / urea demand </a:t>
+              <a:t>Corn price is a proxy for agriculture / urea demand </a:t>
             </a:r>
             <a:endParaRPr lang="en-US" b="1" dirty="0"/>
           </a:p>
@@ -5717,7 +7570,7 @@
 </p:sld>
 </file>
 
-<file path=ppt/slides/slide5.xml><?xml version="1.0" encoding="utf-8"?>
+<file path=ppt/slides/slide7.xml><?xml version="1.0" encoding="utf-8"?>
 <p:sld xmlns:a="http://schemas.openxmlformats.org/drawingml/2006/main" xmlns:r="http://schemas.openxmlformats.org/officeDocument/2006/relationships" xmlns:p="http://schemas.openxmlformats.org/presentationml/2006/main">
   <p:cSld>
     <p:spTree>
@@ -5756,12 +7609,8 @@
           <a:lstStyle/>
           <a:p>
             <a:r>
-              <a:rPr lang="en-US" b="1" dirty="0"/>
-              <a:t>Diesel</a:t>
-            </a:r>
-            <a:r>
               <a:rPr lang="en-US" dirty="0"/>
-              <a:t>, transportation costs by trucks, rail, or ship</a:t>
+              <a:t>Diesel – transportation costs by trucks, rail, or ship</a:t>
             </a:r>
           </a:p>
         </p:txBody>
@@ -5811,7 +7660,7 @@
 </p:sld>
 </file>
 
-<file path=ppt/slides/slide6.xml><?xml version="1.0" encoding="utf-8"?>
+<file path=ppt/slides/slide8.xml><?xml version="1.0" encoding="utf-8"?>
 <p:sld xmlns:a="http://schemas.openxmlformats.org/drawingml/2006/main" xmlns:r="http://schemas.openxmlformats.org/officeDocument/2006/relationships" xmlns:p="http://schemas.openxmlformats.org/presentationml/2006/main">
   <p:cSld>
     <p:spTree>
@@ -5850,12 +7699,8 @@
           <a:lstStyle/>
           <a:p>
             <a:r>
-              <a:rPr lang="en-US" b="1" dirty="0"/>
-              <a:t>Barge Rate </a:t>
-            </a:r>
-            <a:r>
               <a:rPr lang="en-US" dirty="0"/>
-              <a:t>(Mississippi), transportation cost from US</a:t>
+              <a:t>Barge Rate (Mississippi), transportation cost from US</a:t>
             </a:r>
           </a:p>
         </p:txBody>
@@ -5905,7 +7750,7 @@
 </p:sld>
 </file>
 
-<file path=ppt/slides/slide7.xml><?xml version="1.0" encoding="utf-8"?>
+<file path=ppt/slides/slide9.xml><?xml version="1.0" encoding="utf-8"?>
 <p:sld xmlns:a="http://schemas.openxmlformats.org/drawingml/2006/main" xmlns:r="http://schemas.openxmlformats.org/officeDocument/2006/relationships" xmlns:p="http://schemas.openxmlformats.org/presentationml/2006/main">
   <p:cSld>
     <p:spTree>
@@ -6051,186 +7896,6 @@
     <p:extLst>
       <p:ext uri="{BB962C8B-B14F-4D97-AF65-F5344CB8AC3E}">
         <p14:creationId xmlns:p14="http://schemas.microsoft.com/office/powerpoint/2010/main" val="894030161"/>
-      </p:ext>
-    </p:extLst>
-  </p:cSld>
-  <p:clrMapOvr>
-    <a:masterClrMapping/>
-  </p:clrMapOvr>
-</p:sld>
-</file>
-
-<file path=ppt/slides/slide8.xml><?xml version="1.0" encoding="utf-8"?>
-<p:sld xmlns:a="http://schemas.openxmlformats.org/drawingml/2006/main" xmlns:r="http://schemas.openxmlformats.org/officeDocument/2006/relationships" xmlns:p="http://schemas.openxmlformats.org/presentationml/2006/main">
-  <p:cSld>
-    <p:spTree>
-      <p:nvGrpSpPr>
-        <p:cNvPr id="1" name=""/>
-        <p:cNvGrpSpPr/>
-        <p:nvPr/>
-      </p:nvGrpSpPr>
-      <p:grpSpPr>
-        <a:xfrm>
-          <a:off x="0" y="0"/>
-          <a:ext cx="0" cy="0"/>
-          <a:chOff x="0" y="0"/>
-          <a:chExt cx="0" cy="0"/>
-        </a:xfrm>
-      </p:grpSpPr>
-      <p:sp>
-        <p:nvSpPr>
-          <p:cNvPr id="2" name="Title 1">
-            <a:extLst>
-              <a:ext uri="{FF2B5EF4-FFF2-40B4-BE49-F238E27FC236}">
-                <a16:creationId xmlns:a16="http://schemas.microsoft.com/office/drawing/2014/main" id="{B2E830F0-B6D0-2FF7-78B7-50BF75D1D3ED}"/>
-              </a:ext>
-            </a:extLst>
-          </p:cNvPr>
-          <p:cNvSpPr>
-            <a:spLocks noGrp="1"/>
-          </p:cNvSpPr>
-          <p:nvPr>
-            <p:ph type="title"/>
-          </p:nvPr>
-        </p:nvSpPr>
-        <p:spPr/>
-        <p:txBody>
-          <a:bodyPr/>
-          <a:lstStyle/>
-          <a:p>
-            <a:r>
-              <a:rPr lang="en-US" dirty="0"/>
-              <a:t>Corn is trading at 2010 levels and is undervalued</a:t>
-            </a:r>
-          </a:p>
-        </p:txBody>
-      </p:sp>
-      <p:pic>
-        <p:nvPicPr>
-          <p:cNvPr id="5" name="Content Placeholder 4">
-            <a:extLst>
-              <a:ext uri="{FF2B5EF4-FFF2-40B4-BE49-F238E27FC236}">
-                <a16:creationId xmlns:a16="http://schemas.microsoft.com/office/drawing/2014/main" id="{AEA6959C-C966-946D-31B9-5DC6E74DB857}"/>
-              </a:ext>
-            </a:extLst>
-          </p:cNvPr>
-          <p:cNvPicPr>
-            <a:picLocks noGrp="1" noChangeAspect="1"/>
-          </p:cNvPicPr>
-          <p:nvPr>
-            <p:ph idx="1"/>
-          </p:nvPr>
-        </p:nvPicPr>
-        <p:blipFill>
-          <a:blip r:embed="rId2"/>
-          <a:stretch>
-            <a:fillRect/>
-          </a:stretch>
-        </p:blipFill>
-        <p:spPr>
-          <a:xfrm>
-            <a:off x="2384333" y="1825625"/>
-            <a:ext cx="7423334" cy="4351338"/>
-          </a:xfrm>
-          <a:prstGeom prst="rect">
-            <a:avLst/>
-          </a:prstGeom>
-        </p:spPr>
-      </p:pic>
-    </p:spTree>
-    <p:extLst>
-      <p:ext uri="{BB962C8B-B14F-4D97-AF65-F5344CB8AC3E}">
-        <p14:creationId xmlns:p14="http://schemas.microsoft.com/office/powerpoint/2010/main" val="2820620688"/>
-      </p:ext>
-    </p:extLst>
-  </p:cSld>
-  <p:clrMapOvr>
-    <a:masterClrMapping/>
-  </p:clrMapOvr>
-</p:sld>
-</file>
-
-<file path=ppt/slides/slide9.xml><?xml version="1.0" encoding="utf-8"?>
-<p:sld xmlns:a="http://schemas.openxmlformats.org/drawingml/2006/main" xmlns:r="http://schemas.openxmlformats.org/officeDocument/2006/relationships" xmlns:p="http://schemas.openxmlformats.org/presentationml/2006/main">
-  <p:cSld>
-    <p:spTree>
-      <p:nvGrpSpPr>
-        <p:cNvPr id="1" name=""/>
-        <p:cNvGrpSpPr/>
-        <p:nvPr/>
-      </p:nvGrpSpPr>
-      <p:grpSpPr>
-        <a:xfrm>
-          <a:off x="0" y="0"/>
-          <a:ext cx="0" cy="0"/>
-          <a:chOff x="0" y="0"/>
-          <a:chExt cx="0" cy="0"/>
-        </a:xfrm>
-      </p:grpSpPr>
-      <p:sp>
-        <p:nvSpPr>
-          <p:cNvPr id="2" name="Title 1">
-            <a:extLst>
-              <a:ext uri="{FF2B5EF4-FFF2-40B4-BE49-F238E27FC236}">
-                <a16:creationId xmlns:a16="http://schemas.microsoft.com/office/drawing/2014/main" id="{AF98EA6E-BA16-09A3-7211-A03632216E8C}"/>
-              </a:ext>
-            </a:extLst>
-          </p:cNvPr>
-          <p:cNvSpPr>
-            <a:spLocks noGrp="1"/>
-          </p:cNvSpPr>
-          <p:nvPr>
-            <p:ph type="title"/>
-          </p:nvPr>
-        </p:nvSpPr>
-        <p:spPr/>
-        <p:txBody>
-          <a:bodyPr/>
-          <a:lstStyle/>
-          <a:p>
-            <a:r>
-              <a:rPr lang="en-US" dirty="0"/>
-              <a:t>Corn price is below CPI Food Index (Annual Growth Rate = 3%)</a:t>
-            </a:r>
-          </a:p>
-        </p:txBody>
-      </p:sp>
-      <p:pic>
-        <p:nvPicPr>
-          <p:cNvPr id="5" name="Content Placeholder 4">
-            <a:extLst>
-              <a:ext uri="{FF2B5EF4-FFF2-40B4-BE49-F238E27FC236}">
-                <a16:creationId xmlns:a16="http://schemas.microsoft.com/office/drawing/2014/main" id="{1D91138E-829A-BF2B-E202-36CFB18A9973}"/>
-              </a:ext>
-            </a:extLst>
-          </p:cNvPr>
-          <p:cNvPicPr>
-            <a:picLocks noGrp="1" noChangeAspect="1"/>
-          </p:cNvPicPr>
-          <p:nvPr>
-            <p:ph idx="1"/>
-          </p:nvPr>
-        </p:nvPicPr>
-        <p:blipFill>
-          <a:blip r:embed="rId2"/>
-          <a:stretch>
-            <a:fillRect/>
-          </a:stretch>
-        </p:blipFill>
-        <p:spPr>
-          <a:xfrm>
-            <a:off x="2398939" y="1825625"/>
-            <a:ext cx="7394121" cy="4351338"/>
-          </a:xfrm>
-          <a:prstGeom prst="rect">
-            <a:avLst/>
-          </a:prstGeom>
-        </p:spPr>
-      </p:pic>
-    </p:spTree>
-    <p:extLst>
-      <p:ext uri="{BB962C8B-B14F-4D97-AF65-F5344CB8AC3E}">
-        <p14:creationId xmlns:p14="http://schemas.microsoft.com/office/powerpoint/2010/main" val="221586455"/>
       </p:ext>
     </p:extLst>
   </p:cSld>

--- a/borderland/2-urea/presentation/urea.pptx
+++ b/borderland/2-urea/presentation/urea.pptx
@@ -5,7 +5,7 @@
     <p:sldMasterId id="2147483648" r:id="rId1"/>
   </p:sldMasterIdLst>
   <p:notesMasterIdLst>
-    <p:notesMasterId r:id="rId32"/>
+    <p:notesMasterId r:id="rId33"/>
   </p:notesMasterIdLst>
   <p:sldIdLst>
     <p:sldId id="256" r:id="rId2"/>
@@ -34,10 +34,11 @@
     <p:sldId id="273" r:id="rId25"/>
     <p:sldId id="271" r:id="rId26"/>
     <p:sldId id="264" r:id="rId27"/>
-    <p:sldId id="287" r:id="rId28"/>
-    <p:sldId id="266" r:id="rId29"/>
-    <p:sldId id="268" r:id="rId30"/>
-    <p:sldId id="278" r:id="rId31"/>
+    <p:sldId id="293" r:id="rId28"/>
+    <p:sldId id="287" r:id="rId29"/>
+    <p:sldId id="266" r:id="rId30"/>
+    <p:sldId id="268" r:id="rId31"/>
+    <p:sldId id="278" r:id="rId32"/>
   </p:sldIdLst>
   <p:sldSz cx="12192000" cy="6858000"/>
   <p:notesSz cx="6858000" cy="9144000"/>
@@ -167,6 +168,7 @@
             <p14:sldId id="273"/>
             <p14:sldId id="271"/>
             <p14:sldId id="264"/>
+            <p14:sldId id="293"/>
             <p14:sldId id="287"/>
             <p14:sldId id="266"/>
             <p14:sldId id="268"/>
@@ -264,7 +266,7 @@
           <a:p>
             <a:fld id="{E7E16278-58A7-493D-BC41-ED0D01DC0F3D}" type="datetimeFigureOut">
               <a:rPr lang="en-US" smtClean="0"/>
-              <a:t>2025-09-26</a:t>
+              <a:t>2025-09-27</a:t>
             </a:fld>
             <a:endParaRPr lang="en-US"/>
           </a:p>
@@ -1315,7 +1317,7 @@
           <a:p>
             <a:fld id="{DAC4A3B0-DC28-4825-85A8-86BBA3F63BF6}" type="datetimeFigureOut">
               <a:rPr lang="en-US" smtClean="0"/>
-              <a:t>2025-09-26</a:t>
+              <a:t>2025-09-27</a:t>
             </a:fld>
             <a:endParaRPr lang="en-US"/>
           </a:p>
@@ -1513,7 +1515,7 @@
           <a:p>
             <a:fld id="{DAC4A3B0-DC28-4825-85A8-86BBA3F63BF6}" type="datetimeFigureOut">
               <a:rPr lang="en-US" smtClean="0"/>
-              <a:t>2025-09-26</a:t>
+              <a:t>2025-09-27</a:t>
             </a:fld>
             <a:endParaRPr lang="en-US"/>
           </a:p>
@@ -1721,7 +1723,7 @@
           <a:p>
             <a:fld id="{DAC4A3B0-DC28-4825-85A8-86BBA3F63BF6}" type="datetimeFigureOut">
               <a:rPr lang="en-US" smtClean="0"/>
-              <a:t>2025-09-26</a:t>
+              <a:t>2025-09-27</a:t>
             </a:fld>
             <a:endParaRPr lang="en-US"/>
           </a:p>
@@ -1919,7 +1921,7 @@
           <a:p>
             <a:fld id="{DAC4A3B0-DC28-4825-85A8-86BBA3F63BF6}" type="datetimeFigureOut">
               <a:rPr lang="en-US" smtClean="0"/>
-              <a:t>2025-09-26</a:t>
+              <a:t>2025-09-27</a:t>
             </a:fld>
             <a:endParaRPr lang="en-US"/>
           </a:p>
@@ -2194,7 +2196,7 @@
           <a:p>
             <a:fld id="{DAC4A3B0-DC28-4825-85A8-86BBA3F63BF6}" type="datetimeFigureOut">
               <a:rPr lang="en-US" smtClean="0"/>
-              <a:t>2025-09-26</a:t>
+              <a:t>2025-09-27</a:t>
             </a:fld>
             <a:endParaRPr lang="en-US"/>
           </a:p>
@@ -2459,7 +2461,7 @@
           <a:p>
             <a:fld id="{DAC4A3B0-DC28-4825-85A8-86BBA3F63BF6}" type="datetimeFigureOut">
               <a:rPr lang="en-US" smtClean="0"/>
-              <a:t>2025-09-26</a:t>
+              <a:t>2025-09-27</a:t>
             </a:fld>
             <a:endParaRPr lang="en-US"/>
           </a:p>
@@ -2871,7 +2873,7 @@
           <a:p>
             <a:fld id="{DAC4A3B0-DC28-4825-85A8-86BBA3F63BF6}" type="datetimeFigureOut">
               <a:rPr lang="en-US" smtClean="0"/>
-              <a:t>2025-09-26</a:t>
+              <a:t>2025-09-27</a:t>
             </a:fld>
             <a:endParaRPr lang="en-US"/>
           </a:p>
@@ -3012,7 +3014,7 @@
           <a:p>
             <a:fld id="{DAC4A3B0-DC28-4825-85A8-86BBA3F63BF6}" type="datetimeFigureOut">
               <a:rPr lang="en-US" smtClean="0"/>
-              <a:t>2025-09-26</a:t>
+              <a:t>2025-09-27</a:t>
             </a:fld>
             <a:endParaRPr lang="en-US"/>
           </a:p>
@@ -3125,7 +3127,7 @@
           <a:p>
             <a:fld id="{DAC4A3B0-DC28-4825-85A8-86BBA3F63BF6}" type="datetimeFigureOut">
               <a:rPr lang="en-US" smtClean="0"/>
-              <a:t>2025-09-26</a:t>
+              <a:t>2025-09-27</a:t>
             </a:fld>
             <a:endParaRPr lang="en-US"/>
           </a:p>
@@ -3436,7 +3438,7 @@
           <a:p>
             <a:fld id="{DAC4A3B0-DC28-4825-85A8-86BBA3F63BF6}" type="datetimeFigureOut">
               <a:rPr lang="en-US" smtClean="0"/>
-              <a:t>2025-09-26</a:t>
+              <a:t>2025-09-27</a:t>
             </a:fld>
             <a:endParaRPr lang="en-US"/>
           </a:p>
@@ -3724,7 +3726,7 @@
           <a:p>
             <a:fld id="{DAC4A3B0-DC28-4825-85A8-86BBA3F63BF6}" type="datetimeFigureOut">
               <a:rPr lang="en-US" smtClean="0"/>
-              <a:t>2025-09-26</a:t>
+              <a:t>2025-09-27</a:t>
             </a:fld>
             <a:endParaRPr lang="en-US"/>
           </a:p>
@@ -3965,7 +3967,7 @@
           <a:p>
             <a:fld id="{DAC4A3B0-DC28-4825-85A8-86BBA3F63BF6}" type="datetimeFigureOut">
               <a:rPr lang="en-US" smtClean="0"/>
-              <a:t>2025-09-26</a:t>
+              <a:t>2025-09-27</a:t>
             </a:fld>
             <a:endParaRPr lang="en-US"/>
           </a:p>
@@ -5331,7 +5333,7 @@
         </p:blipFill>
         <p:spPr>
           <a:xfrm>
-            <a:off x="2438400" y="1573858"/>
+            <a:off x="2438400" y="1250834"/>
             <a:ext cx="7315200" cy="4356331"/>
           </a:xfrm>
           <a:prstGeom prst="rect">
@@ -5983,7 +5985,7 @@
         </p:blipFill>
         <p:spPr>
           <a:xfrm>
-            <a:off x="2438399" y="1478669"/>
+            <a:off x="2438399" y="1202461"/>
             <a:ext cx="7315200" cy="4453078"/>
           </a:xfrm>
           <a:prstGeom prst="rect">
@@ -6261,7 +6263,7 @@
         </p:blipFill>
         <p:spPr>
           <a:xfrm>
-            <a:off x="2438400" y="1690688"/>
+            <a:off x="2438400" y="1278159"/>
             <a:ext cx="7315200" cy="4301682"/>
           </a:xfrm>
           <a:prstGeom prst="rect">
@@ -6322,7 +6324,7 @@
           <a:p>
             <a:r>
               <a:rPr lang="en-US" dirty="0"/>
-              <a:t>6. Market Timing with Alberta / FOB Spread</a:t>
+              <a:t>6. Market Timing</a:t>
             </a:r>
           </a:p>
         </p:txBody>
@@ -6712,7 +6714,7 @@
           <p:cNvPr id="5" name="Title 4">
             <a:extLst>
               <a:ext uri="{FF2B5EF4-FFF2-40B4-BE49-F238E27FC236}">
-                <a16:creationId xmlns:a16="http://schemas.microsoft.com/office/drawing/2014/main" id="{EFF5E8F3-093C-A82F-349A-0D8200E40A69}"/>
+                <a16:creationId xmlns:a16="http://schemas.microsoft.com/office/drawing/2014/main" id="{03292A76-F4BD-B7A7-8037-8F6821A77F70}"/>
               </a:ext>
             </a:extLst>
           </p:cNvPr>
@@ -6730,40 +6732,47 @@
           <a:p>
             <a:r>
               <a:rPr lang="en-US" dirty="0"/>
-              <a:t>7. Conclusion</a:t>
-            </a:r>
-          </a:p>
-        </p:txBody>
-      </p:sp>
-      <p:sp>
-        <p:nvSpPr>
-          <p:cNvPr id="6" name="Text Placeholder 5">
-            <a:extLst>
-              <a:ext uri="{FF2B5EF4-FFF2-40B4-BE49-F238E27FC236}">
-                <a16:creationId xmlns:a16="http://schemas.microsoft.com/office/drawing/2014/main" id="{123F174D-7DEA-E66C-40A8-8C4C9D0CCE05}"/>
-              </a:ext>
-            </a:extLst>
-          </p:cNvPr>
-          <p:cNvSpPr>
-            <a:spLocks noGrp="1"/>
-          </p:cNvSpPr>
-          <p:nvPr>
-            <p:ph type="body" idx="1"/>
-          </p:nvPr>
-        </p:nvSpPr>
-        <p:spPr/>
-        <p:txBody>
-          <a:bodyPr/>
-          <a:lstStyle/>
-          <a:p>
-            <a:endParaRPr lang="en-US"/>
-          </a:p>
-        </p:txBody>
-      </p:sp>
+              <a:t>Seasonality</a:t>
+            </a:r>
+          </a:p>
+        </p:txBody>
+      </p:sp>
+      <p:pic>
+        <p:nvPicPr>
+          <p:cNvPr id="8" name="Content Placeholder 7">
+            <a:extLst>
+              <a:ext uri="{FF2B5EF4-FFF2-40B4-BE49-F238E27FC236}">
+                <a16:creationId xmlns:a16="http://schemas.microsoft.com/office/drawing/2014/main" id="{2F56B30D-0FDD-0E1E-E4F8-75481CE879B5}"/>
+              </a:ext>
+            </a:extLst>
+          </p:cNvPr>
+          <p:cNvPicPr>
+            <a:picLocks noGrp="1" noChangeAspect="1"/>
+          </p:cNvPicPr>
+          <p:nvPr>
+            <p:ph idx="1"/>
+          </p:nvPr>
+        </p:nvPicPr>
+        <p:blipFill>
+          <a:blip r:embed="rId2"/>
+          <a:stretch>
+            <a:fillRect/>
+          </a:stretch>
+        </p:blipFill>
+        <p:spPr>
+          <a:xfrm>
+            <a:off x="2768501" y="1460500"/>
+            <a:ext cx="6654997" cy="5032375"/>
+          </a:xfrm>
+          <a:prstGeom prst="rect">
+            <a:avLst/>
+          </a:prstGeom>
+        </p:spPr>
+      </p:pic>
     </p:spTree>
     <p:extLst>
       <p:ext uri="{BB962C8B-B14F-4D97-AF65-F5344CB8AC3E}">
-        <p14:creationId xmlns:p14="http://schemas.microsoft.com/office/powerpoint/2010/main" val="780710507"/>
+        <p14:creationId xmlns:p14="http://schemas.microsoft.com/office/powerpoint/2010/main" val="1433484695"/>
       </p:ext>
     </p:extLst>
   </p:cSld>
@@ -6792,10 +6801,10 @@
       </p:grpSpPr>
       <p:sp>
         <p:nvSpPr>
-          <p:cNvPr id="2" name="Title 1">
-            <a:extLst>
-              <a:ext uri="{FF2B5EF4-FFF2-40B4-BE49-F238E27FC236}">
-                <a16:creationId xmlns:a16="http://schemas.microsoft.com/office/drawing/2014/main" id="{AB96B55A-379F-DF0A-8F57-F47B1D57CFEB}"/>
+          <p:cNvPr id="5" name="Title 4">
+            <a:extLst>
+              <a:ext uri="{FF2B5EF4-FFF2-40B4-BE49-F238E27FC236}">
+                <a16:creationId xmlns:a16="http://schemas.microsoft.com/office/drawing/2014/main" id="{EFF5E8F3-093C-A82F-349A-0D8200E40A69}"/>
               </a:ext>
             </a:extLst>
           </p:cNvPr>
@@ -6813,95 +6822,40 @@
           <a:p>
             <a:r>
               <a:rPr lang="en-US" dirty="0"/>
-              <a:t>Conclusion</a:t>
-            </a:r>
-          </a:p>
-        </p:txBody>
-      </p:sp>
-      <p:sp>
-        <p:nvSpPr>
-          <p:cNvPr id="3" name="Content Placeholder 2">
-            <a:extLst>
-              <a:ext uri="{FF2B5EF4-FFF2-40B4-BE49-F238E27FC236}">
-                <a16:creationId xmlns:a16="http://schemas.microsoft.com/office/drawing/2014/main" id="{E5AF604E-73EA-3F65-4A94-C8E8AA068F69}"/>
-              </a:ext>
-            </a:extLst>
-          </p:cNvPr>
-          <p:cNvSpPr>
-            <a:spLocks noGrp="1"/>
-          </p:cNvSpPr>
-          <p:nvPr>
-            <p:ph idx="1"/>
-          </p:nvPr>
-        </p:nvSpPr>
-        <p:spPr/>
-        <p:txBody>
-          <a:bodyPr/>
-          <a:lstStyle/>
-          <a:p>
-            <a:pPr marL="514350" indent="-514350">
-              <a:buFont typeface="+mj-lt"/>
-              <a:buAutoNum type="arabicPeriod"/>
-            </a:pPr>
-            <a:r>
-              <a:rPr lang="en-US" b="1" dirty="0"/>
-              <a:t>Urea</a:t>
-            </a:r>
-            <a:r>
-              <a:rPr lang="en-US" dirty="0"/>
-              <a:t> has an established </a:t>
-            </a:r>
-            <a:r>
-              <a:rPr lang="en-US" b="1" dirty="0"/>
-              <a:t>uptrend</a:t>
-            </a:r>
-            <a:r>
-              <a:rPr lang="en-US" dirty="0"/>
-              <a:t> with 6% annual growth rate, and price of urea will increase in the following years.</a:t>
-            </a:r>
-          </a:p>
-          <a:p>
-            <a:pPr marL="514350" indent="-514350">
-              <a:buFont typeface="+mj-lt"/>
-              <a:buAutoNum type="arabicPeriod"/>
-            </a:pPr>
-            <a:r>
-              <a:rPr lang="en-US" dirty="0"/>
-              <a:t>The current spread between urea in Alberta and FOB prices ($462) means </a:t>
-            </a:r>
-            <a:r>
-              <a:rPr lang="en-US" b="1" dirty="0"/>
-              <a:t>overvalued</a:t>
-            </a:r>
-            <a:r>
-              <a:rPr lang="en-US" dirty="0"/>
-              <a:t> urea prices now.</a:t>
-            </a:r>
-          </a:p>
-          <a:p>
-            <a:pPr marL="514350" indent="-514350">
-              <a:buFont typeface="+mj-lt"/>
-              <a:buAutoNum type="arabicPeriod"/>
-            </a:pPr>
-            <a:r>
-              <a:rPr lang="en-US" dirty="0"/>
-              <a:t>Recommendation: </a:t>
-            </a:r>
-            <a:r>
-              <a:rPr lang="en-US" b="1" dirty="0"/>
-              <a:t>Wait</a:t>
-            </a:r>
-            <a:r>
-              <a:rPr lang="en-US" dirty="0"/>
-              <a:t> for the spread of less than $300 to buy.</a:t>
-            </a:r>
+              <a:t>7. Conclusion</a:t>
+            </a:r>
+          </a:p>
+        </p:txBody>
+      </p:sp>
+      <p:sp>
+        <p:nvSpPr>
+          <p:cNvPr id="6" name="Text Placeholder 5">
+            <a:extLst>
+              <a:ext uri="{FF2B5EF4-FFF2-40B4-BE49-F238E27FC236}">
+                <a16:creationId xmlns:a16="http://schemas.microsoft.com/office/drawing/2014/main" id="{123F174D-7DEA-E66C-40A8-8C4C9D0CCE05}"/>
+              </a:ext>
+            </a:extLst>
+          </p:cNvPr>
+          <p:cNvSpPr>
+            <a:spLocks noGrp="1"/>
+          </p:cNvSpPr>
+          <p:nvPr>
+            <p:ph type="body" idx="1"/>
+          </p:nvPr>
+        </p:nvSpPr>
+        <p:spPr/>
+        <p:txBody>
+          <a:bodyPr/>
+          <a:lstStyle/>
+          <a:p>
+            <a:endParaRPr lang="en-US"/>
           </a:p>
         </p:txBody>
       </p:sp>
     </p:spTree>
     <p:extLst>
       <p:ext uri="{BB962C8B-B14F-4D97-AF65-F5344CB8AC3E}">
-        <p14:creationId xmlns:p14="http://schemas.microsoft.com/office/powerpoint/2010/main" val="1427338897"/>
+        <p14:creationId xmlns:p14="http://schemas.microsoft.com/office/powerpoint/2010/main" val="780710507"/>
       </p:ext>
     </p:extLst>
   </p:cSld>
@@ -6933,7 +6887,7 @@
           <p:cNvPr id="2" name="Title 1">
             <a:extLst>
               <a:ext uri="{FF2B5EF4-FFF2-40B4-BE49-F238E27FC236}">
-                <a16:creationId xmlns:a16="http://schemas.microsoft.com/office/drawing/2014/main" id="{D2AD10FF-D898-99AA-C0C4-412754F8E392}"/>
+                <a16:creationId xmlns:a16="http://schemas.microsoft.com/office/drawing/2014/main" id="{AB96B55A-379F-DF0A-8F57-F47B1D57CFEB}"/>
               </a:ext>
             </a:extLst>
           </p:cNvPr>
@@ -6951,7 +6905,7 @@
           <a:p>
             <a:r>
               <a:rPr lang="en-US" dirty="0"/>
-              <a:t>Risks</a:t>
+              <a:t>Conclusion</a:t>
             </a:r>
           </a:p>
         </p:txBody>
@@ -6961,7 +6915,7 @@
           <p:cNvPr id="3" name="Content Placeholder 2">
             <a:extLst>
               <a:ext uri="{FF2B5EF4-FFF2-40B4-BE49-F238E27FC236}">
-                <a16:creationId xmlns:a16="http://schemas.microsoft.com/office/drawing/2014/main" id="{2BA2C75E-97D1-4403-7E8B-E8B90957FFFF}"/>
+                <a16:creationId xmlns:a16="http://schemas.microsoft.com/office/drawing/2014/main" id="{E5AF604E-73EA-3F65-4A94-C8E8AA068F69}"/>
               </a:ext>
             </a:extLst>
           </p:cNvPr>
@@ -6977,25 +6931,61 @@
           <a:bodyPr/>
           <a:lstStyle/>
           <a:p>
+            <a:pPr marL="514350" indent="-514350">
+              <a:buFont typeface="+mj-lt"/>
+              <a:buAutoNum type="arabicPeriod"/>
+            </a:pPr>
+            <a:r>
+              <a:rPr lang="en-US" b="1" dirty="0"/>
+              <a:t>Urea</a:t>
+            </a:r>
             <a:r>
               <a:rPr lang="en-US" dirty="0"/>
-              <a:t>The end of the </a:t>
+              <a:t> has an established </a:t>
             </a:r>
             <a:r>
               <a:rPr lang="en-US" b="1" dirty="0"/>
-              <a:t>Russia-Ukraine</a:t>
+              <a:t>uptrend</a:t>
             </a:r>
             <a:r>
               <a:rPr lang="en-US" dirty="0"/>
-              <a:t> conflict and the resumption of Russian exports to global markets, along with the termination of </a:t>
+              <a:t> with 6% annual growth rate, and price of urea will increase in the following years.</a:t>
+            </a:r>
+          </a:p>
+          <a:p>
+            <a:pPr marL="514350" indent="-514350">
+              <a:buFont typeface="+mj-lt"/>
+              <a:buAutoNum type="arabicPeriod"/>
+            </a:pPr>
+            <a:r>
+              <a:rPr lang="en-US" dirty="0"/>
+              <a:t>The current spread between urea in Alberta and FOB prices ($462) means </a:t>
             </a:r>
             <a:r>
               <a:rPr lang="en-US" b="1" dirty="0"/>
-              <a:t>China's zero-export policy </a:t>
+              <a:t>overvalued</a:t>
             </a:r>
             <a:r>
               <a:rPr lang="en-US" dirty="0"/>
-              <a:t>and the return of Chinese urea to international trade, can increase supply and cause further price declines in the short term.</a:t>
+              <a:t> urea prices now.</a:t>
+            </a:r>
+          </a:p>
+          <a:p>
+            <a:pPr marL="514350" indent="-514350">
+              <a:buFont typeface="+mj-lt"/>
+              <a:buAutoNum type="arabicPeriod"/>
+            </a:pPr>
+            <a:r>
+              <a:rPr lang="en-US" dirty="0"/>
+              <a:t>Recommendation: </a:t>
+            </a:r>
+            <a:r>
+              <a:rPr lang="en-US" b="1" dirty="0"/>
+              <a:t>Wait</a:t>
+            </a:r>
+            <a:r>
+              <a:rPr lang="en-US" dirty="0"/>
+              <a:t> for the spread of less than $300 to buy.</a:t>
             </a:r>
           </a:p>
         </p:txBody>
@@ -7003,7 +6993,7 @@
     </p:spTree>
     <p:extLst>
       <p:ext uri="{BB962C8B-B14F-4D97-AF65-F5344CB8AC3E}">
-        <p14:creationId xmlns:p14="http://schemas.microsoft.com/office/powerpoint/2010/main" val="3984814231"/>
+        <p14:creationId xmlns:p14="http://schemas.microsoft.com/office/powerpoint/2010/main" val="1427338897"/>
       </p:ext>
     </p:extLst>
   </p:cSld>
@@ -7097,6 +7087,108 @@
 </file>
 
 <file path=ppt/slides/slide30.xml><?xml version="1.0" encoding="utf-8"?>
+<p:sld xmlns:a="http://schemas.openxmlformats.org/drawingml/2006/main" xmlns:r="http://schemas.openxmlformats.org/officeDocument/2006/relationships" xmlns:p="http://schemas.openxmlformats.org/presentationml/2006/main">
+  <p:cSld>
+    <p:spTree>
+      <p:nvGrpSpPr>
+        <p:cNvPr id="1" name=""/>
+        <p:cNvGrpSpPr/>
+        <p:nvPr/>
+      </p:nvGrpSpPr>
+      <p:grpSpPr>
+        <a:xfrm>
+          <a:off x="0" y="0"/>
+          <a:ext cx="0" cy="0"/>
+          <a:chOff x="0" y="0"/>
+          <a:chExt cx="0" cy="0"/>
+        </a:xfrm>
+      </p:grpSpPr>
+      <p:sp>
+        <p:nvSpPr>
+          <p:cNvPr id="2" name="Title 1">
+            <a:extLst>
+              <a:ext uri="{FF2B5EF4-FFF2-40B4-BE49-F238E27FC236}">
+                <a16:creationId xmlns:a16="http://schemas.microsoft.com/office/drawing/2014/main" id="{D2AD10FF-D898-99AA-C0C4-412754F8E392}"/>
+              </a:ext>
+            </a:extLst>
+          </p:cNvPr>
+          <p:cNvSpPr>
+            <a:spLocks noGrp="1"/>
+          </p:cNvSpPr>
+          <p:nvPr>
+            <p:ph type="title"/>
+          </p:nvPr>
+        </p:nvSpPr>
+        <p:spPr/>
+        <p:txBody>
+          <a:bodyPr/>
+          <a:lstStyle/>
+          <a:p>
+            <a:r>
+              <a:rPr lang="en-US" dirty="0"/>
+              <a:t>Risks</a:t>
+            </a:r>
+          </a:p>
+        </p:txBody>
+      </p:sp>
+      <p:sp>
+        <p:nvSpPr>
+          <p:cNvPr id="3" name="Content Placeholder 2">
+            <a:extLst>
+              <a:ext uri="{FF2B5EF4-FFF2-40B4-BE49-F238E27FC236}">
+                <a16:creationId xmlns:a16="http://schemas.microsoft.com/office/drawing/2014/main" id="{2BA2C75E-97D1-4403-7E8B-E8B90957FFFF}"/>
+              </a:ext>
+            </a:extLst>
+          </p:cNvPr>
+          <p:cNvSpPr>
+            <a:spLocks noGrp="1"/>
+          </p:cNvSpPr>
+          <p:nvPr>
+            <p:ph idx="1"/>
+          </p:nvPr>
+        </p:nvSpPr>
+        <p:spPr/>
+        <p:txBody>
+          <a:bodyPr/>
+          <a:lstStyle/>
+          <a:p>
+            <a:r>
+              <a:rPr lang="en-US" dirty="0"/>
+              <a:t>The end of the </a:t>
+            </a:r>
+            <a:r>
+              <a:rPr lang="en-US" b="1" dirty="0"/>
+              <a:t>Russia-Ukraine</a:t>
+            </a:r>
+            <a:r>
+              <a:rPr lang="en-US" dirty="0"/>
+              <a:t> conflict and the resumption of Russian exports to global markets, along with the termination of </a:t>
+            </a:r>
+            <a:r>
+              <a:rPr lang="en-US" b="1" dirty="0"/>
+              <a:t>China's zero-export policy </a:t>
+            </a:r>
+            <a:r>
+              <a:rPr lang="en-US" dirty="0"/>
+              <a:t>and the return of Chinese urea to international trade, can increase supply and cause further price declines in the short term.</a:t>
+            </a:r>
+          </a:p>
+        </p:txBody>
+      </p:sp>
+    </p:spTree>
+    <p:extLst>
+      <p:ext uri="{BB962C8B-B14F-4D97-AF65-F5344CB8AC3E}">
+        <p14:creationId xmlns:p14="http://schemas.microsoft.com/office/powerpoint/2010/main" val="3984814231"/>
+      </p:ext>
+    </p:extLst>
+  </p:cSld>
+  <p:clrMapOvr>
+    <a:masterClrMapping/>
+  </p:clrMapOvr>
+</p:sld>
+</file>
+
+<file path=ppt/slides/slide31.xml><?xml version="1.0" encoding="utf-8"?>
 <p:sld xmlns:a="http://schemas.openxmlformats.org/drawingml/2006/main" xmlns:r="http://schemas.openxmlformats.org/officeDocument/2006/relationships" xmlns:p="http://schemas.openxmlformats.org/presentationml/2006/main">
   <p:cSld>
     <p:spTree>

--- a/borderland/2-urea/presentation/urea.pptx
+++ b/borderland/2-urea/presentation/urea.pptx
@@ -2,7 +2,7 @@
 <file path=ppt/presentation.xml><?xml version="1.0" encoding="utf-8"?>
 <p:presentation xmlns:a="http://schemas.openxmlformats.org/drawingml/2006/main" xmlns:r="http://schemas.openxmlformats.org/officeDocument/2006/relationships" xmlns:p="http://schemas.openxmlformats.org/presentationml/2006/main" saveSubsetFonts="1">
   <p:sldMasterIdLst>
-    <p:sldMasterId id="2147483648" r:id="rId1"/>
+    <p:sldMasterId id="2147483660" r:id="rId1"/>
   </p:sldMasterIdLst>
   <p:notesMasterIdLst>
     <p:notesMasterId r:id="rId33"/>
@@ -46,7 +46,7 @@
     <a:defPPr>
       <a:defRPr lang="en-US"/>
     </a:defPPr>
-    <a:lvl1pPr marL="0" algn="l" defTabSz="914400" rtl="0" eaLnBrk="1" latinLnBrk="0" hangingPunct="1">
+    <a:lvl1pPr marL="0" algn="l" defTabSz="457200" rtl="0" eaLnBrk="1" latinLnBrk="0" hangingPunct="1">
       <a:defRPr sz="1800" kern="1200">
         <a:solidFill>
           <a:schemeClr val="tx1"/>
@@ -56,7 +56,7 @@
         <a:cs typeface="+mn-cs"/>
       </a:defRPr>
     </a:lvl1pPr>
-    <a:lvl2pPr marL="457200" algn="l" defTabSz="914400" rtl="0" eaLnBrk="1" latinLnBrk="0" hangingPunct="1">
+    <a:lvl2pPr marL="457200" algn="l" defTabSz="457200" rtl="0" eaLnBrk="1" latinLnBrk="0" hangingPunct="1">
       <a:defRPr sz="1800" kern="1200">
         <a:solidFill>
           <a:schemeClr val="tx1"/>
@@ -66,7 +66,7 @@
         <a:cs typeface="+mn-cs"/>
       </a:defRPr>
     </a:lvl2pPr>
-    <a:lvl3pPr marL="914400" algn="l" defTabSz="914400" rtl="0" eaLnBrk="1" latinLnBrk="0" hangingPunct="1">
+    <a:lvl3pPr marL="914400" algn="l" defTabSz="457200" rtl="0" eaLnBrk="1" latinLnBrk="0" hangingPunct="1">
       <a:defRPr sz="1800" kern="1200">
         <a:solidFill>
           <a:schemeClr val="tx1"/>
@@ -76,7 +76,7 @@
         <a:cs typeface="+mn-cs"/>
       </a:defRPr>
     </a:lvl3pPr>
-    <a:lvl4pPr marL="1371600" algn="l" defTabSz="914400" rtl="0" eaLnBrk="1" latinLnBrk="0" hangingPunct="1">
+    <a:lvl4pPr marL="1371600" algn="l" defTabSz="457200" rtl="0" eaLnBrk="1" latinLnBrk="0" hangingPunct="1">
       <a:defRPr sz="1800" kern="1200">
         <a:solidFill>
           <a:schemeClr val="tx1"/>
@@ -86,7 +86,7 @@
         <a:cs typeface="+mn-cs"/>
       </a:defRPr>
     </a:lvl4pPr>
-    <a:lvl5pPr marL="1828800" algn="l" defTabSz="914400" rtl="0" eaLnBrk="1" latinLnBrk="0" hangingPunct="1">
+    <a:lvl5pPr marL="1828800" algn="l" defTabSz="457200" rtl="0" eaLnBrk="1" latinLnBrk="0" hangingPunct="1">
       <a:defRPr sz="1800" kern="1200">
         <a:solidFill>
           <a:schemeClr val="tx1"/>
@@ -96,7 +96,7 @@
         <a:cs typeface="+mn-cs"/>
       </a:defRPr>
     </a:lvl5pPr>
-    <a:lvl6pPr marL="2286000" algn="l" defTabSz="914400" rtl="0" eaLnBrk="1" latinLnBrk="0" hangingPunct="1">
+    <a:lvl6pPr marL="2286000" algn="l" defTabSz="457200" rtl="0" eaLnBrk="1" latinLnBrk="0" hangingPunct="1">
       <a:defRPr sz="1800" kern="1200">
         <a:solidFill>
           <a:schemeClr val="tx1"/>
@@ -106,7 +106,7 @@
         <a:cs typeface="+mn-cs"/>
       </a:defRPr>
     </a:lvl6pPr>
-    <a:lvl7pPr marL="2743200" algn="l" defTabSz="914400" rtl="0" eaLnBrk="1" latinLnBrk="0" hangingPunct="1">
+    <a:lvl7pPr marL="2743200" algn="l" defTabSz="457200" rtl="0" eaLnBrk="1" latinLnBrk="0" hangingPunct="1">
       <a:defRPr sz="1800" kern="1200">
         <a:solidFill>
           <a:schemeClr val="tx1"/>
@@ -116,7 +116,7 @@
         <a:cs typeface="+mn-cs"/>
       </a:defRPr>
     </a:lvl7pPr>
-    <a:lvl8pPr marL="3200400" algn="l" defTabSz="914400" rtl="0" eaLnBrk="1" latinLnBrk="0" hangingPunct="1">
+    <a:lvl8pPr marL="3200400" algn="l" defTabSz="457200" rtl="0" eaLnBrk="1" latinLnBrk="0" hangingPunct="1">
       <a:defRPr sz="1800" kern="1200">
         <a:solidFill>
           <a:schemeClr val="tx1"/>
@@ -126,7 +126,7 @@
         <a:cs typeface="+mn-cs"/>
       </a:defRPr>
     </a:lvl8pPr>
-    <a:lvl9pPr marL="3657600" algn="l" defTabSz="914400" rtl="0" eaLnBrk="1" latinLnBrk="0" hangingPunct="1">
+    <a:lvl9pPr marL="3657600" algn="l" defTabSz="457200" rtl="0" eaLnBrk="1" latinLnBrk="0" hangingPunct="1">
       <a:defRPr sz="1800" kern="1200">
         <a:solidFill>
           <a:schemeClr val="tx1"/>
@@ -266,7 +266,7 @@
           <a:p>
             <a:fld id="{E7E16278-58A7-493D-BC41-ED0D01DC0F3D}" type="datetimeFigureOut">
               <a:rPr lang="en-US" smtClean="0"/>
-              <a:t>2025-09-27</a:t>
+              <a:t>2025-09-29</a:t>
             </a:fld>
             <a:endParaRPr lang="en-US"/>
           </a:p>
@@ -1170,6 +1170,190 @@
 </p:notes>
 </file>
 
+<file path=ppt/notesSlides/notesSlide6.xml><?xml version="1.0" encoding="utf-8"?>
+<p:notes xmlns:a="http://schemas.openxmlformats.org/drawingml/2006/main" xmlns:r="http://schemas.openxmlformats.org/officeDocument/2006/relationships" xmlns:p="http://schemas.openxmlformats.org/presentationml/2006/main">
+  <p:cSld>
+    <p:spTree>
+      <p:nvGrpSpPr>
+        <p:cNvPr id="1" name=""/>
+        <p:cNvGrpSpPr/>
+        <p:nvPr/>
+      </p:nvGrpSpPr>
+      <p:grpSpPr>
+        <a:xfrm>
+          <a:off x="0" y="0"/>
+          <a:ext cx="0" cy="0"/>
+          <a:chOff x="0" y="0"/>
+          <a:chExt cx="0" cy="0"/>
+        </a:xfrm>
+      </p:grpSpPr>
+      <p:sp>
+        <p:nvSpPr>
+          <p:cNvPr id="2" name="Slide Image Placeholder 1"/>
+          <p:cNvSpPr>
+            <a:spLocks noGrp="1" noRot="1" noChangeAspect="1"/>
+          </p:cNvSpPr>
+          <p:nvPr>
+            <p:ph type="sldImg"/>
+          </p:nvPr>
+        </p:nvSpPr>
+        <p:spPr/>
+      </p:sp>
+      <p:sp>
+        <p:nvSpPr>
+          <p:cNvPr id="3" name="Notes Placeholder 2"/>
+          <p:cNvSpPr>
+            <a:spLocks noGrp="1"/>
+          </p:cNvSpPr>
+          <p:nvPr>
+            <p:ph type="body" idx="1"/>
+          </p:nvPr>
+        </p:nvSpPr>
+        <p:spPr/>
+        <p:txBody>
+          <a:bodyPr/>
+          <a:lstStyle/>
+          <a:p>
+            <a:r>
+              <a:rPr lang="en-US" sz="1200" kern="1200" dirty="0">
+                <a:solidFill>
+                  <a:schemeClr val="tx1"/>
+                </a:solidFill>
+                <a:effectLst/>
+                <a:latin typeface="+mn-lt"/>
+                <a:ea typeface="+mn-ea"/>
+                <a:cs typeface="+mn-cs"/>
+              </a:rPr>
+              <a:t>(1) Import + Production = Export + Consumption + Change in Inventory</a:t>
+            </a:r>
+          </a:p>
+          <a:p>
+            <a:r>
+              <a:rPr lang="en-US" sz="1200" kern="1200" dirty="0">
+                <a:solidFill>
+                  <a:schemeClr val="tx1"/>
+                </a:solidFill>
+                <a:effectLst/>
+                <a:latin typeface="+mn-lt"/>
+                <a:ea typeface="+mn-ea"/>
+                <a:cs typeface="+mn-cs"/>
+              </a:rPr>
+              <a:t> </a:t>
+            </a:r>
+          </a:p>
+          <a:p>
+            <a:r>
+              <a:rPr lang="en-US" sz="1200" kern="1200" dirty="0">
+                <a:solidFill>
+                  <a:schemeClr val="tx1"/>
+                </a:solidFill>
+                <a:effectLst/>
+                <a:latin typeface="+mn-lt"/>
+                <a:ea typeface="+mn-ea"/>
+                <a:cs typeface="+mn-cs"/>
+              </a:rPr>
+              <a:t>(2) Supply = Demand + Change in Inventory</a:t>
+            </a:r>
+          </a:p>
+          <a:p>
+            <a:r>
+              <a:rPr lang="en-US" sz="1200" kern="1200" dirty="0">
+                <a:solidFill>
+                  <a:schemeClr val="tx1"/>
+                </a:solidFill>
+                <a:effectLst/>
+                <a:latin typeface="+mn-lt"/>
+                <a:ea typeface="+mn-ea"/>
+                <a:cs typeface="+mn-cs"/>
+              </a:rPr>
+              <a:t> </a:t>
+            </a:r>
+          </a:p>
+          <a:p>
+            <a:r>
+              <a:rPr lang="en-US" sz="1200" kern="1200" dirty="0">
+                <a:solidFill>
+                  <a:schemeClr val="tx1"/>
+                </a:solidFill>
+                <a:effectLst/>
+                <a:latin typeface="+mn-lt"/>
+                <a:ea typeface="+mn-ea"/>
+                <a:cs typeface="+mn-cs"/>
+              </a:rPr>
+              <a:t>Therefore:</a:t>
+            </a:r>
+          </a:p>
+          <a:p>
+            <a:pPr rtl="0" fontAlgn="ctr"/>
+            <a:r>
+              <a:rPr lang="en-US" sz="1200" kern="1200" dirty="0">
+                <a:solidFill>
+                  <a:schemeClr val="tx1"/>
+                </a:solidFill>
+                <a:effectLst/>
+                <a:latin typeface="+mn-lt"/>
+                <a:ea typeface="+mn-ea"/>
+                <a:cs typeface="+mn-cs"/>
+              </a:rPr>
+              <a:t>Increasing Inventory: Supply &gt; Demand</a:t>
+            </a:r>
+          </a:p>
+          <a:p>
+            <a:pPr rtl="0" fontAlgn="ctr"/>
+            <a:r>
+              <a:rPr lang="en-US" sz="1200" kern="1200" dirty="0">
+                <a:solidFill>
+                  <a:schemeClr val="tx1"/>
+                </a:solidFill>
+                <a:effectLst/>
+                <a:latin typeface="+mn-lt"/>
+                <a:ea typeface="+mn-ea"/>
+                <a:cs typeface="+mn-cs"/>
+              </a:rPr>
+              <a:t>Decreasing Inventory: Supply &lt; Demand</a:t>
+            </a:r>
+          </a:p>
+          <a:p>
+            <a:endParaRPr lang="en-US" dirty="0"/>
+          </a:p>
+        </p:txBody>
+      </p:sp>
+      <p:sp>
+        <p:nvSpPr>
+          <p:cNvPr id="4" name="Slide Number Placeholder 3"/>
+          <p:cNvSpPr>
+            <a:spLocks noGrp="1"/>
+          </p:cNvSpPr>
+          <p:nvPr>
+            <p:ph type="sldNum" sz="quarter" idx="5"/>
+          </p:nvPr>
+        </p:nvSpPr>
+        <p:spPr/>
+        <p:txBody>
+          <a:bodyPr/>
+          <a:lstStyle/>
+          <a:p>
+            <a:fld id="{39B0D423-1062-4D44-828B-BFEF85F303DF}" type="slidenum">
+              <a:rPr lang="en-US" smtClean="0"/>
+              <a:t>31</a:t>
+            </a:fld>
+            <a:endParaRPr lang="en-US"/>
+          </a:p>
+        </p:txBody>
+      </p:sp>
+    </p:spTree>
+    <p:extLst>
+      <p:ext uri="{BB962C8B-B14F-4D97-AF65-F5344CB8AC3E}">
+        <p14:creationId xmlns:p14="http://schemas.microsoft.com/office/powerpoint/2010/main" val="3951920342"/>
+      </p:ext>
+    </p:extLst>
+  </p:cSld>
+  <p:clrMapOvr>
+    <a:masterClrMapping/>
+  </p:clrMapOvr>
+</p:notes>
+</file>
+
 <file path=ppt/slideLayouts/slideLayout1.xml><?xml version="1.0" encoding="utf-8"?>
 <p:sldLayout xmlns:a="http://schemas.openxmlformats.org/drawingml/2006/main" xmlns:r="http://schemas.openxmlformats.org/officeDocument/2006/relationships" xmlns:p="http://schemas.openxmlformats.org/presentationml/2006/main" type="title" preserve="1">
   <p:cSld name="Title Slide">
@@ -1189,13 +1373,7 @@
       </p:grpSpPr>
       <p:sp>
         <p:nvSpPr>
-          <p:cNvPr id="2" name="Title 1">
-            <a:extLst>
-              <a:ext uri="{FF2B5EF4-FFF2-40B4-BE49-F238E27FC236}">
-                <a16:creationId xmlns:a16="http://schemas.microsoft.com/office/drawing/2014/main" id="{C1D2CE5B-CB21-4AA3-C733-723D6FBA3577}"/>
-              </a:ext>
-            </a:extLst>
-          </p:cNvPr>
+          <p:cNvPr id="2" name="Title 1"/>
           <p:cNvSpPr>
             <a:spLocks noGrp="1"/>
           </p:cNvSpPr>
@@ -1221,18 +1399,13 @@
               <a:rPr lang="en-US"/>
               <a:t>Click to edit Master title style</a:t>
             </a:r>
-          </a:p>
-        </p:txBody>
-      </p:sp>
-      <p:sp>
-        <p:nvSpPr>
-          <p:cNvPr id="3" name="Subtitle 2">
-            <a:extLst>
-              <a:ext uri="{FF2B5EF4-FFF2-40B4-BE49-F238E27FC236}">
-                <a16:creationId xmlns:a16="http://schemas.microsoft.com/office/drawing/2014/main" id="{9A2D8A14-CC0A-815E-C8E9-C4ED6AD2A266}"/>
-              </a:ext>
-            </a:extLst>
-          </p:cNvPr>
+            <a:endParaRPr lang="en-US" dirty="0"/>
+          </a:p>
+        </p:txBody>
+      </p:sp>
+      <p:sp>
+        <p:nvSpPr>
+          <p:cNvPr id="3" name="Subtitle 2"/>
           <p:cNvSpPr>
             <a:spLocks noGrp="1"/>
           </p:cNvSpPr>
@@ -1291,18 +1464,13 @@
               <a:rPr lang="en-US"/>
               <a:t>Click to edit Master subtitle style</a:t>
             </a:r>
-          </a:p>
-        </p:txBody>
-      </p:sp>
-      <p:sp>
-        <p:nvSpPr>
-          <p:cNvPr id="4" name="Date Placeholder 3">
-            <a:extLst>
-              <a:ext uri="{FF2B5EF4-FFF2-40B4-BE49-F238E27FC236}">
-                <a16:creationId xmlns:a16="http://schemas.microsoft.com/office/drawing/2014/main" id="{812F2831-9F1C-B71D-32B5-B0F3FD8246B5}"/>
-              </a:ext>
-            </a:extLst>
-          </p:cNvPr>
+            <a:endParaRPr lang="en-US" dirty="0"/>
+          </a:p>
+        </p:txBody>
+      </p:sp>
+      <p:sp>
+        <p:nvSpPr>
+          <p:cNvPr id="4" name="Date Placeholder 3"/>
           <p:cNvSpPr>
             <a:spLocks noGrp="1"/>
           </p:cNvSpPr>
@@ -1317,7 +1485,7 @@
           <a:p>
             <a:fld id="{DAC4A3B0-DC28-4825-85A8-86BBA3F63BF6}" type="datetimeFigureOut">
               <a:rPr lang="en-US" smtClean="0"/>
-              <a:t>2025-09-27</a:t>
+              <a:t>2025-09-29</a:t>
             </a:fld>
             <a:endParaRPr lang="en-US"/>
           </a:p>
@@ -1325,13 +1493,7 @@
       </p:sp>
       <p:sp>
         <p:nvSpPr>
-          <p:cNvPr id="5" name="Footer Placeholder 4">
-            <a:extLst>
-              <a:ext uri="{FF2B5EF4-FFF2-40B4-BE49-F238E27FC236}">
-                <a16:creationId xmlns:a16="http://schemas.microsoft.com/office/drawing/2014/main" id="{F67EB0EC-75C7-9BBA-A73B-AC87BE8008DE}"/>
-              </a:ext>
-            </a:extLst>
-          </p:cNvPr>
+          <p:cNvPr id="5" name="Footer Placeholder 4"/>
           <p:cNvSpPr>
             <a:spLocks noGrp="1"/>
           </p:cNvSpPr>
@@ -1350,13 +1512,7 @@
       </p:sp>
       <p:sp>
         <p:nvSpPr>
-          <p:cNvPr id="6" name="Slide Number Placeholder 5">
-            <a:extLst>
-              <a:ext uri="{FF2B5EF4-FFF2-40B4-BE49-F238E27FC236}">
-                <a16:creationId xmlns:a16="http://schemas.microsoft.com/office/drawing/2014/main" id="{28789896-1696-F5BB-4B69-9EA42F7E197D}"/>
-              </a:ext>
-            </a:extLst>
-          </p:cNvPr>
+          <p:cNvPr id="6" name="Slide Number Placeholder 5"/>
           <p:cNvSpPr>
             <a:spLocks noGrp="1"/>
           </p:cNvSpPr>
@@ -1380,7 +1536,7 @@
     </p:spTree>
     <p:extLst>
       <p:ext uri="{BB962C8B-B14F-4D97-AF65-F5344CB8AC3E}">
-        <p14:creationId xmlns:p14="http://schemas.microsoft.com/office/powerpoint/2010/main" val="2093658495"/>
+        <p14:creationId xmlns:p14="http://schemas.microsoft.com/office/powerpoint/2010/main" val="720025084"/>
       </p:ext>
     </p:extLst>
   </p:cSld>
@@ -1409,13 +1565,7 @@
       </p:grpSpPr>
       <p:sp>
         <p:nvSpPr>
-          <p:cNvPr id="2" name="Title 1">
-            <a:extLst>
-              <a:ext uri="{FF2B5EF4-FFF2-40B4-BE49-F238E27FC236}">
-                <a16:creationId xmlns:a16="http://schemas.microsoft.com/office/drawing/2014/main" id="{C480F713-85D7-0C03-F4EE-E90E8EB1A87F}"/>
-              </a:ext>
-            </a:extLst>
-          </p:cNvPr>
+          <p:cNvPr id="2" name="Title 1"/>
           <p:cNvSpPr>
             <a:spLocks noGrp="1"/>
           </p:cNvSpPr>
@@ -1432,18 +1582,13 @@
               <a:rPr lang="en-US"/>
               <a:t>Click to edit Master title style</a:t>
             </a:r>
-          </a:p>
-        </p:txBody>
-      </p:sp>
-      <p:sp>
-        <p:nvSpPr>
-          <p:cNvPr id="3" name="Vertical Text Placeholder 2">
-            <a:extLst>
-              <a:ext uri="{FF2B5EF4-FFF2-40B4-BE49-F238E27FC236}">
-                <a16:creationId xmlns:a16="http://schemas.microsoft.com/office/drawing/2014/main" id="{8BDADCCB-587B-4ECE-8649-0434B5574EDF}"/>
-              </a:ext>
-            </a:extLst>
-          </p:cNvPr>
+            <a:endParaRPr lang="en-US" dirty="0"/>
+          </a:p>
+        </p:txBody>
+      </p:sp>
+      <p:sp>
+        <p:nvSpPr>
+          <p:cNvPr id="3" name="Vertical Text Placeholder 2"/>
           <p:cNvSpPr>
             <a:spLocks noGrp="1"/>
           </p:cNvSpPr>
@@ -1489,18 +1634,13 @@
               <a:rPr lang="en-US"/>
               <a:t>Fifth level</a:t>
             </a:r>
-          </a:p>
-        </p:txBody>
-      </p:sp>
-      <p:sp>
-        <p:nvSpPr>
-          <p:cNvPr id="4" name="Date Placeholder 3">
-            <a:extLst>
-              <a:ext uri="{FF2B5EF4-FFF2-40B4-BE49-F238E27FC236}">
-                <a16:creationId xmlns:a16="http://schemas.microsoft.com/office/drawing/2014/main" id="{50601FA3-3B77-ED56-19A6-381A325BA2C1}"/>
-              </a:ext>
-            </a:extLst>
-          </p:cNvPr>
+            <a:endParaRPr lang="en-US" dirty="0"/>
+          </a:p>
+        </p:txBody>
+      </p:sp>
+      <p:sp>
+        <p:nvSpPr>
+          <p:cNvPr id="4" name="Date Placeholder 3"/>
           <p:cNvSpPr>
             <a:spLocks noGrp="1"/>
           </p:cNvSpPr>
@@ -1515,7 +1655,7 @@
           <a:p>
             <a:fld id="{DAC4A3B0-DC28-4825-85A8-86BBA3F63BF6}" type="datetimeFigureOut">
               <a:rPr lang="en-US" smtClean="0"/>
-              <a:t>2025-09-27</a:t>
+              <a:t>2025-09-29</a:t>
             </a:fld>
             <a:endParaRPr lang="en-US"/>
           </a:p>
@@ -1523,13 +1663,7 @@
       </p:sp>
       <p:sp>
         <p:nvSpPr>
-          <p:cNvPr id="5" name="Footer Placeholder 4">
-            <a:extLst>
-              <a:ext uri="{FF2B5EF4-FFF2-40B4-BE49-F238E27FC236}">
-                <a16:creationId xmlns:a16="http://schemas.microsoft.com/office/drawing/2014/main" id="{37D7C41D-CCB9-3F8A-8882-595B1BD81251}"/>
-              </a:ext>
-            </a:extLst>
-          </p:cNvPr>
+          <p:cNvPr id="5" name="Footer Placeholder 4"/>
           <p:cNvSpPr>
             <a:spLocks noGrp="1"/>
           </p:cNvSpPr>
@@ -1548,13 +1682,7 @@
       </p:sp>
       <p:sp>
         <p:nvSpPr>
-          <p:cNvPr id="6" name="Slide Number Placeholder 5">
-            <a:extLst>
-              <a:ext uri="{FF2B5EF4-FFF2-40B4-BE49-F238E27FC236}">
-                <a16:creationId xmlns:a16="http://schemas.microsoft.com/office/drawing/2014/main" id="{BE1AA6C9-5D1F-1E4C-1F73-07A2C1AE5903}"/>
-              </a:ext>
-            </a:extLst>
-          </p:cNvPr>
+          <p:cNvPr id="6" name="Slide Number Placeholder 5"/>
           <p:cNvSpPr>
             <a:spLocks noGrp="1"/>
           </p:cNvSpPr>
@@ -1578,7 +1706,7 @@
     </p:spTree>
     <p:extLst>
       <p:ext uri="{BB962C8B-B14F-4D97-AF65-F5344CB8AC3E}">
-        <p14:creationId xmlns:p14="http://schemas.microsoft.com/office/powerpoint/2010/main" val="2791849999"/>
+        <p14:creationId xmlns:p14="http://schemas.microsoft.com/office/powerpoint/2010/main" val="1530383185"/>
       </p:ext>
     </p:extLst>
   </p:cSld>
@@ -1607,13 +1735,7 @@
       </p:grpSpPr>
       <p:sp>
         <p:nvSpPr>
-          <p:cNvPr id="2" name="Vertical Title 1">
-            <a:extLst>
-              <a:ext uri="{FF2B5EF4-FFF2-40B4-BE49-F238E27FC236}">
-                <a16:creationId xmlns:a16="http://schemas.microsoft.com/office/drawing/2014/main" id="{F80266ED-A164-17B3-5C9B-82249397638B}"/>
-              </a:ext>
-            </a:extLst>
-          </p:cNvPr>
+          <p:cNvPr id="2" name="Vertical Title 1"/>
           <p:cNvSpPr>
             <a:spLocks noGrp="1"/>
           </p:cNvSpPr>
@@ -1635,18 +1757,13 @@
               <a:rPr lang="en-US"/>
               <a:t>Click to edit Master title style</a:t>
             </a:r>
-          </a:p>
-        </p:txBody>
-      </p:sp>
-      <p:sp>
-        <p:nvSpPr>
-          <p:cNvPr id="3" name="Vertical Text Placeholder 2">
-            <a:extLst>
-              <a:ext uri="{FF2B5EF4-FFF2-40B4-BE49-F238E27FC236}">
-                <a16:creationId xmlns:a16="http://schemas.microsoft.com/office/drawing/2014/main" id="{97BCE7A4-E290-AD00-E8D5-23B3F0F67400}"/>
-              </a:ext>
-            </a:extLst>
-          </p:cNvPr>
+            <a:endParaRPr lang="en-US" dirty="0"/>
+          </a:p>
+        </p:txBody>
+      </p:sp>
+      <p:sp>
+        <p:nvSpPr>
+          <p:cNvPr id="3" name="Vertical Text Placeholder 2"/>
           <p:cNvSpPr>
             <a:spLocks noGrp="1"/>
           </p:cNvSpPr>
@@ -1697,18 +1814,13 @@
               <a:rPr lang="en-US"/>
               <a:t>Fifth level</a:t>
             </a:r>
-          </a:p>
-        </p:txBody>
-      </p:sp>
-      <p:sp>
-        <p:nvSpPr>
-          <p:cNvPr id="4" name="Date Placeholder 3">
-            <a:extLst>
-              <a:ext uri="{FF2B5EF4-FFF2-40B4-BE49-F238E27FC236}">
-                <a16:creationId xmlns:a16="http://schemas.microsoft.com/office/drawing/2014/main" id="{B9BB5462-0328-A2C0-5149-C4097AE83B94}"/>
-              </a:ext>
-            </a:extLst>
-          </p:cNvPr>
+            <a:endParaRPr lang="en-US" dirty="0"/>
+          </a:p>
+        </p:txBody>
+      </p:sp>
+      <p:sp>
+        <p:nvSpPr>
+          <p:cNvPr id="4" name="Date Placeholder 3"/>
           <p:cNvSpPr>
             <a:spLocks noGrp="1"/>
           </p:cNvSpPr>
@@ -1723,7 +1835,7 @@
           <a:p>
             <a:fld id="{DAC4A3B0-DC28-4825-85A8-86BBA3F63BF6}" type="datetimeFigureOut">
               <a:rPr lang="en-US" smtClean="0"/>
-              <a:t>2025-09-27</a:t>
+              <a:t>2025-09-29</a:t>
             </a:fld>
             <a:endParaRPr lang="en-US"/>
           </a:p>
@@ -1731,13 +1843,7 @@
       </p:sp>
       <p:sp>
         <p:nvSpPr>
-          <p:cNvPr id="5" name="Footer Placeholder 4">
-            <a:extLst>
-              <a:ext uri="{FF2B5EF4-FFF2-40B4-BE49-F238E27FC236}">
-                <a16:creationId xmlns:a16="http://schemas.microsoft.com/office/drawing/2014/main" id="{3A7A6CA8-B880-AF10-16BA-CCD7F341A74D}"/>
-              </a:ext>
-            </a:extLst>
-          </p:cNvPr>
+          <p:cNvPr id="5" name="Footer Placeholder 4"/>
           <p:cNvSpPr>
             <a:spLocks noGrp="1"/>
           </p:cNvSpPr>
@@ -1756,13 +1862,7 @@
       </p:sp>
       <p:sp>
         <p:nvSpPr>
-          <p:cNvPr id="6" name="Slide Number Placeholder 5">
-            <a:extLst>
-              <a:ext uri="{FF2B5EF4-FFF2-40B4-BE49-F238E27FC236}">
-                <a16:creationId xmlns:a16="http://schemas.microsoft.com/office/drawing/2014/main" id="{C50ADC17-1858-BA0A-7327-CBC2628C2E07}"/>
-              </a:ext>
-            </a:extLst>
-          </p:cNvPr>
+          <p:cNvPr id="6" name="Slide Number Placeholder 5"/>
           <p:cNvSpPr>
             <a:spLocks noGrp="1"/>
           </p:cNvSpPr>
@@ -1786,7 +1886,7 @@
     </p:spTree>
     <p:extLst>
       <p:ext uri="{BB962C8B-B14F-4D97-AF65-F5344CB8AC3E}">
-        <p14:creationId xmlns:p14="http://schemas.microsoft.com/office/powerpoint/2010/main" val="2586168791"/>
+        <p14:creationId xmlns:p14="http://schemas.microsoft.com/office/powerpoint/2010/main" val="2042938985"/>
       </p:ext>
     </p:extLst>
   </p:cSld>
@@ -1815,13 +1915,7 @@
       </p:grpSpPr>
       <p:sp>
         <p:nvSpPr>
-          <p:cNvPr id="2" name="Title 1">
-            <a:extLst>
-              <a:ext uri="{FF2B5EF4-FFF2-40B4-BE49-F238E27FC236}">
-                <a16:creationId xmlns:a16="http://schemas.microsoft.com/office/drawing/2014/main" id="{B47F7CF6-AB77-B054-2759-C0DE19DCD7CF}"/>
-              </a:ext>
-            </a:extLst>
-          </p:cNvPr>
+          <p:cNvPr id="2" name="Title 1"/>
           <p:cNvSpPr>
             <a:spLocks noGrp="1"/>
           </p:cNvSpPr>
@@ -1838,18 +1932,13 @@
               <a:rPr lang="en-US"/>
               <a:t>Click to edit Master title style</a:t>
             </a:r>
-          </a:p>
-        </p:txBody>
-      </p:sp>
-      <p:sp>
-        <p:nvSpPr>
-          <p:cNvPr id="3" name="Content Placeholder 2">
-            <a:extLst>
-              <a:ext uri="{FF2B5EF4-FFF2-40B4-BE49-F238E27FC236}">
-                <a16:creationId xmlns:a16="http://schemas.microsoft.com/office/drawing/2014/main" id="{A9B98E31-4F30-64E1-FB88-FEB52EA4157F}"/>
-              </a:ext>
-            </a:extLst>
-          </p:cNvPr>
+            <a:endParaRPr lang="en-US" dirty="0"/>
+          </a:p>
+        </p:txBody>
+      </p:sp>
+      <p:sp>
+        <p:nvSpPr>
+          <p:cNvPr id="3" name="Content Placeholder 2"/>
           <p:cNvSpPr>
             <a:spLocks noGrp="1"/>
           </p:cNvSpPr>
@@ -1895,18 +1984,13 @@
               <a:rPr lang="en-US"/>
               <a:t>Fifth level</a:t>
             </a:r>
-          </a:p>
-        </p:txBody>
-      </p:sp>
-      <p:sp>
-        <p:nvSpPr>
-          <p:cNvPr id="4" name="Date Placeholder 3">
-            <a:extLst>
-              <a:ext uri="{FF2B5EF4-FFF2-40B4-BE49-F238E27FC236}">
-                <a16:creationId xmlns:a16="http://schemas.microsoft.com/office/drawing/2014/main" id="{BCD2152E-2BFF-638A-0F55-AD45BB3A014B}"/>
-              </a:ext>
-            </a:extLst>
-          </p:cNvPr>
+            <a:endParaRPr lang="en-US" dirty="0"/>
+          </a:p>
+        </p:txBody>
+      </p:sp>
+      <p:sp>
+        <p:nvSpPr>
+          <p:cNvPr id="4" name="Date Placeholder 3"/>
           <p:cNvSpPr>
             <a:spLocks noGrp="1"/>
           </p:cNvSpPr>
@@ -1921,7 +2005,7 @@
           <a:p>
             <a:fld id="{DAC4A3B0-DC28-4825-85A8-86BBA3F63BF6}" type="datetimeFigureOut">
               <a:rPr lang="en-US" smtClean="0"/>
-              <a:t>2025-09-27</a:t>
+              <a:t>2025-09-29</a:t>
             </a:fld>
             <a:endParaRPr lang="en-US"/>
           </a:p>
@@ -1929,13 +2013,7 @@
       </p:sp>
       <p:sp>
         <p:nvSpPr>
-          <p:cNvPr id="5" name="Footer Placeholder 4">
-            <a:extLst>
-              <a:ext uri="{FF2B5EF4-FFF2-40B4-BE49-F238E27FC236}">
-                <a16:creationId xmlns:a16="http://schemas.microsoft.com/office/drawing/2014/main" id="{C9A1E373-F8E0-FBB6-CD19-E6A8E7FA4561}"/>
-              </a:ext>
-            </a:extLst>
-          </p:cNvPr>
+          <p:cNvPr id="5" name="Footer Placeholder 4"/>
           <p:cNvSpPr>
             <a:spLocks noGrp="1"/>
           </p:cNvSpPr>
@@ -1954,13 +2032,7 @@
       </p:sp>
       <p:sp>
         <p:nvSpPr>
-          <p:cNvPr id="6" name="Slide Number Placeholder 5">
-            <a:extLst>
-              <a:ext uri="{FF2B5EF4-FFF2-40B4-BE49-F238E27FC236}">
-                <a16:creationId xmlns:a16="http://schemas.microsoft.com/office/drawing/2014/main" id="{B3516251-40C0-82A3-D2E9-2D5BA7840B44}"/>
-              </a:ext>
-            </a:extLst>
-          </p:cNvPr>
+          <p:cNvPr id="6" name="Slide Number Placeholder 5"/>
           <p:cNvSpPr>
             <a:spLocks noGrp="1"/>
           </p:cNvSpPr>
@@ -1984,7 +2056,7 @@
     </p:spTree>
     <p:extLst>
       <p:ext uri="{BB962C8B-B14F-4D97-AF65-F5344CB8AC3E}">
-        <p14:creationId xmlns:p14="http://schemas.microsoft.com/office/powerpoint/2010/main" val="256689133"/>
+        <p14:creationId xmlns:p14="http://schemas.microsoft.com/office/powerpoint/2010/main" val="1885012651"/>
       </p:ext>
     </p:extLst>
   </p:cSld>
@@ -2013,13 +2085,7 @@
       </p:grpSpPr>
       <p:sp>
         <p:nvSpPr>
-          <p:cNvPr id="2" name="Title 1">
-            <a:extLst>
-              <a:ext uri="{FF2B5EF4-FFF2-40B4-BE49-F238E27FC236}">
-                <a16:creationId xmlns:a16="http://schemas.microsoft.com/office/drawing/2014/main" id="{056812F5-ADB4-C09F-43E0-84232D73484B}"/>
-              </a:ext>
-            </a:extLst>
-          </p:cNvPr>
+          <p:cNvPr id="2" name="Title 1"/>
           <p:cNvSpPr>
             <a:spLocks noGrp="1"/>
           </p:cNvSpPr>
@@ -2045,18 +2111,13 @@
               <a:rPr lang="en-US"/>
               <a:t>Click to edit Master title style</a:t>
             </a:r>
-          </a:p>
-        </p:txBody>
-      </p:sp>
-      <p:sp>
-        <p:nvSpPr>
-          <p:cNvPr id="3" name="Text Placeholder 2">
-            <a:extLst>
-              <a:ext uri="{FF2B5EF4-FFF2-40B4-BE49-F238E27FC236}">
-                <a16:creationId xmlns:a16="http://schemas.microsoft.com/office/drawing/2014/main" id="{BA5C0152-95DA-BF0D-7B96-B1B4C1EEC016}"/>
-              </a:ext>
-            </a:extLst>
-          </p:cNvPr>
+            <a:endParaRPr lang="en-US" dirty="0"/>
+          </a:p>
+        </p:txBody>
+      </p:sp>
+      <p:sp>
+        <p:nvSpPr>
+          <p:cNvPr id="3" name="Text Placeholder 2"/>
           <p:cNvSpPr>
             <a:spLocks noGrp="1"/>
           </p:cNvSpPr>
@@ -2175,13 +2236,7 @@
       </p:sp>
       <p:sp>
         <p:nvSpPr>
-          <p:cNvPr id="4" name="Date Placeholder 3">
-            <a:extLst>
-              <a:ext uri="{FF2B5EF4-FFF2-40B4-BE49-F238E27FC236}">
-                <a16:creationId xmlns:a16="http://schemas.microsoft.com/office/drawing/2014/main" id="{0C235E72-F333-1BD1-488E-E9B9DF0F842D}"/>
-              </a:ext>
-            </a:extLst>
-          </p:cNvPr>
+          <p:cNvPr id="4" name="Date Placeholder 3"/>
           <p:cNvSpPr>
             <a:spLocks noGrp="1"/>
           </p:cNvSpPr>
@@ -2196,7 +2251,7 @@
           <a:p>
             <a:fld id="{DAC4A3B0-DC28-4825-85A8-86BBA3F63BF6}" type="datetimeFigureOut">
               <a:rPr lang="en-US" smtClean="0"/>
-              <a:t>2025-09-27</a:t>
+              <a:t>2025-09-29</a:t>
             </a:fld>
             <a:endParaRPr lang="en-US"/>
           </a:p>
@@ -2204,13 +2259,7 @@
       </p:sp>
       <p:sp>
         <p:nvSpPr>
-          <p:cNvPr id="5" name="Footer Placeholder 4">
-            <a:extLst>
-              <a:ext uri="{FF2B5EF4-FFF2-40B4-BE49-F238E27FC236}">
-                <a16:creationId xmlns:a16="http://schemas.microsoft.com/office/drawing/2014/main" id="{EE9CF694-E220-BCC3-2B2A-DE615EF7794F}"/>
-              </a:ext>
-            </a:extLst>
-          </p:cNvPr>
+          <p:cNvPr id="5" name="Footer Placeholder 4"/>
           <p:cNvSpPr>
             <a:spLocks noGrp="1"/>
           </p:cNvSpPr>
@@ -2229,13 +2278,7 @@
       </p:sp>
       <p:sp>
         <p:nvSpPr>
-          <p:cNvPr id="6" name="Slide Number Placeholder 5">
-            <a:extLst>
-              <a:ext uri="{FF2B5EF4-FFF2-40B4-BE49-F238E27FC236}">
-                <a16:creationId xmlns:a16="http://schemas.microsoft.com/office/drawing/2014/main" id="{3A2A42A8-4729-2D9B-8426-1F3EFDB73651}"/>
-              </a:ext>
-            </a:extLst>
-          </p:cNvPr>
+          <p:cNvPr id="6" name="Slide Number Placeholder 5"/>
           <p:cNvSpPr>
             <a:spLocks noGrp="1"/>
           </p:cNvSpPr>
@@ -2259,7 +2302,7 @@
     </p:spTree>
     <p:extLst>
       <p:ext uri="{BB962C8B-B14F-4D97-AF65-F5344CB8AC3E}">
-        <p14:creationId xmlns:p14="http://schemas.microsoft.com/office/powerpoint/2010/main" val="3534270583"/>
+        <p14:creationId xmlns:p14="http://schemas.microsoft.com/office/powerpoint/2010/main" val="1922947811"/>
       </p:ext>
     </p:extLst>
   </p:cSld>
@@ -2288,13 +2331,7 @@
       </p:grpSpPr>
       <p:sp>
         <p:nvSpPr>
-          <p:cNvPr id="2" name="Title 1">
-            <a:extLst>
-              <a:ext uri="{FF2B5EF4-FFF2-40B4-BE49-F238E27FC236}">
-                <a16:creationId xmlns:a16="http://schemas.microsoft.com/office/drawing/2014/main" id="{C2D98A2E-1BB6-DD50-5502-6F54FA79C4E9}"/>
-              </a:ext>
-            </a:extLst>
-          </p:cNvPr>
+          <p:cNvPr id="2" name="Title 1"/>
           <p:cNvSpPr>
             <a:spLocks noGrp="1"/>
           </p:cNvSpPr>
@@ -2311,18 +2348,13 @@
               <a:rPr lang="en-US"/>
               <a:t>Click to edit Master title style</a:t>
             </a:r>
-          </a:p>
-        </p:txBody>
-      </p:sp>
-      <p:sp>
-        <p:nvSpPr>
-          <p:cNvPr id="3" name="Content Placeholder 2">
-            <a:extLst>
-              <a:ext uri="{FF2B5EF4-FFF2-40B4-BE49-F238E27FC236}">
-                <a16:creationId xmlns:a16="http://schemas.microsoft.com/office/drawing/2014/main" id="{A2F49705-DBDD-5E09-A353-EBA594E2C8CF}"/>
-              </a:ext>
-            </a:extLst>
-          </p:cNvPr>
+            <a:endParaRPr lang="en-US" dirty="0"/>
+          </a:p>
+        </p:txBody>
+      </p:sp>
+      <p:sp>
+        <p:nvSpPr>
+          <p:cNvPr id="3" name="Content Placeholder 2"/>
           <p:cNvSpPr>
             <a:spLocks noGrp="1"/>
           </p:cNvSpPr>
@@ -2373,18 +2405,13 @@
               <a:rPr lang="en-US"/>
               <a:t>Fifth level</a:t>
             </a:r>
-          </a:p>
-        </p:txBody>
-      </p:sp>
-      <p:sp>
-        <p:nvSpPr>
-          <p:cNvPr id="4" name="Content Placeholder 3">
-            <a:extLst>
-              <a:ext uri="{FF2B5EF4-FFF2-40B4-BE49-F238E27FC236}">
-                <a16:creationId xmlns:a16="http://schemas.microsoft.com/office/drawing/2014/main" id="{E5808E41-2537-1054-402F-D4AB75FFEE96}"/>
-              </a:ext>
-            </a:extLst>
-          </p:cNvPr>
+            <a:endParaRPr lang="en-US" dirty="0"/>
+          </a:p>
+        </p:txBody>
+      </p:sp>
+      <p:sp>
+        <p:nvSpPr>
+          <p:cNvPr id="4" name="Content Placeholder 3"/>
           <p:cNvSpPr>
             <a:spLocks noGrp="1"/>
           </p:cNvSpPr>
@@ -2435,18 +2462,13 @@
               <a:rPr lang="en-US"/>
               <a:t>Fifth level</a:t>
             </a:r>
-          </a:p>
-        </p:txBody>
-      </p:sp>
-      <p:sp>
-        <p:nvSpPr>
-          <p:cNvPr id="5" name="Date Placeholder 4">
-            <a:extLst>
-              <a:ext uri="{FF2B5EF4-FFF2-40B4-BE49-F238E27FC236}">
-                <a16:creationId xmlns:a16="http://schemas.microsoft.com/office/drawing/2014/main" id="{7D5EAB5E-D656-A0AE-96F5-EDB861DE3FDC}"/>
-              </a:ext>
-            </a:extLst>
-          </p:cNvPr>
+            <a:endParaRPr lang="en-US" dirty="0"/>
+          </a:p>
+        </p:txBody>
+      </p:sp>
+      <p:sp>
+        <p:nvSpPr>
+          <p:cNvPr id="5" name="Date Placeholder 4"/>
           <p:cNvSpPr>
             <a:spLocks noGrp="1"/>
           </p:cNvSpPr>
@@ -2461,7 +2483,7 @@
           <a:p>
             <a:fld id="{DAC4A3B0-DC28-4825-85A8-86BBA3F63BF6}" type="datetimeFigureOut">
               <a:rPr lang="en-US" smtClean="0"/>
-              <a:t>2025-09-27</a:t>
+              <a:t>2025-09-29</a:t>
             </a:fld>
             <a:endParaRPr lang="en-US"/>
           </a:p>
@@ -2469,13 +2491,7 @@
       </p:sp>
       <p:sp>
         <p:nvSpPr>
-          <p:cNvPr id="6" name="Footer Placeholder 5">
-            <a:extLst>
-              <a:ext uri="{FF2B5EF4-FFF2-40B4-BE49-F238E27FC236}">
-                <a16:creationId xmlns:a16="http://schemas.microsoft.com/office/drawing/2014/main" id="{9B7FBE37-6AD3-5A2C-E19E-CB529A2AD554}"/>
-              </a:ext>
-            </a:extLst>
-          </p:cNvPr>
+          <p:cNvPr id="6" name="Footer Placeholder 5"/>
           <p:cNvSpPr>
             <a:spLocks noGrp="1"/>
           </p:cNvSpPr>
@@ -2494,13 +2510,7 @@
       </p:sp>
       <p:sp>
         <p:nvSpPr>
-          <p:cNvPr id="7" name="Slide Number Placeholder 6">
-            <a:extLst>
-              <a:ext uri="{FF2B5EF4-FFF2-40B4-BE49-F238E27FC236}">
-                <a16:creationId xmlns:a16="http://schemas.microsoft.com/office/drawing/2014/main" id="{BBD94C52-68EC-7CC5-0E91-F3C5F4CB4415}"/>
-              </a:ext>
-            </a:extLst>
-          </p:cNvPr>
+          <p:cNvPr id="7" name="Slide Number Placeholder 6"/>
           <p:cNvSpPr>
             <a:spLocks noGrp="1"/>
           </p:cNvSpPr>
@@ -2524,7 +2534,7 @@
     </p:spTree>
     <p:extLst>
       <p:ext uri="{BB962C8B-B14F-4D97-AF65-F5344CB8AC3E}">
-        <p14:creationId xmlns:p14="http://schemas.microsoft.com/office/powerpoint/2010/main" val="274705950"/>
+        <p14:creationId xmlns:p14="http://schemas.microsoft.com/office/powerpoint/2010/main" val="1550077627"/>
       </p:ext>
     </p:extLst>
   </p:cSld>
@@ -2553,13 +2563,7 @@
       </p:grpSpPr>
       <p:sp>
         <p:nvSpPr>
-          <p:cNvPr id="2" name="Title 1">
-            <a:extLst>
-              <a:ext uri="{FF2B5EF4-FFF2-40B4-BE49-F238E27FC236}">
-                <a16:creationId xmlns:a16="http://schemas.microsoft.com/office/drawing/2014/main" id="{6A5E3322-D64F-6672-933E-159DDAD688CA}"/>
-              </a:ext>
-            </a:extLst>
-          </p:cNvPr>
+          <p:cNvPr id="2" name="Title 1"/>
           <p:cNvSpPr>
             <a:spLocks noGrp="1"/>
           </p:cNvSpPr>
@@ -2581,18 +2585,13 @@
               <a:rPr lang="en-US"/>
               <a:t>Click to edit Master title style</a:t>
             </a:r>
-          </a:p>
-        </p:txBody>
-      </p:sp>
-      <p:sp>
-        <p:nvSpPr>
-          <p:cNvPr id="3" name="Text Placeholder 2">
-            <a:extLst>
-              <a:ext uri="{FF2B5EF4-FFF2-40B4-BE49-F238E27FC236}">
-                <a16:creationId xmlns:a16="http://schemas.microsoft.com/office/drawing/2014/main" id="{29AA7671-7CFC-1F60-5BB2-E2BD1C442D42}"/>
-              </a:ext>
-            </a:extLst>
-          </p:cNvPr>
+            <a:endParaRPr lang="en-US" dirty="0"/>
+          </a:p>
+        </p:txBody>
+      </p:sp>
+      <p:sp>
+        <p:nvSpPr>
+          <p:cNvPr id="3" name="Text Placeholder 2"/>
           <p:cNvSpPr>
             <a:spLocks noGrp="1"/>
           </p:cNvSpPr>
@@ -2657,13 +2656,7 @@
       </p:sp>
       <p:sp>
         <p:nvSpPr>
-          <p:cNvPr id="4" name="Content Placeholder 3">
-            <a:extLst>
-              <a:ext uri="{FF2B5EF4-FFF2-40B4-BE49-F238E27FC236}">
-                <a16:creationId xmlns:a16="http://schemas.microsoft.com/office/drawing/2014/main" id="{9FBF9562-1F87-66FC-BFFA-9429A2D58A20}"/>
-              </a:ext>
-            </a:extLst>
-          </p:cNvPr>
+          <p:cNvPr id="4" name="Content Placeholder 3"/>
           <p:cNvSpPr>
             <a:spLocks noGrp="1"/>
           </p:cNvSpPr>
@@ -2714,18 +2707,13 @@
               <a:rPr lang="en-US"/>
               <a:t>Fifth level</a:t>
             </a:r>
-          </a:p>
-        </p:txBody>
-      </p:sp>
-      <p:sp>
-        <p:nvSpPr>
-          <p:cNvPr id="5" name="Text Placeholder 4">
-            <a:extLst>
-              <a:ext uri="{FF2B5EF4-FFF2-40B4-BE49-F238E27FC236}">
-                <a16:creationId xmlns:a16="http://schemas.microsoft.com/office/drawing/2014/main" id="{4053D75A-02CF-6CF7-C5E3-2A313713315D}"/>
-              </a:ext>
-            </a:extLst>
-          </p:cNvPr>
+            <a:endParaRPr lang="en-US" dirty="0"/>
+          </a:p>
+        </p:txBody>
+      </p:sp>
+      <p:sp>
+        <p:nvSpPr>
+          <p:cNvPr id="5" name="Text Placeholder 4"/>
           <p:cNvSpPr>
             <a:spLocks noGrp="1"/>
           </p:cNvSpPr>
@@ -2790,13 +2778,7 @@
       </p:sp>
       <p:sp>
         <p:nvSpPr>
-          <p:cNvPr id="6" name="Content Placeholder 5">
-            <a:extLst>
-              <a:ext uri="{FF2B5EF4-FFF2-40B4-BE49-F238E27FC236}">
-                <a16:creationId xmlns:a16="http://schemas.microsoft.com/office/drawing/2014/main" id="{DF8FDE49-6605-5EDA-69B6-6313E8EA3069}"/>
-              </a:ext>
-            </a:extLst>
-          </p:cNvPr>
+          <p:cNvPr id="6" name="Content Placeholder 5"/>
           <p:cNvSpPr>
             <a:spLocks noGrp="1"/>
           </p:cNvSpPr>
@@ -2847,18 +2829,13 @@
               <a:rPr lang="en-US"/>
               <a:t>Fifth level</a:t>
             </a:r>
-          </a:p>
-        </p:txBody>
-      </p:sp>
-      <p:sp>
-        <p:nvSpPr>
-          <p:cNvPr id="7" name="Date Placeholder 6">
-            <a:extLst>
-              <a:ext uri="{FF2B5EF4-FFF2-40B4-BE49-F238E27FC236}">
-                <a16:creationId xmlns:a16="http://schemas.microsoft.com/office/drawing/2014/main" id="{56295BB9-CA11-187E-928B-69F913B028CE}"/>
-              </a:ext>
-            </a:extLst>
-          </p:cNvPr>
+            <a:endParaRPr lang="en-US" dirty="0"/>
+          </a:p>
+        </p:txBody>
+      </p:sp>
+      <p:sp>
+        <p:nvSpPr>
+          <p:cNvPr id="7" name="Date Placeholder 6"/>
           <p:cNvSpPr>
             <a:spLocks noGrp="1"/>
           </p:cNvSpPr>
@@ -2873,7 +2850,7 @@
           <a:p>
             <a:fld id="{DAC4A3B0-DC28-4825-85A8-86BBA3F63BF6}" type="datetimeFigureOut">
               <a:rPr lang="en-US" smtClean="0"/>
-              <a:t>2025-09-27</a:t>
+              <a:t>2025-09-29</a:t>
             </a:fld>
             <a:endParaRPr lang="en-US"/>
           </a:p>
@@ -2881,13 +2858,7 @@
       </p:sp>
       <p:sp>
         <p:nvSpPr>
-          <p:cNvPr id="8" name="Footer Placeholder 7">
-            <a:extLst>
-              <a:ext uri="{FF2B5EF4-FFF2-40B4-BE49-F238E27FC236}">
-                <a16:creationId xmlns:a16="http://schemas.microsoft.com/office/drawing/2014/main" id="{85F83C8B-C427-7C80-2289-7EFE5C122107}"/>
-              </a:ext>
-            </a:extLst>
-          </p:cNvPr>
+          <p:cNvPr id="8" name="Footer Placeholder 7"/>
           <p:cNvSpPr>
             <a:spLocks noGrp="1"/>
           </p:cNvSpPr>
@@ -2906,13 +2877,7 @@
       </p:sp>
       <p:sp>
         <p:nvSpPr>
-          <p:cNvPr id="9" name="Slide Number Placeholder 8">
-            <a:extLst>
-              <a:ext uri="{FF2B5EF4-FFF2-40B4-BE49-F238E27FC236}">
-                <a16:creationId xmlns:a16="http://schemas.microsoft.com/office/drawing/2014/main" id="{B1F046C8-8ABC-676F-FAF9-DF02E9B31291}"/>
-              </a:ext>
-            </a:extLst>
-          </p:cNvPr>
+          <p:cNvPr id="9" name="Slide Number Placeholder 8"/>
           <p:cNvSpPr>
             <a:spLocks noGrp="1"/>
           </p:cNvSpPr>
@@ -2936,7 +2901,7 @@
     </p:spTree>
     <p:extLst>
       <p:ext uri="{BB962C8B-B14F-4D97-AF65-F5344CB8AC3E}">
-        <p14:creationId xmlns:p14="http://schemas.microsoft.com/office/powerpoint/2010/main" val="3458287008"/>
+        <p14:creationId xmlns:p14="http://schemas.microsoft.com/office/powerpoint/2010/main" val="4008850411"/>
       </p:ext>
     </p:extLst>
   </p:cSld>
@@ -2965,13 +2930,7 @@
       </p:grpSpPr>
       <p:sp>
         <p:nvSpPr>
-          <p:cNvPr id="2" name="Title 1">
-            <a:extLst>
-              <a:ext uri="{FF2B5EF4-FFF2-40B4-BE49-F238E27FC236}">
-                <a16:creationId xmlns:a16="http://schemas.microsoft.com/office/drawing/2014/main" id="{7A426DB5-4FC1-F43E-CBD5-4933F82D4992}"/>
-              </a:ext>
-            </a:extLst>
-          </p:cNvPr>
+          <p:cNvPr id="2" name="Title 1"/>
           <p:cNvSpPr>
             <a:spLocks noGrp="1"/>
           </p:cNvSpPr>
@@ -2988,18 +2947,13 @@
               <a:rPr lang="en-US"/>
               <a:t>Click to edit Master title style</a:t>
             </a:r>
-          </a:p>
-        </p:txBody>
-      </p:sp>
-      <p:sp>
-        <p:nvSpPr>
-          <p:cNvPr id="3" name="Date Placeholder 2">
-            <a:extLst>
-              <a:ext uri="{FF2B5EF4-FFF2-40B4-BE49-F238E27FC236}">
-                <a16:creationId xmlns:a16="http://schemas.microsoft.com/office/drawing/2014/main" id="{C9C14755-E8BE-19A4-BC2A-C4FA4BA25754}"/>
-              </a:ext>
-            </a:extLst>
-          </p:cNvPr>
+            <a:endParaRPr lang="en-US" dirty="0"/>
+          </a:p>
+        </p:txBody>
+      </p:sp>
+      <p:sp>
+        <p:nvSpPr>
+          <p:cNvPr id="3" name="Date Placeholder 2"/>
           <p:cNvSpPr>
             <a:spLocks noGrp="1"/>
           </p:cNvSpPr>
@@ -3014,7 +2968,7 @@
           <a:p>
             <a:fld id="{DAC4A3B0-DC28-4825-85A8-86BBA3F63BF6}" type="datetimeFigureOut">
               <a:rPr lang="en-US" smtClean="0"/>
-              <a:t>2025-09-27</a:t>
+              <a:t>2025-09-29</a:t>
             </a:fld>
             <a:endParaRPr lang="en-US"/>
           </a:p>
@@ -3022,13 +2976,7 @@
       </p:sp>
       <p:sp>
         <p:nvSpPr>
-          <p:cNvPr id="4" name="Footer Placeholder 3">
-            <a:extLst>
-              <a:ext uri="{FF2B5EF4-FFF2-40B4-BE49-F238E27FC236}">
-                <a16:creationId xmlns:a16="http://schemas.microsoft.com/office/drawing/2014/main" id="{3CF21016-A031-8933-D841-5694C0508CE3}"/>
-              </a:ext>
-            </a:extLst>
-          </p:cNvPr>
+          <p:cNvPr id="4" name="Footer Placeholder 3"/>
           <p:cNvSpPr>
             <a:spLocks noGrp="1"/>
           </p:cNvSpPr>
@@ -3047,13 +2995,7 @@
       </p:sp>
       <p:sp>
         <p:nvSpPr>
-          <p:cNvPr id="5" name="Slide Number Placeholder 4">
-            <a:extLst>
-              <a:ext uri="{FF2B5EF4-FFF2-40B4-BE49-F238E27FC236}">
-                <a16:creationId xmlns:a16="http://schemas.microsoft.com/office/drawing/2014/main" id="{9679739F-D4F2-2FBF-6BAC-800B96F81259}"/>
-              </a:ext>
-            </a:extLst>
-          </p:cNvPr>
+          <p:cNvPr id="5" name="Slide Number Placeholder 4"/>
           <p:cNvSpPr>
             <a:spLocks noGrp="1"/>
           </p:cNvSpPr>
@@ -3077,7 +3019,7 @@
     </p:spTree>
     <p:extLst>
       <p:ext uri="{BB962C8B-B14F-4D97-AF65-F5344CB8AC3E}">
-        <p14:creationId xmlns:p14="http://schemas.microsoft.com/office/powerpoint/2010/main" val="1444040194"/>
+        <p14:creationId xmlns:p14="http://schemas.microsoft.com/office/powerpoint/2010/main" val="3638277635"/>
       </p:ext>
     </p:extLst>
   </p:cSld>
@@ -3106,13 +3048,7 @@
       </p:grpSpPr>
       <p:sp>
         <p:nvSpPr>
-          <p:cNvPr id="2" name="Date Placeholder 1">
-            <a:extLst>
-              <a:ext uri="{FF2B5EF4-FFF2-40B4-BE49-F238E27FC236}">
-                <a16:creationId xmlns:a16="http://schemas.microsoft.com/office/drawing/2014/main" id="{FF5E5B3E-63A9-C92A-8964-E42DAF544577}"/>
-              </a:ext>
-            </a:extLst>
-          </p:cNvPr>
+          <p:cNvPr id="2" name="Date Placeholder 1"/>
           <p:cNvSpPr>
             <a:spLocks noGrp="1"/>
           </p:cNvSpPr>
@@ -3127,7 +3063,7 @@
           <a:p>
             <a:fld id="{DAC4A3B0-DC28-4825-85A8-86BBA3F63BF6}" type="datetimeFigureOut">
               <a:rPr lang="en-US" smtClean="0"/>
-              <a:t>2025-09-27</a:t>
+              <a:t>2025-09-29</a:t>
             </a:fld>
             <a:endParaRPr lang="en-US"/>
           </a:p>
@@ -3135,13 +3071,7 @@
       </p:sp>
       <p:sp>
         <p:nvSpPr>
-          <p:cNvPr id="3" name="Footer Placeholder 2">
-            <a:extLst>
-              <a:ext uri="{FF2B5EF4-FFF2-40B4-BE49-F238E27FC236}">
-                <a16:creationId xmlns:a16="http://schemas.microsoft.com/office/drawing/2014/main" id="{21E09912-1D6D-77B7-38A9-CB861CC09DB3}"/>
-              </a:ext>
-            </a:extLst>
-          </p:cNvPr>
+          <p:cNvPr id="3" name="Footer Placeholder 2"/>
           <p:cNvSpPr>
             <a:spLocks noGrp="1"/>
           </p:cNvSpPr>
@@ -3160,13 +3090,7 @@
       </p:sp>
       <p:sp>
         <p:nvSpPr>
-          <p:cNvPr id="4" name="Slide Number Placeholder 3">
-            <a:extLst>
-              <a:ext uri="{FF2B5EF4-FFF2-40B4-BE49-F238E27FC236}">
-                <a16:creationId xmlns:a16="http://schemas.microsoft.com/office/drawing/2014/main" id="{F20703A2-DEC6-6519-15F2-B58629143176}"/>
-              </a:ext>
-            </a:extLst>
-          </p:cNvPr>
+          <p:cNvPr id="4" name="Slide Number Placeholder 3"/>
           <p:cNvSpPr>
             <a:spLocks noGrp="1"/>
           </p:cNvSpPr>
@@ -3190,7 +3114,7 @@
     </p:spTree>
     <p:extLst>
       <p:ext uri="{BB962C8B-B14F-4D97-AF65-F5344CB8AC3E}">
-        <p14:creationId xmlns:p14="http://schemas.microsoft.com/office/powerpoint/2010/main" val="435511173"/>
+        <p14:creationId xmlns:p14="http://schemas.microsoft.com/office/powerpoint/2010/main" val="1047310917"/>
       </p:ext>
     </p:extLst>
   </p:cSld>
@@ -3219,13 +3143,7 @@
       </p:grpSpPr>
       <p:sp>
         <p:nvSpPr>
-          <p:cNvPr id="2" name="Title 1">
-            <a:extLst>
-              <a:ext uri="{FF2B5EF4-FFF2-40B4-BE49-F238E27FC236}">
-                <a16:creationId xmlns:a16="http://schemas.microsoft.com/office/drawing/2014/main" id="{34AD916B-D175-B220-D9A6-25575AE56879}"/>
-              </a:ext>
-            </a:extLst>
-          </p:cNvPr>
+          <p:cNvPr id="2" name="Title 1"/>
           <p:cNvSpPr>
             <a:spLocks noGrp="1"/>
           </p:cNvSpPr>
@@ -3251,18 +3169,13 @@
               <a:rPr lang="en-US"/>
               <a:t>Click to edit Master title style</a:t>
             </a:r>
-          </a:p>
-        </p:txBody>
-      </p:sp>
-      <p:sp>
-        <p:nvSpPr>
-          <p:cNvPr id="3" name="Content Placeholder 2">
-            <a:extLst>
-              <a:ext uri="{FF2B5EF4-FFF2-40B4-BE49-F238E27FC236}">
-                <a16:creationId xmlns:a16="http://schemas.microsoft.com/office/drawing/2014/main" id="{2851FB55-D4A9-E2EF-7F53-D5850F3F5A06}"/>
-              </a:ext>
-            </a:extLst>
-          </p:cNvPr>
+            <a:endParaRPr lang="en-US" dirty="0"/>
+          </a:p>
+        </p:txBody>
+      </p:sp>
+      <p:sp>
+        <p:nvSpPr>
+          <p:cNvPr id="3" name="Content Placeholder 2"/>
           <p:cNvSpPr>
             <a:spLocks noGrp="1"/>
           </p:cNvSpPr>
@@ -3341,18 +3254,13 @@
               <a:rPr lang="en-US"/>
               <a:t>Fifth level</a:t>
             </a:r>
-          </a:p>
-        </p:txBody>
-      </p:sp>
-      <p:sp>
-        <p:nvSpPr>
-          <p:cNvPr id="4" name="Text Placeholder 3">
-            <a:extLst>
-              <a:ext uri="{FF2B5EF4-FFF2-40B4-BE49-F238E27FC236}">
-                <a16:creationId xmlns:a16="http://schemas.microsoft.com/office/drawing/2014/main" id="{077A8C41-D068-C8F8-F29F-E2E90DC1194B}"/>
-              </a:ext>
-            </a:extLst>
-          </p:cNvPr>
+            <a:endParaRPr lang="en-US" dirty="0"/>
+          </a:p>
+        </p:txBody>
+      </p:sp>
+      <p:sp>
+        <p:nvSpPr>
+          <p:cNvPr id="4" name="Text Placeholder 3"/>
           <p:cNvSpPr>
             <a:spLocks noGrp="1"/>
           </p:cNvSpPr>
@@ -3417,13 +3325,7 @@
       </p:sp>
       <p:sp>
         <p:nvSpPr>
-          <p:cNvPr id="5" name="Date Placeholder 4">
-            <a:extLst>
-              <a:ext uri="{FF2B5EF4-FFF2-40B4-BE49-F238E27FC236}">
-                <a16:creationId xmlns:a16="http://schemas.microsoft.com/office/drawing/2014/main" id="{E0F9E64F-FA14-B71D-037D-3268626770A2}"/>
-              </a:ext>
-            </a:extLst>
-          </p:cNvPr>
+          <p:cNvPr id="5" name="Date Placeholder 4"/>
           <p:cNvSpPr>
             <a:spLocks noGrp="1"/>
           </p:cNvSpPr>
@@ -3438,7 +3340,7 @@
           <a:p>
             <a:fld id="{DAC4A3B0-DC28-4825-85A8-86BBA3F63BF6}" type="datetimeFigureOut">
               <a:rPr lang="en-US" smtClean="0"/>
-              <a:t>2025-09-27</a:t>
+              <a:t>2025-09-29</a:t>
             </a:fld>
             <a:endParaRPr lang="en-US"/>
           </a:p>
@@ -3446,13 +3348,7 @@
       </p:sp>
       <p:sp>
         <p:nvSpPr>
-          <p:cNvPr id="6" name="Footer Placeholder 5">
-            <a:extLst>
-              <a:ext uri="{FF2B5EF4-FFF2-40B4-BE49-F238E27FC236}">
-                <a16:creationId xmlns:a16="http://schemas.microsoft.com/office/drawing/2014/main" id="{0DAC02F5-209A-3679-CB73-7BF530E0DC00}"/>
-              </a:ext>
-            </a:extLst>
-          </p:cNvPr>
+          <p:cNvPr id="6" name="Footer Placeholder 5"/>
           <p:cNvSpPr>
             <a:spLocks noGrp="1"/>
           </p:cNvSpPr>
@@ -3471,13 +3367,7 @@
       </p:sp>
       <p:sp>
         <p:nvSpPr>
-          <p:cNvPr id="7" name="Slide Number Placeholder 6">
-            <a:extLst>
-              <a:ext uri="{FF2B5EF4-FFF2-40B4-BE49-F238E27FC236}">
-                <a16:creationId xmlns:a16="http://schemas.microsoft.com/office/drawing/2014/main" id="{4734F4B8-7DBE-4BD6-74D0-5BA96DF76988}"/>
-              </a:ext>
-            </a:extLst>
-          </p:cNvPr>
+          <p:cNvPr id="7" name="Slide Number Placeholder 6"/>
           <p:cNvSpPr>
             <a:spLocks noGrp="1"/>
           </p:cNvSpPr>
@@ -3501,7 +3391,7 @@
     </p:spTree>
     <p:extLst>
       <p:ext uri="{BB962C8B-B14F-4D97-AF65-F5344CB8AC3E}">
-        <p14:creationId xmlns:p14="http://schemas.microsoft.com/office/powerpoint/2010/main" val="2584945574"/>
+        <p14:creationId xmlns:p14="http://schemas.microsoft.com/office/powerpoint/2010/main" val="3237544560"/>
       </p:ext>
     </p:extLst>
   </p:cSld>
@@ -3530,13 +3420,7 @@
       </p:grpSpPr>
       <p:sp>
         <p:nvSpPr>
-          <p:cNvPr id="2" name="Title 1">
-            <a:extLst>
-              <a:ext uri="{FF2B5EF4-FFF2-40B4-BE49-F238E27FC236}">
-                <a16:creationId xmlns:a16="http://schemas.microsoft.com/office/drawing/2014/main" id="{1F5391DB-2B7E-648C-73D8-FB242729BBB5}"/>
-              </a:ext>
-            </a:extLst>
-          </p:cNvPr>
+          <p:cNvPr id="2" name="Title 1"/>
           <p:cNvSpPr>
             <a:spLocks noGrp="1"/>
           </p:cNvSpPr>
@@ -3562,20 +3446,15 @@
               <a:rPr lang="en-US"/>
               <a:t>Click to edit Master title style</a:t>
             </a:r>
-          </a:p>
-        </p:txBody>
-      </p:sp>
-      <p:sp>
-        <p:nvSpPr>
-          <p:cNvPr id="3" name="Picture Placeholder 2">
-            <a:extLst>
-              <a:ext uri="{FF2B5EF4-FFF2-40B4-BE49-F238E27FC236}">
-                <a16:creationId xmlns:a16="http://schemas.microsoft.com/office/drawing/2014/main" id="{6DC84139-2320-FB48-12F6-D8421974BF92}"/>
-              </a:ext>
-            </a:extLst>
-          </p:cNvPr>
-          <p:cNvSpPr>
-            <a:spLocks noGrp="1"/>
+            <a:endParaRPr lang="en-US" dirty="0"/>
+          </a:p>
+        </p:txBody>
+      </p:sp>
+      <p:sp>
+        <p:nvSpPr>
+          <p:cNvPr id="3" name="Picture Placeholder 2"/>
+          <p:cNvSpPr>
+            <a:spLocks noGrp="1" noChangeAspect="1"/>
           </p:cNvSpPr>
           <p:nvPr>
             <p:ph type="pic" idx="1"/>
@@ -3588,7 +3467,7 @@
           </a:xfrm>
         </p:spPr>
         <p:txBody>
-          <a:bodyPr/>
+          <a:bodyPr anchor="t"/>
           <a:lstStyle>
             <a:lvl1pPr marL="0" indent="0">
               <a:buNone/>
@@ -3628,19 +3507,17 @@
             </a:lvl9pPr>
           </a:lstStyle>
           <a:p>
-            <a:endParaRPr lang="en-US"/>
-          </a:p>
-        </p:txBody>
-      </p:sp>
-      <p:sp>
-        <p:nvSpPr>
-          <p:cNvPr id="4" name="Text Placeholder 3">
-            <a:extLst>
-              <a:ext uri="{FF2B5EF4-FFF2-40B4-BE49-F238E27FC236}">
-                <a16:creationId xmlns:a16="http://schemas.microsoft.com/office/drawing/2014/main" id="{4AD3BD57-E693-31C0-86B4-CAF1B779C524}"/>
-              </a:ext>
-            </a:extLst>
-          </p:cNvPr>
+            <a:r>
+              <a:rPr lang="en-US"/>
+              <a:t>Click icon to add picture</a:t>
+            </a:r>
+            <a:endParaRPr lang="en-US" dirty="0"/>
+          </a:p>
+        </p:txBody>
+      </p:sp>
+      <p:sp>
+        <p:nvSpPr>
+          <p:cNvPr id="4" name="Text Placeholder 3"/>
           <p:cNvSpPr>
             <a:spLocks noGrp="1"/>
           </p:cNvSpPr>
@@ -3705,13 +3582,7 @@
       </p:sp>
       <p:sp>
         <p:nvSpPr>
-          <p:cNvPr id="5" name="Date Placeholder 4">
-            <a:extLst>
-              <a:ext uri="{FF2B5EF4-FFF2-40B4-BE49-F238E27FC236}">
-                <a16:creationId xmlns:a16="http://schemas.microsoft.com/office/drawing/2014/main" id="{EB93BCDF-5C2C-503D-D0F5-C3891CDF7789}"/>
-              </a:ext>
-            </a:extLst>
-          </p:cNvPr>
+          <p:cNvPr id="5" name="Date Placeholder 4"/>
           <p:cNvSpPr>
             <a:spLocks noGrp="1"/>
           </p:cNvSpPr>
@@ -3726,7 +3597,7 @@
           <a:p>
             <a:fld id="{DAC4A3B0-DC28-4825-85A8-86BBA3F63BF6}" type="datetimeFigureOut">
               <a:rPr lang="en-US" smtClean="0"/>
-              <a:t>2025-09-27</a:t>
+              <a:t>2025-09-29</a:t>
             </a:fld>
             <a:endParaRPr lang="en-US"/>
           </a:p>
@@ -3734,13 +3605,7 @@
       </p:sp>
       <p:sp>
         <p:nvSpPr>
-          <p:cNvPr id="6" name="Footer Placeholder 5">
-            <a:extLst>
-              <a:ext uri="{FF2B5EF4-FFF2-40B4-BE49-F238E27FC236}">
-                <a16:creationId xmlns:a16="http://schemas.microsoft.com/office/drawing/2014/main" id="{2A7E5141-8653-9BB4-8B26-FC3F00FFA08B}"/>
-              </a:ext>
-            </a:extLst>
-          </p:cNvPr>
+          <p:cNvPr id="6" name="Footer Placeholder 5"/>
           <p:cNvSpPr>
             <a:spLocks noGrp="1"/>
           </p:cNvSpPr>
@@ -3759,13 +3624,7 @@
       </p:sp>
       <p:sp>
         <p:nvSpPr>
-          <p:cNvPr id="7" name="Slide Number Placeholder 6">
-            <a:extLst>
-              <a:ext uri="{FF2B5EF4-FFF2-40B4-BE49-F238E27FC236}">
-                <a16:creationId xmlns:a16="http://schemas.microsoft.com/office/drawing/2014/main" id="{F226A97D-4139-292B-2D67-5EA2CE78E8E9}"/>
-              </a:ext>
-            </a:extLst>
-          </p:cNvPr>
+          <p:cNvPr id="7" name="Slide Number Placeholder 6"/>
           <p:cNvSpPr>
             <a:spLocks noGrp="1"/>
           </p:cNvSpPr>
@@ -3789,7 +3648,7 @@
     </p:spTree>
     <p:extLst>
       <p:ext uri="{BB962C8B-B14F-4D97-AF65-F5344CB8AC3E}">
-        <p14:creationId xmlns:p14="http://schemas.microsoft.com/office/powerpoint/2010/main" val="3494351966"/>
+        <p14:creationId xmlns:p14="http://schemas.microsoft.com/office/powerpoint/2010/main" val="2727107638"/>
       </p:ext>
     </p:extLst>
   </p:cSld>
@@ -3823,13 +3682,7 @@
       </p:grpSpPr>
       <p:sp>
         <p:nvSpPr>
-          <p:cNvPr id="2" name="Title Placeholder 1">
-            <a:extLst>
-              <a:ext uri="{FF2B5EF4-FFF2-40B4-BE49-F238E27FC236}">
-                <a16:creationId xmlns:a16="http://schemas.microsoft.com/office/drawing/2014/main" id="{BCEB3685-D5BB-32BE-81BF-B58DC21BE05E}"/>
-              </a:ext>
-            </a:extLst>
-          </p:cNvPr>
+          <p:cNvPr id="2" name="Title Placeholder 1"/>
           <p:cNvSpPr>
             <a:spLocks noGrp="1"/>
           </p:cNvSpPr>
@@ -3856,18 +3709,13 @@
               <a:rPr lang="en-US"/>
               <a:t>Click to edit Master title style</a:t>
             </a:r>
-          </a:p>
-        </p:txBody>
-      </p:sp>
-      <p:sp>
-        <p:nvSpPr>
-          <p:cNvPr id="3" name="Text Placeholder 2">
-            <a:extLst>
-              <a:ext uri="{FF2B5EF4-FFF2-40B4-BE49-F238E27FC236}">
-                <a16:creationId xmlns:a16="http://schemas.microsoft.com/office/drawing/2014/main" id="{737B7230-60C7-2C9B-B579-E6397A98FBD5}"/>
-              </a:ext>
-            </a:extLst>
-          </p:cNvPr>
+            <a:endParaRPr lang="en-US" dirty="0"/>
+          </a:p>
+        </p:txBody>
+      </p:sp>
+      <p:sp>
+        <p:nvSpPr>
+          <p:cNvPr id="3" name="Text Placeholder 2"/>
           <p:cNvSpPr>
             <a:spLocks noGrp="1"/>
           </p:cNvSpPr>
@@ -3923,18 +3771,13 @@
               <a:rPr lang="en-US"/>
               <a:t>Fifth level</a:t>
             </a:r>
-          </a:p>
-        </p:txBody>
-      </p:sp>
-      <p:sp>
-        <p:nvSpPr>
-          <p:cNvPr id="4" name="Date Placeholder 3">
-            <a:extLst>
-              <a:ext uri="{FF2B5EF4-FFF2-40B4-BE49-F238E27FC236}">
-                <a16:creationId xmlns:a16="http://schemas.microsoft.com/office/drawing/2014/main" id="{2D498AEF-5CA6-8884-EF76-406C3DB3F3E9}"/>
-              </a:ext>
-            </a:extLst>
-          </p:cNvPr>
+            <a:endParaRPr lang="en-US" dirty="0"/>
+          </a:p>
+        </p:txBody>
+      </p:sp>
+      <p:sp>
+        <p:nvSpPr>
+          <p:cNvPr id="4" name="Date Placeholder 3"/>
           <p:cNvSpPr>
             <a:spLocks noGrp="1"/>
           </p:cNvSpPr>
@@ -3967,7 +3810,7 @@
           <a:p>
             <a:fld id="{DAC4A3B0-DC28-4825-85A8-86BBA3F63BF6}" type="datetimeFigureOut">
               <a:rPr lang="en-US" smtClean="0"/>
-              <a:t>2025-09-27</a:t>
+              <a:t>2025-09-29</a:t>
             </a:fld>
             <a:endParaRPr lang="en-US"/>
           </a:p>
@@ -3975,13 +3818,7 @@
       </p:sp>
       <p:sp>
         <p:nvSpPr>
-          <p:cNvPr id="5" name="Footer Placeholder 4">
-            <a:extLst>
-              <a:ext uri="{FF2B5EF4-FFF2-40B4-BE49-F238E27FC236}">
-                <a16:creationId xmlns:a16="http://schemas.microsoft.com/office/drawing/2014/main" id="{FF80933F-F02B-49C5-AA89-19AA8EE1E069}"/>
-              </a:ext>
-            </a:extLst>
-          </p:cNvPr>
+          <p:cNvPr id="5" name="Footer Placeholder 4"/>
           <p:cNvSpPr>
             <a:spLocks noGrp="1"/>
           </p:cNvSpPr>
@@ -4018,13 +3855,7 @@
       </p:sp>
       <p:sp>
         <p:nvSpPr>
-          <p:cNvPr id="6" name="Slide Number Placeholder 5">
-            <a:extLst>
-              <a:ext uri="{FF2B5EF4-FFF2-40B4-BE49-F238E27FC236}">
-                <a16:creationId xmlns:a16="http://schemas.microsoft.com/office/drawing/2014/main" id="{1C81D8C3-FA88-DF1E-1623-D3D98655F87E}"/>
-              </a:ext>
-            </a:extLst>
-          </p:cNvPr>
+          <p:cNvPr id="6" name="Slide Number Placeholder 5"/>
           <p:cNvSpPr>
             <a:spLocks noGrp="1"/>
           </p:cNvSpPr>
@@ -4066,23 +3897,23 @@
     </p:spTree>
     <p:extLst>
       <p:ext uri="{BB962C8B-B14F-4D97-AF65-F5344CB8AC3E}">
-        <p14:creationId xmlns:p14="http://schemas.microsoft.com/office/powerpoint/2010/main" val="3670176906"/>
+        <p14:creationId xmlns:p14="http://schemas.microsoft.com/office/powerpoint/2010/main" val="3514947786"/>
       </p:ext>
     </p:extLst>
   </p:cSld>
   <p:clrMap bg1="lt1" tx1="dk1" bg2="lt2" tx2="dk2" accent1="accent1" accent2="accent2" accent3="accent3" accent4="accent4" accent5="accent5" accent6="accent6" hlink="hlink" folHlink="folHlink"/>
   <p:sldLayoutIdLst>
-    <p:sldLayoutId id="2147483649" r:id="rId1"/>
-    <p:sldLayoutId id="2147483650" r:id="rId2"/>
-    <p:sldLayoutId id="2147483651" r:id="rId3"/>
-    <p:sldLayoutId id="2147483652" r:id="rId4"/>
-    <p:sldLayoutId id="2147483653" r:id="rId5"/>
-    <p:sldLayoutId id="2147483654" r:id="rId6"/>
-    <p:sldLayoutId id="2147483655" r:id="rId7"/>
-    <p:sldLayoutId id="2147483656" r:id="rId8"/>
-    <p:sldLayoutId id="2147483657" r:id="rId9"/>
-    <p:sldLayoutId id="2147483658" r:id="rId10"/>
-    <p:sldLayoutId id="2147483659" r:id="rId11"/>
+    <p:sldLayoutId id="2147483661" r:id="rId1"/>
+    <p:sldLayoutId id="2147483662" r:id="rId2"/>
+    <p:sldLayoutId id="2147483663" r:id="rId3"/>
+    <p:sldLayoutId id="2147483664" r:id="rId4"/>
+    <p:sldLayoutId id="2147483665" r:id="rId5"/>
+    <p:sldLayoutId id="2147483666" r:id="rId6"/>
+    <p:sldLayoutId id="2147483667" r:id="rId7"/>
+    <p:sldLayoutId id="2147483668" r:id="rId8"/>
+    <p:sldLayoutId id="2147483669" r:id="rId9"/>
+    <p:sldLayoutId id="2147483670" r:id="rId10"/>
+    <p:sldLayoutId id="2147483671" r:id="rId11"/>
   </p:sldLayoutIdLst>
   <p:txStyles>
     <p:titleStyle>
@@ -5779,6 +5610,38 @@
           </a:p>
         </p:txBody>
       </p:sp>
+      <p:pic>
+        <p:nvPicPr>
+          <p:cNvPr id="14" name="Content Placeholder 13">
+            <a:extLst>
+              <a:ext uri="{FF2B5EF4-FFF2-40B4-BE49-F238E27FC236}">
+                <a16:creationId xmlns:a16="http://schemas.microsoft.com/office/drawing/2014/main" id="{20E1FD88-1C0A-46E8-596F-B63736BC5FAA}"/>
+              </a:ext>
+            </a:extLst>
+          </p:cNvPr>
+          <p:cNvPicPr>
+            <a:picLocks noGrp="1" noChangeAspect="1"/>
+          </p:cNvPicPr>
+          <p:nvPr>
+            <p:ph idx="1"/>
+          </p:nvPr>
+        </p:nvPicPr>
+        <p:blipFill>
+          <a:blip r:embed="rId3"/>
+          <a:stretch>
+            <a:fillRect/>
+          </a:stretch>
+        </p:blipFill>
+        <p:spPr>
+          <a:xfrm>
+            <a:off x="2438399" y="1202461"/>
+            <a:ext cx="7315200" cy="4453078"/>
+          </a:xfrm>
+          <a:prstGeom prst="rect">
+            <a:avLst/>
+          </a:prstGeom>
+        </p:spPr>
+      </p:pic>
       <p:graphicFrame>
         <p:nvGraphicFramePr>
           <p:cNvPr id="7" name="Table 6">
@@ -5961,38 +5824,6 @@
           </a:graphicData>
         </a:graphic>
       </p:graphicFrame>
-      <p:pic>
-        <p:nvPicPr>
-          <p:cNvPr id="14" name="Content Placeholder 13">
-            <a:extLst>
-              <a:ext uri="{FF2B5EF4-FFF2-40B4-BE49-F238E27FC236}">
-                <a16:creationId xmlns:a16="http://schemas.microsoft.com/office/drawing/2014/main" id="{20E1FD88-1C0A-46E8-596F-B63736BC5FAA}"/>
-              </a:ext>
-            </a:extLst>
-          </p:cNvPr>
-          <p:cNvPicPr>
-            <a:picLocks noGrp="1" noChangeAspect="1"/>
-          </p:cNvPicPr>
-          <p:nvPr>
-            <p:ph idx="1"/>
-          </p:nvPr>
-        </p:nvPicPr>
-        <p:blipFill>
-          <a:blip r:embed="rId3"/>
-          <a:stretch>
-            <a:fillRect/>
-          </a:stretch>
-        </p:blipFill>
-        <p:spPr>
-          <a:xfrm>
-            <a:off x="2438399" y="1202461"/>
-            <a:ext cx="7315200" cy="4453078"/>
-          </a:xfrm>
-          <a:prstGeom prst="rect">
-            <a:avLst/>
-          </a:prstGeom>
-        </p:spPr>
-      </p:pic>
     </p:spTree>
     <p:extLst>
       <p:ext uri="{BB962C8B-B14F-4D97-AF65-F5344CB8AC3E}">
@@ -6057,6 +5888,38 @@
           </a:p>
         </p:txBody>
       </p:sp>
+      <p:pic>
+        <p:nvPicPr>
+          <p:cNvPr id="6" name="Content Placeholder 5">
+            <a:extLst>
+              <a:ext uri="{FF2B5EF4-FFF2-40B4-BE49-F238E27FC236}">
+                <a16:creationId xmlns:a16="http://schemas.microsoft.com/office/drawing/2014/main" id="{2F08AA0B-A481-4A21-752D-8B5A0B7A9C8F}"/>
+              </a:ext>
+            </a:extLst>
+          </p:cNvPr>
+          <p:cNvPicPr>
+            <a:picLocks noGrp="1" noChangeAspect="1"/>
+          </p:cNvPicPr>
+          <p:nvPr>
+            <p:ph idx="1"/>
+          </p:nvPr>
+        </p:nvPicPr>
+        <p:blipFill>
+          <a:blip r:embed="rId3"/>
+          <a:stretch>
+            <a:fillRect/>
+          </a:stretch>
+        </p:blipFill>
+        <p:spPr>
+          <a:xfrm>
+            <a:off x="2438400" y="1278159"/>
+            <a:ext cx="7315200" cy="4301682"/>
+          </a:xfrm>
+          <a:prstGeom prst="rect">
+            <a:avLst/>
+          </a:prstGeom>
+        </p:spPr>
+      </p:pic>
       <p:graphicFrame>
         <p:nvGraphicFramePr>
           <p:cNvPr id="7" name="Table 6">
@@ -6239,38 +6102,6 @@
           </a:graphicData>
         </a:graphic>
       </p:graphicFrame>
-      <p:pic>
-        <p:nvPicPr>
-          <p:cNvPr id="6" name="Content Placeholder 5">
-            <a:extLst>
-              <a:ext uri="{FF2B5EF4-FFF2-40B4-BE49-F238E27FC236}">
-                <a16:creationId xmlns:a16="http://schemas.microsoft.com/office/drawing/2014/main" id="{2F08AA0B-A481-4A21-752D-8B5A0B7A9C8F}"/>
-              </a:ext>
-            </a:extLst>
-          </p:cNvPr>
-          <p:cNvPicPr>
-            <a:picLocks noGrp="1" noChangeAspect="1"/>
-          </p:cNvPicPr>
-          <p:nvPr>
-            <p:ph idx="1"/>
-          </p:nvPr>
-        </p:nvPicPr>
-        <p:blipFill>
-          <a:blip r:embed="rId3"/>
-          <a:stretch>
-            <a:fillRect/>
-          </a:stretch>
-        </p:blipFill>
-        <p:spPr>
-          <a:xfrm>
-            <a:off x="2438400" y="1278159"/>
-            <a:ext cx="7315200" cy="4301682"/>
-          </a:xfrm>
-          <a:prstGeom prst="rect">
-            <a:avLst/>
-          </a:prstGeom>
-        </p:spPr>
-      </p:pic>
     </p:spTree>
     <p:extLst>
       <p:ext uri="{BB962C8B-B14F-4D97-AF65-F5344CB8AC3E}">
@@ -6654,7 +6485,6 @@
               </a:ext>
             </a:extLst>
           </a:blip>
-          <a:srcRect/>
           <a:stretch>
             <a:fillRect/>
           </a:stretch>
@@ -7441,15 +7271,14 @@
               </a:ext>
             </a:extLst>
           </a:blip>
-          <a:srcRect/>
           <a:stretch>
             <a:fillRect/>
           </a:stretch>
         </p:blipFill>
         <p:spPr bwMode="auto">
           <a:xfrm>
-            <a:off x="2704589" y="1572945"/>
-            <a:ext cx="6782821" cy="5188073"/>
+            <a:off x="3251557" y="1825625"/>
+            <a:ext cx="5688885" cy="4351338"/>
           </a:xfrm>
           <a:prstGeom prst="rect">
             <a:avLst/>
@@ -8000,7 +7829,7 @@
 <file path=ppt/theme/theme1.xml><?xml version="1.0" encoding="utf-8"?>
 <a:theme xmlns:a="http://schemas.openxmlformats.org/drawingml/2006/main" name="Office Theme">
   <a:themeElements>
-    <a:clrScheme name="Office">
+    <a:clrScheme name="Office Theme">
       <a:dk1>
         <a:sysClr val="windowText" lastClr="000000"/>
       </a:dk1>
@@ -8038,7 +7867,7 @@
         <a:srgbClr val="96607D"/>
       </a:folHlink>
     </a:clrScheme>
-    <a:fontScheme name="Office">
+    <a:fontScheme name="Office Theme">
       <a:majorFont>
         <a:latin typeface="Aptos Display" panose="02110004020202020204"/>
         <a:ea typeface=""/>
@@ -8144,7 +7973,7 @@
         <a:font script="Tfng" typeface="Ebrima"/>
       </a:minorFont>
     </a:fontScheme>
-    <a:fmtScheme name="Office">
+    <a:fmtScheme name="Office Theme">
       <a:fillStyleLst>
         <a:solidFill>
           <a:schemeClr val="phClr"/>

--- a/borderland/2-urea/presentation/urea.pptx
+++ b/borderland/2-urea/presentation/urea.pptx
@@ -5,40 +5,42 @@
     <p:sldMasterId id="2147483660" r:id="rId1"/>
   </p:sldMasterIdLst>
   <p:notesMasterIdLst>
-    <p:notesMasterId r:id="rId33"/>
+    <p:notesMasterId r:id="rId35"/>
   </p:notesMasterIdLst>
   <p:sldIdLst>
     <p:sldId id="256" r:id="rId2"/>
     <p:sldId id="280" r:id="rId3"/>
-    <p:sldId id="281" r:id="rId4"/>
-    <p:sldId id="257" r:id="rId5"/>
-    <p:sldId id="259" r:id="rId6"/>
-    <p:sldId id="260" r:id="rId7"/>
-    <p:sldId id="261" r:id="rId8"/>
-    <p:sldId id="262" r:id="rId9"/>
-    <p:sldId id="269" r:id="rId10"/>
-    <p:sldId id="282" r:id="rId11"/>
-    <p:sldId id="275" r:id="rId12"/>
-    <p:sldId id="277" r:id="rId13"/>
-    <p:sldId id="276" r:id="rId14"/>
-    <p:sldId id="274" r:id="rId15"/>
-    <p:sldId id="284" r:id="rId16"/>
-    <p:sldId id="267" r:id="rId17"/>
-    <p:sldId id="279" r:id="rId18"/>
-    <p:sldId id="283" r:id="rId19"/>
-    <p:sldId id="263" r:id="rId20"/>
-    <p:sldId id="265" r:id="rId21"/>
-    <p:sldId id="291" r:id="rId22"/>
-    <p:sldId id="292" r:id="rId23"/>
-    <p:sldId id="286" r:id="rId24"/>
-    <p:sldId id="273" r:id="rId25"/>
-    <p:sldId id="271" r:id="rId26"/>
-    <p:sldId id="264" r:id="rId27"/>
-    <p:sldId id="293" r:id="rId28"/>
-    <p:sldId id="287" r:id="rId29"/>
-    <p:sldId id="266" r:id="rId30"/>
-    <p:sldId id="268" r:id="rId31"/>
-    <p:sldId id="278" r:id="rId32"/>
+    <p:sldId id="295" r:id="rId4"/>
+    <p:sldId id="281" r:id="rId5"/>
+    <p:sldId id="257" r:id="rId6"/>
+    <p:sldId id="259" r:id="rId7"/>
+    <p:sldId id="260" r:id="rId8"/>
+    <p:sldId id="261" r:id="rId9"/>
+    <p:sldId id="262" r:id="rId10"/>
+    <p:sldId id="269" r:id="rId11"/>
+    <p:sldId id="282" r:id="rId12"/>
+    <p:sldId id="275" r:id="rId13"/>
+    <p:sldId id="277" r:id="rId14"/>
+    <p:sldId id="276" r:id="rId15"/>
+    <p:sldId id="274" r:id="rId16"/>
+    <p:sldId id="284" r:id="rId17"/>
+    <p:sldId id="267" r:id="rId18"/>
+    <p:sldId id="279" r:id="rId19"/>
+    <p:sldId id="283" r:id="rId20"/>
+    <p:sldId id="263" r:id="rId21"/>
+    <p:sldId id="265" r:id="rId22"/>
+    <p:sldId id="291" r:id="rId23"/>
+    <p:sldId id="292" r:id="rId24"/>
+    <p:sldId id="286" r:id="rId25"/>
+    <p:sldId id="273" r:id="rId26"/>
+    <p:sldId id="294" r:id="rId27"/>
+    <p:sldId id="271" r:id="rId28"/>
+    <p:sldId id="264" r:id="rId29"/>
+    <p:sldId id="293" r:id="rId30"/>
+    <p:sldId id="287" r:id="rId31"/>
+    <p:sldId id="266" r:id="rId32"/>
+    <p:sldId id="268" r:id="rId33"/>
+    <p:sldId id="278" r:id="rId34"/>
   </p:sldIdLst>
   <p:sldSz cx="12192000" cy="6858000"/>
   <p:notesSz cx="6858000" cy="9144000"/>
@@ -144,6 +146,7 @@
           <p14:sldIdLst>
             <p14:sldId id="256"/>
             <p14:sldId id="280"/>
+            <p14:sldId id="295"/>
             <p14:sldId id="281"/>
             <p14:sldId id="257"/>
             <p14:sldId id="259"/>
@@ -166,6 +169,7 @@
             <p14:sldId id="292"/>
             <p14:sldId id="286"/>
             <p14:sldId id="273"/>
+            <p14:sldId id="294"/>
             <p14:sldId id="271"/>
             <p14:sldId id="264"/>
             <p14:sldId id="293"/>
@@ -266,7 +270,7 @@
           <a:p>
             <a:fld id="{E7E16278-58A7-493D-BC41-ED0D01DC0F3D}" type="datetimeFigureOut">
               <a:rPr lang="en-US" smtClean="0"/>
-              <a:t>2025-09-29</a:t>
+              <a:t>10/1/2025</a:t>
             </a:fld>
             <a:endParaRPr lang="en-US"/>
           </a:p>
@@ -577,6 +581,263 @@
           <a:bodyPr/>
           <a:lstStyle/>
           <a:p>
+            <a:r>
+              <a:rPr lang="en-US" sz="1200" b="0" i="0" kern="1200" dirty="0">
+                <a:solidFill>
+                  <a:schemeClr val="tx1"/>
+                </a:solidFill>
+                <a:effectLst/>
+                <a:latin typeface="+mn-lt"/>
+                <a:ea typeface="+mn-ea"/>
+                <a:cs typeface="+mn-cs"/>
+              </a:rPr>
+              <a:t>The chart above is a sample of historical data taken from </a:t>
+            </a:r>
+            <a:r>
+              <a:rPr lang="en-US" sz="1200" b="0" i="0" u="none" strike="noStrike" kern="1200" dirty="0" err="1">
+                <a:solidFill>
+                  <a:schemeClr val="tx1"/>
+                </a:solidFill>
+                <a:effectLst/>
+                <a:latin typeface="+mn-lt"/>
+                <a:ea typeface="+mn-ea"/>
+                <a:cs typeface="+mn-cs"/>
+                <a:hlinkClick r:id="rId3"/>
+              </a:rPr>
+              <a:t>Intratec</a:t>
+            </a:r>
+            <a:r>
+              <a:rPr lang="en-US" sz="1200" b="0" i="0" u="none" strike="noStrike" kern="1200" dirty="0">
+                <a:solidFill>
+                  <a:schemeClr val="tx1"/>
+                </a:solidFill>
+                <a:effectLst/>
+                <a:latin typeface="+mn-lt"/>
+                <a:ea typeface="+mn-ea"/>
+                <a:cs typeface="+mn-cs"/>
+                <a:hlinkClick r:id="rId3"/>
+              </a:rPr>
+              <a:t> Primary Commodity Prices</a:t>
+            </a:r>
+            <a:r>
+              <a:rPr lang="en-US" sz="1200" b="0" i="0" kern="1200" dirty="0">
+                <a:solidFill>
+                  <a:schemeClr val="tx1"/>
+                </a:solidFill>
+                <a:effectLst/>
+                <a:latin typeface="+mn-lt"/>
+                <a:ea typeface="+mn-ea"/>
+                <a:cs typeface="+mn-cs"/>
+              </a:rPr>
+              <a:t>. It presents price assessments for Urea, in USA Dollar per metric ton (USD/mt), across 7 key locations, as follows:</a:t>
+            </a:r>
+          </a:p>
+          <a:p>
+            <a:endParaRPr lang="en-US" sz="1200" b="0" i="0" kern="1200" dirty="0">
+              <a:solidFill>
+                <a:schemeClr val="tx1"/>
+              </a:solidFill>
+              <a:effectLst/>
+              <a:latin typeface="+mn-lt"/>
+              <a:ea typeface="+mn-ea"/>
+              <a:cs typeface="+mn-cs"/>
+            </a:endParaRPr>
+          </a:p>
+          <a:p>
+            <a:r>
+              <a:rPr lang="en-US" sz="1200" b="0" i="0" kern="1200" dirty="0">
+                <a:solidFill>
+                  <a:schemeClr val="tx1"/>
+                </a:solidFill>
+                <a:effectLst/>
+                <a:latin typeface="+mn-lt"/>
+                <a:ea typeface="+mn-ea"/>
+                <a:cs typeface="+mn-cs"/>
+              </a:rPr>
+              <a:t>Urea (Gran), US (United States): Urea (granular), export spot price, fob, US Gulf</a:t>
+            </a:r>
+          </a:p>
+          <a:p>
+            <a:r>
+              <a:rPr lang="en-US" sz="1200" b="0" i="0" kern="1200" dirty="0">
+                <a:solidFill>
+                  <a:schemeClr val="tx1"/>
+                </a:solidFill>
+                <a:effectLst/>
+                <a:latin typeface="+mn-lt"/>
+                <a:ea typeface="+mn-ea"/>
+                <a:cs typeface="+mn-cs"/>
+              </a:rPr>
+              <a:t>Urea, CN (China): Urea, domestic spot price, </a:t>
+            </a:r>
+            <a:r>
+              <a:rPr lang="en-US" sz="1200" b="0" i="0" kern="1200" dirty="0" err="1">
+                <a:solidFill>
+                  <a:schemeClr val="tx1"/>
+                </a:solidFill>
+                <a:effectLst/>
+                <a:latin typeface="+mn-lt"/>
+                <a:ea typeface="+mn-ea"/>
+                <a:cs typeface="+mn-cs"/>
+              </a:rPr>
+              <a:t>exw</a:t>
+            </a:r>
+            <a:r>
+              <a:rPr lang="en-US" sz="1200" b="0" i="0" kern="1200" dirty="0">
+                <a:solidFill>
+                  <a:schemeClr val="tx1"/>
+                </a:solidFill>
+                <a:effectLst/>
+                <a:latin typeface="+mn-lt"/>
+                <a:ea typeface="+mn-ea"/>
+                <a:cs typeface="+mn-cs"/>
+              </a:rPr>
+              <a:t>, China</a:t>
+            </a:r>
+          </a:p>
+          <a:p>
+            <a:r>
+              <a:rPr lang="en-US" sz="1200" b="0" i="0" kern="1200" dirty="0">
+                <a:solidFill>
+                  <a:schemeClr val="tx1"/>
+                </a:solidFill>
+                <a:effectLst/>
+                <a:latin typeface="+mn-lt"/>
+                <a:ea typeface="+mn-ea"/>
+                <a:cs typeface="+mn-cs"/>
+              </a:rPr>
+              <a:t>Urea, SEA (Southeast Asia): Urea, import contract price, </a:t>
+            </a:r>
+            <a:r>
+              <a:rPr lang="en-US" sz="1200" b="0" i="0" kern="1200" dirty="0" err="1">
+                <a:solidFill>
+                  <a:schemeClr val="tx1"/>
+                </a:solidFill>
+                <a:effectLst/>
+                <a:latin typeface="+mn-lt"/>
+                <a:ea typeface="+mn-ea"/>
+                <a:cs typeface="+mn-cs"/>
+              </a:rPr>
+              <a:t>cfr</a:t>
+            </a:r>
+            <a:r>
+              <a:rPr lang="en-US" sz="1200" b="0" i="0" kern="1200" dirty="0">
+                <a:solidFill>
+                  <a:schemeClr val="tx1"/>
+                </a:solidFill>
+                <a:effectLst/>
+                <a:latin typeface="+mn-lt"/>
+                <a:ea typeface="+mn-ea"/>
+                <a:cs typeface="+mn-cs"/>
+              </a:rPr>
+              <a:t>, India</a:t>
+            </a:r>
+          </a:p>
+          <a:p>
+            <a:r>
+              <a:rPr lang="en-US" sz="1200" b="0" i="0" kern="1200" dirty="0">
+                <a:solidFill>
+                  <a:schemeClr val="tx1"/>
+                </a:solidFill>
+                <a:effectLst/>
+                <a:latin typeface="+mn-lt"/>
+                <a:ea typeface="+mn-ea"/>
+                <a:cs typeface="+mn-cs"/>
+              </a:rPr>
+              <a:t>Urea (Gran), SAM (South America): Urea (granular), import spot price, </a:t>
+            </a:r>
+            <a:r>
+              <a:rPr lang="en-US" sz="1200" b="0" i="0" kern="1200" dirty="0" err="1">
+                <a:solidFill>
+                  <a:schemeClr val="tx1"/>
+                </a:solidFill>
+                <a:effectLst/>
+                <a:latin typeface="+mn-lt"/>
+                <a:ea typeface="+mn-ea"/>
+                <a:cs typeface="+mn-cs"/>
+              </a:rPr>
+              <a:t>cfr</a:t>
+            </a:r>
+            <a:r>
+              <a:rPr lang="en-US" sz="1200" b="0" i="0" kern="1200" dirty="0">
+                <a:solidFill>
+                  <a:schemeClr val="tx1"/>
+                </a:solidFill>
+                <a:effectLst/>
+                <a:latin typeface="+mn-lt"/>
+                <a:ea typeface="+mn-ea"/>
+                <a:cs typeface="+mn-cs"/>
+              </a:rPr>
+              <a:t>, Brazil</a:t>
+            </a:r>
+          </a:p>
+          <a:p>
+            <a:r>
+              <a:rPr lang="en-US" sz="1200" b="0" i="0" kern="1200" dirty="0">
+                <a:solidFill>
+                  <a:schemeClr val="tx1"/>
+                </a:solidFill>
+                <a:effectLst/>
+                <a:latin typeface="+mn-lt"/>
+                <a:ea typeface="+mn-ea"/>
+                <a:cs typeface="+mn-cs"/>
+              </a:rPr>
+              <a:t>Urea (Gran), MDE (Middle East): Urea (granular), export spot price, fob, Arab Gulf</a:t>
+            </a:r>
+          </a:p>
+          <a:p>
+            <a:r>
+              <a:rPr lang="en-US" sz="1200" b="0" i="0" kern="1200" dirty="0">
+                <a:solidFill>
+                  <a:schemeClr val="tx1"/>
+                </a:solidFill>
+                <a:effectLst/>
+                <a:latin typeface="+mn-lt"/>
+                <a:ea typeface="+mn-ea"/>
+                <a:cs typeface="+mn-cs"/>
+              </a:rPr>
+              <a:t>Urea (Gran), EUR (Europe): Urea (granular), domestic spot price, </a:t>
+            </a:r>
+            <a:r>
+              <a:rPr lang="en-US" sz="1200" b="0" i="0" kern="1200" dirty="0" err="1">
+                <a:solidFill>
+                  <a:schemeClr val="tx1"/>
+                </a:solidFill>
+                <a:effectLst/>
+                <a:latin typeface="+mn-lt"/>
+                <a:ea typeface="+mn-ea"/>
+                <a:cs typeface="+mn-cs"/>
+              </a:rPr>
+              <a:t>ddp</a:t>
+            </a:r>
+            <a:r>
+              <a:rPr lang="en-US" sz="1200" b="0" i="0" kern="1200" dirty="0">
+                <a:solidFill>
+                  <a:schemeClr val="tx1"/>
+                </a:solidFill>
+                <a:effectLst/>
+                <a:latin typeface="+mn-lt"/>
+                <a:ea typeface="+mn-ea"/>
+                <a:cs typeface="+mn-cs"/>
+              </a:rPr>
+              <a:t>, United Kingdom</a:t>
+            </a:r>
+          </a:p>
+          <a:p>
+            <a:r>
+              <a:rPr lang="en-US" sz="1200" b="0" i="0" kern="1200" dirty="0">
+                <a:solidFill>
+                  <a:schemeClr val="tx1"/>
+                </a:solidFill>
+                <a:effectLst/>
+                <a:latin typeface="+mn-lt"/>
+                <a:ea typeface="+mn-ea"/>
+                <a:cs typeface="+mn-cs"/>
+              </a:rPr>
+              <a:t>Urea (Gran), AFR (Africa): Urea (granular), export spot price, fob, Egypt</a:t>
+            </a:r>
+          </a:p>
+          <a:p>
             <a:endParaRPr lang="en-US" dirty="0"/>
           </a:p>
         </p:txBody>
@@ -598,7 +859,7 @@
           <a:p>
             <a:fld id="{39B0D423-1062-4D44-828B-BFEF85F303DF}" type="slidenum">
               <a:rPr lang="en-US" smtClean="0"/>
-              <a:t>16</a:t>
+              <a:t>3</a:t>
             </a:fld>
             <a:endParaRPr lang="en-US"/>
           </a:p>
@@ -607,7 +868,7 @@
     </p:spTree>
     <p:extLst>
       <p:ext uri="{BB962C8B-B14F-4D97-AF65-F5344CB8AC3E}">
-        <p14:creationId xmlns:p14="http://schemas.microsoft.com/office/powerpoint/2010/main" val="1598009394"/>
+        <p14:creationId xmlns:p14="http://schemas.microsoft.com/office/powerpoint/2010/main" val="793533630"/>
       </p:ext>
     </p:extLst>
   </p:cSld>
@@ -661,16 +922,7 @@
           <a:bodyPr/>
           <a:lstStyle/>
           <a:p>
-            <a:r>
-              <a:rPr lang="en-US" dirty="0"/>
-              <a:t>IPPI, CAGR = 2.2%</a:t>
-            </a:r>
-          </a:p>
-          <a:p>
-            <a:r>
-              <a:rPr lang="en-US" dirty="0"/>
-              <a:t>Urea Price Index, CAGR = 6.0%</a:t>
-            </a:r>
+            <a:endParaRPr lang="en-US" dirty="0"/>
           </a:p>
         </p:txBody>
       </p:sp>
@@ -700,7 +952,7 @@
     </p:spTree>
     <p:extLst>
       <p:ext uri="{BB962C8B-B14F-4D97-AF65-F5344CB8AC3E}">
-        <p14:creationId xmlns:p14="http://schemas.microsoft.com/office/powerpoint/2010/main" val="2591732345"/>
+        <p14:creationId xmlns:p14="http://schemas.microsoft.com/office/powerpoint/2010/main" val="1598009394"/>
       </p:ext>
     </p:extLst>
   </p:cSld>
@@ -754,6 +1006,99 @@
           <a:bodyPr/>
           <a:lstStyle/>
           <a:p>
+            <a:r>
+              <a:rPr lang="en-US" dirty="0"/>
+              <a:t>IPPI, CAGR = 2.2%</a:t>
+            </a:r>
+          </a:p>
+          <a:p>
+            <a:r>
+              <a:rPr lang="en-US" dirty="0"/>
+              <a:t>Urea Price Index, CAGR = 6.0%</a:t>
+            </a:r>
+          </a:p>
+        </p:txBody>
+      </p:sp>
+      <p:sp>
+        <p:nvSpPr>
+          <p:cNvPr id="4" name="Slide Number Placeholder 3"/>
+          <p:cNvSpPr>
+            <a:spLocks noGrp="1"/>
+          </p:cNvSpPr>
+          <p:nvPr>
+            <p:ph type="sldNum" sz="quarter" idx="5"/>
+          </p:nvPr>
+        </p:nvSpPr>
+        <p:spPr/>
+        <p:txBody>
+          <a:bodyPr/>
+          <a:lstStyle/>
+          <a:p>
+            <a:fld id="{39B0D423-1062-4D44-828B-BFEF85F303DF}" type="slidenum">
+              <a:rPr lang="en-US" smtClean="0"/>
+              <a:t>18</a:t>
+            </a:fld>
+            <a:endParaRPr lang="en-US"/>
+          </a:p>
+        </p:txBody>
+      </p:sp>
+    </p:spTree>
+    <p:extLst>
+      <p:ext uri="{BB962C8B-B14F-4D97-AF65-F5344CB8AC3E}">
+        <p14:creationId xmlns:p14="http://schemas.microsoft.com/office/powerpoint/2010/main" val="2591732345"/>
+      </p:ext>
+    </p:extLst>
+  </p:cSld>
+  <p:clrMapOvr>
+    <a:masterClrMapping/>
+  </p:clrMapOvr>
+</p:notes>
+</file>
+
+<file path=ppt/notesSlides/notesSlide4.xml><?xml version="1.0" encoding="utf-8"?>
+<p:notes xmlns:a="http://schemas.openxmlformats.org/drawingml/2006/main" xmlns:r="http://schemas.openxmlformats.org/officeDocument/2006/relationships" xmlns:p="http://schemas.openxmlformats.org/presentationml/2006/main">
+  <p:cSld>
+    <p:spTree>
+      <p:nvGrpSpPr>
+        <p:cNvPr id="1" name=""/>
+        <p:cNvGrpSpPr/>
+        <p:nvPr/>
+      </p:nvGrpSpPr>
+      <p:grpSpPr>
+        <a:xfrm>
+          <a:off x="0" y="0"/>
+          <a:ext cx="0" cy="0"/>
+          <a:chOff x="0" y="0"/>
+          <a:chExt cx="0" cy="0"/>
+        </a:xfrm>
+      </p:grpSpPr>
+      <p:sp>
+        <p:nvSpPr>
+          <p:cNvPr id="2" name="Slide Image Placeholder 1"/>
+          <p:cNvSpPr>
+            <a:spLocks noGrp="1" noRot="1" noChangeAspect="1"/>
+          </p:cNvSpPr>
+          <p:nvPr>
+            <p:ph type="sldImg"/>
+          </p:nvPr>
+        </p:nvSpPr>
+        <p:spPr/>
+      </p:sp>
+      <p:sp>
+        <p:nvSpPr>
+          <p:cNvPr id="3" name="Notes Placeholder 2"/>
+          <p:cNvSpPr>
+            <a:spLocks noGrp="1"/>
+          </p:cNvSpPr>
+          <p:nvPr>
+            <p:ph type="body" idx="1"/>
+          </p:nvPr>
+        </p:nvSpPr>
+        <p:spPr/>
+        <p:txBody>
+          <a:bodyPr/>
+          <a:lstStyle/>
+          <a:p>
             <a:pPr marL="0" marR="0" lvl="0" indent="0" algn="l" defTabSz="914400" rtl="0" eaLnBrk="1" fontAlgn="auto" latinLnBrk="0" hangingPunct="1">
               <a:lnSpc>
                 <a:spcPct val="100000"/>
@@ -884,7 +1229,7 @@
           <a:p>
             <a:fld id="{39B0D423-1062-4D44-828B-BFEF85F303DF}" type="slidenum">
               <a:rPr lang="en-US" smtClean="0"/>
-              <a:t>19</a:t>
+              <a:t>20</a:t>
             </a:fld>
             <a:endParaRPr lang="en-US"/>
           </a:p>
@@ -903,7 +1248,7 @@
 </p:notes>
 </file>
 
-<file path=ppt/notesSlides/notesSlide4.xml><?xml version="1.0" encoding="utf-8"?>
+<file path=ppt/notesSlides/notesSlide5.xml><?xml version="1.0" encoding="utf-8"?>
 <p:notes xmlns:a="http://schemas.openxmlformats.org/drawingml/2006/main" xmlns:r="http://schemas.openxmlformats.org/officeDocument/2006/relationships" xmlns:p="http://schemas.openxmlformats.org/presentationml/2006/main">
   <p:cSld>
     <p:spTree>
@@ -1019,7 +1364,7 @@
           <a:p>
             <a:fld id="{39B0D423-1062-4D44-828B-BFEF85F303DF}" type="slidenum">
               <a:rPr lang="en-US" smtClean="0"/>
-              <a:t>21</a:t>
+              <a:t>22</a:t>
             </a:fld>
             <a:endParaRPr lang="en-US"/>
           </a:p>
@@ -1038,7 +1383,7 @@
 </p:notes>
 </file>
 
-<file path=ppt/notesSlides/notesSlide5.xml><?xml version="1.0" encoding="utf-8"?>
+<file path=ppt/notesSlides/notesSlide6.xml><?xml version="1.0" encoding="utf-8"?>
 <p:notes xmlns:a="http://schemas.openxmlformats.org/drawingml/2006/main" xmlns:r="http://schemas.openxmlformats.org/officeDocument/2006/relationships" xmlns:p="http://schemas.openxmlformats.org/presentationml/2006/main">
   <p:cSld>
     <p:spTree>
@@ -1151,7 +1496,7 @@
           <a:p>
             <a:fld id="{39B0D423-1062-4D44-828B-BFEF85F303DF}" type="slidenum">
               <a:rPr lang="en-US" smtClean="0"/>
-              <a:t>22</a:t>
+              <a:t>23</a:t>
             </a:fld>
             <a:endParaRPr lang="en-US"/>
           </a:p>
@@ -1170,7 +1515,7 @@
 </p:notes>
 </file>
 
-<file path=ppt/notesSlides/notesSlide6.xml><?xml version="1.0" encoding="utf-8"?>
+<file path=ppt/notesSlides/notesSlide7.xml><?xml version="1.0" encoding="utf-8"?>
 <p:notes xmlns:a="http://schemas.openxmlformats.org/drawingml/2006/main" xmlns:r="http://schemas.openxmlformats.org/officeDocument/2006/relationships" xmlns:p="http://schemas.openxmlformats.org/presentationml/2006/main">
   <p:cSld>
     <p:spTree>
@@ -1335,7 +1680,7 @@
           <a:p>
             <a:fld id="{39B0D423-1062-4D44-828B-BFEF85F303DF}" type="slidenum">
               <a:rPr lang="en-US" smtClean="0"/>
-              <a:t>31</a:t>
+              <a:t>33</a:t>
             </a:fld>
             <a:endParaRPr lang="en-US"/>
           </a:p>
@@ -1485,7 +1830,7 @@
           <a:p>
             <a:fld id="{DAC4A3B0-DC28-4825-85A8-86BBA3F63BF6}" type="datetimeFigureOut">
               <a:rPr lang="en-US" smtClean="0"/>
-              <a:t>2025-09-29</a:t>
+              <a:t>10/1/2025</a:t>
             </a:fld>
             <a:endParaRPr lang="en-US"/>
           </a:p>
@@ -1655,7 +2000,7 @@
           <a:p>
             <a:fld id="{DAC4A3B0-DC28-4825-85A8-86BBA3F63BF6}" type="datetimeFigureOut">
               <a:rPr lang="en-US" smtClean="0"/>
-              <a:t>2025-09-29</a:t>
+              <a:t>10/1/2025</a:t>
             </a:fld>
             <a:endParaRPr lang="en-US"/>
           </a:p>
@@ -1835,7 +2180,7 @@
           <a:p>
             <a:fld id="{DAC4A3B0-DC28-4825-85A8-86BBA3F63BF6}" type="datetimeFigureOut">
               <a:rPr lang="en-US" smtClean="0"/>
-              <a:t>2025-09-29</a:t>
+              <a:t>10/1/2025</a:t>
             </a:fld>
             <a:endParaRPr lang="en-US"/>
           </a:p>
@@ -2005,7 +2350,7 @@
           <a:p>
             <a:fld id="{DAC4A3B0-DC28-4825-85A8-86BBA3F63BF6}" type="datetimeFigureOut">
               <a:rPr lang="en-US" smtClean="0"/>
-              <a:t>2025-09-29</a:t>
+              <a:t>10/1/2025</a:t>
             </a:fld>
             <a:endParaRPr lang="en-US"/>
           </a:p>
@@ -2251,7 +2596,7 @@
           <a:p>
             <a:fld id="{DAC4A3B0-DC28-4825-85A8-86BBA3F63BF6}" type="datetimeFigureOut">
               <a:rPr lang="en-US" smtClean="0"/>
-              <a:t>2025-09-29</a:t>
+              <a:t>10/1/2025</a:t>
             </a:fld>
             <a:endParaRPr lang="en-US"/>
           </a:p>
@@ -2483,7 +2828,7 @@
           <a:p>
             <a:fld id="{DAC4A3B0-DC28-4825-85A8-86BBA3F63BF6}" type="datetimeFigureOut">
               <a:rPr lang="en-US" smtClean="0"/>
-              <a:t>2025-09-29</a:t>
+              <a:t>10/1/2025</a:t>
             </a:fld>
             <a:endParaRPr lang="en-US"/>
           </a:p>
@@ -2850,7 +3195,7 @@
           <a:p>
             <a:fld id="{DAC4A3B0-DC28-4825-85A8-86BBA3F63BF6}" type="datetimeFigureOut">
               <a:rPr lang="en-US" smtClean="0"/>
-              <a:t>2025-09-29</a:t>
+              <a:t>10/1/2025</a:t>
             </a:fld>
             <a:endParaRPr lang="en-US"/>
           </a:p>
@@ -2968,7 +3313,7 @@
           <a:p>
             <a:fld id="{DAC4A3B0-DC28-4825-85A8-86BBA3F63BF6}" type="datetimeFigureOut">
               <a:rPr lang="en-US" smtClean="0"/>
-              <a:t>2025-09-29</a:t>
+              <a:t>10/1/2025</a:t>
             </a:fld>
             <a:endParaRPr lang="en-US"/>
           </a:p>
@@ -3063,7 +3408,7 @@
           <a:p>
             <a:fld id="{DAC4A3B0-DC28-4825-85A8-86BBA3F63BF6}" type="datetimeFigureOut">
               <a:rPr lang="en-US" smtClean="0"/>
-              <a:t>2025-09-29</a:t>
+              <a:t>10/1/2025</a:t>
             </a:fld>
             <a:endParaRPr lang="en-US"/>
           </a:p>
@@ -3340,7 +3685,7 @@
           <a:p>
             <a:fld id="{DAC4A3B0-DC28-4825-85A8-86BBA3F63BF6}" type="datetimeFigureOut">
               <a:rPr lang="en-US" smtClean="0"/>
-              <a:t>2025-09-29</a:t>
+              <a:t>10/1/2025</a:t>
             </a:fld>
             <a:endParaRPr lang="en-US"/>
           </a:p>
@@ -3597,7 +3942,7 @@
           <a:p>
             <a:fld id="{DAC4A3B0-DC28-4825-85A8-86BBA3F63BF6}" type="datetimeFigureOut">
               <a:rPr lang="en-US" smtClean="0"/>
-              <a:t>2025-09-29</a:t>
+              <a:t>10/1/2025</a:t>
             </a:fld>
             <a:endParaRPr lang="en-US"/>
           </a:p>
@@ -3810,7 +4155,7 @@
           <a:p>
             <a:fld id="{DAC4A3B0-DC28-4825-85A8-86BBA3F63BF6}" type="datetimeFigureOut">
               <a:rPr lang="en-US" smtClean="0"/>
-              <a:t>2025-09-29</a:t>
+              <a:t>10/1/2025</a:t>
             </a:fld>
             <a:endParaRPr lang="en-US"/>
           </a:p>
@@ -4318,6 +4663,161 @@
       </p:grpSpPr>
       <p:sp>
         <p:nvSpPr>
+          <p:cNvPr id="4" name="Title 3">
+            <a:extLst>
+              <a:ext uri="{FF2B5EF4-FFF2-40B4-BE49-F238E27FC236}">
+                <a16:creationId xmlns:a16="http://schemas.microsoft.com/office/drawing/2014/main" id="{6BDA0A19-2D7A-2B44-7BB0-DB70AD9377F5}"/>
+              </a:ext>
+            </a:extLst>
+          </p:cNvPr>
+          <p:cNvSpPr>
+            <a:spLocks noGrp="1"/>
+          </p:cNvSpPr>
+          <p:nvPr>
+            <p:ph type="title"/>
+          </p:nvPr>
+        </p:nvSpPr>
+        <p:spPr/>
+        <p:txBody>
+          <a:bodyPr/>
+          <a:lstStyle/>
+          <a:p>
+            <a:r>
+              <a:rPr lang="en-US" dirty="0"/>
+              <a:t>Lasso (L1) Regularized Regression</a:t>
+            </a:r>
+          </a:p>
+        </p:txBody>
+      </p:sp>
+      <p:pic>
+        <p:nvPicPr>
+          <p:cNvPr id="3074" name="Picture 2">
+            <a:extLst>
+              <a:ext uri="{FF2B5EF4-FFF2-40B4-BE49-F238E27FC236}">
+                <a16:creationId xmlns:a16="http://schemas.microsoft.com/office/drawing/2014/main" id="{D69E608F-7054-9060-0846-9DC66A0116A1}"/>
+              </a:ext>
+            </a:extLst>
+          </p:cNvPr>
+          <p:cNvPicPr>
+            <a:picLocks noGrp="1" noChangeAspect="1" noChangeArrowheads="1"/>
+          </p:cNvPicPr>
+          <p:nvPr>
+            <p:ph sz="half" idx="1"/>
+          </p:nvPr>
+        </p:nvPicPr>
+        <p:blipFill>
+          <a:blip r:embed="rId2">
+            <a:extLst>
+              <a:ext uri="{28A0092B-C50C-407E-A947-70E740481C1C}">
+                <a14:useLocalDpi xmlns:a14="http://schemas.microsoft.com/office/drawing/2010/main" val="0"/>
+              </a:ext>
+            </a:extLst>
+          </a:blip>
+          <a:stretch>
+            <a:fillRect/>
+          </a:stretch>
+        </p:blipFill>
+        <p:spPr bwMode="auto">
+          <a:xfrm>
+            <a:off x="1586252" y="1559202"/>
+            <a:ext cx="3283852" cy="4933673"/>
+          </a:xfrm>
+          <a:prstGeom prst="rect">
+            <a:avLst/>
+          </a:prstGeom>
+          <a:noFill/>
+          <a:extLst>
+            <a:ext uri="{909E8E84-426E-40DD-AFC4-6F175D3DCCD1}">
+              <a14:hiddenFill xmlns:a14="http://schemas.microsoft.com/office/drawing/2010/main">
+                <a:solidFill>
+                  <a:srgbClr val="FFFFFF"/>
+                </a:solidFill>
+              </a14:hiddenFill>
+            </a:ext>
+          </a:extLst>
+        </p:spPr>
+      </p:pic>
+      <p:pic>
+        <p:nvPicPr>
+          <p:cNvPr id="3078" name="Picture 6">
+            <a:extLst>
+              <a:ext uri="{FF2B5EF4-FFF2-40B4-BE49-F238E27FC236}">
+                <a16:creationId xmlns:a16="http://schemas.microsoft.com/office/drawing/2014/main" id="{CD7B6A24-2FD1-A000-B3BF-69130BA27C44}"/>
+              </a:ext>
+            </a:extLst>
+          </p:cNvPr>
+          <p:cNvPicPr>
+            <a:picLocks noGrp="1" noChangeAspect="1" noChangeArrowheads="1"/>
+          </p:cNvPicPr>
+          <p:nvPr>
+            <p:ph sz="half" idx="2"/>
+          </p:nvPr>
+        </p:nvPicPr>
+        <p:blipFill>
+          <a:blip r:embed="rId3">
+            <a:extLst>
+              <a:ext uri="{28A0092B-C50C-407E-A947-70E740481C1C}">
+                <a14:useLocalDpi xmlns:a14="http://schemas.microsoft.com/office/drawing/2010/main" val="0"/>
+              </a:ext>
+            </a:extLst>
+          </a:blip>
+          <a:srcRect/>
+          <a:stretch>
+            <a:fillRect/>
+          </a:stretch>
+        </p:blipFill>
+        <p:spPr bwMode="auto">
+          <a:xfrm>
+            <a:off x="6484643" y="2798618"/>
+            <a:ext cx="4121105" cy="1880915"/>
+          </a:xfrm>
+          <a:prstGeom prst="rect">
+            <a:avLst/>
+          </a:prstGeom>
+          <a:noFill/>
+          <a:extLst>
+            <a:ext uri="{909E8E84-426E-40DD-AFC4-6F175D3DCCD1}">
+              <a14:hiddenFill xmlns:a14="http://schemas.microsoft.com/office/drawing/2010/main">
+                <a:solidFill>
+                  <a:srgbClr val="FFFFFF"/>
+                </a:solidFill>
+              </a14:hiddenFill>
+            </a:ext>
+          </a:extLst>
+        </p:spPr>
+      </p:pic>
+    </p:spTree>
+    <p:extLst>
+      <p:ext uri="{BB962C8B-B14F-4D97-AF65-F5344CB8AC3E}">
+        <p14:creationId xmlns:p14="http://schemas.microsoft.com/office/powerpoint/2010/main" val="894030161"/>
+      </p:ext>
+    </p:extLst>
+  </p:cSld>
+  <p:clrMapOvr>
+    <a:masterClrMapping/>
+  </p:clrMapOvr>
+</p:sld>
+</file>
+
+<file path=ppt/slides/slide11.xml><?xml version="1.0" encoding="utf-8"?>
+<p:sld xmlns:a="http://schemas.openxmlformats.org/drawingml/2006/main" xmlns:r="http://schemas.openxmlformats.org/officeDocument/2006/relationships" xmlns:p="http://schemas.openxmlformats.org/presentationml/2006/main">
+  <p:cSld>
+    <p:spTree>
+      <p:nvGrpSpPr>
+        <p:cNvPr id="1" name=""/>
+        <p:cNvGrpSpPr/>
+        <p:nvPr/>
+      </p:nvGrpSpPr>
+      <p:grpSpPr>
+        <a:xfrm>
+          <a:off x="0" y="0"/>
+          <a:ext cx="0" cy="0"/>
+          <a:chOff x="0" y="0"/>
+          <a:chExt cx="0" cy="0"/>
+        </a:xfrm>
+      </p:grpSpPr>
+      <p:sp>
+        <p:nvSpPr>
           <p:cNvPr id="5" name="Title 4">
             <a:extLst>
               <a:ext uri="{FF2B5EF4-FFF2-40B4-BE49-F238E27FC236}">
@@ -4382,7 +4882,7 @@
 </p:sld>
 </file>
 
-<file path=ppt/slides/slide11.xml><?xml version="1.0" encoding="utf-8"?>
+<file path=ppt/slides/slide12.xml><?xml version="1.0" encoding="utf-8"?>
 <p:sld xmlns:a="http://schemas.openxmlformats.org/drawingml/2006/main" xmlns:r="http://schemas.openxmlformats.org/officeDocument/2006/relationships" xmlns:p="http://schemas.openxmlformats.org/presentationml/2006/main">
   <p:cSld>
     <p:spTree>
@@ -4472,7 +4972,7 @@
 </p:sld>
 </file>
 
-<file path=ppt/slides/slide12.xml><?xml version="1.0" encoding="utf-8"?>
+<file path=ppt/slides/slide13.xml><?xml version="1.0" encoding="utf-8"?>
 <p:sld xmlns:a="http://schemas.openxmlformats.org/drawingml/2006/main" xmlns:r="http://schemas.openxmlformats.org/officeDocument/2006/relationships" xmlns:p="http://schemas.openxmlformats.org/presentationml/2006/main">
   <p:cSld>
     <p:spTree>
@@ -4562,7 +5062,7 @@
 </p:sld>
 </file>
 
-<file path=ppt/slides/slide13.xml><?xml version="1.0" encoding="utf-8"?>
+<file path=ppt/slides/slide14.xml><?xml version="1.0" encoding="utf-8"?>
 <p:sld xmlns:a="http://schemas.openxmlformats.org/drawingml/2006/main" xmlns:r="http://schemas.openxmlformats.org/officeDocument/2006/relationships" xmlns:p="http://schemas.openxmlformats.org/presentationml/2006/main">
   <p:cSld>
     <p:spTree>
@@ -4652,7 +5152,7 @@
 </p:sld>
 </file>
 
-<file path=ppt/slides/slide14.xml><?xml version="1.0" encoding="utf-8"?>
+<file path=ppt/slides/slide15.xml><?xml version="1.0" encoding="utf-8"?>
 <p:sld xmlns:a="http://schemas.openxmlformats.org/drawingml/2006/main" xmlns:r="http://schemas.openxmlformats.org/officeDocument/2006/relationships" xmlns:p="http://schemas.openxmlformats.org/presentationml/2006/main">
   <p:cSld>
     <p:spTree>
@@ -4742,7 +5242,7 @@
 </p:sld>
 </file>
 
-<file path=ppt/slides/slide15.xml><?xml version="1.0" encoding="utf-8"?>
+<file path=ppt/slides/slide16.xml><?xml version="1.0" encoding="utf-8"?>
 <p:sld xmlns:a="http://schemas.openxmlformats.org/drawingml/2006/main" xmlns:r="http://schemas.openxmlformats.org/officeDocument/2006/relationships" xmlns:p="http://schemas.openxmlformats.org/presentationml/2006/main">
   <p:cSld>
     <p:spTree>
@@ -4825,7 +5325,7 @@
 </p:sld>
 </file>
 
-<file path=ppt/slides/slide16.xml><?xml version="1.0" encoding="utf-8"?>
+<file path=ppt/slides/slide17.xml><?xml version="1.0" encoding="utf-8"?>
 <p:sld xmlns:a="http://schemas.openxmlformats.org/drawingml/2006/main" xmlns:r="http://schemas.openxmlformats.org/officeDocument/2006/relationships" xmlns:p="http://schemas.openxmlformats.org/presentationml/2006/main">
   <p:cSld>
     <p:spTree>
@@ -4919,7 +5419,7 @@
 </p:sld>
 </file>
 
-<file path=ppt/slides/slide17.xml><?xml version="1.0" encoding="utf-8"?>
+<file path=ppt/slides/slide18.xml><?xml version="1.0" encoding="utf-8"?>
 <p:sld xmlns:a="http://schemas.openxmlformats.org/drawingml/2006/main" xmlns:r="http://schemas.openxmlformats.org/officeDocument/2006/relationships" xmlns:p="http://schemas.openxmlformats.org/presentationml/2006/main">
   <p:cSld>
     <p:spTree>
@@ -5009,7 +5509,7 @@
 </p:sld>
 </file>
 
-<file path=ppt/slides/slide18.xml><?xml version="1.0" encoding="utf-8"?>
+<file path=ppt/slides/slide19.xml><?xml version="1.0" encoding="utf-8"?>
 <p:sld xmlns:a="http://schemas.openxmlformats.org/drawingml/2006/main" xmlns:r="http://schemas.openxmlformats.org/officeDocument/2006/relationships" xmlns:p="http://schemas.openxmlformats.org/presentationml/2006/main">
   <p:cSld>
     <p:spTree>
@@ -5095,7 +5595,107 @@
 </p:sld>
 </file>
 
-<file path=ppt/slides/slide19.xml><?xml version="1.0" encoding="utf-8"?>
+<file path=ppt/slides/slide2.xml><?xml version="1.0" encoding="utf-8"?>
+<p:sld xmlns:a="http://schemas.openxmlformats.org/drawingml/2006/main" xmlns:r="http://schemas.openxmlformats.org/officeDocument/2006/relationships" xmlns:p="http://schemas.openxmlformats.org/presentationml/2006/main">
+  <p:cSld>
+    <p:spTree>
+      <p:nvGrpSpPr>
+        <p:cNvPr id="1" name=""/>
+        <p:cNvGrpSpPr/>
+        <p:nvPr/>
+      </p:nvGrpSpPr>
+      <p:grpSpPr>
+        <a:xfrm>
+          <a:off x="0" y="0"/>
+          <a:ext cx="0" cy="0"/>
+          <a:chOff x="0" y="0"/>
+          <a:chExt cx="0" cy="0"/>
+        </a:xfrm>
+      </p:grpSpPr>
+      <p:sp>
+        <p:nvSpPr>
+          <p:cNvPr id="2" name="Title 1">
+            <a:extLst>
+              <a:ext uri="{FF2B5EF4-FFF2-40B4-BE49-F238E27FC236}">
+                <a16:creationId xmlns:a16="http://schemas.microsoft.com/office/drawing/2014/main" id="{637BCFEF-9BD5-38F8-8E11-288C5917736B}"/>
+              </a:ext>
+            </a:extLst>
+          </p:cNvPr>
+          <p:cNvSpPr>
+            <a:spLocks noGrp="1"/>
+          </p:cNvSpPr>
+          <p:nvPr>
+            <p:ph type="title"/>
+          </p:nvPr>
+        </p:nvSpPr>
+        <p:spPr/>
+        <p:txBody>
+          <a:bodyPr/>
+          <a:lstStyle/>
+          <a:p>
+            <a:r>
+              <a:rPr lang="en-US" dirty="0"/>
+              <a:t>Process</a:t>
+            </a:r>
+          </a:p>
+        </p:txBody>
+      </p:sp>
+      <p:sp>
+        <p:nvSpPr>
+          <p:cNvPr id="3" name="Content Placeholder 2">
+            <a:extLst>
+              <a:ext uri="{FF2B5EF4-FFF2-40B4-BE49-F238E27FC236}">
+                <a16:creationId xmlns:a16="http://schemas.microsoft.com/office/drawing/2014/main" id="{C8E02D71-7A25-D82F-F437-4FB1DE9B68BE}"/>
+              </a:ext>
+            </a:extLst>
+          </p:cNvPr>
+          <p:cNvSpPr>
+            <a:spLocks noGrp="1"/>
+          </p:cNvSpPr>
+          <p:nvPr>
+            <p:ph idx="1"/>
+          </p:nvPr>
+        </p:nvSpPr>
+        <p:spPr/>
+        <p:txBody>
+          <a:bodyPr/>
+          <a:lstStyle/>
+          <a:p>
+            <a:pPr marL="514350" indent="-514350">
+              <a:buFont typeface="+mj-lt"/>
+              <a:buAutoNum type="arabicPeriod"/>
+            </a:pPr>
+            <a:r>
+              <a:rPr lang="en-US" dirty="0"/>
+              <a:t>Forecast FOB prices for general direction and possible range of moves</a:t>
+            </a:r>
+          </a:p>
+          <a:p>
+            <a:pPr marL="514350" indent="-514350">
+              <a:buFont typeface="+mj-lt"/>
+              <a:buAutoNum type="arabicPeriod"/>
+            </a:pPr>
+            <a:r>
+              <a:rPr lang="en-US" dirty="0"/>
+              <a:t>Use the difference between Alberta and FOB prices for timing the purchase.</a:t>
+            </a:r>
+          </a:p>
+        </p:txBody>
+      </p:sp>
+    </p:spTree>
+    <p:extLst>
+      <p:ext uri="{BB962C8B-B14F-4D97-AF65-F5344CB8AC3E}">
+        <p14:creationId xmlns:p14="http://schemas.microsoft.com/office/powerpoint/2010/main" val="3455321472"/>
+      </p:ext>
+    </p:extLst>
+  </p:cSld>
+  <p:clrMapOvr>
+    <a:masterClrMapping/>
+  </p:clrMapOvr>
+</p:sld>
+</file>
+
+<file path=ppt/slides/slide20.xml><?xml version="1.0" encoding="utf-8"?>
 <p:sld xmlns:a="http://schemas.openxmlformats.org/drawingml/2006/main" xmlns:r="http://schemas.openxmlformats.org/officeDocument/2006/relationships" xmlns:p="http://schemas.openxmlformats.org/presentationml/2006/main">
   <p:cSld>
     <p:spTree>
@@ -5367,107 +5967,7 @@
 </p:sld>
 </file>
 
-<file path=ppt/slides/slide2.xml><?xml version="1.0" encoding="utf-8"?>
-<p:sld xmlns:a="http://schemas.openxmlformats.org/drawingml/2006/main" xmlns:r="http://schemas.openxmlformats.org/officeDocument/2006/relationships" xmlns:p="http://schemas.openxmlformats.org/presentationml/2006/main">
-  <p:cSld>
-    <p:spTree>
-      <p:nvGrpSpPr>
-        <p:cNvPr id="1" name=""/>
-        <p:cNvGrpSpPr/>
-        <p:nvPr/>
-      </p:nvGrpSpPr>
-      <p:grpSpPr>
-        <a:xfrm>
-          <a:off x="0" y="0"/>
-          <a:ext cx="0" cy="0"/>
-          <a:chOff x="0" y="0"/>
-          <a:chExt cx="0" cy="0"/>
-        </a:xfrm>
-      </p:grpSpPr>
-      <p:sp>
-        <p:nvSpPr>
-          <p:cNvPr id="2" name="Title 1">
-            <a:extLst>
-              <a:ext uri="{FF2B5EF4-FFF2-40B4-BE49-F238E27FC236}">
-                <a16:creationId xmlns:a16="http://schemas.microsoft.com/office/drawing/2014/main" id="{637BCFEF-9BD5-38F8-8E11-288C5917736B}"/>
-              </a:ext>
-            </a:extLst>
-          </p:cNvPr>
-          <p:cNvSpPr>
-            <a:spLocks noGrp="1"/>
-          </p:cNvSpPr>
-          <p:nvPr>
-            <p:ph type="title"/>
-          </p:nvPr>
-        </p:nvSpPr>
-        <p:spPr/>
-        <p:txBody>
-          <a:bodyPr/>
-          <a:lstStyle/>
-          <a:p>
-            <a:r>
-              <a:rPr lang="en-US" dirty="0"/>
-              <a:t>Process</a:t>
-            </a:r>
-          </a:p>
-        </p:txBody>
-      </p:sp>
-      <p:sp>
-        <p:nvSpPr>
-          <p:cNvPr id="3" name="Content Placeholder 2">
-            <a:extLst>
-              <a:ext uri="{FF2B5EF4-FFF2-40B4-BE49-F238E27FC236}">
-                <a16:creationId xmlns:a16="http://schemas.microsoft.com/office/drawing/2014/main" id="{C8E02D71-7A25-D82F-F437-4FB1DE9B68BE}"/>
-              </a:ext>
-            </a:extLst>
-          </p:cNvPr>
-          <p:cNvSpPr>
-            <a:spLocks noGrp="1"/>
-          </p:cNvSpPr>
-          <p:nvPr>
-            <p:ph idx="1"/>
-          </p:nvPr>
-        </p:nvSpPr>
-        <p:spPr/>
-        <p:txBody>
-          <a:bodyPr/>
-          <a:lstStyle/>
-          <a:p>
-            <a:pPr marL="514350" indent="-514350">
-              <a:buFont typeface="+mj-lt"/>
-              <a:buAutoNum type="arabicPeriod"/>
-            </a:pPr>
-            <a:r>
-              <a:rPr lang="en-US" dirty="0"/>
-              <a:t>Forecast FOB prices for general direction and possible range of moves</a:t>
-            </a:r>
-          </a:p>
-          <a:p>
-            <a:pPr marL="514350" indent="-514350">
-              <a:buFont typeface="+mj-lt"/>
-              <a:buAutoNum type="arabicPeriod"/>
-            </a:pPr>
-            <a:r>
-              <a:rPr lang="en-US" dirty="0"/>
-              <a:t>Use the difference between Alberta and FOB prices for timing the purchase.</a:t>
-            </a:r>
-          </a:p>
-        </p:txBody>
-      </p:sp>
-    </p:spTree>
-    <p:extLst>
-      <p:ext uri="{BB962C8B-B14F-4D97-AF65-F5344CB8AC3E}">
-        <p14:creationId xmlns:p14="http://schemas.microsoft.com/office/powerpoint/2010/main" val="3455321472"/>
-      </p:ext>
-    </p:extLst>
-  </p:cSld>
-  <p:clrMapOvr>
-    <a:masterClrMapping/>
-  </p:clrMapOvr>
-</p:sld>
-</file>
-
-<file path=ppt/slides/slide20.xml><?xml version="1.0" encoding="utf-8"?>
+<file path=ppt/slides/slide21.xml><?xml version="1.0" encoding="utf-8"?>
 <p:sld xmlns:a="http://schemas.openxmlformats.org/drawingml/2006/main" xmlns:r="http://schemas.openxmlformats.org/officeDocument/2006/relationships" xmlns:p="http://schemas.openxmlformats.org/presentationml/2006/main">
   <p:cSld>
     <p:spTree>
@@ -5559,7 +6059,7 @@
 </p:sld>
 </file>
 
-<file path=ppt/slides/slide21.xml><?xml version="1.0" encoding="utf-8"?>
+<file path=ppt/slides/slide22.xml><?xml version="1.0" encoding="utf-8"?>
 <p:sld xmlns:a="http://schemas.openxmlformats.org/drawingml/2006/main" xmlns:r="http://schemas.openxmlformats.org/officeDocument/2006/relationships" xmlns:p="http://schemas.openxmlformats.org/presentationml/2006/main">
   <p:cSld>
     <p:spTree>
@@ -5837,7 +6337,7 @@
 </p:sld>
 </file>
 
-<file path=ppt/slides/slide22.xml><?xml version="1.0" encoding="utf-8"?>
+<file path=ppt/slides/slide23.xml><?xml version="1.0" encoding="utf-8"?>
 <p:sld xmlns:a="http://schemas.openxmlformats.org/drawingml/2006/main" xmlns:r="http://schemas.openxmlformats.org/officeDocument/2006/relationships" xmlns:p="http://schemas.openxmlformats.org/presentationml/2006/main">
   <p:cSld>
     <p:spTree>
@@ -6115,7 +6615,7 @@
 </p:sld>
 </file>
 
-<file path=ppt/slides/slide23.xml><?xml version="1.0" encoding="utf-8"?>
+<file path=ppt/slides/slide24.xml><?xml version="1.0" encoding="utf-8"?>
 <p:sld xmlns:a="http://schemas.openxmlformats.org/drawingml/2006/main" xmlns:r="http://schemas.openxmlformats.org/officeDocument/2006/relationships" xmlns:p="http://schemas.openxmlformats.org/presentationml/2006/main">
   <p:cSld>
     <p:spTree>
@@ -6198,7 +6698,7 @@
 </p:sld>
 </file>
 
-<file path=ppt/slides/slide24.xml><?xml version="1.0" encoding="utf-8"?>
+<file path=ppt/slides/slide25.xml><?xml version="1.0" encoding="utf-8"?>
 <p:sld xmlns:a="http://schemas.openxmlformats.org/drawingml/2006/main" xmlns:r="http://schemas.openxmlformats.org/officeDocument/2006/relationships" xmlns:p="http://schemas.openxmlformats.org/presentationml/2006/main" show="0">
   <p:cSld>
     <p:spTree>
@@ -6288,7 +6788,97 @@
 </p:sld>
 </file>
 
-<file path=ppt/slides/slide25.xml><?xml version="1.0" encoding="utf-8"?>
+<file path=ppt/slides/slide26.xml><?xml version="1.0" encoding="utf-8"?>
+<p:sld xmlns:a="http://schemas.openxmlformats.org/drawingml/2006/main" xmlns:r="http://schemas.openxmlformats.org/officeDocument/2006/relationships" xmlns:p="http://schemas.openxmlformats.org/presentationml/2006/main">
+  <p:cSld>
+    <p:spTree>
+      <p:nvGrpSpPr>
+        <p:cNvPr id="1" name=""/>
+        <p:cNvGrpSpPr/>
+        <p:nvPr/>
+      </p:nvGrpSpPr>
+      <p:grpSpPr>
+        <a:xfrm>
+          <a:off x="0" y="0"/>
+          <a:ext cx="0" cy="0"/>
+          <a:chOff x="0" y="0"/>
+          <a:chExt cx="0" cy="0"/>
+        </a:xfrm>
+      </p:grpSpPr>
+      <p:sp>
+        <p:nvSpPr>
+          <p:cNvPr id="2" name="Title 1">
+            <a:extLst>
+              <a:ext uri="{FF2B5EF4-FFF2-40B4-BE49-F238E27FC236}">
+                <a16:creationId xmlns:a16="http://schemas.microsoft.com/office/drawing/2014/main" id="{69FB0B13-FDB9-66FB-6A74-2B037236AC7F}"/>
+              </a:ext>
+            </a:extLst>
+          </p:cNvPr>
+          <p:cNvSpPr>
+            <a:spLocks noGrp="1"/>
+          </p:cNvSpPr>
+          <p:nvPr>
+            <p:ph type="title"/>
+          </p:nvPr>
+        </p:nvSpPr>
+        <p:spPr/>
+        <p:txBody>
+          <a:bodyPr/>
+          <a:lstStyle/>
+          <a:p>
+            <a:r>
+              <a:rPr lang="en-US" dirty="0"/>
+              <a:t>Urea, Annual Chart</a:t>
+            </a:r>
+          </a:p>
+        </p:txBody>
+      </p:sp>
+      <p:pic>
+        <p:nvPicPr>
+          <p:cNvPr id="5" name="Content Placeholder 4">
+            <a:extLst>
+              <a:ext uri="{FF2B5EF4-FFF2-40B4-BE49-F238E27FC236}">
+                <a16:creationId xmlns:a16="http://schemas.microsoft.com/office/drawing/2014/main" id="{829B7402-84A5-995A-AC5F-A988B37EAB01}"/>
+              </a:ext>
+            </a:extLst>
+          </p:cNvPr>
+          <p:cNvPicPr>
+            <a:picLocks noGrp="1" noChangeAspect="1"/>
+          </p:cNvPicPr>
+          <p:nvPr>
+            <p:ph idx="1"/>
+          </p:nvPr>
+        </p:nvPicPr>
+        <p:blipFill>
+          <a:blip r:embed="rId2"/>
+          <a:stretch>
+            <a:fillRect/>
+          </a:stretch>
+        </p:blipFill>
+        <p:spPr>
+          <a:xfrm>
+            <a:off x="2395403" y="1825625"/>
+            <a:ext cx="7401194" cy="4351338"/>
+          </a:xfrm>
+          <a:prstGeom prst="rect">
+            <a:avLst/>
+          </a:prstGeom>
+        </p:spPr>
+      </p:pic>
+    </p:spTree>
+    <p:extLst>
+      <p:ext uri="{BB962C8B-B14F-4D97-AF65-F5344CB8AC3E}">
+        <p14:creationId xmlns:p14="http://schemas.microsoft.com/office/powerpoint/2010/main" val="4033396658"/>
+      </p:ext>
+    </p:extLst>
+  </p:cSld>
+  <p:clrMapOvr>
+    <a:masterClrMapping/>
+  </p:clrMapOvr>
+</p:sld>
+</file>
+
+<file path=ppt/slides/slide27.xml><?xml version="1.0" encoding="utf-8"?>
 <p:sld xmlns:a="http://schemas.openxmlformats.org/drawingml/2006/main" xmlns:r="http://schemas.openxmlformats.org/officeDocument/2006/relationships" xmlns:p="http://schemas.openxmlformats.org/presentationml/2006/main">
   <p:cSld>
     <p:spTree>
@@ -6384,7 +6974,7 @@
 </p:sld>
 </file>
 
-<file path=ppt/slides/slide26.xml><?xml version="1.0" encoding="utf-8"?>
+<file path=ppt/slides/slide28.xml><?xml version="1.0" encoding="utf-8"?>
 <p:sld xmlns:a="http://schemas.openxmlformats.org/drawingml/2006/main" xmlns:r="http://schemas.openxmlformats.org/officeDocument/2006/relationships" xmlns:p="http://schemas.openxmlformats.org/presentationml/2006/main">
   <p:cSld>
     <p:spTree>
@@ -6522,7 +7112,7 @@
 </p:sld>
 </file>
 
-<file path=ppt/slides/slide27.xml><?xml version="1.0" encoding="utf-8"?>
+<file path=ppt/slides/slide29.xml><?xml version="1.0" encoding="utf-8"?>
 <p:sld xmlns:a="http://schemas.openxmlformats.org/drawingml/2006/main" xmlns:r="http://schemas.openxmlformats.org/officeDocument/2006/relationships" xmlns:p="http://schemas.openxmlformats.org/presentationml/2006/main">
   <p:cSld>
     <p:spTree>
@@ -6612,227 +7202,6 @@
 </p:sld>
 </file>
 
-<file path=ppt/slides/slide28.xml><?xml version="1.0" encoding="utf-8"?>
-<p:sld xmlns:a="http://schemas.openxmlformats.org/drawingml/2006/main" xmlns:r="http://schemas.openxmlformats.org/officeDocument/2006/relationships" xmlns:p="http://schemas.openxmlformats.org/presentationml/2006/main">
-  <p:cSld>
-    <p:spTree>
-      <p:nvGrpSpPr>
-        <p:cNvPr id="1" name=""/>
-        <p:cNvGrpSpPr/>
-        <p:nvPr/>
-      </p:nvGrpSpPr>
-      <p:grpSpPr>
-        <a:xfrm>
-          <a:off x="0" y="0"/>
-          <a:ext cx="0" cy="0"/>
-          <a:chOff x="0" y="0"/>
-          <a:chExt cx="0" cy="0"/>
-        </a:xfrm>
-      </p:grpSpPr>
-      <p:sp>
-        <p:nvSpPr>
-          <p:cNvPr id="5" name="Title 4">
-            <a:extLst>
-              <a:ext uri="{FF2B5EF4-FFF2-40B4-BE49-F238E27FC236}">
-                <a16:creationId xmlns:a16="http://schemas.microsoft.com/office/drawing/2014/main" id="{EFF5E8F3-093C-A82F-349A-0D8200E40A69}"/>
-              </a:ext>
-            </a:extLst>
-          </p:cNvPr>
-          <p:cNvSpPr>
-            <a:spLocks noGrp="1"/>
-          </p:cNvSpPr>
-          <p:nvPr>
-            <p:ph type="title"/>
-          </p:nvPr>
-        </p:nvSpPr>
-        <p:spPr/>
-        <p:txBody>
-          <a:bodyPr/>
-          <a:lstStyle/>
-          <a:p>
-            <a:r>
-              <a:rPr lang="en-US" dirty="0"/>
-              <a:t>7. Conclusion</a:t>
-            </a:r>
-          </a:p>
-        </p:txBody>
-      </p:sp>
-      <p:sp>
-        <p:nvSpPr>
-          <p:cNvPr id="6" name="Text Placeholder 5">
-            <a:extLst>
-              <a:ext uri="{FF2B5EF4-FFF2-40B4-BE49-F238E27FC236}">
-                <a16:creationId xmlns:a16="http://schemas.microsoft.com/office/drawing/2014/main" id="{123F174D-7DEA-E66C-40A8-8C4C9D0CCE05}"/>
-              </a:ext>
-            </a:extLst>
-          </p:cNvPr>
-          <p:cNvSpPr>
-            <a:spLocks noGrp="1"/>
-          </p:cNvSpPr>
-          <p:nvPr>
-            <p:ph type="body" idx="1"/>
-          </p:nvPr>
-        </p:nvSpPr>
-        <p:spPr/>
-        <p:txBody>
-          <a:bodyPr/>
-          <a:lstStyle/>
-          <a:p>
-            <a:endParaRPr lang="en-US"/>
-          </a:p>
-        </p:txBody>
-      </p:sp>
-    </p:spTree>
-    <p:extLst>
-      <p:ext uri="{BB962C8B-B14F-4D97-AF65-F5344CB8AC3E}">
-        <p14:creationId xmlns:p14="http://schemas.microsoft.com/office/powerpoint/2010/main" val="780710507"/>
-      </p:ext>
-    </p:extLst>
-  </p:cSld>
-  <p:clrMapOvr>
-    <a:masterClrMapping/>
-  </p:clrMapOvr>
-</p:sld>
-</file>
-
-<file path=ppt/slides/slide29.xml><?xml version="1.0" encoding="utf-8"?>
-<p:sld xmlns:a="http://schemas.openxmlformats.org/drawingml/2006/main" xmlns:r="http://schemas.openxmlformats.org/officeDocument/2006/relationships" xmlns:p="http://schemas.openxmlformats.org/presentationml/2006/main">
-  <p:cSld>
-    <p:spTree>
-      <p:nvGrpSpPr>
-        <p:cNvPr id="1" name=""/>
-        <p:cNvGrpSpPr/>
-        <p:nvPr/>
-      </p:nvGrpSpPr>
-      <p:grpSpPr>
-        <a:xfrm>
-          <a:off x="0" y="0"/>
-          <a:ext cx="0" cy="0"/>
-          <a:chOff x="0" y="0"/>
-          <a:chExt cx="0" cy="0"/>
-        </a:xfrm>
-      </p:grpSpPr>
-      <p:sp>
-        <p:nvSpPr>
-          <p:cNvPr id="2" name="Title 1">
-            <a:extLst>
-              <a:ext uri="{FF2B5EF4-FFF2-40B4-BE49-F238E27FC236}">
-                <a16:creationId xmlns:a16="http://schemas.microsoft.com/office/drawing/2014/main" id="{AB96B55A-379F-DF0A-8F57-F47B1D57CFEB}"/>
-              </a:ext>
-            </a:extLst>
-          </p:cNvPr>
-          <p:cNvSpPr>
-            <a:spLocks noGrp="1"/>
-          </p:cNvSpPr>
-          <p:nvPr>
-            <p:ph type="title"/>
-          </p:nvPr>
-        </p:nvSpPr>
-        <p:spPr/>
-        <p:txBody>
-          <a:bodyPr/>
-          <a:lstStyle/>
-          <a:p>
-            <a:r>
-              <a:rPr lang="en-US" dirty="0"/>
-              <a:t>Conclusion</a:t>
-            </a:r>
-          </a:p>
-        </p:txBody>
-      </p:sp>
-      <p:sp>
-        <p:nvSpPr>
-          <p:cNvPr id="3" name="Content Placeholder 2">
-            <a:extLst>
-              <a:ext uri="{FF2B5EF4-FFF2-40B4-BE49-F238E27FC236}">
-                <a16:creationId xmlns:a16="http://schemas.microsoft.com/office/drawing/2014/main" id="{E5AF604E-73EA-3F65-4A94-C8E8AA068F69}"/>
-              </a:ext>
-            </a:extLst>
-          </p:cNvPr>
-          <p:cNvSpPr>
-            <a:spLocks noGrp="1"/>
-          </p:cNvSpPr>
-          <p:nvPr>
-            <p:ph idx="1"/>
-          </p:nvPr>
-        </p:nvSpPr>
-        <p:spPr/>
-        <p:txBody>
-          <a:bodyPr/>
-          <a:lstStyle/>
-          <a:p>
-            <a:pPr marL="514350" indent="-514350">
-              <a:buFont typeface="+mj-lt"/>
-              <a:buAutoNum type="arabicPeriod"/>
-            </a:pPr>
-            <a:r>
-              <a:rPr lang="en-US" b="1" dirty="0"/>
-              <a:t>Urea</a:t>
-            </a:r>
-            <a:r>
-              <a:rPr lang="en-US" dirty="0"/>
-              <a:t> has an established </a:t>
-            </a:r>
-            <a:r>
-              <a:rPr lang="en-US" b="1" dirty="0"/>
-              <a:t>uptrend</a:t>
-            </a:r>
-            <a:r>
-              <a:rPr lang="en-US" dirty="0"/>
-              <a:t> with 6% annual growth rate, and price of urea will increase in the following years.</a:t>
-            </a:r>
-          </a:p>
-          <a:p>
-            <a:pPr marL="514350" indent="-514350">
-              <a:buFont typeface="+mj-lt"/>
-              <a:buAutoNum type="arabicPeriod"/>
-            </a:pPr>
-            <a:r>
-              <a:rPr lang="en-US" dirty="0"/>
-              <a:t>The current spread between urea in Alberta and FOB prices ($462) means </a:t>
-            </a:r>
-            <a:r>
-              <a:rPr lang="en-US" b="1" dirty="0"/>
-              <a:t>overvalued</a:t>
-            </a:r>
-            <a:r>
-              <a:rPr lang="en-US" dirty="0"/>
-              <a:t> urea prices now.</a:t>
-            </a:r>
-          </a:p>
-          <a:p>
-            <a:pPr marL="514350" indent="-514350">
-              <a:buFont typeface="+mj-lt"/>
-              <a:buAutoNum type="arabicPeriod"/>
-            </a:pPr>
-            <a:r>
-              <a:rPr lang="en-US" dirty="0"/>
-              <a:t>Recommendation: </a:t>
-            </a:r>
-            <a:r>
-              <a:rPr lang="en-US" b="1" dirty="0"/>
-              <a:t>Wait</a:t>
-            </a:r>
-            <a:r>
-              <a:rPr lang="en-US" dirty="0"/>
-              <a:t> for the spread of less than $300 to buy.</a:t>
-            </a:r>
-          </a:p>
-        </p:txBody>
-      </p:sp>
-    </p:spTree>
-    <p:extLst>
-      <p:ext uri="{BB962C8B-B14F-4D97-AF65-F5344CB8AC3E}">
-        <p14:creationId xmlns:p14="http://schemas.microsoft.com/office/powerpoint/2010/main" val="1427338897"/>
-      </p:ext>
-    </p:extLst>
-  </p:cSld>
-  <p:clrMapOvr>
-    <a:masterClrMapping/>
-  </p:clrMapOvr>
-</p:sld>
-</file>
-
 <file path=ppt/slides/slide3.xml><?xml version="1.0" encoding="utf-8"?>
 <p:sld xmlns:a="http://schemas.openxmlformats.org/drawingml/2006/main" xmlns:r="http://schemas.openxmlformats.org/officeDocument/2006/relationships" xmlns:p="http://schemas.openxmlformats.org/presentationml/2006/main">
   <p:cSld>
@@ -6852,10 +7221,10 @@
       </p:grpSpPr>
       <p:sp>
         <p:nvSpPr>
-          <p:cNvPr id="4" name="Title 3">
+          <p:cNvPr id="2" name="Title 1">
             <a:extLst>
               <a:ext uri="{FF2B5EF4-FFF2-40B4-BE49-F238E27FC236}">
-                <a16:creationId xmlns:a16="http://schemas.microsoft.com/office/drawing/2014/main" id="{99EEFEB1-56BF-9725-3B41-1B3DB2D5FD81}"/>
+                <a16:creationId xmlns:a16="http://schemas.microsoft.com/office/drawing/2014/main" id="{E65A1F1A-5939-9A08-FECF-552CDDD06323}"/>
               </a:ext>
             </a:extLst>
           </p:cNvPr>
@@ -6873,40 +7242,107 @@
           <a:p>
             <a:r>
               <a:rPr lang="en-US" dirty="0"/>
-              <a:t>1. Conceptual Model</a:t>
-            </a:r>
-          </a:p>
-        </p:txBody>
-      </p:sp>
-      <p:sp>
-        <p:nvSpPr>
-          <p:cNvPr id="5" name="Text Placeholder 4">
+              <a:t>Urea – A Fragmented Market</a:t>
+            </a:r>
+          </a:p>
+        </p:txBody>
+      </p:sp>
+      <p:pic>
+        <p:nvPicPr>
+          <p:cNvPr id="1026" name="Picture 2">
             <a:extLst>
               <a:ext uri="{FF2B5EF4-FFF2-40B4-BE49-F238E27FC236}">
-                <a16:creationId xmlns:a16="http://schemas.microsoft.com/office/drawing/2014/main" id="{CACA28C3-30B3-5DD1-65B7-4C140453704A}"/>
+                <a16:creationId xmlns:a16="http://schemas.microsoft.com/office/drawing/2014/main" id="{48CFAEDA-5A21-08A6-082E-4BC67FAC274B}"/>
               </a:ext>
             </a:extLst>
           </p:cNvPr>
-          <p:cNvSpPr>
-            <a:spLocks noGrp="1"/>
-          </p:cNvSpPr>
-          <p:nvPr>
-            <p:ph type="body" idx="1"/>
-          </p:nvPr>
-        </p:nvSpPr>
-        <p:spPr/>
-        <p:txBody>
-          <a:bodyPr/>
-          <a:lstStyle/>
-          <a:p>
-            <a:endParaRPr lang="en-US"/>
+          <p:cNvPicPr>
+            <a:picLocks noGrp="1" noChangeAspect="1" noChangeArrowheads="1"/>
+          </p:cNvPicPr>
+          <p:nvPr>
+            <p:ph idx="1"/>
+          </p:nvPr>
+        </p:nvPicPr>
+        <p:blipFill>
+          <a:blip r:embed="rId3">
+            <a:extLst>
+              <a:ext uri="{28A0092B-C50C-407E-A947-70E740481C1C}">
+                <a14:useLocalDpi xmlns:a14="http://schemas.microsoft.com/office/drawing/2010/main" val="0"/>
+              </a:ext>
+            </a:extLst>
+          </a:blip>
+          <a:srcRect/>
+          <a:stretch>
+            <a:fillRect/>
+          </a:stretch>
+        </p:blipFill>
+        <p:spPr bwMode="auto">
+          <a:xfrm>
+            <a:off x="838200" y="1827847"/>
+            <a:ext cx="10515600" cy="4346894"/>
+          </a:xfrm>
+          <a:prstGeom prst="rect">
+            <a:avLst/>
+          </a:prstGeom>
+          <a:noFill/>
+          <a:extLst>
+            <a:ext uri="{909E8E84-426E-40DD-AFC4-6F175D3DCCD1}">
+              <a14:hiddenFill xmlns:a14="http://schemas.microsoft.com/office/drawing/2010/main">
+                <a:solidFill>
+                  <a:srgbClr val="FFFFFF"/>
+                </a:solidFill>
+              </a14:hiddenFill>
+            </a:ext>
+          </a:extLst>
+        </p:spPr>
+      </p:pic>
+      <p:sp>
+        <p:nvSpPr>
+          <p:cNvPr id="4" name="TextBox 3">
+            <a:extLst>
+              <a:ext uri="{FF2B5EF4-FFF2-40B4-BE49-F238E27FC236}">
+                <a16:creationId xmlns:a16="http://schemas.microsoft.com/office/drawing/2014/main" id="{617C5FE0-3AE0-6786-BF50-E6BDAC6A0966}"/>
+              </a:ext>
+            </a:extLst>
+          </p:cNvPr>
+          <p:cNvSpPr txBox="1"/>
+          <p:nvPr/>
+        </p:nvSpPr>
+        <p:spPr>
+          <a:xfrm>
+            <a:off x="0" y="6492875"/>
+            <a:ext cx="12192000" cy="369332"/>
+          </a:xfrm>
+          <a:prstGeom prst="rect">
+            <a:avLst/>
+          </a:prstGeom>
+          <a:noFill/>
+        </p:spPr>
+        <p:txBody>
+          <a:bodyPr wrap="square" rtlCol="0">
+            <a:spAutoFit/>
+          </a:bodyPr>
+          <a:lstStyle/>
+          <a:p>
+            <a:pPr algn="ctr"/>
+            <a:r>
+              <a:rPr lang="en-US" dirty="0"/>
+              <a:t>Reference: </a:t>
+            </a:r>
+            <a:r>
+              <a:rPr lang="en-US" dirty="0">
+                <a:hlinkClick r:id="rId4"/>
+              </a:rPr>
+              <a:t>Urea Price - Current &amp; Forecasts | Intratec.us</a:t>
+            </a:r>
+            <a:endParaRPr lang="x-none" dirty="0"/>
           </a:p>
         </p:txBody>
       </p:sp>
     </p:spTree>
     <p:extLst>
       <p:ext uri="{BB962C8B-B14F-4D97-AF65-F5344CB8AC3E}">
-        <p14:creationId xmlns:p14="http://schemas.microsoft.com/office/powerpoint/2010/main" val="1216542402"/>
+        <p14:creationId xmlns:p14="http://schemas.microsoft.com/office/powerpoint/2010/main" val="2785025592"/>
       </p:ext>
     </p:extLst>
   </p:cSld>
@@ -6935,10 +7371,10 @@
       </p:grpSpPr>
       <p:sp>
         <p:nvSpPr>
-          <p:cNvPr id="2" name="Title 1">
+          <p:cNvPr id="5" name="Title 4">
             <a:extLst>
               <a:ext uri="{FF2B5EF4-FFF2-40B4-BE49-F238E27FC236}">
-                <a16:creationId xmlns:a16="http://schemas.microsoft.com/office/drawing/2014/main" id="{D2AD10FF-D898-99AA-C0C4-412754F8E392}"/>
+                <a16:creationId xmlns:a16="http://schemas.microsoft.com/office/drawing/2014/main" id="{EFF5E8F3-093C-A82F-349A-0D8200E40A69}"/>
               </a:ext>
             </a:extLst>
           </p:cNvPr>
@@ -6956,17 +7392,17 @@
           <a:p>
             <a:r>
               <a:rPr lang="en-US" dirty="0"/>
-              <a:t>Risks</a:t>
-            </a:r>
-          </a:p>
-        </p:txBody>
-      </p:sp>
-      <p:sp>
-        <p:nvSpPr>
-          <p:cNvPr id="3" name="Content Placeholder 2">
+              <a:t>7. Conclusion</a:t>
+            </a:r>
+          </a:p>
+        </p:txBody>
+      </p:sp>
+      <p:sp>
+        <p:nvSpPr>
+          <p:cNvPr id="6" name="Text Placeholder 5">
             <a:extLst>
               <a:ext uri="{FF2B5EF4-FFF2-40B4-BE49-F238E27FC236}">
-                <a16:creationId xmlns:a16="http://schemas.microsoft.com/office/drawing/2014/main" id="{2BA2C75E-97D1-4403-7E8B-E8B90957FFFF}"/>
+                <a16:creationId xmlns:a16="http://schemas.microsoft.com/office/drawing/2014/main" id="{123F174D-7DEA-E66C-40A8-8C4C9D0CCE05}"/>
               </a:ext>
             </a:extLst>
           </p:cNvPr>
@@ -6974,41 +7410,22 @@
             <a:spLocks noGrp="1"/>
           </p:cNvSpPr>
           <p:nvPr>
-            <p:ph idx="1"/>
-          </p:nvPr>
-        </p:nvSpPr>
-        <p:spPr/>
-        <p:txBody>
-          <a:bodyPr/>
-          <a:lstStyle/>
-          <a:p>
-            <a:r>
-              <a:rPr lang="en-US" dirty="0"/>
-              <a:t>The end of the </a:t>
-            </a:r>
-            <a:r>
-              <a:rPr lang="en-US" b="1" dirty="0"/>
-              <a:t>Russia-Ukraine</a:t>
-            </a:r>
-            <a:r>
-              <a:rPr lang="en-US" dirty="0"/>
-              <a:t> conflict and the resumption of Russian exports to global markets, along with the termination of </a:t>
-            </a:r>
-            <a:r>
-              <a:rPr lang="en-US" b="1" dirty="0"/>
-              <a:t>China's zero-export policy </a:t>
-            </a:r>
-            <a:r>
-              <a:rPr lang="en-US" dirty="0"/>
-              <a:t>and the return of Chinese urea to international trade, can increase supply and cause further price declines in the short term.</a:t>
-            </a:r>
+            <p:ph type="body" idx="1"/>
+          </p:nvPr>
+        </p:nvSpPr>
+        <p:spPr/>
+        <p:txBody>
+          <a:bodyPr/>
+          <a:lstStyle/>
+          <a:p>
+            <a:endParaRPr lang="en-US"/>
           </a:p>
         </p:txBody>
       </p:sp>
     </p:spTree>
     <p:extLst>
       <p:ext uri="{BB962C8B-B14F-4D97-AF65-F5344CB8AC3E}">
-        <p14:creationId xmlns:p14="http://schemas.microsoft.com/office/powerpoint/2010/main" val="3984814231"/>
+        <p14:creationId xmlns:p14="http://schemas.microsoft.com/office/powerpoint/2010/main" val="780710507"/>
       </p:ext>
     </p:extLst>
   </p:cSld>
@@ -7040,6 +7457,246 @@
           <p:cNvPr id="2" name="Title 1">
             <a:extLst>
               <a:ext uri="{FF2B5EF4-FFF2-40B4-BE49-F238E27FC236}">
+                <a16:creationId xmlns:a16="http://schemas.microsoft.com/office/drawing/2014/main" id="{AB96B55A-379F-DF0A-8F57-F47B1D57CFEB}"/>
+              </a:ext>
+            </a:extLst>
+          </p:cNvPr>
+          <p:cNvSpPr>
+            <a:spLocks noGrp="1"/>
+          </p:cNvSpPr>
+          <p:nvPr>
+            <p:ph type="title"/>
+          </p:nvPr>
+        </p:nvSpPr>
+        <p:spPr/>
+        <p:txBody>
+          <a:bodyPr/>
+          <a:lstStyle/>
+          <a:p>
+            <a:r>
+              <a:rPr lang="en-US" dirty="0"/>
+              <a:t>Conclusion</a:t>
+            </a:r>
+          </a:p>
+        </p:txBody>
+      </p:sp>
+      <p:sp>
+        <p:nvSpPr>
+          <p:cNvPr id="3" name="Content Placeholder 2">
+            <a:extLst>
+              <a:ext uri="{FF2B5EF4-FFF2-40B4-BE49-F238E27FC236}">
+                <a16:creationId xmlns:a16="http://schemas.microsoft.com/office/drawing/2014/main" id="{E5AF604E-73EA-3F65-4A94-C8E8AA068F69}"/>
+              </a:ext>
+            </a:extLst>
+          </p:cNvPr>
+          <p:cNvSpPr>
+            <a:spLocks noGrp="1"/>
+          </p:cNvSpPr>
+          <p:nvPr>
+            <p:ph idx="1"/>
+          </p:nvPr>
+        </p:nvSpPr>
+        <p:spPr/>
+        <p:txBody>
+          <a:bodyPr/>
+          <a:lstStyle/>
+          <a:p>
+            <a:pPr marL="514350" indent="-514350">
+              <a:buFont typeface="+mj-lt"/>
+              <a:buAutoNum type="arabicPeriod"/>
+            </a:pPr>
+            <a:r>
+              <a:rPr lang="en-US" b="1" dirty="0"/>
+              <a:t>Urea</a:t>
+            </a:r>
+            <a:r>
+              <a:rPr lang="en-US" dirty="0"/>
+              <a:t> has an established </a:t>
+            </a:r>
+            <a:r>
+              <a:rPr lang="en-US" b="1" dirty="0"/>
+              <a:t>uptrend</a:t>
+            </a:r>
+            <a:r>
+              <a:rPr lang="en-US" dirty="0"/>
+              <a:t> with 6% annual growth rate, and price of urea will increase in the following years.</a:t>
+            </a:r>
+          </a:p>
+          <a:p>
+            <a:pPr marL="514350" indent="-514350">
+              <a:buFont typeface="+mj-lt"/>
+              <a:buAutoNum type="arabicPeriod"/>
+            </a:pPr>
+            <a:r>
+              <a:rPr lang="en-US" dirty="0"/>
+              <a:t>The current spread between urea in Alberta and FOB prices ($462) means </a:t>
+            </a:r>
+            <a:r>
+              <a:rPr lang="en-US" b="1" dirty="0"/>
+              <a:t>overvalued</a:t>
+            </a:r>
+            <a:r>
+              <a:rPr lang="en-US" dirty="0"/>
+              <a:t> urea prices now.</a:t>
+            </a:r>
+          </a:p>
+          <a:p>
+            <a:pPr marL="514350" indent="-514350">
+              <a:buFont typeface="+mj-lt"/>
+              <a:buAutoNum type="arabicPeriod"/>
+            </a:pPr>
+            <a:r>
+              <a:rPr lang="en-US" dirty="0"/>
+              <a:t>Recommendation: </a:t>
+            </a:r>
+            <a:r>
+              <a:rPr lang="en-US" b="1" dirty="0"/>
+              <a:t>Wait</a:t>
+            </a:r>
+            <a:r>
+              <a:rPr lang="en-US" dirty="0"/>
+              <a:t> for the spread of less than $300 to buy.</a:t>
+            </a:r>
+          </a:p>
+        </p:txBody>
+      </p:sp>
+    </p:spTree>
+    <p:extLst>
+      <p:ext uri="{BB962C8B-B14F-4D97-AF65-F5344CB8AC3E}">
+        <p14:creationId xmlns:p14="http://schemas.microsoft.com/office/powerpoint/2010/main" val="1427338897"/>
+      </p:ext>
+    </p:extLst>
+  </p:cSld>
+  <p:clrMapOvr>
+    <a:masterClrMapping/>
+  </p:clrMapOvr>
+</p:sld>
+</file>
+
+<file path=ppt/slides/slide32.xml><?xml version="1.0" encoding="utf-8"?>
+<p:sld xmlns:a="http://schemas.openxmlformats.org/drawingml/2006/main" xmlns:r="http://schemas.openxmlformats.org/officeDocument/2006/relationships" xmlns:p="http://schemas.openxmlformats.org/presentationml/2006/main">
+  <p:cSld>
+    <p:spTree>
+      <p:nvGrpSpPr>
+        <p:cNvPr id="1" name=""/>
+        <p:cNvGrpSpPr/>
+        <p:nvPr/>
+      </p:nvGrpSpPr>
+      <p:grpSpPr>
+        <a:xfrm>
+          <a:off x="0" y="0"/>
+          <a:ext cx="0" cy="0"/>
+          <a:chOff x="0" y="0"/>
+          <a:chExt cx="0" cy="0"/>
+        </a:xfrm>
+      </p:grpSpPr>
+      <p:sp>
+        <p:nvSpPr>
+          <p:cNvPr id="2" name="Title 1">
+            <a:extLst>
+              <a:ext uri="{FF2B5EF4-FFF2-40B4-BE49-F238E27FC236}">
+                <a16:creationId xmlns:a16="http://schemas.microsoft.com/office/drawing/2014/main" id="{D2AD10FF-D898-99AA-C0C4-412754F8E392}"/>
+              </a:ext>
+            </a:extLst>
+          </p:cNvPr>
+          <p:cNvSpPr>
+            <a:spLocks noGrp="1"/>
+          </p:cNvSpPr>
+          <p:nvPr>
+            <p:ph type="title"/>
+          </p:nvPr>
+        </p:nvSpPr>
+        <p:spPr/>
+        <p:txBody>
+          <a:bodyPr/>
+          <a:lstStyle/>
+          <a:p>
+            <a:r>
+              <a:rPr lang="en-US" dirty="0"/>
+              <a:t>Risks</a:t>
+            </a:r>
+          </a:p>
+        </p:txBody>
+      </p:sp>
+      <p:sp>
+        <p:nvSpPr>
+          <p:cNvPr id="3" name="Content Placeholder 2">
+            <a:extLst>
+              <a:ext uri="{FF2B5EF4-FFF2-40B4-BE49-F238E27FC236}">
+                <a16:creationId xmlns:a16="http://schemas.microsoft.com/office/drawing/2014/main" id="{2BA2C75E-97D1-4403-7E8B-E8B90957FFFF}"/>
+              </a:ext>
+            </a:extLst>
+          </p:cNvPr>
+          <p:cNvSpPr>
+            <a:spLocks noGrp="1"/>
+          </p:cNvSpPr>
+          <p:nvPr>
+            <p:ph idx="1"/>
+          </p:nvPr>
+        </p:nvSpPr>
+        <p:spPr/>
+        <p:txBody>
+          <a:bodyPr/>
+          <a:lstStyle/>
+          <a:p>
+            <a:r>
+              <a:rPr lang="en-US" dirty="0"/>
+              <a:t>The end of the </a:t>
+            </a:r>
+            <a:r>
+              <a:rPr lang="en-US" b="1" dirty="0"/>
+              <a:t>Russia-Ukraine</a:t>
+            </a:r>
+            <a:r>
+              <a:rPr lang="en-US" dirty="0"/>
+              <a:t> conflict and the resumption of Russian exports to global markets, along with the termination of </a:t>
+            </a:r>
+            <a:r>
+              <a:rPr lang="en-US" b="1" dirty="0"/>
+              <a:t>China's zero-export policy </a:t>
+            </a:r>
+            <a:r>
+              <a:rPr lang="en-US" dirty="0"/>
+              <a:t>and the return of Chinese urea to international trade, can increase supply and cause further price declines in the short term.</a:t>
+            </a:r>
+          </a:p>
+        </p:txBody>
+      </p:sp>
+    </p:spTree>
+    <p:extLst>
+      <p:ext uri="{BB962C8B-B14F-4D97-AF65-F5344CB8AC3E}">
+        <p14:creationId xmlns:p14="http://schemas.microsoft.com/office/powerpoint/2010/main" val="3984814231"/>
+      </p:ext>
+    </p:extLst>
+  </p:cSld>
+  <p:clrMapOvr>
+    <a:masterClrMapping/>
+  </p:clrMapOvr>
+</p:sld>
+</file>
+
+<file path=ppt/slides/slide33.xml><?xml version="1.0" encoding="utf-8"?>
+<p:sld xmlns:a="http://schemas.openxmlformats.org/drawingml/2006/main" xmlns:r="http://schemas.openxmlformats.org/officeDocument/2006/relationships" xmlns:p="http://schemas.openxmlformats.org/presentationml/2006/main">
+  <p:cSld>
+    <p:spTree>
+      <p:nvGrpSpPr>
+        <p:cNvPr id="1" name=""/>
+        <p:cNvGrpSpPr/>
+        <p:nvPr/>
+      </p:nvGrpSpPr>
+      <p:grpSpPr>
+        <a:xfrm>
+          <a:off x="0" y="0"/>
+          <a:ext cx="0" cy="0"/>
+          <a:chOff x="0" y="0"/>
+          <a:chExt cx="0" cy="0"/>
+        </a:xfrm>
+      </p:grpSpPr>
+      <p:sp>
+        <p:nvSpPr>
+          <p:cNvPr id="2" name="Title 1">
+            <a:extLst>
+              <a:ext uri="{FF2B5EF4-FFF2-40B4-BE49-F238E27FC236}">
                 <a16:creationId xmlns:a16="http://schemas.microsoft.com/office/drawing/2014/main" id="{FF3C50C3-9563-B44A-870F-6529095809B3}"/>
               </a:ext>
             </a:extLst>
@@ -7203,6 +7860,89 @@
 </file>
 
 <file path=ppt/slides/slide4.xml><?xml version="1.0" encoding="utf-8"?>
+<p:sld xmlns:a="http://schemas.openxmlformats.org/drawingml/2006/main" xmlns:r="http://schemas.openxmlformats.org/officeDocument/2006/relationships" xmlns:p="http://schemas.openxmlformats.org/presentationml/2006/main">
+  <p:cSld>
+    <p:spTree>
+      <p:nvGrpSpPr>
+        <p:cNvPr id="1" name=""/>
+        <p:cNvGrpSpPr/>
+        <p:nvPr/>
+      </p:nvGrpSpPr>
+      <p:grpSpPr>
+        <a:xfrm>
+          <a:off x="0" y="0"/>
+          <a:ext cx="0" cy="0"/>
+          <a:chOff x="0" y="0"/>
+          <a:chExt cx="0" cy="0"/>
+        </a:xfrm>
+      </p:grpSpPr>
+      <p:sp>
+        <p:nvSpPr>
+          <p:cNvPr id="4" name="Title 3">
+            <a:extLst>
+              <a:ext uri="{FF2B5EF4-FFF2-40B4-BE49-F238E27FC236}">
+                <a16:creationId xmlns:a16="http://schemas.microsoft.com/office/drawing/2014/main" id="{99EEFEB1-56BF-9725-3B41-1B3DB2D5FD81}"/>
+              </a:ext>
+            </a:extLst>
+          </p:cNvPr>
+          <p:cNvSpPr>
+            <a:spLocks noGrp="1"/>
+          </p:cNvSpPr>
+          <p:nvPr>
+            <p:ph type="title"/>
+          </p:nvPr>
+        </p:nvSpPr>
+        <p:spPr/>
+        <p:txBody>
+          <a:bodyPr/>
+          <a:lstStyle/>
+          <a:p>
+            <a:r>
+              <a:rPr lang="en-US" dirty="0"/>
+              <a:t>1. Conceptual Model</a:t>
+            </a:r>
+          </a:p>
+        </p:txBody>
+      </p:sp>
+      <p:sp>
+        <p:nvSpPr>
+          <p:cNvPr id="5" name="Text Placeholder 4">
+            <a:extLst>
+              <a:ext uri="{FF2B5EF4-FFF2-40B4-BE49-F238E27FC236}">
+                <a16:creationId xmlns:a16="http://schemas.microsoft.com/office/drawing/2014/main" id="{CACA28C3-30B3-5DD1-65B7-4C140453704A}"/>
+              </a:ext>
+            </a:extLst>
+          </p:cNvPr>
+          <p:cNvSpPr>
+            <a:spLocks noGrp="1"/>
+          </p:cNvSpPr>
+          <p:nvPr>
+            <p:ph type="body" idx="1"/>
+          </p:nvPr>
+        </p:nvSpPr>
+        <p:spPr/>
+        <p:txBody>
+          <a:bodyPr/>
+          <a:lstStyle/>
+          <a:p>
+            <a:endParaRPr lang="en-US"/>
+          </a:p>
+        </p:txBody>
+      </p:sp>
+    </p:spTree>
+    <p:extLst>
+      <p:ext uri="{BB962C8B-B14F-4D97-AF65-F5344CB8AC3E}">
+        <p14:creationId xmlns:p14="http://schemas.microsoft.com/office/powerpoint/2010/main" val="1216542402"/>
+      </p:ext>
+    </p:extLst>
+  </p:cSld>
+  <p:clrMapOvr>
+    <a:masterClrMapping/>
+  </p:clrMapOvr>
+</p:sld>
+</file>
+
+<file path=ppt/slides/slide5.xml><?xml version="1.0" encoding="utf-8"?>
 <p:sld xmlns:a="http://schemas.openxmlformats.org/drawingml/2006/main" xmlns:r="http://schemas.openxmlformats.org/officeDocument/2006/relationships" xmlns:p="http://schemas.openxmlformats.org/presentationml/2006/main">
   <p:cSld>
     <p:spTree>
@@ -7308,7 +8048,7 @@
 </p:sld>
 </file>
 
-<file path=ppt/slides/slide5.xml><?xml version="1.0" encoding="utf-8"?>
+<file path=ppt/slides/slide6.xml><?xml version="1.0" encoding="utf-8"?>
 <p:sld xmlns:a="http://schemas.openxmlformats.org/drawingml/2006/main" xmlns:r="http://schemas.openxmlformats.org/officeDocument/2006/relationships" xmlns:p="http://schemas.openxmlformats.org/presentationml/2006/main">
   <p:cSld>
     <p:spTree>
@@ -7387,6 +8127,59 @@
           </a:prstGeom>
         </p:spPr>
       </p:pic>
+      <p:sp>
+        <p:nvSpPr>
+          <p:cNvPr id="3" name="TextBox 2">
+            <a:extLst>
+              <a:ext uri="{FF2B5EF4-FFF2-40B4-BE49-F238E27FC236}">
+                <a16:creationId xmlns:a16="http://schemas.microsoft.com/office/drawing/2014/main" id="{AAD542D5-C83E-B9AE-B870-8A8A8D4FAAEC}"/>
+              </a:ext>
+            </a:extLst>
+          </p:cNvPr>
+          <p:cNvSpPr txBox="1"/>
+          <p:nvPr/>
+        </p:nvSpPr>
+        <p:spPr>
+          <a:xfrm>
+            <a:off x="0" y="6492875"/>
+            <a:ext cx="12192000" cy="369332"/>
+          </a:xfrm>
+          <a:prstGeom prst="rect">
+            <a:avLst/>
+          </a:prstGeom>
+          <a:noFill/>
+        </p:spPr>
+        <p:txBody>
+          <a:bodyPr wrap="square" rtlCol="0">
+            <a:spAutoFit/>
+          </a:bodyPr>
+          <a:lstStyle/>
+          <a:p>
+            <a:pPr algn="ctr"/>
+            <a:r>
+              <a:rPr lang="en-US" dirty="0"/>
+              <a:t>Reference: </a:t>
+            </a:r>
+            <a:r>
+              <a:rPr lang="en-US" dirty="0" err="1">
+                <a:hlinkClick r:id="rId3"/>
+              </a:rPr>
+              <a:t>FarmProgress</a:t>
+            </a:r>
+            <a:r>
+              <a:rPr lang="en-US" dirty="0">
+                <a:hlinkClick r:id="rId3"/>
+              </a:rPr>
+              <a:t>, Urea, Natural Gas, and Corn Price Correlations</a:t>
+            </a:r>
+            <a:r>
+              <a:rPr lang="en-US" dirty="0"/>
+              <a:t> </a:t>
+            </a:r>
+            <a:endParaRPr lang="x-none" dirty="0"/>
+          </a:p>
+        </p:txBody>
+      </p:sp>
     </p:spTree>
     <p:extLst>
       <p:ext uri="{BB962C8B-B14F-4D97-AF65-F5344CB8AC3E}">
@@ -7400,7 +8193,7 @@
 </p:sld>
 </file>
 
-<file path=ppt/slides/slide6.xml><?xml version="1.0" encoding="utf-8"?>
+<file path=ppt/slides/slide7.xml><?xml version="1.0" encoding="utf-8"?>
 <p:sld xmlns:a="http://schemas.openxmlformats.org/drawingml/2006/main" xmlns:r="http://schemas.openxmlformats.org/officeDocument/2006/relationships" xmlns:p="http://schemas.openxmlformats.org/presentationml/2006/main">
   <p:cSld>
     <p:spTree>
@@ -7478,6 +8271,53 @@
           </a:prstGeom>
         </p:spPr>
       </p:pic>
+      <p:sp>
+        <p:nvSpPr>
+          <p:cNvPr id="3" name="TextBox 2">
+            <a:extLst>
+              <a:ext uri="{FF2B5EF4-FFF2-40B4-BE49-F238E27FC236}">
+                <a16:creationId xmlns:a16="http://schemas.microsoft.com/office/drawing/2014/main" id="{B9C2C1CA-A4C2-AA39-6E12-49D3EC1AB284}"/>
+              </a:ext>
+            </a:extLst>
+          </p:cNvPr>
+          <p:cNvSpPr txBox="1"/>
+          <p:nvPr/>
+        </p:nvSpPr>
+        <p:spPr>
+          <a:xfrm>
+            <a:off x="0" y="6492875"/>
+            <a:ext cx="12192000" cy="369332"/>
+          </a:xfrm>
+          <a:prstGeom prst="rect">
+            <a:avLst/>
+          </a:prstGeom>
+          <a:noFill/>
+        </p:spPr>
+        <p:txBody>
+          <a:bodyPr wrap="square" rtlCol="0">
+            <a:spAutoFit/>
+          </a:bodyPr>
+          <a:lstStyle/>
+          <a:p>
+            <a:pPr algn="ctr"/>
+            <a:r>
+              <a:rPr lang="en-US" dirty="0"/>
+              <a:t>Reference: </a:t>
+            </a:r>
+            <a:r>
+              <a:rPr lang="en-US" dirty="0">
+                <a:hlinkClick r:id="rId3"/>
+              </a:rPr>
+              <a:t>What Are the Drivers of Fertilizer Prices in Canada? - Pouliot economics</a:t>
+            </a:r>
+            <a:r>
+              <a:rPr lang="en-US" dirty="0"/>
+              <a:t> </a:t>
+            </a:r>
+            <a:endParaRPr lang="x-none" dirty="0"/>
+          </a:p>
+        </p:txBody>
+      </p:sp>
     </p:spTree>
     <p:extLst>
       <p:ext uri="{BB962C8B-B14F-4D97-AF65-F5344CB8AC3E}">
@@ -7491,7 +8331,7 @@
 </p:sld>
 </file>
 
-<file path=ppt/slides/slide7.xml><?xml version="1.0" encoding="utf-8"?>
+<file path=ppt/slides/slide8.xml><?xml version="1.0" encoding="utf-8"?>
 <p:sld xmlns:a="http://schemas.openxmlformats.org/drawingml/2006/main" xmlns:r="http://schemas.openxmlformats.org/officeDocument/2006/relationships" xmlns:p="http://schemas.openxmlformats.org/presentationml/2006/main">
   <p:cSld>
     <p:spTree>
@@ -7581,7 +8421,7 @@
 </p:sld>
 </file>
 
-<file path=ppt/slides/slide8.xml><?xml version="1.0" encoding="utf-8"?>
+<file path=ppt/slides/slide9.xml><?xml version="1.0" encoding="utf-8"?>
 <p:sld xmlns:a="http://schemas.openxmlformats.org/drawingml/2006/main" xmlns:r="http://schemas.openxmlformats.org/officeDocument/2006/relationships" xmlns:p="http://schemas.openxmlformats.org/presentationml/2006/main">
   <p:cSld>
     <p:spTree>
@@ -7658,165 +8498,53 @@
           </a:prstGeom>
         </p:spPr>
       </p:pic>
-    </p:spTree>
-    <p:extLst>
-      <p:ext uri="{BB962C8B-B14F-4D97-AF65-F5344CB8AC3E}">
-        <p14:creationId xmlns:p14="http://schemas.microsoft.com/office/powerpoint/2010/main" val="2537292683"/>
-      </p:ext>
-    </p:extLst>
-  </p:cSld>
-  <p:clrMapOvr>
-    <a:masterClrMapping/>
-  </p:clrMapOvr>
-</p:sld>
-</file>
-
-<file path=ppt/slides/slide9.xml><?xml version="1.0" encoding="utf-8"?>
-<p:sld xmlns:a="http://schemas.openxmlformats.org/drawingml/2006/main" xmlns:r="http://schemas.openxmlformats.org/officeDocument/2006/relationships" xmlns:p="http://schemas.openxmlformats.org/presentationml/2006/main">
-  <p:cSld>
-    <p:spTree>
-      <p:nvGrpSpPr>
-        <p:cNvPr id="1" name=""/>
-        <p:cNvGrpSpPr/>
-        <p:nvPr/>
-      </p:nvGrpSpPr>
-      <p:grpSpPr>
-        <a:xfrm>
-          <a:off x="0" y="0"/>
-          <a:ext cx="0" cy="0"/>
-          <a:chOff x="0" y="0"/>
-          <a:chExt cx="0" cy="0"/>
-        </a:xfrm>
-      </p:grpSpPr>
-      <p:sp>
-        <p:nvSpPr>
-          <p:cNvPr id="4" name="Title 3">
+      <p:sp>
+        <p:nvSpPr>
+          <p:cNvPr id="3" name="TextBox 2">
             <a:extLst>
               <a:ext uri="{FF2B5EF4-FFF2-40B4-BE49-F238E27FC236}">
-                <a16:creationId xmlns:a16="http://schemas.microsoft.com/office/drawing/2014/main" id="{6BDA0A19-2D7A-2B44-7BB0-DB70AD9377F5}"/>
+                <a16:creationId xmlns:a16="http://schemas.microsoft.com/office/drawing/2014/main" id="{7F82D922-A7B2-AEC4-16A4-4FD2CFBECC57}"/>
               </a:ext>
             </a:extLst>
           </p:cNvPr>
-          <p:cNvSpPr>
-            <a:spLocks noGrp="1"/>
-          </p:cNvSpPr>
-          <p:nvPr>
-            <p:ph type="title"/>
-          </p:nvPr>
-        </p:nvSpPr>
-        <p:spPr/>
-        <p:txBody>
-          <a:bodyPr/>
-          <a:lstStyle/>
-          <a:p>
-            <a:r>
-              <a:rPr lang="en-US" dirty="0"/>
-              <a:t>Lasso (L1) Regularized Regression</a:t>
-            </a:r>
-          </a:p>
-        </p:txBody>
-      </p:sp>
-      <p:pic>
-        <p:nvPicPr>
-          <p:cNvPr id="3074" name="Picture 2">
-            <a:extLst>
-              <a:ext uri="{FF2B5EF4-FFF2-40B4-BE49-F238E27FC236}">
-                <a16:creationId xmlns:a16="http://schemas.microsoft.com/office/drawing/2014/main" id="{D69E608F-7054-9060-0846-9DC66A0116A1}"/>
-              </a:ext>
-            </a:extLst>
-          </p:cNvPr>
-          <p:cNvPicPr>
-            <a:picLocks noGrp="1" noChangeAspect="1" noChangeArrowheads="1"/>
-          </p:cNvPicPr>
-          <p:nvPr>
-            <p:ph sz="half" idx="1"/>
-          </p:nvPr>
-        </p:nvPicPr>
-        <p:blipFill>
-          <a:blip r:embed="rId2">
-            <a:extLst>
-              <a:ext uri="{28A0092B-C50C-407E-A947-70E740481C1C}">
-                <a14:useLocalDpi xmlns:a14="http://schemas.microsoft.com/office/drawing/2010/main" val="0"/>
-              </a:ext>
-            </a:extLst>
-          </a:blip>
-          <a:stretch>
-            <a:fillRect/>
-          </a:stretch>
-        </p:blipFill>
-        <p:spPr bwMode="auto">
+          <p:cNvSpPr txBox="1"/>
+          <p:nvPr/>
+        </p:nvSpPr>
+        <p:spPr>
           <a:xfrm>
-            <a:off x="1586252" y="1559202"/>
-            <a:ext cx="3283852" cy="4933673"/>
+            <a:off x="0" y="6492875"/>
+            <a:ext cx="12192000" cy="369332"/>
           </a:xfrm>
           <a:prstGeom prst="rect">
             <a:avLst/>
           </a:prstGeom>
           <a:noFill/>
-          <a:extLst>
-            <a:ext uri="{909E8E84-426E-40DD-AFC4-6F175D3DCCD1}">
-              <a14:hiddenFill xmlns:a14="http://schemas.microsoft.com/office/drawing/2010/main">
-                <a:solidFill>
-                  <a:srgbClr val="FFFFFF"/>
-                </a:solidFill>
-              </a14:hiddenFill>
-            </a:ext>
-          </a:extLst>
         </p:spPr>
-      </p:pic>
-      <p:pic>
-        <p:nvPicPr>
-          <p:cNvPr id="3078" name="Picture 6">
-            <a:extLst>
-              <a:ext uri="{FF2B5EF4-FFF2-40B4-BE49-F238E27FC236}">
-                <a16:creationId xmlns:a16="http://schemas.microsoft.com/office/drawing/2014/main" id="{CD7B6A24-2FD1-A000-B3BF-69130BA27C44}"/>
-              </a:ext>
-            </a:extLst>
-          </p:cNvPr>
-          <p:cNvPicPr>
-            <a:picLocks noGrp="1" noChangeAspect="1" noChangeArrowheads="1"/>
-          </p:cNvPicPr>
-          <p:nvPr>
-            <p:ph sz="half" idx="2"/>
-          </p:nvPr>
-        </p:nvPicPr>
-        <p:blipFill>
-          <a:blip r:embed="rId3">
-            <a:extLst>
-              <a:ext uri="{28A0092B-C50C-407E-A947-70E740481C1C}">
-                <a14:useLocalDpi xmlns:a14="http://schemas.microsoft.com/office/drawing/2010/main" val="0"/>
-              </a:ext>
-            </a:extLst>
-          </a:blip>
-          <a:srcRect/>
-          <a:stretch>
-            <a:fillRect/>
-          </a:stretch>
-        </p:blipFill>
-        <p:spPr bwMode="auto">
-          <a:xfrm>
-            <a:off x="6484643" y="2798618"/>
-            <a:ext cx="4121105" cy="1880915"/>
-          </a:xfrm>
-          <a:prstGeom prst="rect">
-            <a:avLst/>
-          </a:prstGeom>
-          <a:noFill/>
-          <a:extLst>
-            <a:ext uri="{909E8E84-426E-40DD-AFC4-6F175D3DCCD1}">
-              <a14:hiddenFill xmlns:a14="http://schemas.microsoft.com/office/drawing/2010/main">
-                <a:solidFill>
-                  <a:srgbClr val="FFFFFF"/>
-                </a:solidFill>
-              </a14:hiddenFill>
-            </a:ext>
-          </a:extLst>
-        </p:spPr>
-      </p:pic>
+        <p:txBody>
+          <a:bodyPr wrap="square" rtlCol="0">
+            <a:spAutoFit/>
+          </a:bodyPr>
+          <a:lstStyle/>
+          <a:p>
+            <a:pPr algn="ctr"/>
+            <a:r>
+              <a:rPr lang="en-US" dirty="0"/>
+              <a:t>Reference: </a:t>
+            </a:r>
+            <a:r>
+              <a:rPr lang="en-US" dirty="0">
+                <a:hlinkClick r:id="rId3"/>
+              </a:rPr>
+              <a:t>United States Department of Agriculture (USDA), Downbound Grain Barge Rates </a:t>
+            </a:r>
+            <a:endParaRPr lang="x-none" dirty="0"/>
+          </a:p>
+        </p:txBody>
+      </p:sp>
     </p:spTree>
     <p:extLst>
       <p:ext uri="{BB962C8B-B14F-4D97-AF65-F5344CB8AC3E}">
-        <p14:creationId xmlns:p14="http://schemas.microsoft.com/office/powerpoint/2010/main" val="894030161"/>
+        <p14:creationId xmlns:p14="http://schemas.microsoft.com/office/powerpoint/2010/main" val="2537292683"/>
       </p:ext>
     </p:extLst>
   </p:cSld>

--- a/borderland/2-urea/presentation/urea.pptx
+++ b/borderland/2-urea/presentation/urea.pptx
@@ -5,42 +5,43 @@
     <p:sldMasterId id="2147483660" r:id="rId1"/>
   </p:sldMasterIdLst>
   <p:notesMasterIdLst>
-    <p:notesMasterId r:id="rId35"/>
+    <p:notesMasterId r:id="rId36"/>
   </p:notesMasterIdLst>
   <p:sldIdLst>
     <p:sldId id="256" r:id="rId2"/>
-    <p:sldId id="280" r:id="rId3"/>
-    <p:sldId id="295" r:id="rId4"/>
-    <p:sldId id="281" r:id="rId5"/>
-    <p:sldId id="257" r:id="rId6"/>
-    <p:sldId id="259" r:id="rId7"/>
-    <p:sldId id="260" r:id="rId8"/>
-    <p:sldId id="261" r:id="rId9"/>
-    <p:sldId id="262" r:id="rId10"/>
-    <p:sldId id="269" r:id="rId11"/>
-    <p:sldId id="282" r:id="rId12"/>
-    <p:sldId id="275" r:id="rId13"/>
-    <p:sldId id="277" r:id="rId14"/>
-    <p:sldId id="276" r:id="rId15"/>
-    <p:sldId id="274" r:id="rId16"/>
-    <p:sldId id="284" r:id="rId17"/>
-    <p:sldId id="267" r:id="rId18"/>
-    <p:sldId id="279" r:id="rId19"/>
-    <p:sldId id="283" r:id="rId20"/>
-    <p:sldId id="263" r:id="rId21"/>
-    <p:sldId id="265" r:id="rId22"/>
-    <p:sldId id="291" r:id="rId23"/>
-    <p:sldId id="292" r:id="rId24"/>
-    <p:sldId id="286" r:id="rId25"/>
-    <p:sldId id="273" r:id="rId26"/>
-    <p:sldId id="294" r:id="rId27"/>
-    <p:sldId id="271" r:id="rId28"/>
-    <p:sldId id="264" r:id="rId29"/>
-    <p:sldId id="293" r:id="rId30"/>
-    <p:sldId id="287" r:id="rId31"/>
-    <p:sldId id="266" r:id="rId32"/>
-    <p:sldId id="268" r:id="rId33"/>
-    <p:sldId id="278" r:id="rId34"/>
+    <p:sldId id="296" r:id="rId3"/>
+    <p:sldId id="280" r:id="rId4"/>
+    <p:sldId id="295" r:id="rId5"/>
+    <p:sldId id="281" r:id="rId6"/>
+    <p:sldId id="257" r:id="rId7"/>
+    <p:sldId id="259" r:id="rId8"/>
+    <p:sldId id="260" r:id="rId9"/>
+    <p:sldId id="261" r:id="rId10"/>
+    <p:sldId id="262" r:id="rId11"/>
+    <p:sldId id="269" r:id="rId12"/>
+    <p:sldId id="282" r:id="rId13"/>
+    <p:sldId id="275" r:id="rId14"/>
+    <p:sldId id="277" r:id="rId15"/>
+    <p:sldId id="276" r:id="rId16"/>
+    <p:sldId id="274" r:id="rId17"/>
+    <p:sldId id="284" r:id="rId18"/>
+    <p:sldId id="267" r:id="rId19"/>
+    <p:sldId id="279" r:id="rId20"/>
+    <p:sldId id="283" r:id="rId21"/>
+    <p:sldId id="263" r:id="rId22"/>
+    <p:sldId id="265" r:id="rId23"/>
+    <p:sldId id="291" r:id="rId24"/>
+    <p:sldId id="292" r:id="rId25"/>
+    <p:sldId id="286" r:id="rId26"/>
+    <p:sldId id="273" r:id="rId27"/>
+    <p:sldId id="294" r:id="rId28"/>
+    <p:sldId id="271" r:id="rId29"/>
+    <p:sldId id="264" r:id="rId30"/>
+    <p:sldId id="293" r:id="rId31"/>
+    <p:sldId id="287" r:id="rId32"/>
+    <p:sldId id="266" r:id="rId33"/>
+    <p:sldId id="268" r:id="rId34"/>
+    <p:sldId id="278" r:id="rId35"/>
   </p:sldIdLst>
   <p:sldSz cx="12192000" cy="6858000"/>
   <p:notesSz cx="6858000" cy="9144000"/>
@@ -145,6 +146,7 @@
         <p14:section name="Default Section" id="{A084858A-5FC9-4FB8-9A70-32078733FC8E}">
           <p14:sldIdLst>
             <p14:sldId id="256"/>
+            <p14:sldId id="296"/>
             <p14:sldId id="280"/>
             <p14:sldId id="295"/>
             <p14:sldId id="281"/>
@@ -859,7 +861,7 @@
           <a:p>
             <a:fld id="{39B0D423-1062-4D44-828B-BFEF85F303DF}" type="slidenum">
               <a:rPr lang="en-US" smtClean="0"/>
-              <a:t>3</a:t>
+              <a:t>4</a:t>
             </a:fld>
             <a:endParaRPr lang="en-US"/>
           </a:p>
@@ -943,7 +945,7 @@
           <a:p>
             <a:fld id="{39B0D423-1062-4D44-828B-BFEF85F303DF}" type="slidenum">
               <a:rPr lang="en-US" smtClean="0"/>
-              <a:t>17</a:t>
+              <a:t>18</a:t>
             </a:fld>
             <a:endParaRPr lang="en-US"/>
           </a:p>
@@ -1036,7 +1038,7 @@
           <a:p>
             <a:fld id="{39B0D423-1062-4D44-828B-BFEF85F303DF}" type="slidenum">
               <a:rPr lang="en-US" smtClean="0"/>
-              <a:t>18</a:t>
+              <a:t>19</a:t>
             </a:fld>
             <a:endParaRPr lang="en-US"/>
           </a:p>
@@ -1229,7 +1231,7 @@
           <a:p>
             <a:fld id="{39B0D423-1062-4D44-828B-BFEF85F303DF}" type="slidenum">
               <a:rPr lang="en-US" smtClean="0"/>
-              <a:t>20</a:t>
+              <a:t>21</a:t>
             </a:fld>
             <a:endParaRPr lang="en-US"/>
           </a:p>
@@ -1364,7 +1366,7 @@
           <a:p>
             <a:fld id="{39B0D423-1062-4D44-828B-BFEF85F303DF}" type="slidenum">
               <a:rPr lang="en-US" smtClean="0"/>
-              <a:t>22</a:t>
+              <a:t>23</a:t>
             </a:fld>
             <a:endParaRPr lang="en-US"/>
           </a:p>
@@ -1496,7 +1498,7 @@
           <a:p>
             <a:fld id="{39B0D423-1062-4D44-828B-BFEF85F303DF}" type="slidenum">
               <a:rPr lang="en-US" smtClean="0"/>
-              <a:t>23</a:t>
+              <a:t>24</a:t>
             </a:fld>
             <a:endParaRPr lang="en-US"/>
           </a:p>
@@ -1680,7 +1682,7 @@
           <a:p>
             <a:fld id="{39B0D423-1062-4D44-828B-BFEF85F303DF}" type="slidenum">
               <a:rPr lang="en-US" smtClean="0"/>
-              <a:t>33</a:t>
+              <a:t>34</a:t>
             </a:fld>
             <a:endParaRPr lang="en-US"/>
           </a:p>
@@ -4663,6 +4665,139 @@
       </p:grpSpPr>
       <p:sp>
         <p:nvSpPr>
+          <p:cNvPr id="2" name="Title 1">
+            <a:extLst>
+              <a:ext uri="{FF2B5EF4-FFF2-40B4-BE49-F238E27FC236}">
+                <a16:creationId xmlns:a16="http://schemas.microsoft.com/office/drawing/2014/main" id="{C6E799AB-88F8-C085-A43D-87F9801E1CFB}"/>
+              </a:ext>
+            </a:extLst>
+          </p:cNvPr>
+          <p:cNvSpPr>
+            <a:spLocks noGrp="1"/>
+          </p:cNvSpPr>
+          <p:nvPr>
+            <p:ph type="title"/>
+          </p:nvPr>
+        </p:nvSpPr>
+        <p:spPr/>
+        <p:txBody>
+          <a:bodyPr/>
+          <a:lstStyle/>
+          <a:p>
+            <a:r>
+              <a:rPr lang="en-US" dirty="0"/>
+              <a:t>Barge Rate (Mississippi), transportation cost from US</a:t>
+            </a:r>
+          </a:p>
+        </p:txBody>
+      </p:sp>
+      <p:pic>
+        <p:nvPicPr>
+          <p:cNvPr id="5" name="Content Placeholder 4">
+            <a:extLst>
+              <a:ext uri="{FF2B5EF4-FFF2-40B4-BE49-F238E27FC236}">
+                <a16:creationId xmlns:a16="http://schemas.microsoft.com/office/drawing/2014/main" id="{47C9DB58-723A-894C-56B1-AAD9D0E83C24}"/>
+              </a:ext>
+            </a:extLst>
+          </p:cNvPr>
+          <p:cNvPicPr>
+            <a:picLocks noGrp="1" noChangeAspect="1"/>
+          </p:cNvPicPr>
+          <p:nvPr>
+            <p:ph idx="1"/>
+          </p:nvPr>
+        </p:nvPicPr>
+        <p:blipFill>
+          <a:blip r:embed="rId2"/>
+          <a:stretch>
+            <a:fillRect/>
+          </a:stretch>
+        </p:blipFill>
+        <p:spPr>
+          <a:xfrm>
+            <a:off x="2547866" y="1825625"/>
+            <a:ext cx="7096268" cy="4351338"/>
+          </a:xfrm>
+          <a:prstGeom prst="rect">
+            <a:avLst/>
+          </a:prstGeom>
+        </p:spPr>
+      </p:pic>
+      <p:sp>
+        <p:nvSpPr>
+          <p:cNvPr id="3" name="TextBox 2">
+            <a:extLst>
+              <a:ext uri="{FF2B5EF4-FFF2-40B4-BE49-F238E27FC236}">
+                <a16:creationId xmlns:a16="http://schemas.microsoft.com/office/drawing/2014/main" id="{7F82D922-A7B2-AEC4-16A4-4FD2CFBECC57}"/>
+              </a:ext>
+            </a:extLst>
+          </p:cNvPr>
+          <p:cNvSpPr txBox="1"/>
+          <p:nvPr/>
+        </p:nvSpPr>
+        <p:spPr>
+          <a:xfrm>
+            <a:off x="0" y="6492875"/>
+            <a:ext cx="12192000" cy="369332"/>
+          </a:xfrm>
+          <a:prstGeom prst="rect">
+            <a:avLst/>
+          </a:prstGeom>
+          <a:noFill/>
+        </p:spPr>
+        <p:txBody>
+          <a:bodyPr wrap="square" rtlCol="0">
+            <a:spAutoFit/>
+          </a:bodyPr>
+          <a:lstStyle/>
+          <a:p>
+            <a:pPr algn="ctr"/>
+            <a:r>
+              <a:rPr lang="en-US" dirty="0"/>
+              <a:t>Reference: </a:t>
+            </a:r>
+            <a:r>
+              <a:rPr lang="en-US" dirty="0">
+                <a:hlinkClick r:id="rId3"/>
+              </a:rPr>
+              <a:t>United States Department of Agriculture (USDA), Downbound Grain Barge Rates </a:t>
+            </a:r>
+            <a:endParaRPr lang="x-none" dirty="0"/>
+          </a:p>
+        </p:txBody>
+      </p:sp>
+    </p:spTree>
+    <p:extLst>
+      <p:ext uri="{BB962C8B-B14F-4D97-AF65-F5344CB8AC3E}">
+        <p14:creationId xmlns:p14="http://schemas.microsoft.com/office/powerpoint/2010/main" val="2537292683"/>
+      </p:ext>
+    </p:extLst>
+  </p:cSld>
+  <p:clrMapOvr>
+    <a:masterClrMapping/>
+  </p:clrMapOvr>
+</p:sld>
+</file>
+
+<file path=ppt/slides/slide11.xml><?xml version="1.0" encoding="utf-8"?>
+<p:sld xmlns:a="http://schemas.openxmlformats.org/drawingml/2006/main" xmlns:r="http://schemas.openxmlformats.org/officeDocument/2006/relationships" xmlns:p="http://schemas.openxmlformats.org/presentationml/2006/main">
+  <p:cSld>
+    <p:spTree>
+      <p:nvGrpSpPr>
+        <p:cNvPr id="1" name=""/>
+        <p:cNvGrpSpPr/>
+        <p:nvPr/>
+      </p:nvGrpSpPr>
+      <p:grpSpPr>
+        <a:xfrm>
+          <a:off x="0" y="0"/>
+          <a:ext cx="0" cy="0"/>
+          <a:chOff x="0" y="0"/>
+          <a:chExt cx="0" cy="0"/>
+        </a:xfrm>
+      </p:grpSpPr>
+      <p:sp>
+        <p:nvSpPr>
           <p:cNvPr id="4" name="Title 3">
             <a:extLst>
               <a:ext uri="{FF2B5EF4-FFF2-40B4-BE49-F238E27FC236}">
@@ -4799,7 +4934,7 @@
 </p:sld>
 </file>
 
-<file path=ppt/slides/slide11.xml><?xml version="1.0" encoding="utf-8"?>
+<file path=ppt/slides/slide12.xml><?xml version="1.0" encoding="utf-8"?>
 <p:sld xmlns:a="http://schemas.openxmlformats.org/drawingml/2006/main" xmlns:r="http://schemas.openxmlformats.org/officeDocument/2006/relationships" xmlns:p="http://schemas.openxmlformats.org/presentationml/2006/main">
   <p:cSld>
     <p:spTree>
@@ -4839,7 +4974,7 @@
           <a:p>
             <a:r>
               <a:rPr lang="en-US" dirty="0"/>
-              <a:t>2. Urea Price Drivers</a:t>
+              <a:t>3. Urea Price Drivers</a:t>
             </a:r>
           </a:p>
         </p:txBody>
@@ -4882,7 +5017,7 @@
 </p:sld>
 </file>
 
-<file path=ppt/slides/slide12.xml><?xml version="1.0" encoding="utf-8"?>
+<file path=ppt/slides/slide13.xml><?xml version="1.0" encoding="utf-8"?>
 <p:sld xmlns:a="http://schemas.openxmlformats.org/drawingml/2006/main" xmlns:r="http://schemas.openxmlformats.org/officeDocument/2006/relationships" xmlns:p="http://schemas.openxmlformats.org/presentationml/2006/main">
   <p:cSld>
     <p:spTree>
@@ -4972,7 +5107,7 @@
 </p:sld>
 </file>
 
-<file path=ppt/slides/slide13.xml><?xml version="1.0" encoding="utf-8"?>
+<file path=ppt/slides/slide14.xml><?xml version="1.0" encoding="utf-8"?>
 <p:sld xmlns:a="http://schemas.openxmlformats.org/drawingml/2006/main" xmlns:r="http://schemas.openxmlformats.org/officeDocument/2006/relationships" xmlns:p="http://schemas.openxmlformats.org/presentationml/2006/main">
   <p:cSld>
     <p:spTree>
@@ -5062,7 +5197,7 @@
 </p:sld>
 </file>
 
-<file path=ppt/slides/slide14.xml><?xml version="1.0" encoding="utf-8"?>
+<file path=ppt/slides/slide15.xml><?xml version="1.0" encoding="utf-8"?>
 <p:sld xmlns:a="http://schemas.openxmlformats.org/drawingml/2006/main" xmlns:r="http://schemas.openxmlformats.org/officeDocument/2006/relationships" xmlns:p="http://schemas.openxmlformats.org/presentationml/2006/main">
   <p:cSld>
     <p:spTree>
@@ -5152,7 +5287,7 @@
 </p:sld>
 </file>
 
-<file path=ppt/slides/slide15.xml><?xml version="1.0" encoding="utf-8"?>
+<file path=ppt/slides/slide16.xml><?xml version="1.0" encoding="utf-8"?>
 <p:sld xmlns:a="http://schemas.openxmlformats.org/drawingml/2006/main" xmlns:r="http://schemas.openxmlformats.org/officeDocument/2006/relationships" xmlns:p="http://schemas.openxmlformats.org/presentationml/2006/main">
   <p:cSld>
     <p:spTree>
@@ -5242,7 +5377,7 @@
 </p:sld>
 </file>
 
-<file path=ppt/slides/slide16.xml><?xml version="1.0" encoding="utf-8"?>
+<file path=ppt/slides/slide17.xml><?xml version="1.0" encoding="utf-8"?>
 <p:sld xmlns:a="http://schemas.openxmlformats.org/drawingml/2006/main" xmlns:r="http://schemas.openxmlformats.org/officeDocument/2006/relationships" xmlns:p="http://schemas.openxmlformats.org/presentationml/2006/main">
   <p:cSld>
     <p:spTree>
@@ -5282,7 +5417,7 @@
           <a:p>
             <a:r>
               <a:rPr lang="en-US" dirty="0"/>
-              <a:t>3. Urea Long-Term Trend</a:t>
+              <a:t>4. Urea Long-Term Trend</a:t>
             </a:r>
           </a:p>
         </p:txBody>
@@ -5325,7 +5460,7 @@
 </p:sld>
 </file>
 
-<file path=ppt/slides/slide17.xml><?xml version="1.0" encoding="utf-8"?>
+<file path=ppt/slides/slide18.xml><?xml version="1.0" encoding="utf-8"?>
 <p:sld xmlns:a="http://schemas.openxmlformats.org/drawingml/2006/main" xmlns:r="http://schemas.openxmlformats.org/officeDocument/2006/relationships" xmlns:p="http://schemas.openxmlformats.org/presentationml/2006/main">
   <p:cSld>
     <p:spTree>
@@ -5419,7 +5554,7 @@
 </p:sld>
 </file>
 
-<file path=ppt/slides/slide18.xml><?xml version="1.0" encoding="utf-8"?>
+<file path=ppt/slides/slide19.xml><?xml version="1.0" encoding="utf-8"?>
 <p:sld xmlns:a="http://schemas.openxmlformats.org/drawingml/2006/main" xmlns:r="http://schemas.openxmlformats.org/officeDocument/2006/relationships" xmlns:p="http://schemas.openxmlformats.org/presentationml/2006/main">
   <p:cSld>
     <p:spTree>
@@ -5509,92 +5644,6 @@
 </p:sld>
 </file>
 
-<file path=ppt/slides/slide19.xml><?xml version="1.0" encoding="utf-8"?>
-<p:sld xmlns:a="http://schemas.openxmlformats.org/drawingml/2006/main" xmlns:r="http://schemas.openxmlformats.org/officeDocument/2006/relationships" xmlns:p="http://schemas.openxmlformats.org/presentationml/2006/main">
-  <p:cSld>
-    <p:spTree>
-      <p:nvGrpSpPr>
-        <p:cNvPr id="1" name=""/>
-        <p:cNvGrpSpPr/>
-        <p:nvPr/>
-      </p:nvGrpSpPr>
-      <p:grpSpPr>
-        <a:xfrm>
-          <a:off x="0" y="0"/>
-          <a:ext cx="0" cy="0"/>
-          <a:chOff x="0" y="0"/>
-          <a:chExt cx="0" cy="0"/>
-        </a:xfrm>
-      </p:grpSpPr>
-      <p:sp>
-        <p:nvSpPr>
-          <p:cNvPr id="4" name="Title 3">
-            <a:extLst>
-              <a:ext uri="{FF2B5EF4-FFF2-40B4-BE49-F238E27FC236}">
-                <a16:creationId xmlns:a16="http://schemas.microsoft.com/office/drawing/2014/main" id="{FA71F9E7-E98A-136E-F5E5-BB9DEF3ADFFB}"/>
-              </a:ext>
-            </a:extLst>
-          </p:cNvPr>
-          <p:cNvSpPr>
-            <a:spLocks noGrp="1"/>
-          </p:cNvSpPr>
-          <p:nvPr>
-            <p:ph type="title"/>
-          </p:nvPr>
-        </p:nvSpPr>
-        <p:spPr/>
-        <p:txBody>
-          <a:bodyPr/>
-          <a:lstStyle/>
-          <a:p>
-            <a:r>
-              <a:rPr lang="en-US" dirty="0"/>
-              <a:t>4. Forecast</a:t>
-            </a:r>
-          </a:p>
-        </p:txBody>
-      </p:sp>
-      <p:sp>
-        <p:nvSpPr>
-          <p:cNvPr id="5" name="Text Placeholder 4">
-            <a:extLst>
-              <a:ext uri="{FF2B5EF4-FFF2-40B4-BE49-F238E27FC236}">
-                <a16:creationId xmlns:a16="http://schemas.microsoft.com/office/drawing/2014/main" id="{CB2BCCBF-7F96-2DD5-20D5-A9F3EB30BE0C}"/>
-              </a:ext>
-            </a:extLst>
-          </p:cNvPr>
-          <p:cNvSpPr>
-            <a:spLocks noGrp="1"/>
-          </p:cNvSpPr>
-          <p:nvPr>
-            <p:ph type="body" idx="1"/>
-          </p:nvPr>
-        </p:nvSpPr>
-        <p:spPr/>
-        <p:txBody>
-          <a:bodyPr/>
-          <a:lstStyle/>
-          <a:p>
-            <a:r>
-              <a:rPr lang="en-US" dirty="0"/>
-              <a:t>12-month ahead</a:t>
-            </a:r>
-          </a:p>
-        </p:txBody>
-      </p:sp>
-    </p:spTree>
-    <p:extLst>
-      <p:ext uri="{BB962C8B-B14F-4D97-AF65-F5344CB8AC3E}">
-        <p14:creationId xmlns:p14="http://schemas.microsoft.com/office/powerpoint/2010/main" val="3452668944"/>
-      </p:ext>
-    </p:extLst>
-  </p:cSld>
-  <p:clrMapOvr>
-    <a:masterClrMapping/>
-  </p:clrMapOvr>
-</p:sld>
-</file>
-
 <file path=ppt/slides/slide2.xml><?xml version="1.0" encoding="utf-8"?>
 <p:sld xmlns:a="http://schemas.openxmlformats.org/drawingml/2006/main" xmlns:r="http://schemas.openxmlformats.org/officeDocument/2006/relationships" xmlns:p="http://schemas.openxmlformats.org/presentationml/2006/main">
   <p:cSld>
@@ -5614,10 +5663,10 @@
       </p:grpSpPr>
       <p:sp>
         <p:nvSpPr>
-          <p:cNvPr id="2" name="Title 1">
+          <p:cNvPr id="4" name="Title 3">
             <a:extLst>
               <a:ext uri="{FF2B5EF4-FFF2-40B4-BE49-F238E27FC236}">
-                <a16:creationId xmlns:a16="http://schemas.microsoft.com/office/drawing/2014/main" id="{637BCFEF-9BD5-38F8-8E11-288C5917736B}"/>
+                <a16:creationId xmlns:a16="http://schemas.microsoft.com/office/drawing/2014/main" id="{E486F280-D55A-3057-6D91-583955F3004F}"/>
               </a:ext>
             </a:extLst>
           </p:cNvPr>
@@ -5635,17 +5684,17 @@
           <a:p>
             <a:r>
               <a:rPr lang="en-US" dirty="0"/>
-              <a:t>Process</a:t>
-            </a:r>
-          </a:p>
-        </p:txBody>
-      </p:sp>
-      <p:sp>
-        <p:nvSpPr>
-          <p:cNvPr id="3" name="Content Placeholder 2">
+              <a:t>1. Introduction</a:t>
+            </a:r>
+          </a:p>
+        </p:txBody>
+      </p:sp>
+      <p:sp>
+        <p:nvSpPr>
+          <p:cNvPr id="5" name="Text Placeholder 4">
             <a:extLst>
               <a:ext uri="{FF2B5EF4-FFF2-40B4-BE49-F238E27FC236}">
-                <a16:creationId xmlns:a16="http://schemas.microsoft.com/office/drawing/2014/main" id="{C8E02D71-7A25-D82F-F437-4FB1DE9B68BE}"/>
+                <a16:creationId xmlns:a16="http://schemas.microsoft.com/office/drawing/2014/main" id="{71B9ECFE-AA91-7E93-7384-668786E34E39}"/>
               </a:ext>
             </a:extLst>
           </p:cNvPr>
@@ -5653,39 +5702,22 @@
             <a:spLocks noGrp="1"/>
           </p:cNvSpPr>
           <p:nvPr>
-            <p:ph idx="1"/>
-          </p:nvPr>
-        </p:nvSpPr>
-        <p:spPr/>
-        <p:txBody>
-          <a:bodyPr/>
-          <a:lstStyle/>
-          <a:p>
-            <a:pPr marL="514350" indent="-514350">
-              <a:buFont typeface="+mj-lt"/>
-              <a:buAutoNum type="arabicPeriod"/>
-            </a:pPr>
-            <a:r>
-              <a:rPr lang="en-US" dirty="0"/>
-              <a:t>Forecast FOB prices for general direction and possible range of moves</a:t>
-            </a:r>
-          </a:p>
-          <a:p>
-            <a:pPr marL="514350" indent="-514350">
-              <a:buFont typeface="+mj-lt"/>
-              <a:buAutoNum type="arabicPeriod"/>
-            </a:pPr>
-            <a:r>
-              <a:rPr lang="en-US" dirty="0"/>
-              <a:t>Use the difference between Alberta and FOB prices for timing the purchase.</a:t>
-            </a:r>
+            <p:ph type="body" idx="1"/>
+          </p:nvPr>
+        </p:nvSpPr>
+        <p:spPr/>
+        <p:txBody>
+          <a:bodyPr/>
+          <a:lstStyle/>
+          <a:p>
+            <a:endParaRPr lang="en-US"/>
           </a:p>
         </p:txBody>
       </p:sp>
     </p:spTree>
     <p:extLst>
       <p:ext uri="{BB962C8B-B14F-4D97-AF65-F5344CB8AC3E}">
-        <p14:creationId xmlns:p14="http://schemas.microsoft.com/office/powerpoint/2010/main" val="3455321472"/>
+        <p14:creationId xmlns:p14="http://schemas.microsoft.com/office/powerpoint/2010/main" val="520447252"/>
       </p:ext>
     </p:extLst>
   </p:cSld>
@@ -5696,6 +5728,92 @@
 </file>
 
 <file path=ppt/slides/slide20.xml><?xml version="1.0" encoding="utf-8"?>
+<p:sld xmlns:a="http://schemas.openxmlformats.org/drawingml/2006/main" xmlns:r="http://schemas.openxmlformats.org/officeDocument/2006/relationships" xmlns:p="http://schemas.openxmlformats.org/presentationml/2006/main">
+  <p:cSld>
+    <p:spTree>
+      <p:nvGrpSpPr>
+        <p:cNvPr id="1" name=""/>
+        <p:cNvGrpSpPr/>
+        <p:nvPr/>
+      </p:nvGrpSpPr>
+      <p:grpSpPr>
+        <a:xfrm>
+          <a:off x="0" y="0"/>
+          <a:ext cx="0" cy="0"/>
+          <a:chOff x="0" y="0"/>
+          <a:chExt cx="0" cy="0"/>
+        </a:xfrm>
+      </p:grpSpPr>
+      <p:sp>
+        <p:nvSpPr>
+          <p:cNvPr id="4" name="Title 3">
+            <a:extLst>
+              <a:ext uri="{FF2B5EF4-FFF2-40B4-BE49-F238E27FC236}">
+                <a16:creationId xmlns:a16="http://schemas.microsoft.com/office/drawing/2014/main" id="{FA71F9E7-E98A-136E-F5E5-BB9DEF3ADFFB}"/>
+              </a:ext>
+            </a:extLst>
+          </p:cNvPr>
+          <p:cNvSpPr>
+            <a:spLocks noGrp="1"/>
+          </p:cNvSpPr>
+          <p:nvPr>
+            <p:ph type="title"/>
+          </p:nvPr>
+        </p:nvSpPr>
+        <p:spPr/>
+        <p:txBody>
+          <a:bodyPr/>
+          <a:lstStyle/>
+          <a:p>
+            <a:r>
+              <a:rPr lang="en-US" dirty="0"/>
+              <a:t>5. Forecast</a:t>
+            </a:r>
+          </a:p>
+        </p:txBody>
+      </p:sp>
+      <p:sp>
+        <p:nvSpPr>
+          <p:cNvPr id="5" name="Text Placeholder 4">
+            <a:extLst>
+              <a:ext uri="{FF2B5EF4-FFF2-40B4-BE49-F238E27FC236}">
+                <a16:creationId xmlns:a16="http://schemas.microsoft.com/office/drawing/2014/main" id="{CB2BCCBF-7F96-2DD5-20D5-A9F3EB30BE0C}"/>
+              </a:ext>
+            </a:extLst>
+          </p:cNvPr>
+          <p:cNvSpPr>
+            <a:spLocks noGrp="1"/>
+          </p:cNvSpPr>
+          <p:nvPr>
+            <p:ph type="body" idx="1"/>
+          </p:nvPr>
+        </p:nvSpPr>
+        <p:spPr/>
+        <p:txBody>
+          <a:bodyPr/>
+          <a:lstStyle/>
+          <a:p>
+            <a:r>
+              <a:rPr lang="en-US" dirty="0"/>
+              <a:t>12-month ahead</a:t>
+            </a:r>
+          </a:p>
+        </p:txBody>
+      </p:sp>
+    </p:spTree>
+    <p:extLst>
+      <p:ext uri="{BB962C8B-B14F-4D97-AF65-F5344CB8AC3E}">
+        <p14:creationId xmlns:p14="http://schemas.microsoft.com/office/powerpoint/2010/main" val="3452668944"/>
+      </p:ext>
+    </p:extLst>
+  </p:cSld>
+  <p:clrMapOvr>
+    <a:masterClrMapping/>
+  </p:clrMapOvr>
+</p:sld>
+</file>
+
+<file path=ppt/slides/slide21.xml><?xml version="1.0" encoding="utf-8"?>
 <p:sld xmlns:a="http://schemas.openxmlformats.org/drawingml/2006/main" xmlns:r="http://schemas.openxmlformats.org/officeDocument/2006/relationships" xmlns:p="http://schemas.openxmlformats.org/presentationml/2006/main">
   <p:cSld>
     <p:spTree>
@@ -5967,7 +6085,7 @@
 </p:sld>
 </file>
 
-<file path=ppt/slides/slide21.xml><?xml version="1.0" encoding="utf-8"?>
+<file path=ppt/slides/slide22.xml><?xml version="1.0" encoding="utf-8"?>
 <p:sld xmlns:a="http://schemas.openxmlformats.org/drawingml/2006/main" xmlns:r="http://schemas.openxmlformats.org/officeDocument/2006/relationships" xmlns:p="http://schemas.openxmlformats.org/presentationml/2006/main">
   <p:cSld>
     <p:spTree>
@@ -6059,7 +6177,7 @@
 </p:sld>
 </file>
 
-<file path=ppt/slides/slide22.xml><?xml version="1.0" encoding="utf-8"?>
+<file path=ppt/slides/slide23.xml><?xml version="1.0" encoding="utf-8"?>
 <p:sld xmlns:a="http://schemas.openxmlformats.org/drawingml/2006/main" xmlns:r="http://schemas.openxmlformats.org/officeDocument/2006/relationships" xmlns:p="http://schemas.openxmlformats.org/presentationml/2006/main">
   <p:cSld>
     <p:spTree>
@@ -6337,7 +6455,7 @@
 </p:sld>
 </file>
 
-<file path=ppt/slides/slide23.xml><?xml version="1.0" encoding="utf-8"?>
+<file path=ppt/slides/slide24.xml><?xml version="1.0" encoding="utf-8"?>
 <p:sld xmlns:a="http://schemas.openxmlformats.org/drawingml/2006/main" xmlns:r="http://schemas.openxmlformats.org/officeDocument/2006/relationships" xmlns:p="http://schemas.openxmlformats.org/presentationml/2006/main">
   <p:cSld>
     <p:spTree>
@@ -6615,7 +6733,7 @@
 </p:sld>
 </file>
 
-<file path=ppt/slides/slide24.xml><?xml version="1.0" encoding="utf-8"?>
+<file path=ppt/slides/slide25.xml><?xml version="1.0" encoding="utf-8"?>
 <p:sld xmlns:a="http://schemas.openxmlformats.org/drawingml/2006/main" xmlns:r="http://schemas.openxmlformats.org/officeDocument/2006/relationships" xmlns:p="http://schemas.openxmlformats.org/presentationml/2006/main">
   <p:cSld>
     <p:spTree>
@@ -6698,8 +6816,8 @@
 </p:sld>
 </file>
 
-<file path=ppt/slides/slide25.xml><?xml version="1.0" encoding="utf-8"?>
-<p:sld xmlns:a="http://schemas.openxmlformats.org/drawingml/2006/main" xmlns:r="http://schemas.openxmlformats.org/officeDocument/2006/relationships" xmlns:p="http://schemas.openxmlformats.org/presentationml/2006/main" show="0">
+<file path=ppt/slides/slide26.xml><?xml version="1.0" encoding="utf-8"?>
+<p:sld xmlns:a="http://schemas.openxmlformats.org/drawingml/2006/main" xmlns:r="http://schemas.openxmlformats.org/officeDocument/2006/relationships" xmlns:p="http://schemas.openxmlformats.org/presentationml/2006/main">
   <p:cSld>
     <p:spTree>
       <p:nvGrpSpPr>
@@ -6788,7 +6906,7 @@
 </p:sld>
 </file>
 
-<file path=ppt/slides/slide26.xml><?xml version="1.0" encoding="utf-8"?>
+<file path=ppt/slides/slide27.xml><?xml version="1.0" encoding="utf-8"?>
 <p:sld xmlns:a="http://schemas.openxmlformats.org/drawingml/2006/main" xmlns:r="http://schemas.openxmlformats.org/officeDocument/2006/relationships" xmlns:p="http://schemas.openxmlformats.org/presentationml/2006/main">
   <p:cSld>
     <p:spTree>
@@ -6878,7 +6996,7 @@
 </p:sld>
 </file>
 
-<file path=ppt/slides/slide27.xml><?xml version="1.0" encoding="utf-8"?>
+<file path=ppt/slides/slide28.xml><?xml version="1.0" encoding="utf-8"?>
 <p:sld xmlns:a="http://schemas.openxmlformats.org/drawingml/2006/main" xmlns:r="http://schemas.openxmlformats.org/officeDocument/2006/relationships" xmlns:p="http://schemas.openxmlformats.org/presentationml/2006/main">
   <p:cSld>
     <p:spTree>
@@ -6974,7 +7092,7 @@
 </p:sld>
 </file>
 
-<file path=ppt/slides/slide28.xml><?xml version="1.0" encoding="utf-8"?>
+<file path=ppt/slides/slide29.xml><?xml version="1.0" encoding="utf-8"?>
 <p:sld xmlns:a="http://schemas.openxmlformats.org/drawingml/2006/main" xmlns:r="http://schemas.openxmlformats.org/officeDocument/2006/relationships" xmlns:p="http://schemas.openxmlformats.org/presentationml/2006/main">
   <p:cSld>
     <p:spTree>
@@ -7112,7 +7230,107 @@
 </p:sld>
 </file>
 
-<file path=ppt/slides/slide29.xml><?xml version="1.0" encoding="utf-8"?>
+<file path=ppt/slides/slide3.xml><?xml version="1.0" encoding="utf-8"?>
+<p:sld xmlns:a="http://schemas.openxmlformats.org/drawingml/2006/main" xmlns:r="http://schemas.openxmlformats.org/officeDocument/2006/relationships" xmlns:p="http://schemas.openxmlformats.org/presentationml/2006/main">
+  <p:cSld>
+    <p:spTree>
+      <p:nvGrpSpPr>
+        <p:cNvPr id="1" name=""/>
+        <p:cNvGrpSpPr/>
+        <p:nvPr/>
+      </p:nvGrpSpPr>
+      <p:grpSpPr>
+        <a:xfrm>
+          <a:off x="0" y="0"/>
+          <a:ext cx="0" cy="0"/>
+          <a:chOff x="0" y="0"/>
+          <a:chExt cx="0" cy="0"/>
+        </a:xfrm>
+      </p:grpSpPr>
+      <p:sp>
+        <p:nvSpPr>
+          <p:cNvPr id="2" name="Title 1">
+            <a:extLst>
+              <a:ext uri="{FF2B5EF4-FFF2-40B4-BE49-F238E27FC236}">
+                <a16:creationId xmlns:a16="http://schemas.microsoft.com/office/drawing/2014/main" id="{637BCFEF-9BD5-38F8-8E11-288C5917736B}"/>
+              </a:ext>
+            </a:extLst>
+          </p:cNvPr>
+          <p:cNvSpPr>
+            <a:spLocks noGrp="1"/>
+          </p:cNvSpPr>
+          <p:nvPr>
+            <p:ph type="title"/>
+          </p:nvPr>
+        </p:nvSpPr>
+        <p:spPr/>
+        <p:txBody>
+          <a:bodyPr/>
+          <a:lstStyle/>
+          <a:p>
+            <a:r>
+              <a:rPr lang="en-US" dirty="0"/>
+              <a:t>Process</a:t>
+            </a:r>
+          </a:p>
+        </p:txBody>
+      </p:sp>
+      <p:sp>
+        <p:nvSpPr>
+          <p:cNvPr id="3" name="Content Placeholder 2">
+            <a:extLst>
+              <a:ext uri="{FF2B5EF4-FFF2-40B4-BE49-F238E27FC236}">
+                <a16:creationId xmlns:a16="http://schemas.microsoft.com/office/drawing/2014/main" id="{C8E02D71-7A25-D82F-F437-4FB1DE9B68BE}"/>
+              </a:ext>
+            </a:extLst>
+          </p:cNvPr>
+          <p:cNvSpPr>
+            <a:spLocks noGrp="1"/>
+          </p:cNvSpPr>
+          <p:nvPr>
+            <p:ph idx="1"/>
+          </p:nvPr>
+        </p:nvSpPr>
+        <p:spPr/>
+        <p:txBody>
+          <a:bodyPr/>
+          <a:lstStyle/>
+          <a:p>
+            <a:pPr marL="514350" indent="-514350">
+              <a:buFont typeface="+mj-lt"/>
+              <a:buAutoNum type="arabicPeriod"/>
+            </a:pPr>
+            <a:r>
+              <a:rPr lang="en-US" dirty="0"/>
+              <a:t>Forecast FOB prices for general direction and possible range of moves</a:t>
+            </a:r>
+          </a:p>
+          <a:p>
+            <a:pPr marL="514350" indent="-514350">
+              <a:buFont typeface="+mj-lt"/>
+              <a:buAutoNum type="arabicPeriod"/>
+            </a:pPr>
+            <a:r>
+              <a:rPr lang="en-US" dirty="0"/>
+              <a:t>Use the difference between Alberta and FOB prices for timing the purchase.</a:t>
+            </a:r>
+          </a:p>
+        </p:txBody>
+      </p:sp>
+    </p:spTree>
+    <p:extLst>
+      <p:ext uri="{BB962C8B-B14F-4D97-AF65-F5344CB8AC3E}">
+        <p14:creationId xmlns:p14="http://schemas.microsoft.com/office/powerpoint/2010/main" val="3455321472"/>
+      </p:ext>
+    </p:extLst>
+  </p:cSld>
+  <p:clrMapOvr>
+    <a:masterClrMapping/>
+  </p:clrMapOvr>
+</p:sld>
+</file>
+
+<file path=ppt/slides/slide30.xml><?xml version="1.0" encoding="utf-8"?>
 <p:sld xmlns:a="http://schemas.openxmlformats.org/drawingml/2006/main" xmlns:r="http://schemas.openxmlformats.org/officeDocument/2006/relationships" xmlns:p="http://schemas.openxmlformats.org/presentationml/2006/main">
   <p:cSld>
     <p:spTree>
@@ -7202,7 +7420,549 @@
 </p:sld>
 </file>
 
-<file path=ppt/slides/slide3.xml><?xml version="1.0" encoding="utf-8"?>
+<file path=ppt/slides/slide31.xml><?xml version="1.0" encoding="utf-8"?>
+<p:sld xmlns:a="http://schemas.openxmlformats.org/drawingml/2006/main" xmlns:r="http://schemas.openxmlformats.org/officeDocument/2006/relationships" xmlns:p="http://schemas.openxmlformats.org/presentationml/2006/main">
+  <p:cSld>
+    <p:spTree>
+      <p:nvGrpSpPr>
+        <p:cNvPr id="1" name=""/>
+        <p:cNvGrpSpPr/>
+        <p:nvPr/>
+      </p:nvGrpSpPr>
+      <p:grpSpPr>
+        <a:xfrm>
+          <a:off x="0" y="0"/>
+          <a:ext cx="0" cy="0"/>
+          <a:chOff x="0" y="0"/>
+          <a:chExt cx="0" cy="0"/>
+        </a:xfrm>
+      </p:grpSpPr>
+      <p:sp>
+        <p:nvSpPr>
+          <p:cNvPr id="5" name="Title 4">
+            <a:extLst>
+              <a:ext uri="{FF2B5EF4-FFF2-40B4-BE49-F238E27FC236}">
+                <a16:creationId xmlns:a16="http://schemas.microsoft.com/office/drawing/2014/main" id="{EFF5E8F3-093C-A82F-349A-0D8200E40A69}"/>
+              </a:ext>
+            </a:extLst>
+          </p:cNvPr>
+          <p:cNvSpPr>
+            <a:spLocks noGrp="1"/>
+          </p:cNvSpPr>
+          <p:nvPr>
+            <p:ph type="title"/>
+          </p:nvPr>
+        </p:nvSpPr>
+        <p:spPr/>
+        <p:txBody>
+          <a:bodyPr/>
+          <a:lstStyle/>
+          <a:p>
+            <a:r>
+              <a:rPr lang="en-US" dirty="0"/>
+              <a:t>7. Conclusion</a:t>
+            </a:r>
+          </a:p>
+        </p:txBody>
+      </p:sp>
+      <p:sp>
+        <p:nvSpPr>
+          <p:cNvPr id="6" name="Text Placeholder 5">
+            <a:extLst>
+              <a:ext uri="{FF2B5EF4-FFF2-40B4-BE49-F238E27FC236}">
+                <a16:creationId xmlns:a16="http://schemas.microsoft.com/office/drawing/2014/main" id="{123F174D-7DEA-E66C-40A8-8C4C9D0CCE05}"/>
+              </a:ext>
+            </a:extLst>
+          </p:cNvPr>
+          <p:cNvSpPr>
+            <a:spLocks noGrp="1"/>
+          </p:cNvSpPr>
+          <p:nvPr>
+            <p:ph type="body" idx="1"/>
+          </p:nvPr>
+        </p:nvSpPr>
+        <p:spPr/>
+        <p:txBody>
+          <a:bodyPr/>
+          <a:lstStyle/>
+          <a:p>
+            <a:endParaRPr lang="en-US"/>
+          </a:p>
+        </p:txBody>
+      </p:sp>
+    </p:spTree>
+    <p:extLst>
+      <p:ext uri="{BB962C8B-B14F-4D97-AF65-F5344CB8AC3E}">
+        <p14:creationId xmlns:p14="http://schemas.microsoft.com/office/powerpoint/2010/main" val="780710507"/>
+      </p:ext>
+    </p:extLst>
+  </p:cSld>
+  <p:clrMapOvr>
+    <a:masterClrMapping/>
+  </p:clrMapOvr>
+</p:sld>
+</file>
+
+<file path=ppt/slides/slide32.xml><?xml version="1.0" encoding="utf-8"?>
+<p:sld xmlns:a="http://schemas.openxmlformats.org/drawingml/2006/main" xmlns:r="http://schemas.openxmlformats.org/officeDocument/2006/relationships" xmlns:p="http://schemas.openxmlformats.org/presentationml/2006/main">
+  <p:cSld>
+    <p:spTree>
+      <p:nvGrpSpPr>
+        <p:cNvPr id="1" name=""/>
+        <p:cNvGrpSpPr/>
+        <p:nvPr/>
+      </p:nvGrpSpPr>
+      <p:grpSpPr>
+        <a:xfrm>
+          <a:off x="0" y="0"/>
+          <a:ext cx="0" cy="0"/>
+          <a:chOff x="0" y="0"/>
+          <a:chExt cx="0" cy="0"/>
+        </a:xfrm>
+      </p:grpSpPr>
+      <p:sp>
+        <p:nvSpPr>
+          <p:cNvPr id="2" name="Title 1">
+            <a:extLst>
+              <a:ext uri="{FF2B5EF4-FFF2-40B4-BE49-F238E27FC236}">
+                <a16:creationId xmlns:a16="http://schemas.microsoft.com/office/drawing/2014/main" id="{AB96B55A-379F-DF0A-8F57-F47B1D57CFEB}"/>
+              </a:ext>
+            </a:extLst>
+          </p:cNvPr>
+          <p:cNvSpPr>
+            <a:spLocks noGrp="1"/>
+          </p:cNvSpPr>
+          <p:nvPr>
+            <p:ph type="title"/>
+          </p:nvPr>
+        </p:nvSpPr>
+        <p:spPr/>
+        <p:txBody>
+          <a:bodyPr/>
+          <a:lstStyle/>
+          <a:p>
+            <a:r>
+              <a:rPr lang="en-US" dirty="0"/>
+              <a:t>Conclusion</a:t>
+            </a:r>
+          </a:p>
+        </p:txBody>
+      </p:sp>
+      <p:sp>
+        <p:nvSpPr>
+          <p:cNvPr id="3" name="Content Placeholder 2">
+            <a:extLst>
+              <a:ext uri="{FF2B5EF4-FFF2-40B4-BE49-F238E27FC236}">
+                <a16:creationId xmlns:a16="http://schemas.microsoft.com/office/drawing/2014/main" id="{E5AF604E-73EA-3F65-4A94-C8E8AA068F69}"/>
+              </a:ext>
+            </a:extLst>
+          </p:cNvPr>
+          <p:cNvSpPr>
+            <a:spLocks noGrp="1"/>
+          </p:cNvSpPr>
+          <p:nvPr>
+            <p:ph idx="1"/>
+          </p:nvPr>
+        </p:nvSpPr>
+        <p:spPr/>
+        <p:txBody>
+          <a:bodyPr/>
+          <a:lstStyle/>
+          <a:p>
+            <a:pPr marL="514350" indent="-514350">
+              <a:buFont typeface="+mj-lt"/>
+              <a:buAutoNum type="arabicPeriod"/>
+            </a:pPr>
+            <a:r>
+              <a:rPr lang="en-US" b="1" dirty="0"/>
+              <a:t>Urea</a:t>
+            </a:r>
+            <a:r>
+              <a:rPr lang="en-US" dirty="0"/>
+              <a:t> has an established </a:t>
+            </a:r>
+            <a:r>
+              <a:rPr lang="en-US" b="1" dirty="0"/>
+              <a:t>uptrend</a:t>
+            </a:r>
+            <a:r>
+              <a:rPr lang="en-US" dirty="0"/>
+              <a:t> with 6% annual growth rate, and price of urea will increase in the following years.</a:t>
+            </a:r>
+          </a:p>
+          <a:p>
+            <a:pPr marL="514350" indent="-514350">
+              <a:buFont typeface="+mj-lt"/>
+              <a:buAutoNum type="arabicPeriod"/>
+            </a:pPr>
+            <a:r>
+              <a:rPr lang="en-US" dirty="0"/>
+              <a:t>The current spread between urea in Alberta and FOB prices ($462) means </a:t>
+            </a:r>
+            <a:r>
+              <a:rPr lang="en-US" b="1" dirty="0"/>
+              <a:t>overvalued</a:t>
+            </a:r>
+            <a:r>
+              <a:rPr lang="en-US" dirty="0"/>
+              <a:t> urea prices now.</a:t>
+            </a:r>
+          </a:p>
+          <a:p>
+            <a:pPr marL="514350" indent="-514350">
+              <a:buFont typeface="+mj-lt"/>
+              <a:buAutoNum type="arabicPeriod"/>
+            </a:pPr>
+            <a:r>
+              <a:rPr lang="en-US" dirty="0"/>
+              <a:t>Recommendation: </a:t>
+            </a:r>
+            <a:r>
+              <a:rPr lang="en-US" b="1" dirty="0"/>
+              <a:t>Wait</a:t>
+            </a:r>
+            <a:r>
+              <a:rPr lang="en-US" dirty="0"/>
+              <a:t> for the spread of less than $300 to buy.</a:t>
+            </a:r>
+          </a:p>
+        </p:txBody>
+      </p:sp>
+    </p:spTree>
+    <p:extLst>
+      <p:ext uri="{BB962C8B-B14F-4D97-AF65-F5344CB8AC3E}">
+        <p14:creationId xmlns:p14="http://schemas.microsoft.com/office/powerpoint/2010/main" val="1427338897"/>
+      </p:ext>
+    </p:extLst>
+  </p:cSld>
+  <p:clrMapOvr>
+    <a:masterClrMapping/>
+  </p:clrMapOvr>
+</p:sld>
+</file>
+
+<file path=ppt/slides/slide33.xml><?xml version="1.0" encoding="utf-8"?>
+<p:sld xmlns:a="http://schemas.openxmlformats.org/drawingml/2006/main" xmlns:r="http://schemas.openxmlformats.org/officeDocument/2006/relationships" xmlns:p="http://schemas.openxmlformats.org/presentationml/2006/main">
+  <p:cSld>
+    <p:spTree>
+      <p:nvGrpSpPr>
+        <p:cNvPr id="1" name=""/>
+        <p:cNvGrpSpPr/>
+        <p:nvPr/>
+      </p:nvGrpSpPr>
+      <p:grpSpPr>
+        <a:xfrm>
+          <a:off x="0" y="0"/>
+          <a:ext cx="0" cy="0"/>
+          <a:chOff x="0" y="0"/>
+          <a:chExt cx="0" cy="0"/>
+        </a:xfrm>
+      </p:grpSpPr>
+      <p:sp>
+        <p:nvSpPr>
+          <p:cNvPr id="2" name="Title 1">
+            <a:extLst>
+              <a:ext uri="{FF2B5EF4-FFF2-40B4-BE49-F238E27FC236}">
+                <a16:creationId xmlns:a16="http://schemas.microsoft.com/office/drawing/2014/main" id="{D2AD10FF-D898-99AA-C0C4-412754F8E392}"/>
+              </a:ext>
+            </a:extLst>
+          </p:cNvPr>
+          <p:cNvSpPr>
+            <a:spLocks noGrp="1"/>
+          </p:cNvSpPr>
+          <p:nvPr>
+            <p:ph type="title"/>
+          </p:nvPr>
+        </p:nvSpPr>
+        <p:spPr/>
+        <p:txBody>
+          <a:bodyPr/>
+          <a:lstStyle/>
+          <a:p>
+            <a:r>
+              <a:rPr lang="en-US" dirty="0"/>
+              <a:t>Risks</a:t>
+            </a:r>
+          </a:p>
+        </p:txBody>
+      </p:sp>
+      <p:sp>
+        <p:nvSpPr>
+          <p:cNvPr id="3" name="Content Placeholder 2">
+            <a:extLst>
+              <a:ext uri="{FF2B5EF4-FFF2-40B4-BE49-F238E27FC236}">
+                <a16:creationId xmlns:a16="http://schemas.microsoft.com/office/drawing/2014/main" id="{2BA2C75E-97D1-4403-7E8B-E8B90957FFFF}"/>
+              </a:ext>
+            </a:extLst>
+          </p:cNvPr>
+          <p:cNvSpPr>
+            <a:spLocks noGrp="1"/>
+          </p:cNvSpPr>
+          <p:nvPr>
+            <p:ph idx="1"/>
+          </p:nvPr>
+        </p:nvSpPr>
+        <p:spPr/>
+        <p:txBody>
+          <a:bodyPr/>
+          <a:lstStyle/>
+          <a:p>
+            <a:r>
+              <a:rPr lang="en-US" dirty="0"/>
+              <a:t>The end of the </a:t>
+            </a:r>
+            <a:r>
+              <a:rPr lang="en-US" b="1" dirty="0"/>
+              <a:t>Russia-Ukraine</a:t>
+            </a:r>
+            <a:r>
+              <a:rPr lang="en-US" dirty="0"/>
+              <a:t> conflict and the resumption of Russian exports to global markets, along with the termination of </a:t>
+            </a:r>
+            <a:r>
+              <a:rPr lang="en-US" b="1" dirty="0"/>
+              <a:t>China's zero-export policy </a:t>
+            </a:r>
+            <a:r>
+              <a:rPr lang="en-US" dirty="0"/>
+              <a:t>and the return of Chinese urea to international trade, can increase supply and cause further price declines in the short term.</a:t>
+            </a:r>
+          </a:p>
+        </p:txBody>
+      </p:sp>
+    </p:spTree>
+    <p:extLst>
+      <p:ext uri="{BB962C8B-B14F-4D97-AF65-F5344CB8AC3E}">
+        <p14:creationId xmlns:p14="http://schemas.microsoft.com/office/powerpoint/2010/main" val="3984814231"/>
+      </p:ext>
+    </p:extLst>
+  </p:cSld>
+  <p:clrMapOvr>
+    <a:masterClrMapping/>
+  </p:clrMapOvr>
+</p:sld>
+</file>
+
+<file path=ppt/slides/slide34.xml><?xml version="1.0" encoding="utf-8"?>
+<p:sld xmlns:a="http://schemas.openxmlformats.org/drawingml/2006/main" xmlns:r="http://schemas.openxmlformats.org/officeDocument/2006/relationships" xmlns:p="http://schemas.openxmlformats.org/presentationml/2006/main">
+  <p:cSld>
+    <p:spTree>
+      <p:nvGrpSpPr>
+        <p:cNvPr id="1" name=""/>
+        <p:cNvGrpSpPr/>
+        <p:nvPr/>
+      </p:nvGrpSpPr>
+      <p:grpSpPr>
+        <a:xfrm>
+          <a:off x="0" y="0"/>
+          <a:ext cx="0" cy="0"/>
+          <a:chOff x="0" y="0"/>
+          <a:chExt cx="0" cy="0"/>
+        </a:xfrm>
+      </p:grpSpPr>
+      <p:sp>
+        <p:nvSpPr>
+          <p:cNvPr id="2" name="Title 1">
+            <a:extLst>
+              <a:ext uri="{FF2B5EF4-FFF2-40B4-BE49-F238E27FC236}">
+                <a16:creationId xmlns:a16="http://schemas.microsoft.com/office/drawing/2014/main" id="{FF3C50C3-9563-B44A-870F-6529095809B3}"/>
+              </a:ext>
+            </a:extLst>
+          </p:cNvPr>
+          <p:cNvSpPr>
+            <a:spLocks noGrp="1"/>
+          </p:cNvSpPr>
+          <p:nvPr>
+            <p:ph type="title"/>
+          </p:nvPr>
+        </p:nvSpPr>
+        <p:spPr/>
+        <p:txBody>
+          <a:bodyPr/>
+          <a:lstStyle/>
+          <a:p>
+            <a:r>
+              <a:rPr lang="en-US" dirty="0"/>
+              <a:t>Future Research</a:t>
+            </a:r>
+          </a:p>
+        </p:txBody>
+      </p:sp>
+      <p:sp>
+        <p:nvSpPr>
+          <p:cNvPr id="3" name="Content Placeholder 2">
+            <a:extLst>
+              <a:ext uri="{FF2B5EF4-FFF2-40B4-BE49-F238E27FC236}">
+                <a16:creationId xmlns:a16="http://schemas.microsoft.com/office/drawing/2014/main" id="{8ACA6A2F-43BA-42C8-C546-45B8E465896A}"/>
+              </a:ext>
+            </a:extLst>
+          </p:cNvPr>
+          <p:cNvSpPr>
+            <a:spLocks noGrp="1"/>
+          </p:cNvSpPr>
+          <p:nvPr>
+            <p:ph idx="1"/>
+          </p:nvPr>
+        </p:nvSpPr>
+        <p:spPr/>
+        <p:txBody>
+          <a:bodyPr>
+            <a:normAutofit fontScale="85000" lnSpcReduction="20000"/>
+          </a:bodyPr>
+          <a:lstStyle/>
+          <a:p>
+            <a:r>
+              <a:rPr lang="en-US" b="1" dirty="0"/>
+              <a:t>Interprovincial</a:t>
+            </a:r>
+            <a:r>
+              <a:rPr lang="en-US" dirty="0"/>
+              <a:t> trade dynamics and the price relationship between Eastern and Western Canada.</a:t>
+            </a:r>
+          </a:p>
+          <a:p>
+            <a:r>
+              <a:rPr lang="en-US" dirty="0"/>
+              <a:t>Analysis of </a:t>
+            </a:r>
+            <a:r>
+              <a:rPr lang="en-US" b="1" dirty="0">
+                <a:hlinkClick r:id="rId3"/>
+              </a:rPr>
+              <a:t>global supply and demand </a:t>
+            </a:r>
+            <a:r>
+              <a:rPr lang="en-US" dirty="0"/>
+              <a:t>of urea and crops.</a:t>
+            </a:r>
+          </a:p>
+          <a:p>
+            <a:r>
+              <a:rPr lang="en-US" dirty="0"/>
+              <a:t>Calculation of </a:t>
+            </a:r>
+            <a:r>
+              <a:rPr lang="en-US" b="1" dirty="0">
+                <a:hlinkClick r:id="rId3"/>
+              </a:rPr>
+              <a:t>CIF</a:t>
+            </a:r>
+            <a:r>
+              <a:rPr lang="en-US" dirty="0">
+                <a:hlinkClick r:id="rId3"/>
+              </a:rPr>
+              <a:t> prices </a:t>
+            </a:r>
+            <a:r>
+              <a:rPr lang="en-US" dirty="0"/>
+              <a:t>to estimate wholesale price in Canada</a:t>
+            </a:r>
+          </a:p>
+          <a:p>
+            <a:r>
+              <a:rPr lang="en-US" dirty="0"/>
+              <a:t>Analysis of agriculture data from </a:t>
+            </a:r>
+            <a:r>
+              <a:rPr lang="en-US" b="1" dirty="0"/>
+              <a:t>Statistics Canada</a:t>
+            </a:r>
+            <a:r>
+              <a:rPr lang="en-US" dirty="0"/>
+              <a:t>, including:</a:t>
+            </a:r>
+            <a:endParaRPr lang="en-US" b="1" dirty="0"/>
+          </a:p>
+          <a:p>
+            <a:pPr lvl="1"/>
+            <a:r>
+              <a:rPr lang="en-US" dirty="0">
+                <a:hlinkClick r:id="rId4"/>
+              </a:rPr>
+              <a:t>Farm Product Price Index</a:t>
+            </a:r>
+            <a:endParaRPr lang="en-US" dirty="0"/>
+          </a:p>
+          <a:p>
+            <a:pPr lvl="1"/>
+            <a:r>
+              <a:rPr lang="en-US" dirty="0">
+                <a:hlinkClick r:id="rId5"/>
+              </a:rPr>
+              <a:t>Farm Input Price Index</a:t>
+            </a:r>
+            <a:endParaRPr lang="en-US" dirty="0"/>
+          </a:p>
+          <a:p>
+            <a:pPr lvl="1"/>
+            <a:r>
+              <a:rPr lang="en-US" dirty="0">
+                <a:hlinkClick r:id="rId6"/>
+              </a:rPr>
+              <a:t>Canadian Fertilizer Production</a:t>
+            </a:r>
+            <a:endParaRPr lang="en-US" dirty="0"/>
+          </a:p>
+          <a:p>
+            <a:pPr lvl="1"/>
+            <a:r>
+              <a:rPr lang="en-US" dirty="0">
+                <a:hlinkClick r:id="rId7"/>
+              </a:rPr>
+              <a:t>Canadian Fertilizer Inventories</a:t>
+            </a:r>
+            <a:endParaRPr lang="en-US" dirty="0"/>
+          </a:p>
+          <a:p>
+            <a:pPr lvl="1"/>
+            <a:r>
+              <a:rPr lang="en-US" dirty="0">
+                <a:hlinkClick r:id="rId8"/>
+              </a:rPr>
+              <a:t>Fertilizers Shipments to Canadian Agriculture</a:t>
+            </a:r>
+            <a:endParaRPr lang="en-US" dirty="0"/>
+          </a:p>
+          <a:p>
+            <a:r>
+              <a:rPr lang="en-US" dirty="0"/>
+              <a:t>Analyzing the CFTC </a:t>
+            </a:r>
+            <a:r>
+              <a:rPr lang="en-US" dirty="0">
+                <a:hlinkClick r:id="rId9"/>
+              </a:rPr>
+              <a:t>Commitment of Traders </a:t>
+            </a:r>
+            <a:r>
+              <a:rPr lang="en-US" dirty="0"/>
+              <a:t>(</a:t>
+            </a:r>
+            <a:r>
+              <a:rPr lang="en-US" b="1" dirty="0"/>
+              <a:t>COT</a:t>
+            </a:r>
+            <a:r>
+              <a:rPr lang="en-US" dirty="0"/>
+              <a:t>) report for the futures market to gain insights into market sentiment and shifts in positions held by major hedge funds and producers.</a:t>
+            </a:r>
+          </a:p>
+        </p:txBody>
+      </p:sp>
+    </p:spTree>
+    <p:extLst>
+      <p:ext uri="{BB962C8B-B14F-4D97-AF65-F5344CB8AC3E}">
+        <p14:creationId xmlns:p14="http://schemas.microsoft.com/office/powerpoint/2010/main" val="2536895307"/>
+      </p:ext>
+    </p:extLst>
+  </p:cSld>
+  <p:clrMapOvr>
+    <a:masterClrMapping/>
+  </p:clrMapOvr>
+</p:sld>
+</file>
+
+<file path=ppt/slides/slide4.xml><?xml version="1.0" encoding="utf-8"?>
 <p:sld xmlns:a="http://schemas.openxmlformats.org/drawingml/2006/main" xmlns:r="http://schemas.openxmlformats.org/officeDocument/2006/relationships" xmlns:p="http://schemas.openxmlformats.org/presentationml/2006/main">
   <p:cSld>
     <p:spTree>
@@ -7352,7 +8112,7 @@
 </p:sld>
 </file>
 
-<file path=ppt/slides/slide30.xml><?xml version="1.0" encoding="utf-8"?>
+<file path=ppt/slides/slide5.xml><?xml version="1.0" encoding="utf-8"?>
 <p:sld xmlns:a="http://schemas.openxmlformats.org/drawingml/2006/main" xmlns:r="http://schemas.openxmlformats.org/officeDocument/2006/relationships" xmlns:p="http://schemas.openxmlformats.org/presentationml/2006/main">
   <p:cSld>
     <p:spTree>
@@ -7371,513 +8131,6 @@
       </p:grpSpPr>
       <p:sp>
         <p:nvSpPr>
-          <p:cNvPr id="5" name="Title 4">
-            <a:extLst>
-              <a:ext uri="{FF2B5EF4-FFF2-40B4-BE49-F238E27FC236}">
-                <a16:creationId xmlns:a16="http://schemas.microsoft.com/office/drawing/2014/main" id="{EFF5E8F3-093C-A82F-349A-0D8200E40A69}"/>
-              </a:ext>
-            </a:extLst>
-          </p:cNvPr>
-          <p:cNvSpPr>
-            <a:spLocks noGrp="1"/>
-          </p:cNvSpPr>
-          <p:nvPr>
-            <p:ph type="title"/>
-          </p:nvPr>
-        </p:nvSpPr>
-        <p:spPr/>
-        <p:txBody>
-          <a:bodyPr/>
-          <a:lstStyle/>
-          <a:p>
-            <a:r>
-              <a:rPr lang="en-US" dirty="0"/>
-              <a:t>7. Conclusion</a:t>
-            </a:r>
-          </a:p>
-        </p:txBody>
-      </p:sp>
-      <p:sp>
-        <p:nvSpPr>
-          <p:cNvPr id="6" name="Text Placeholder 5">
-            <a:extLst>
-              <a:ext uri="{FF2B5EF4-FFF2-40B4-BE49-F238E27FC236}">
-                <a16:creationId xmlns:a16="http://schemas.microsoft.com/office/drawing/2014/main" id="{123F174D-7DEA-E66C-40A8-8C4C9D0CCE05}"/>
-              </a:ext>
-            </a:extLst>
-          </p:cNvPr>
-          <p:cNvSpPr>
-            <a:spLocks noGrp="1"/>
-          </p:cNvSpPr>
-          <p:nvPr>
-            <p:ph type="body" idx="1"/>
-          </p:nvPr>
-        </p:nvSpPr>
-        <p:spPr/>
-        <p:txBody>
-          <a:bodyPr/>
-          <a:lstStyle/>
-          <a:p>
-            <a:endParaRPr lang="en-US"/>
-          </a:p>
-        </p:txBody>
-      </p:sp>
-    </p:spTree>
-    <p:extLst>
-      <p:ext uri="{BB962C8B-B14F-4D97-AF65-F5344CB8AC3E}">
-        <p14:creationId xmlns:p14="http://schemas.microsoft.com/office/powerpoint/2010/main" val="780710507"/>
-      </p:ext>
-    </p:extLst>
-  </p:cSld>
-  <p:clrMapOvr>
-    <a:masterClrMapping/>
-  </p:clrMapOvr>
-</p:sld>
-</file>
-
-<file path=ppt/slides/slide31.xml><?xml version="1.0" encoding="utf-8"?>
-<p:sld xmlns:a="http://schemas.openxmlformats.org/drawingml/2006/main" xmlns:r="http://schemas.openxmlformats.org/officeDocument/2006/relationships" xmlns:p="http://schemas.openxmlformats.org/presentationml/2006/main">
-  <p:cSld>
-    <p:spTree>
-      <p:nvGrpSpPr>
-        <p:cNvPr id="1" name=""/>
-        <p:cNvGrpSpPr/>
-        <p:nvPr/>
-      </p:nvGrpSpPr>
-      <p:grpSpPr>
-        <a:xfrm>
-          <a:off x="0" y="0"/>
-          <a:ext cx="0" cy="0"/>
-          <a:chOff x="0" y="0"/>
-          <a:chExt cx="0" cy="0"/>
-        </a:xfrm>
-      </p:grpSpPr>
-      <p:sp>
-        <p:nvSpPr>
-          <p:cNvPr id="2" name="Title 1">
-            <a:extLst>
-              <a:ext uri="{FF2B5EF4-FFF2-40B4-BE49-F238E27FC236}">
-                <a16:creationId xmlns:a16="http://schemas.microsoft.com/office/drawing/2014/main" id="{AB96B55A-379F-DF0A-8F57-F47B1D57CFEB}"/>
-              </a:ext>
-            </a:extLst>
-          </p:cNvPr>
-          <p:cNvSpPr>
-            <a:spLocks noGrp="1"/>
-          </p:cNvSpPr>
-          <p:nvPr>
-            <p:ph type="title"/>
-          </p:nvPr>
-        </p:nvSpPr>
-        <p:spPr/>
-        <p:txBody>
-          <a:bodyPr/>
-          <a:lstStyle/>
-          <a:p>
-            <a:r>
-              <a:rPr lang="en-US" dirty="0"/>
-              <a:t>Conclusion</a:t>
-            </a:r>
-          </a:p>
-        </p:txBody>
-      </p:sp>
-      <p:sp>
-        <p:nvSpPr>
-          <p:cNvPr id="3" name="Content Placeholder 2">
-            <a:extLst>
-              <a:ext uri="{FF2B5EF4-FFF2-40B4-BE49-F238E27FC236}">
-                <a16:creationId xmlns:a16="http://schemas.microsoft.com/office/drawing/2014/main" id="{E5AF604E-73EA-3F65-4A94-C8E8AA068F69}"/>
-              </a:ext>
-            </a:extLst>
-          </p:cNvPr>
-          <p:cNvSpPr>
-            <a:spLocks noGrp="1"/>
-          </p:cNvSpPr>
-          <p:nvPr>
-            <p:ph idx="1"/>
-          </p:nvPr>
-        </p:nvSpPr>
-        <p:spPr/>
-        <p:txBody>
-          <a:bodyPr/>
-          <a:lstStyle/>
-          <a:p>
-            <a:pPr marL="514350" indent="-514350">
-              <a:buFont typeface="+mj-lt"/>
-              <a:buAutoNum type="arabicPeriod"/>
-            </a:pPr>
-            <a:r>
-              <a:rPr lang="en-US" b="1" dirty="0"/>
-              <a:t>Urea</a:t>
-            </a:r>
-            <a:r>
-              <a:rPr lang="en-US" dirty="0"/>
-              <a:t> has an established </a:t>
-            </a:r>
-            <a:r>
-              <a:rPr lang="en-US" b="1" dirty="0"/>
-              <a:t>uptrend</a:t>
-            </a:r>
-            <a:r>
-              <a:rPr lang="en-US" dirty="0"/>
-              <a:t> with 6% annual growth rate, and price of urea will increase in the following years.</a:t>
-            </a:r>
-          </a:p>
-          <a:p>
-            <a:pPr marL="514350" indent="-514350">
-              <a:buFont typeface="+mj-lt"/>
-              <a:buAutoNum type="arabicPeriod"/>
-            </a:pPr>
-            <a:r>
-              <a:rPr lang="en-US" dirty="0"/>
-              <a:t>The current spread between urea in Alberta and FOB prices ($462) means </a:t>
-            </a:r>
-            <a:r>
-              <a:rPr lang="en-US" b="1" dirty="0"/>
-              <a:t>overvalued</a:t>
-            </a:r>
-            <a:r>
-              <a:rPr lang="en-US" dirty="0"/>
-              <a:t> urea prices now.</a:t>
-            </a:r>
-          </a:p>
-          <a:p>
-            <a:pPr marL="514350" indent="-514350">
-              <a:buFont typeface="+mj-lt"/>
-              <a:buAutoNum type="arabicPeriod"/>
-            </a:pPr>
-            <a:r>
-              <a:rPr lang="en-US" dirty="0"/>
-              <a:t>Recommendation: </a:t>
-            </a:r>
-            <a:r>
-              <a:rPr lang="en-US" b="1" dirty="0"/>
-              <a:t>Wait</a:t>
-            </a:r>
-            <a:r>
-              <a:rPr lang="en-US" dirty="0"/>
-              <a:t> for the spread of less than $300 to buy.</a:t>
-            </a:r>
-          </a:p>
-        </p:txBody>
-      </p:sp>
-    </p:spTree>
-    <p:extLst>
-      <p:ext uri="{BB962C8B-B14F-4D97-AF65-F5344CB8AC3E}">
-        <p14:creationId xmlns:p14="http://schemas.microsoft.com/office/powerpoint/2010/main" val="1427338897"/>
-      </p:ext>
-    </p:extLst>
-  </p:cSld>
-  <p:clrMapOvr>
-    <a:masterClrMapping/>
-  </p:clrMapOvr>
-</p:sld>
-</file>
-
-<file path=ppt/slides/slide32.xml><?xml version="1.0" encoding="utf-8"?>
-<p:sld xmlns:a="http://schemas.openxmlformats.org/drawingml/2006/main" xmlns:r="http://schemas.openxmlformats.org/officeDocument/2006/relationships" xmlns:p="http://schemas.openxmlformats.org/presentationml/2006/main">
-  <p:cSld>
-    <p:spTree>
-      <p:nvGrpSpPr>
-        <p:cNvPr id="1" name=""/>
-        <p:cNvGrpSpPr/>
-        <p:nvPr/>
-      </p:nvGrpSpPr>
-      <p:grpSpPr>
-        <a:xfrm>
-          <a:off x="0" y="0"/>
-          <a:ext cx="0" cy="0"/>
-          <a:chOff x="0" y="0"/>
-          <a:chExt cx="0" cy="0"/>
-        </a:xfrm>
-      </p:grpSpPr>
-      <p:sp>
-        <p:nvSpPr>
-          <p:cNvPr id="2" name="Title 1">
-            <a:extLst>
-              <a:ext uri="{FF2B5EF4-FFF2-40B4-BE49-F238E27FC236}">
-                <a16:creationId xmlns:a16="http://schemas.microsoft.com/office/drawing/2014/main" id="{D2AD10FF-D898-99AA-C0C4-412754F8E392}"/>
-              </a:ext>
-            </a:extLst>
-          </p:cNvPr>
-          <p:cNvSpPr>
-            <a:spLocks noGrp="1"/>
-          </p:cNvSpPr>
-          <p:nvPr>
-            <p:ph type="title"/>
-          </p:nvPr>
-        </p:nvSpPr>
-        <p:spPr/>
-        <p:txBody>
-          <a:bodyPr/>
-          <a:lstStyle/>
-          <a:p>
-            <a:r>
-              <a:rPr lang="en-US" dirty="0"/>
-              <a:t>Risks</a:t>
-            </a:r>
-          </a:p>
-        </p:txBody>
-      </p:sp>
-      <p:sp>
-        <p:nvSpPr>
-          <p:cNvPr id="3" name="Content Placeholder 2">
-            <a:extLst>
-              <a:ext uri="{FF2B5EF4-FFF2-40B4-BE49-F238E27FC236}">
-                <a16:creationId xmlns:a16="http://schemas.microsoft.com/office/drawing/2014/main" id="{2BA2C75E-97D1-4403-7E8B-E8B90957FFFF}"/>
-              </a:ext>
-            </a:extLst>
-          </p:cNvPr>
-          <p:cNvSpPr>
-            <a:spLocks noGrp="1"/>
-          </p:cNvSpPr>
-          <p:nvPr>
-            <p:ph idx="1"/>
-          </p:nvPr>
-        </p:nvSpPr>
-        <p:spPr/>
-        <p:txBody>
-          <a:bodyPr/>
-          <a:lstStyle/>
-          <a:p>
-            <a:r>
-              <a:rPr lang="en-US" dirty="0"/>
-              <a:t>The end of the </a:t>
-            </a:r>
-            <a:r>
-              <a:rPr lang="en-US" b="1" dirty="0"/>
-              <a:t>Russia-Ukraine</a:t>
-            </a:r>
-            <a:r>
-              <a:rPr lang="en-US" dirty="0"/>
-              <a:t> conflict and the resumption of Russian exports to global markets, along with the termination of </a:t>
-            </a:r>
-            <a:r>
-              <a:rPr lang="en-US" b="1" dirty="0"/>
-              <a:t>China's zero-export policy </a:t>
-            </a:r>
-            <a:r>
-              <a:rPr lang="en-US" dirty="0"/>
-              <a:t>and the return of Chinese urea to international trade, can increase supply and cause further price declines in the short term.</a:t>
-            </a:r>
-          </a:p>
-        </p:txBody>
-      </p:sp>
-    </p:spTree>
-    <p:extLst>
-      <p:ext uri="{BB962C8B-B14F-4D97-AF65-F5344CB8AC3E}">
-        <p14:creationId xmlns:p14="http://schemas.microsoft.com/office/powerpoint/2010/main" val="3984814231"/>
-      </p:ext>
-    </p:extLst>
-  </p:cSld>
-  <p:clrMapOvr>
-    <a:masterClrMapping/>
-  </p:clrMapOvr>
-</p:sld>
-</file>
-
-<file path=ppt/slides/slide33.xml><?xml version="1.0" encoding="utf-8"?>
-<p:sld xmlns:a="http://schemas.openxmlformats.org/drawingml/2006/main" xmlns:r="http://schemas.openxmlformats.org/officeDocument/2006/relationships" xmlns:p="http://schemas.openxmlformats.org/presentationml/2006/main">
-  <p:cSld>
-    <p:spTree>
-      <p:nvGrpSpPr>
-        <p:cNvPr id="1" name=""/>
-        <p:cNvGrpSpPr/>
-        <p:nvPr/>
-      </p:nvGrpSpPr>
-      <p:grpSpPr>
-        <a:xfrm>
-          <a:off x="0" y="0"/>
-          <a:ext cx="0" cy="0"/>
-          <a:chOff x="0" y="0"/>
-          <a:chExt cx="0" cy="0"/>
-        </a:xfrm>
-      </p:grpSpPr>
-      <p:sp>
-        <p:nvSpPr>
-          <p:cNvPr id="2" name="Title 1">
-            <a:extLst>
-              <a:ext uri="{FF2B5EF4-FFF2-40B4-BE49-F238E27FC236}">
-                <a16:creationId xmlns:a16="http://schemas.microsoft.com/office/drawing/2014/main" id="{FF3C50C3-9563-B44A-870F-6529095809B3}"/>
-              </a:ext>
-            </a:extLst>
-          </p:cNvPr>
-          <p:cNvSpPr>
-            <a:spLocks noGrp="1"/>
-          </p:cNvSpPr>
-          <p:nvPr>
-            <p:ph type="title"/>
-          </p:nvPr>
-        </p:nvSpPr>
-        <p:spPr/>
-        <p:txBody>
-          <a:bodyPr/>
-          <a:lstStyle/>
-          <a:p>
-            <a:r>
-              <a:rPr lang="en-US" dirty="0"/>
-              <a:t>Future Research</a:t>
-            </a:r>
-          </a:p>
-        </p:txBody>
-      </p:sp>
-      <p:sp>
-        <p:nvSpPr>
-          <p:cNvPr id="3" name="Content Placeholder 2">
-            <a:extLst>
-              <a:ext uri="{FF2B5EF4-FFF2-40B4-BE49-F238E27FC236}">
-                <a16:creationId xmlns:a16="http://schemas.microsoft.com/office/drawing/2014/main" id="{8ACA6A2F-43BA-42C8-C546-45B8E465896A}"/>
-              </a:ext>
-            </a:extLst>
-          </p:cNvPr>
-          <p:cNvSpPr>
-            <a:spLocks noGrp="1"/>
-          </p:cNvSpPr>
-          <p:nvPr>
-            <p:ph idx="1"/>
-          </p:nvPr>
-        </p:nvSpPr>
-        <p:spPr/>
-        <p:txBody>
-          <a:bodyPr>
-            <a:normAutofit fontScale="85000" lnSpcReduction="20000"/>
-          </a:bodyPr>
-          <a:lstStyle/>
-          <a:p>
-            <a:r>
-              <a:rPr lang="en-US" b="1" dirty="0"/>
-              <a:t>Interprovincial</a:t>
-            </a:r>
-            <a:r>
-              <a:rPr lang="en-US" dirty="0"/>
-              <a:t> trade dynamics and the price relationship between Eastern and Western Canada.</a:t>
-            </a:r>
-          </a:p>
-          <a:p>
-            <a:r>
-              <a:rPr lang="en-US" dirty="0"/>
-              <a:t>Analysis of </a:t>
-            </a:r>
-            <a:r>
-              <a:rPr lang="en-US" b="1" dirty="0"/>
-              <a:t>global supply and demand </a:t>
-            </a:r>
-            <a:r>
-              <a:rPr lang="en-US" dirty="0"/>
-              <a:t>of urea and crops.</a:t>
-            </a:r>
-          </a:p>
-          <a:p>
-            <a:r>
-              <a:rPr lang="en-US" dirty="0"/>
-              <a:t>Calculation of </a:t>
-            </a:r>
-            <a:r>
-              <a:rPr lang="en-US" b="1" dirty="0"/>
-              <a:t>CIF</a:t>
-            </a:r>
-            <a:r>
-              <a:rPr lang="en-US" dirty="0"/>
-              <a:t> prices to estimate wholesale price in Canada</a:t>
-            </a:r>
-          </a:p>
-          <a:p>
-            <a:r>
-              <a:rPr lang="en-US" dirty="0"/>
-              <a:t>Analysis of agriculture data from </a:t>
-            </a:r>
-            <a:r>
-              <a:rPr lang="en-US" b="1" dirty="0"/>
-              <a:t>Statistics Canada</a:t>
-            </a:r>
-            <a:r>
-              <a:rPr lang="en-US" dirty="0"/>
-              <a:t>, including:</a:t>
-            </a:r>
-            <a:endParaRPr lang="en-US" b="1" dirty="0"/>
-          </a:p>
-          <a:p>
-            <a:pPr lvl="1"/>
-            <a:r>
-              <a:rPr lang="en-US" dirty="0"/>
-              <a:t>Farm Product Price Index</a:t>
-            </a:r>
-          </a:p>
-          <a:p>
-            <a:pPr lvl="1"/>
-            <a:r>
-              <a:rPr lang="en-US" dirty="0"/>
-              <a:t>Farm Input Price Index</a:t>
-            </a:r>
-          </a:p>
-          <a:p>
-            <a:pPr lvl="1"/>
-            <a:r>
-              <a:rPr lang="en-US" dirty="0"/>
-              <a:t>Canadian Fertilizer Production</a:t>
-            </a:r>
-          </a:p>
-          <a:p>
-            <a:pPr lvl="1"/>
-            <a:r>
-              <a:rPr lang="en-US" dirty="0"/>
-              <a:t>Canadian Fertilizer Inventories</a:t>
-            </a:r>
-          </a:p>
-          <a:p>
-            <a:pPr lvl="1"/>
-            <a:r>
-              <a:rPr lang="en-US" dirty="0"/>
-              <a:t>Fertilizers Shipments</a:t>
-            </a:r>
-          </a:p>
-          <a:p>
-            <a:r>
-              <a:rPr lang="en-US" dirty="0"/>
-              <a:t>Analyzing the CFTC Commitment of Traders (</a:t>
-            </a:r>
-            <a:r>
-              <a:rPr lang="en-US" b="1" dirty="0"/>
-              <a:t>COT</a:t>
-            </a:r>
-            <a:r>
-              <a:rPr lang="en-US" dirty="0"/>
-              <a:t>) report for the futures market to gain insights into market sentiment and shifts in positions held by major hedge funds and producers.</a:t>
-            </a:r>
-          </a:p>
-        </p:txBody>
-      </p:sp>
-    </p:spTree>
-    <p:extLst>
-      <p:ext uri="{BB962C8B-B14F-4D97-AF65-F5344CB8AC3E}">
-        <p14:creationId xmlns:p14="http://schemas.microsoft.com/office/powerpoint/2010/main" val="2536895307"/>
-      </p:ext>
-    </p:extLst>
-  </p:cSld>
-  <p:clrMapOvr>
-    <a:masterClrMapping/>
-  </p:clrMapOvr>
-</p:sld>
-</file>
-
-<file path=ppt/slides/slide4.xml><?xml version="1.0" encoding="utf-8"?>
-<p:sld xmlns:a="http://schemas.openxmlformats.org/drawingml/2006/main" xmlns:r="http://schemas.openxmlformats.org/officeDocument/2006/relationships" xmlns:p="http://schemas.openxmlformats.org/presentationml/2006/main">
-  <p:cSld>
-    <p:spTree>
-      <p:nvGrpSpPr>
-        <p:cNvPr id="1" name=""/>
-        <p:cNvGrpSpPr/>
-        <p:nvPr/>
-      </p:nvGrpSpPr>
-      <p:grpSpPr>
-        <a:xfrm>
-          <a:off x="0" y="0"/>
-          <a:ext cx="0" cy="0"/>
-          <a:chOff x="0" y="0"/>
-          <a:chExt cx="0" cy="0"/>
-        </a:xfrm>
-      </p:grpSpPr>
-      <p:sp>
-        <p:nvSpPr>
           <p:cNvPr id="4" name="Title 3">
             <a:extLst>
               <a:ext uri="{FF2B5EF4-FFF2-40B4-BE49-F238E27FC236}">
@@ -7899,7 +8152,7 @@
           <a:p>
             <a:r>
               <a:rPr lang="en-US" dirty="0"/>
-              <a:t>1. Conceptual Model</a:t>
+              <a:t>2. Conceptual Model</a:t>
             </a:r>
           </a:p>
         </p:txBody>
@@ -7942,7 +8195,7 @@
 </p:sld>
 </file>
 
-<file path=ppt/slides/slide5.xml><?xml version="1.0" encoding="utf-8"?>
+<file path=ppt/slides/slide6.xml><?xml version="1.0" encoding="utf-8"?>
 <p:sld xmlns:a="http://schemas.openxmlformats.org/drawingml/2006/main" xmlns:r="http://schemas.openxmlformats.org/officeDocument/2006/relationships" xmlns:p="http://schemas.openxmlformats.org/presentationml/2006/main">
   <p:cSld>
     <p:spTree>
@@ -8048,7 +8301,7 @@
 </p:sld>
 </file>
 
-<file path=ppt/slides/slide6.xml><?xml version="1.0" encoding="utf-8"?>
+<file path=ppt/slides/slide7.xml><?xml version="1.0" encoding="utf-8"?>
 <p:sld xmlns:a="http://schemas.openxmlformats.org/drawingml/2006/main" xmlns:r="http://schemas.openxmlformats.org/officeDocument/2006/relationships" xmlns:p="http://schemas.openxmlformats.org/presentationml/2006/main">
   <p:cSld>
     <p:spTree>
@@ -8184,144 +8437,6 @@
     <p:extLst>
       <p:ext uri="{BB962C8B-B14F-4D97-AF65-F5344CB8AC3E}">
         <p14:creationId xmlns:p14="http://schemas.microsoft.com/office/powerpoint/2010/main" val="1126108420"/>
-      </p:ext>
-    </p:extLst>
-  </p:cSld>
-  <p:clrMapOvr>
-    <a:masterClrMapping/>
-  </p:clrMapOvr>
-</p:sld>
-</file>
-
-<file path=ppt/slides/slide7.xml><?xml version="1.0" encoding="utf-8"?>
-<p:sld xmlns:a="http://schemas.openxmlformats.org/drawingml/2006/main" xmlns:r="http://schemas.openxmlformats.org/officeDocument/2006/relationships" xmlns:p="http://schemas.openxmlformats.org/presentationml/2006/main">
-  <p:cSld>
-    <p:spTree>
-      <p:nvGrpSpPr>
-        <p:cNvPr id="1" name=""/>
-        <p:cNvGrpSpPr/>
-        <p:nvPr/>
-      </p:nvGrpSpPr>
-      <p:grpSpPr>
-        <a:xfrm>
-          <a:off x="0" y="0"/>
-          <a:ext cx="0" cy="0"/>
-          <a:chOff x="0" y="0"/>
-          <a:chExt cx="0" cy="0"/>
-        </a:xfrm>
-      </p:grpSpPr>
-      <p:sp>
-        <p:nvSpPr>
-          <p:cNvPr id="2" name="Title 1">
-            <a:extLst>
-              <a:ext uri="{FF2B5EF4-FFF2-40B4-BE49-F238E27FC236}">
-                <a16:creationId xmlns:a16="http://schemas.microsoft.com/office/drawing/2014/main" id="{080B02CD-F3E2-F389-B6F4-1B818B0F51F0}"/>
-              </a:ext>
-            </a:extLst>
-          </p:cNvPr>
-          <p:cNvSpPr>
-            <a:spLocks noGrp="1"/>
-          </p:cNvSpPr>
-          <p:nvPr>
-            <p:ph type="title"/>
-          </p:nvPr>
-        </p:nvSpPr>
-        <p:spPr/>
-        <p:txBody>
-          <a:bodyPr/>
-          <a:lstStyle/>
-          <a:p>
-            <a:r>
-              <a:rPr lang="en-US" dirty="0"/>
-              <a:t>Corn price is a proxy for agriculture / urea demand </a:t>
-            </a:r>
-            <a:endParaRPr lang="en-US" b="1" dirty="0"/>
-          </a:p>
-        </p:txBody>
-      </p:sp>
-      <p:pic>
-        <p:nvPicPr>
-          <p:cNvPr id="13" name="Content Placeholder 12">
-            <a:extLst>
-              <a:ext uri="{FF2B5EF4-FFF2-40B4-BE49-F238E27FC236}">
-                <a16:creationId xmlns:a16="http://schemas.microsoft.com/office/drawing/2014/main" id="{E6D2A2C1-5BF7-C94E-6BE4-6B8D62AFE08F}"/>
-              </a:ext>
-            </a:extLst>
-          </p:cNvPr>
-          <p:cNvPicPr>
-            <a:picLocks noGrp="1" noChangeAspect="1"/>
-          </p:cNvPicPr>
-          <p:nvPr>
-            <p:ph idx="1"/>
-          </p:nvPr>
-        </p:nvPicPr>
-        <p:blipFill>
-          <a:blip r:embed="rId2"/>
-          <a:stretch>
-            <a:fillRect/>
-          </a:stretch>
-        </p:blipFill>
-        <p:spPr>
-          <a:xfrm>
-            <a:off x="2449127" y="1825625"/>
-            <a:ext cx="7293745" cy="4351338"/>
-          </a:xfrm>
-          <a:prstGeom prst="rect">
-            <a:avLst/>
-          </a:prstGeom>
-        </p:spPr>
-      </p:pic>
-      <p:sp>
-        <p:nvSpPr>
-          <p:cNvPr id="3" name="TextBox 2">
-            <a:extLst>
-              <a:ext uri="{FF2B5EF4-FFF2-40B4-BE49-F238E27FC236}">
-                <a16:creationId xmlns:a16="http://schemas.microsoft.com/office/drawing/2014/main" id="{B9C2C1CA-A4C2-AA39-6E12-49D3EC1AB284}"/>
-              </a:ext>
-            </a:extLst>
-          </p:cNvPr>
-          <p:cNvSpPr txBox="1"/>
-          <p:nvPr/>
-        </p:nvSpPr>
-        <p:spPr>
-          <a:xfrm>
-            <a:off x="0" y="6492875"/>
-            <a:ext cx="12192000" cy="369332"/>
-          </a:xfrm>
-          <a:prstGeom prst="rect">
-            <a:avLst/>
-          </a:prstGeom>
-          <a:noFill/>
-        </p:spPr>
-        <p:txBody>
-          <a:bodyPr wrap="square" rtlCol="0">
-            <a:spAutoFit/>
-          </a:bodyPr>
-          <a:lstStyle/>
-          <a:p>
-            <a:pPr algn="ctr"/>
-            <a:r>
-              <a:rPr lang="en-US" dirty="0"/>
-              <a:t>Reference: </a:t>
-            </a:r>
-            <a:r>
-              <a:rPr lang="en-US" dirty="0">
-                <a:hlinkClick r:id="rId3"/>
-              </a:rPr>
-              <a:t>What Are the Drivers of Fertilizer Prices in Canada? - Pouliot economics</a:t>
-            </a:r>
-            <a:r>
-              <a:rPr lang="en-US" dirty="0"/>
-              <a:t> </a:t>
-            </a:r>
-            <a:endParaRPr lang="x-none" dirty="0"/>
-          </a:p>
-        </p:txBody>
-      </p:sp>
-    </p:spTree>
-    <p:extLst>
-      <p:ext uri="{BB962C8B-B14F-4D97-AF65-F5344CB8AC3E}">
-        <p14:creationId xmlns:p14="http://schemas.microsoft.com/office/powerpoint/2010/main" val="2693080552"/>
       </p:ext>
     </p:extLst>
   </p:cSld>
@@ -8353,7 +8468,7 @@
           <p:cNvPr id="2" name="Title 1">
             <a:extLst>
               <a:ext uri="{FF2B5EF4-FFF2-40B4-BE49-F238E27FC236}">
-                <a16:creationId xmlns:a16="http://schemas.microsoft.com/office/drawing/2014/main" id="{0170CB00-9CDB-9521-0389-DF61D421A16E}"/>
+                <a16:creationId xmlns:a16="http://schemas.microsoft.com/office/drawing/2014/main" id="{080B02CD-F3E2-F389-B6F4-1B818B0F51F0}"/>
               </a:ext>
             </a:extLst>
           </p:cNvPr>
@@ -8371,17 +8486,18 @@
           <a:p>
             <a:r>
               <a:rPr lang="en-US" dirty="0"/>
-              <a:t>Diesel – transportation costs by trucks, rail, or ship</a:t>
-            </a:r>
+              <a:t>Corn price is a proxy for agriculture / urea demand </a:t>
+            </a:r>
+            <a:endParaRPr lang="en-US" b="1" dirty="0"/>
           </a:p>
         </p:txBody>
       </p:sp>
       <p:pic>
         <p:nvPicPr>
-          <p:cNvPr id="9" name="Content Placeholder 8">
+          <p:cNvPr id="13" name="Content Placeholder 12">
             <a:extLst>
               <a:ext uri="{FF2B5EF4-FFF2-40B4-BE49-F238E27FC236}">
-                <a16:creationId xmlns:a16="http://schemas.microsoft.com/office/drawing/2014/main" id="{9420FBD1-C3A8-9C15-4C6A-CE776305DCD8}"/>
+                <a16:creationId xmlns:a16="http://schemas.microsoft.com/office/drawing/2014/main" id="{E6D2A2C1-5BF7-C94E-6BE4-6B8D62AFE08F}"/>
               </a:ext>
             </a:extLst>
           </p:cNvPr>
@@ -8400,18 +8516,65 @@
         </p:blipFill>
         <p:spPr>
           <a:xfrm>
-            <a:off x="2516035" y="1825625"/>
-            <a:ext cx="7159929" cy="4351338"/>
+            <a:off x="2449127" y="1825625"/>
+            <a:ext cx="7293745" cy="4351338"/>
           </a:xfrm>
           <a:prstGeom prst="rect">
             <a:avLst/>
           </a:prstGeom>
         </p:spPr>
       </p:pic>
+      <p:sp>
+        <p:nvSpPr>
+          <p:cNvPr id="3" name="TextBox 2">
+            <a:extLst>
+              <a:ext uri="{FF2B5EF4-FFF2-40B4-BE49-F238E27FC236}">
+                <a16:creationId xmlns:a16="http://schemas.microsoft.com/office/drawing/2014/main" id="{B9C2C1CA-A4C2-AA39-6E12-49D3EC1AB284}"/>
+              </a:ext>
+            </a:extLst>
+          </p:cNvPr>
+          <p:cNvSpPr txBox="1"/>
+          <p:nvPr/>
+        </p:nvSpPr>
+        <p:spPr>
+          <a:xfrm>
+            <a:off x="0" y="6492875"/>
+            <a:ext cx="12192000" cy="369332"/>
+          </a:xfrm>
+          <a:prstGeom prst="rect">
+            <a:avLst/>
+          </a:prstGeom>
+          <a:noFill/>
+        </p:spPr>
+        <p:txBody>
+          <a:bodyPr wrap="square" rtlCol="0">
+            <a:spAutoFit/>
+          </a:bodyPr>
+          <a:lstStyle/>
+          <a:p>
+            <a:pPr algn="ctr"/>
+            <a:r>
+              <a:rPr lang="en-US" dirty="0"/>
+              <a:t>Reference: </a:t>
+            </a:r>
+            <a:r>
+              <a:rPr lang="en-US" dirty="0">
+                <a:hlinkClick r:id="rId3"/>
+              </a:rPr>
+              <a:t>What Are the Drivers of Fertilizer Prices in Canada? - Pouliot economics</a:t>
+            </a:r>
+            <a:r>
+              <a:rPr lang="en-US" dirty="0"/>
+              <a:t> </a:t>
+            </a:r>
+            <a:endParaRPr lang="x-none" dirty="0"/>
+          </a:p>
+        </p:txBody>
+      </p:sp>
     </p:spTree>
     <p:extLst>
       <p:ext uri="{BB962C8B-B14F-4D97-AF65-F5344CB8AC3E}">
-        <p14:creationId xmlns:p14="http://schemas.microsoft.com/office/powerpoint/2010/main" val="182836596"/>
+        <p14:creationId xmlns:p14="http://schemas.microsoft.com/office/powerpoint/2010/main" val="2693080552"/>
       </p:ext>
     </p:extLst>
   </p:cSld>
@@ -8443,7 +8606,7 @@
           <p:cNvPr id="2" name="Title 1">
             <a:extLst>
               <a:ext uri="{FF2B5EF4-FFF2-40B4-BE49-F238E27FC236}">
-                <a16:creationId xmlns:a16="http://schemas.microsoft.com/office/drawing/2014/main" id="{C6E799AB-88F8-C085-A43D-87F9801E1CFB}"/>
+                <a16:creationId xmlns:a16="http://schemas.microsoft.com/office/drawing/2014/main" id="{0170CB00-9CDB-9521-0389-DF61D421A16E}"/>
               </a:ext>
             </a:extLst>
           </p:cNvPr>
@@ -8461,17 +8624,17 @@
           <a:p>
             <a:r>
               <a:rPr lang="en-US" dirty="0"/>
-              <a:t>Barge Rate (Mississippi), transportation cost from US</a:t>
+              <a:t>Diesel – transportation costs by trucks, rail, or ship</a:t>
             </a:r>
           </a:p>
         </p:txBody>
       </p:sp>
       <p:pic>
         <p:nvPicPr>
-          <p:cNvPr id="5" name="Content Placeholder 4">
+          <p:cNvPr id="9" name="Content Placeholder 8">
             <a:extLst>
               <a:ext uri="{FF2B5EF4-FFF2-40B4-BE49-F238E27FC236}">
-                <a16:creationId xmlns:a16="http://schemas.microsoft.com/office/drawing/2014/main" id="{47C9DB58-723A-894C-56B1-AAD9D0E83C24}"/>
+                <a16:creationId xmlns:a16="http://schemas.microsoft.com/office/drawing/2014/main" id="{9420FBD1-C3A8-9C15-4C6A-CE776305DCD8}"/>
               </a:ext>
             </a:extLst>
           </p:cNvPr>
@@ -8490,61 +8653,18 @@
         </p:blipFill>
         <p:spPr>
           <a:xfrm>
-            <a:off x="2547866" y="1825625"/>
-            <a:ext cx="7096268" cy="4351338"/>
+            <a:off x="2516035" y="1825625"/>
+            <a:ext cx="7159929" cy="4351338"/>
           </a:xfrm>
           <a:prstGeom prst="rect">
             <a:avLst/>
           </a:prstGeom>
         </p:spPr>
       </p:pic>
-      <p:sp>
-        <p:nvSpPr>
-          <p:cNvPr id="3" name="TextBox 2">
-            <a:extLst>
-              <a:ext uri="{FF2B5EF4-FFF2-40B4-BE49-F238E27FC236}">
-                <a16:creationId xmlns:a16="http://schemas.microsoft.com/office/drawing/2014/main" id="{7F82D922-A7B2-AEC4-16A4-4FD2CFBECC57}"/>
-              </a:ext>
-            </a:extLst>
-          </p:cNvPr>
-          <p:cNvSpPr txBox="1"/>
-          <p:nvPr/>
-        </p:nvSpPr>
-        <p:spPr>
-          <a:xfrm>
-            <a:off x="0" y="6492875"/>
-            <a:ext cx="12192000" cy="369332"/>
-          </a:xfrm>
-          <a:prstGeom prst="rect">
-            <a:avLst/>
-          </a:prstGeom>
-          <a:noFill/>
-        </p:spPr>
-        <p:txBody>
-          <a:bodyPr wrap="square" rtlCol="0">
-            <a:spAutoFit/>
-          </a:bodyPr>
-          <a:lstStyle/>
-          <a:p>
-            <a:pPr algn="ctr"/>
-            <a:r>
-              <a:rPr lang="en-US" dirty="0"/>
-              <a:t>Reference: </a:t>
-            </a:r>
-            <a:r>
-              <a:rPr lang="en-US" dirty="0">
-                <a:hlinkClick r:id="rId3"/>
-              </a:rPr>
-              <a:t>United States Department of Agriculture (USDA), Downbound Grain Barge Rates </a:t>
-            </a:r>
-            <a:endParaRPr lang="x-none" dirty="0"/>
-          </a:p>
-        </p:txBody>
-      </p:sp>
     </p:spTree>
     <p:extLst>
       <p:ext uri="{BB962C8B-B14F-4D97-AF65-F5344CB8AC3E}">
-        <p14:creationId xmlns:p14="http://schemas.microsoft.com/office/powerpoint/2010/main" val="2537292683"/>
+        <p14:creationId xmlns:p14="http://schemas.microsoft.com/office/powerpoint/2010/main" val="182836596"/>
       </p:ext>
     </p:extLst>
   </p:cSld>
